--- a/binaries/CNCF_meetup6_Thanos.pptx
+++ b/binaries/CNCF_meetup6_Thanos.pptx
@@ -9,7 +9,7 @@
     <p:sldMasterId id="2147483700" r:id="rId5"/>
   </p:sldMasterIdLst>
   <p:notesMasterIdLst>
-    <p:notesMasterId r:id="rId39"/>
+    <p:notesMasterId r:id="rId41"/>
   </p:notesMasterIdLst>
   <p:sldIdLst>
     <p:sldId id="256" r:id="rId6"/>
@@ -31,20 +31,22 @@
     <p:sldId id="273" r:id="rId22"/>
     <p:sldId id="274" r:id="rId23"/>
     <p:sldId id="275" r:id="rId24"/>
-    <p:sldId id="276" r:id="rId25"/>
-    <p:sldId id="277" r:id="rId26"/>
-    <p:sldId id="278" r:id="rId27"/>
-    <p:sldId id="279" r:id="rId28"/>
-    <p:sldId id="280" r:id="rId29"/>
-    <p:sldId id="281" r:id="rId30"/>
-    <p:sldId id="282" r:id="rId31"/>
-    <p:sldId id="283" r:id="rId32"/>
-    <p:sldId id="284" r:id="rId33"/>
-    <p:sldId id="285" r:id="rId34"/>
-    <p:sldId id="286" r:id="rId35"/>
-    <p:sldId id="287" r:id="rId36"/>
-    <p:sldId id="288" r:id="rId37"/>
-    <p:sldId id="289" r:id="rId38"/>
+    <p:sldId id="277" r:id="rId25"/>
+    <p:sldId id="293" r:id="rId26"/>
+    <p:sldId id="276" r:id="rId27"/>
+    <p:sldId id="278" r:id="rId28"/>
+    <p:sldId id="279" r:id="rId29"/>
+    <p:sldId id="280" r:id="rId30"/>
+    <p:sldId id="281" r:id="rId31"/>
+    <p:sldId id="282" r:id="rId32"/>
+    <p:sldId id="283" r:id="rId33"/>
+    <p:sldId id="284" r:id="rId34"/>
+    <p:sldId id="285" r:id="rId35"/>
+    <p:sldId id="286" r:id="rId36"/>
+    <p:sldId id="287" r:id="rId37"/>
+    <p:sldId id="288" r:id="rId38"/>
+    <p:sldId id="289" r:id="rId39"/>
+    <p:sldId id="290" r:id="rId40"/>
   </p:sldIdLst>
   <p:sldSz cx="12193588" cy="6858000"/>
   <p:notesSz cx="6858000" cy="9144000"/>
@@ -143,6 +145,11 @@
       </a:defRPr>
     </a:lvl9pPr>
   </p:defaultTextStyle>
+  <p:extLst>
+    <p:ext uri="{EFAFB233-063F-42B5-8137-9DF3F51BA10A}">
+      <p15:sldGuideLst xmlns:p15="http://schemas.microsoft.com/office/powerpoint/2012/main"/>
+    </p:ext>
+  </p:extLst>
 </p:presentation>
 </file>
 
@@ -1437,7 +1444,7 @@
       </p:grpSpPr>
       <p:sp>
         <p:nvSpPr>
-          <p:cNvPr id="548" name="PlaceHolder 1"/>
+          <p:cNvPr id="551" name="PlaceHolder 1"/>
           <p:cNvSpPr>
             <a:spLocks noGrp="1" noRot="1" noChangeAspect="1"/>
           </p:cNvSpPr>
@@ -1457,7 +1464,7 @@
       </p:sp>
       <p:sp>
         <p:nvSpPr>
-          <p:cNvPr id="549" name="PlaceHolder 2"/>
+          <p:cNvPr id="552" name="PlaceHolder 2"/>
           <p:cNvSpPr>
             <a:spLocks noGrp="1"/>
           </p:cNvSpPr>
@@ -1486,7 +1493,7 @@
       </p:sp>
       <p:sp>
         <p:nvSpPr>
-          <p:cNvPr id="550" name="CustomShape 3"/>
+          <p:cNvPr id="553" name="CustomShape 3"/>
           <p:cNvSpPr/>
           <p:nvPr/>
         </p:nvSpPr>
@@ -1623,6 +1630,11 @@
         </p:style>
       </p:sp>
     </p:spTree>
+    <p:extLst>
+      <p:ext uri="{BB962C8B-B14F-4D97-AF65-F5344CB8AC3E}">
+        <p14:creationId xmlns:p14="http://schemas.microsoft.com/office/powerpoint/2010/main" val="484127530"/>
+      </p:ext>
+    </p:extLst>
   </p:cSld>
   <p:clrMapOvr>
     <a:masterClrMapping/>
@@ -1755,7 +1767,7 @@
       </p:grpSpPr>
       <p:sp>
         <p:nvSpPr>
-          <p:cNvPr id="554" name="PlaceHolder 1"/>
+          <p:cNvPr id="548" name="PlaceHolder 1"/>
           <p:cNvSpPr>
             <a:spLocks noGrp="1" noRot="1" noChangeAspect="1"/>
           </p:cNvSpPr>
@@ -1775,7 +1787,7 @@
       </p:sp>
       <p:sp>
         <p:nvSpPr>
-          <p:cNvPr id="555" name="PlaceHolder 2"/>
+          <p:cNvPr id="549" name="PlaceHolder 2"/>
           <p:cNvSpPr>
             <a:spLocks noGrp="1"/>
           </p:cNvSpPr>
@@ -1804,7 +1816,7 @@
       </p:sp>
       <p:sp>
         <p:nvSpPr>
-          <p:cNvPr id="556" name="CustomShape 3"/>
+          <p:cNvPr id="550" name="CustomShape 3"/>
           <p:cNvSpPr/>
           <p:nvPr/>
         </p:nvSpPr>
@@ -1861,7 +1873,7 @@
       </p:grpSpPr>
       <p:sp>
         <p:nvSpPr>
-          <p:cNvPr id="557" name="PlaceHolder 1"/>
+          <p:cNvPr id="554" name="PlaceHolder 1"/>
           <p:cNvSpPr>
             <a:spLocks noGrp="1" noRot="1" noChangeAspect="1"/>
           </p:cNvSpPr>
@@ -1881,7 +1893,7 @@
       </p:sp>
       <p:sp>
         <p:nvSpPr>
-          <p:cNvPr id="558" name="PlaceHolder 2"/>
+          <p:cNvPr id="555" name="PlaceHolder 2"/>
           <p:cNvSpPr>
             <a:spLocks noGrp="1"/>
           </p:cNvSpPr>
@@ -1910,7 +1922,7 @@
       </p:sp>
       <p:sp>
         <p:nvSpPr>
-          <p:cNvPr id="559" name="CustomShape 3"/>
+          <p:cNvPr id="556" name="CustomShape 3"/>
           <p:cNvSpPr/>
           <p:nvPr/>
         </p:nvSpPr>
@@ -1967,7 +1979,7 @@
       </p:grpSpPr>
       <p:sp>
         <p:nvSpPr>
-          <p:cNvPr id="560" name="PlaceHolder 1"/>
+          <p:cNvPr id="557" name="PlaceHolder 1"/>
           <p:cNvSpPr>
             <a:spLocks noGrp="1" noRot="1" noChangeAspect="1"/>
           </p:cNvSpPr>
@@ -1987,7 +1999,7 @@
       </p:sp>
       <p:sp>
         <p:nvSpPr>
-          <p:cNvPr id="561" name="PlaceHolder 2"/>
+          <p:cNvPr id="558" name="PlaceHolder 2"/>
           <p:cNvSpPr>
             <a:spLocks noGrp="1"/>
           </p:cNvSpPr>
@@ -2016,7 +2028,7 @@
       </p:sp>
       <p:sp>
         <p:nvSpPr>
-          <p:cNvPr id="562" name="CustomShape 3"/>
+          <p:cNvPr id="559" name="CustomShape 3"/>
           <p:cNvSpPr/>
           <p:nvPr/>
         </p:nvSpPr>
@@ -2073,7 +2085,7 @@
       </p:grpSpPr>
       <p:sp>
         <p:nvSpPr>
-          <p:cNvPr id="563" name="PlaceHolder 1"/>
+          <p:cNvPr id="560" name="PlaceHolder 1"/>
           <p:cNvSpPr>
             <a:spLocks noGrp="1" noRot="1" noChangeAspect="1"/>
           </p:cNvSpPr>
@@ -2093,7 +2105,7 @@
       </p:sp>
       <p:sp>
         <p:nvSpPr>
-          <p:cNvPr id="564" name="PlaceHolder 2"/>
+          <p:cNvPr id="561" name="PlaceHolder 2"/>
           <p:cNvSpPr>
             <a:spLocks noGrp="1"/>
           </p:cNvSpPr>
@@ -2122,7 +2134,7 @@
       </p:sp>
       <p:sp>
         <p:nvSpPr>
-          <p:cNvPr id="565" name="CustomShape 3"/>
+          <p:cNvPr id="562" name="CustomShape 3"/>
           <p:cNvSpPr/>
           <p:nvPr/>
         </p:nvSpPr>
@@ -2179,7 +2191,7 @@
       </p:grpSpPr>
       <p:sp>
         <p:nvSpPr>
-          <p:cNvPr id="566" name="PlaceHolder 1"/>
+          <p:cNvPr id="563" name="PlaceHolder 1"/>
           <p:cNvSpPr>
             <a:spLocks noGrp="1" noRot="1" noChangeAspect="1"/>
           </p:cNvSpPr>
@@ -2199,7 +2211,7 @@
       </p:sp>
       <p:sp>
         <p:nvSpPr>
-          <p:cNvPr id="567" name="PlaceHolder 2"/>
+          <p:cNvPr id="564" name="PlaceHolder 2"/>
           <p:cNvSpPr>
             <a:spLocks noGrp="1"/>
           </p:cNvSpPr>
@@ -2228,7 +2240,7 @@
       </p:sp>
       <p:sp>
         <p:nvSpPr>
-          <p:cNvPr id="568" name="CustomShape 3"/>
+          <p:cNvPr id="565" name="CustomShape 3"/>
           <p:cNvSpPr/>
           <p:nvPr/>
         </p:nvSpPr>
@@ -2285,7 +2297,7 @@
       </p:grpSpPr>
       <p:sp>
         <p:nvSpPr>
-          <p:cNvPr id="569" name="PlaceHolder 1"/>
+          <p:cNvPr id="566" name="PlaceHolder 1"/>
           <p:cNvSpPr>
             <a:spLocks noGrp="1" noRot="1" noChangeAspect="1"/>
           </p:cNvSpPr>
@@ -2295,17 +2307,17 @@
         </p:nvSpPr>
         <p:spPr>
           <a:xfrm>
-            <a:off x="685800" y="1143000"/>
-            <a:ext cx="5477040" cy="3076920"/>
-          </a:xfrm>
-          <a:prstGeom prst="rect">
-            <a:avLst/>
-          </a:prstGeom>
-        </p:spPr>
-      </p:sp>
-      <p:sp>
-        <p:nvSpPr>
-          <p:cNvPr id="570" name="PlaceHolder 2"/>
+            <a:off x="688975" y="1143000"/>
+            <a:ext cx="5470525" cy="3076575"/>
+          </a:xfrm>
+          <a:prstGeom prst="rect">
+            <a:avLst/>
+          </a:prstGeom>
+        </p:spPr>
+      </p:sp>
+      <p:sp>
+        <p:nvSpPr>
+          <p:cNvPr id="567" name="PlaceHolder 2"/>
           <p:cNvSpPr>
             <a:spLocks noGrp="1"/>
           </p:cNvSpPr>
@@ -2334,7 +2346,7 @@
       </p:sp>
       <p:sp>
         <p:nvSpPr>
-          <p:cNvPr id="571" name="CustomShape 3"/>
+          <p:cNvPr id="568" name="CustomShape 3"/>
           <p:cNvSpPr/>
           <p:nvPr/>
         </p:nvSpPr>
@@ -2391,7 +2403,7 @@
       </p:grpSpPr>
       <p:sp>
         <p:nvSpPr>
-          <p:cNvPr id="572" name="PlaceHolder 1"/>
+          <p:cNvPr id="569" name="PlaceHolder 1"/>
           <p:cNvSpPr>
             <a:spLocks noGrp="1" noRot="1" noChangeAspect="1"/>
           </p:cNvSpPr>
@@ -2401,17 +2413,17 @@
         </p:nvSpPr>
         <p:spPr>
           <a:xfrm>
-            <a:off x="688975" y="1143000"/>
-            <a:ext cx="5470525" cy="3076575"/>
-          </a:xfrm>
-          <a:prstGeom prst="rect">
-            <a:avLst/>
-          </a:prstGeom>
-        </p:spPr>
-      </p:sp>
-      <p:sp>
-        <p:nvSpPr>
-          <p:cNvPr id="573" name="PlaceHolder 2"/>
+            <a:off x="685800" y="1143000"/>
+            <a:ext cx="5477040" cy="3076920"/>
+          </a:xfrm>
+          <a:prstGeom prst="rect">
+            <a:avLst/>
+          </a:prstGeom>
+        </p:spPr>
+      </p:sp>
+      <p:sp>
+        <p:nvSpPr>
+          <p:cNvPr id="570" name="PlaceHolder 2"/>
           <p:cNvSpPr>
             <a:spLocks noGrp="1"/>
           </p:cNvSpPr>
@@ -2440,7 +2452,7 @@
       </p:sp>
       <p:sp>
         <p:nvSpPr>
-          <p:cNvPr id="574" name="CustomShape 3"/>
+          <p:cNvPr id="571" name="CustomShape 3"/>
           <p:cNvSpPr/>
           <p:nvPr/>
         </p:nvSpPr>
@@ -2497,6 +2509,112 @@
       </p:grpSpPr>
       <p:sp>
         <p:nvSpPr>
+          <p:cNvPr id="572" name="PlaceHolder 1"/>
+          <p:cNvSpPr>
+            <a:spLocks noGrp="1" noRot="1" noChangeAspect="1"/>
+          </p:cNvSpPr>
+          <p:nvPr>
+            <p:ph type="sldImg"/>
+          </p:nvPr>
+        </p:nvSpPr>
+        <p:spPr>
+          <a:xfrm>
+            <a:off x="688975" y="1143000"/>
+            <a:ext cx="5470525" cy="3076575"/>
+          </a:xfrm>
+          <a:prstGeom prst="rect">
+            <a:avLst/>
+          </a:prstGeom>
+        </p:spPr>
+      </p:sp>
+      <p:sp>
+        <p:nvSpPr>
+          <p:cNvPr id="573" name="PlaceHolder 2"/>
+          <p:cNvSpPr>
+            <a:spLocks noGrp="1"/>
+          </p:cNvSpPr>
+          <p:nvPr>
+            <p:ph type="body"/>
+          </p:nvPr>
+        </p:nvSpPr>
+        <p:spPr>
+          <a:xfrm>
+            <a:off x="685800" y="4400640"/>
+            <a:ext cx="5477040" cy="3591000"/>
+          </a:xfrm>
+          <a:prstGeom prst="rect">
+            <a:avLst/>
+          </a:prstGeom>
+        </p:spPr>
+        <p:txBody>
+          <a:bodyPr lIns="0" tIns="0" rIns="0" bIns="0"/>
+          <a:lstStyle/>
+          <a:p>
+            <a:endParaRPr lang="fr-FR" sz="2000" b="0" strike="noStrike" spc="-1">
+              <a:latin typeface="Arial"/>
+            </a:endParaRPr>
+          </a:p>
+        </p:txBody>
+      </p:sp>
+      <p:sp>
+        <p:nvSpPr>
+          <p:cNvPr id="574" name="CustomShape 3"/>
+          <p:cNvSpPr/>
+          <p:nvPr/>
+        </p:nvSpPr>
+        <p:spPr>
+          <a:xfrm>
+            <a:off x="3884760" y="8685360"/>
+            <a:ext cx="2962440" cy="449280"/>
+          </a:xfrm>
+          <a:prstGeom prst="rect">
+            <a:avLst/>
+          </a:prstGeom>
+          <a:noFill/>
+          <a:ln>
+            <a:noFill/>
+          </a:ln>
+        </p:spPr>
+        <p:style>
+          <a:lnRef idx="0">
+            <a:scrgbClr r="0" g="0" b="0"/>
+          </a:lnRef>
+          <a:fillRef idx="0">
+            <a:scrgbClr r="0" g="0" b="0"/>
+          </a:fillRef>
+          <a:effectRef idx="0">
+            <a:scrgbClr r="0" g="0" b="0"/>
+          </a:effectRef>
+          <a:fontRef idx="minor"/>
+        </p:style>
+      </p:sp>
+    </p:spTree>
+  </p:cSld>
+  <p:clrMapOvr>
+    <a:masterClrMapping/>
+  </p:clrMapOvr>
+</p:notes>
+</file>
+
+<file path=ppt/notesSlides/notesSlide28.xml><?xml version="1.0" encoding="utf-8"?>
+<p:notes xmlns:a="http://schemas.openxmlformats.org/drawingml/2006/main" xmlns:r="http://schemas.openxmlformats.org/officeDocument/2006/relationships" xmlns:p="http://schemas.openxmlformats.org/presentationml/2006/main">
+  <p:cSld>
+    <p:spTree>
+      <p:nvGrpSpPr>
+        <p:cNvPr id="1" name=""/>
+        <p:cNvGrpSpPr/>
+        <p:nvPr/>
+      </p:nvGrpSpPr>
+      <p:grpSpPr>
+        <a:xfrm>
+          <a:off x="0" y="0"/>
+          <a:ext cx="0" cy="0"/>
+          <a:chOff x="0" y="0"/>
+          <a:chExt cx="0" cy="0"/>
+        </a:xfrm>
+      </p:grpSpPr>
+      <p:sp>
+        <p:nvSpPr>
           <p:cNvPr id="575" name="PlaceHolder 1"/>
           <p:cNvSpPr>
             <a:spLocks noGrp="1" noRot="1" noChangeAspect="1"/>
@@ -2577,6 +2695,117 @@
         </p:style>
       </p:sp>
     </p:spTree>
+  </p:cSld>
+  <p:clrMapOvr>
+    <a:masterClrMapping/>
+  </p:clrMapOvr>
+</p:notes>
+</file>
+
+<file path=ppt/notesSlides/notesSlide29.xml><?xml version="1.0" encoding="utf-8"?>
+<p:notes xmlns:a="http://schemas.openxmlformats.org/drawingml/2006/main" xmlns:r="http://schemas.openxmlformats.org/officeDocument/2006/relationships" xmlns:p="http://schemas.openxmlformats.org/presentationml/2006/main">
+  <p:cSld>
+    <p:spTree>
+      <p:nvGrpSpPr>
+        <p:cNvPr id="1" name=""/>
+        <p:cNvGrpSpPr/>
+        <p:nvPr/>
+      </p:nvGrpSpPr>
+      <p:grpSpPr>
+        <a:xfrm>
+          <a:off x="0" y="0"/>
+          <a:ext cx="0" cy="0"/>
+          <a:chOff x="0" y="0"/>
+          <a:chExt cx="0" cy="0"/>
+        </a:xfrm>
+      </p:grpSpPr>
+      <p:sp>
+        <p:nvSpPr>
+          <p:cNvPr id="575" name="PlaceHolder 1"/>
+          <p:cNvSpPr>
+            <a:spLocks noGrp="1" noRot="1" noChangeAspect="1"/>
+          </p:cNvSpPr>
+          <p:nvPr>
+            <p:ph type="sldImg"/>
+          </p:nvPr>
+        </p:nvSpPr>
+        <p:spPr>
+          <a:xfrm>
+            <a:off x="688975" y="1143000"/>
+            <a:ext cx="5470525" cy="3076575"/>
+          </a:xfrm>
+          <a:prstGeom prst="rect">
+            <a:avLst/>
+          </a:prstGeom>
+        </p:spPr>
+      </p:sp>
+      <p:sp>
+        <p:nvSpPr>
+          <p:cNvPr id="576" name="PlaceHolder 2"/>
+          <p:cNvSpPr>
+            <a:spLocks noGrp="1"/>
+          </p:cNvSpPr>
+          <p:nvPr>
+            <p:ph type="body"/>
+          </p:nvPr>
+        </p:nvSpPr>
+        <p:spPr>
+          <a:xfrm>
+            <a:off x="685800" y="4400640"/>
+            <a:ext cx="5477040" cy="3591000"/>
+          </a:xfrm>
+          <a:prstGeom prst="rect">
+            <a:avLst/>
+          </a:prstGeom>
+        </p:spPr>
+        <p:txBody>
+          <a:bodyPr lIns="0" tIns="0" rIns="0" bIns="0"/>
+          <a:lstStyle/>
+          <a:p>
+            <a:endParaRPr lang="fr-FR" sz="2000" b="0" strike="noStrike" spc="-1">
+              <a:latin typeface="Arial"/>
+            </a:endParaRPr>
+          </a:p>
+        </p:txBody>
+      </p:sp>
+      <p:sp>
+        <p:nvSpPr>
+          <p:cNvPr id="577" name="CustomShape 3"/>
+          <p:cNvSpPr/>
+          <p:nvPr/>
+        </p:nvSpPr>
+        <p:spPr>
+          <a:xfrm>
+            <a:off x="3884760" y="8685360"/>
+            <a:ext cx="2962440" cy="449280"/>
+          </a:xfrm>
+          <a:prstGeom prst="rect">
+            <a:avLst/>
+          </a:prstGeom>
+          <a:noFill/>
+          <a:ln>
+            <a:noFill/>
+          </a:ln>
+        </p:spPr>
+        <p:style>
+          <a:lnRef idx="0">
+            <a:scrgbClr r="0" g="0" b="0"/>
+          </a:lnRef>
+          <a:fillRef idx="0">
+            <a:scrgbClr r="0" g="0" b="0"/>
+          </a:fillRef>
+          <a:effectRef idx="0">
+            <a:scrgbClr r="0" g="0" b="0"/>
+          </a:effectRef>
+          <a:fontRef idx="minor"/>
+        </p:style>
+      </p:sp>
+    </p:spTree>
+    <p:extLst>
+      <p:ext uri="{BB962C8B-B14F-4D97-AF65-F5344CB8AC3E}">
+        <p14:creationId xmlns:p14="http://schemas.microsoft.com/office/powerpoint/2010/main" val="1040382507"/>
+      </p:ext>
+    </p:extLst>
   </p:cSld>
   <p:clrMapOvr>
     <a:masterClrMapping/>
@@ -2613,8 +2842,8 @@
         </p:nvSpPr>
         <p:spPr>
           <a:xfrm>
-            <a:off x="685800" y="1143000"/>
-            <a:ext cx="5477040" cy="3076920"/>
+            <a:off x="688975" y="1143000"/>
+            <a:ext cx="5470525" cy="3076575"/>
           </a:xfrm>
           <a:prstGeom prst="rect">
             <a:avLst/>
@@ -13880,16 +14109,6 @@
               </a:spcBef>
             </a:pPr>
             <a:r>
-              <a:rPr lang="fr-FR" sz="2800" b="0" strike="noStrike" spc="-1" dirty="0" err="1" smtClean="0">
-                <a:solidFill>
-                  <a:srgbClr val="000000"/>
-                </a:solidFill>
-                <a:latin typeface="Ubuntu"/>
-                <a:ea typeface="DejaVu Sans"/>
-              </a:rPr>
-              <a:t>Ligiciel</a:t>
-            </a:r>
-            <a:r>
               <a:rPr lang="fr-FR" sz="2800" b="0" strike="noStrike" spc="-1" dirty="0" smtClean="0">
                 <a:solidFill>
                   <a:srgbClr val="000000"/>
@@ -13897,7 +14116,7 @@
                 <a:latin typeface="Ubuntu"/>
                 <a:ea typeface="DejaVu Sans"/>
               </a:rPr>
-              <a:t> très </a:t>
+              <a:t>Logiciel très </a:t>
             </a:r>
             <a:r>
               <a:rPr lang="fr-FR" sz="2800" b="0" strike="noStrike" spc="-1" dirty="0">
@@ -13975,10 +14194,10 @@
                 <a:latin typeface="Ubuntu"/>
                 <a:ea typeface="DejaVu Sans"/>
               </a:rPr>
-              <a:t>de nombreux </a:t>
-            </a:r>
-            <a:r>
-              <a:rPr lang="fr-FR" sz="2400" b="0" strike="noStrike" spc="-1" dirty="0" err="1">
+              <a:t>de nombreux échantillons/</a:t>
+            </a:r>
+            <a:r>
+              <a:rPr lang="fr-FR" sz="2400" b="0" strike="noStrike" spc="-1" dirty="0" err="1" smtClean="0">
                 <a:solidFill>
                   <a:srgbClr val="000000"/>
                 </a:solidFill>
@@ -13986,16 +14205,6 @@
                 <a:ea typeface="DejaVu Sans"/>
               </a:rPr>
               <a:t>timeseries</a:t>
-            </a:r>
-            <a:r>
-              <a:rPr lang="fr-FR" sz="2400" b="0" strike="noStrike" spc="-1" dirty="0">
-                <a:solidFill>
-                  <a:srgbClr val="000000"/>
-                </a:solidFill>
-                <a:latin typeface="Ubuntu"/>
-                <a:ea typeface="DejaVu Sans"/>
-              </a:rPr>
-              <a:t>/échantillons</a:t>
             </a:r>
             <a:endParaRPr lang="fr-FR" sz="2400" b="0" strike="noStrike" spc="-1" dirty="0">
               <a:latin typeface="Arial"/>
@@ -14126,7 +14335,7 @@
             </a:endParaRPr>
           </a:p>
           <a:p>
-            <a:pPr marL="432000" lvl="1" indent="-210600">
+            <a:pPr marL="221400" lvl="1">
               <a:lnSpc>
                 <a:spcPct val="150000"/>
               </a:lnSpc>
@@ -14137,9 +14346,17 @@
                 <a:srgbClr val="000000"/>
               </a:buClr>
               <a:buSzPct val="45000"/>
-              <a:buFont typeface="Wingdings" charset="2"/>
-              <a:buChar char=""/>
             </a:pPr>
+            <a:r>
+              <a:rPr lang="fr-FR" sz="2400" b="0" strike="noStrike" spc="-1" dirty="0" smtClean="0">
+                <a:solidFill>
+                  <a:srgbClr val="000000"/>
+                </a:solidFill>
+                <a:latin typeface="Ubuntu"/>
+                <a:ea typeface="DejaVu Sans"/>
+              </a:rPr>
+              <a:t>	⇒ </a:t>
+            </a:r>
             <a:r>
               <a:rPr lang="fr-FR" sz="2400" b="0" strike="noStrike" spc="-1" dirty="0">
                 <a:solidFill>
@@ -14148,7 +14365,7 @@
                 <a:latin typeface="Ubuntu"/>
                 <a:ea typeface="DejaVu Sans"/>
               </a:rPr>
-              <a:t>⇒ ~200 serveurs </a:t>
+              <a:t>~200 serveurs </a:t>
             </a:r>
             <a:r>
               <a:rPr lang="fr-FR" sz="2400" b="0" strike="noStrike" spc="-1" dirty="0" err="1">
@@ -14178,7 +14395,7 @@
         </p:blipFill>
         <p:spPr>
           <a:xfrm>
-            <a:off x="8784000" y="4392000"/>
+            <a:off x="8063564" y="4433565"/>
             <a:ext cx="3383280" cy="1889640"/>
           </a:xfrm>
           <a:prstGeom prst="rect">
@@ -16094,7 +16311,7 @@
         </p:nvSpPr>
         <p:spPr>
           <a:xfrm>
-            <a:off x="2613960" y="4285080"/>
+            <a:off x="2134050" y="4539240"/>
             <a:ext cx="2353680" cy="1474560"/>
           </a:xfrm>
           <a:prstGeom prst="rect">
@@ -16247,7 +16464,7 @@
         </p:blipFill>
         <p:spPr>
           <a:xfrm>
-            <a:off x="2736000" y="4392360"/>
+            <a:off x="2256090" y="4646520"/>
             <a:ext cx="1015920" cy="1007280"/>
           </a:xfrm>
           <a:prstGeom prst="rect">
@@ -16270,7 +16487,7 @@
         </p:blipFill>
         <p:spPr>
           <a:xfrm>
-            <a:off x="2613960" y="3240000"/>
+            <a:off x="2134050" y="3494160"/>
             <a:ext cx="1417680" cy="1044720"/>
           </a:xfrm>
           <a:prstGeom prst="rect">
@@ -16294,7 +16511,7 @@
         </p:blipFill>
         <p:spPr>
           <a:xfrm>
-            <a:off x="3744000" y="3168720"/>
+            <a:off x="3264090" y="3422880"/>
             <a:ext cx="1201320" cy="1078920"/>
           </a:xfrm>
           <a:prstGeom prst="rect">
@@ -16313,7 +16530,7 @@
         </p:nvSpPr>
         <p:spPr>
           <a:xfrm>
-            <a:off x="2664360" y="5400000"/>
+            <a:off x="2184450" y="5654160"/>
             <a:ext cx="2375640" cy="345960"/>
           </a:xfrm>
           <a:prstGeom prst="rect">
@@ -16441,12 +16658,12 @@
         </p:nvSpPr>
         <p:spPr>
           <a:xfrm>
-            <a:off x="1476000" y="2592000"/>
-            <a:ext cx="1260000" cy="2304000"/>
+            <a:off x="1220370" y="2432880"/>
+            <a:ext cx="893190" cy="2717280"/>
           </a:xfrm>
           <a:prstGeom prst="curvedConnector3">
             <a:avLst>
-              <a:gd name="adj1" fmla="val 20770"/>
+              <a:gd name="adj1" fmla="val -16172"/>
             </a:avLst>
           </a:prstGeom>
           <a:noFill/>
@@ -16496,7 +16713,7 @@
         </p:nvSpPr>
         <p:spPr>
           <a:xfrm>
-            <a:off x="6861960" y="4284360"/>
+            <a:off x="4533781" y="2325600"/>
             <a:ext cx="2353680" cy="1475280"/>
           </a:xfrm>
           <a:prstGeom prst="rect">
@@ -16536,7 +16753,7 @@
         </p:blipFill>
         <p:spPr>
           <a:xfrm>
-            <a:off x="6984000" y="4391640"/>
+            <a:off x="4655821" y="2432880"/>
             <a:ext cx="1015920" cy="1007280"/>
           </a:xfrm>
           <a:prstGeom prst="rect">
@@ -16559,7 +16776,7 @@
         </p:blipFill>
         <p:spPr>
           <a:xfrm>
-            <a:off x="6861960" y="3239280"/>
+            <a:off x="4533781" y="1280520"/>
             <a:ext cx="1417680" cy="1044720"/>
           </a:xfrm>
           <a:prstGeom prst="rect">
@@ -16583,7 +16800,7 @@
         </p:blipFill>
         <p:spPr>
           <a:xfrm>
-            <a:off x="7992000" y="3168000"/>
+            <a:off x="5663821" y="1209240"/>
             <a:ext cx="1201320" cy="1078920"/>
           </a:xfrm>
           <a:prstGeom prst="rect">
@@ -16602,7 +16819,7 @@
         </p:nvSpPr>
         <p:spPr>
           <a:xfrm>
-            <a:off x="6909840" y="5399280"/>
+            <a:off x="4581661" y="3440520"/>
             <a:ext cx="2125800" cy="360360"/>
           </a:xfrm>
           <a:prstGeom prst="rect">
@@ -16651,12 +16868,12 @@
         </p:nvSpPr>
         <p:spPr>
           <a:xfrm>
-            <a:off x="2016000" y="2053080"/>
-            <a:ext cx="4968000" cy="2842200"/>
+            <a:off x="2016001" y="2053080"/>
+            <a:ext cx="2544090" cy="937080"/>
           </a:xfrm>
           <a:prstGeom prst="curvedConnector3">
             <a:avLst>
-              <a:gd name="adj1" fmla="val 59952"/>
+              <a:gd name="adj1" fmla="val 52638"/>
             </a:avLst>
           </a:prstGeom>
           <a:noFill/>
@@ -16689,7 +16906,7 @@
         </p:nvSpPr>
         <p:spPr>
           <a:xfrm flipV="1">
-            <a:off x="3752280" y="4152600"/>
+            <a:off x="3272370" y="4406760"/>
             <a:ext cx="539640" cy="743400"/>
           </a:xfrm>
           <a:prstGeom prst="curvedConnector3">
@@ -16727,7 +16944,7 @@
         </p:nvSpPr>
         <p:spPr>
           <a:xfrm flipV="1">
-            <a:off x="8000280" y="4151880"/>
+            <a:off x="5672101" y="2193120"/>
             <a:ext cx="597620" cy="743400"/>
           </a:xfrm>
           <a:prstGeom prst="curvedConnector3">
@@ -16757,6 +16974,36 @@
           <a:fontRef idx="minor"/>
         </p:style>
       </p:sp>
+      <p:pic>
+        <p:nvPicPr>
+          <p:cNvPr id="2" name="Image 1"/>
+          <p:cNvPicPr>
+            <a:picLocks noChangeAspect="1"/>
+          </p:cNvPicPr>
+          <p:nvPr/>
+        </p:nvPicPr>
+        <p:blipFill>
+          <a:blip r:embed="rId8">
+            <a:extLst>
+              <a:ext uri="{28A0092B-C50C-407E-A947-70E740481C1C}">
+                <a14:useLocalDpi xmlns:a14="http://schemas.microsoft.com/office/drawing/2010/main" val="0"/>
+              </a:ext>
+            </a:extLst>
+          </a:blip>
+          <a:stretch>
+            <a:fillRect/>
+          </a:stretch>
+        </p:blipFill>
+        <p:spPr>
+          <a:xfrm>
+            <a:off x="7077871" y="1666690"/>
+            <a:ext cx="5017148" cy="4180957"/>
+          </a:xfrm>
+          <a:prstGeom prst="rect">
+            <a:avLst/>
+          </a:prstGeom>
+        </p:spPr>
+      </p:pic>
     </p:spTree>
   </p:cSld>
   <p:clrMapOvr>
@@ -16977,6 +17224,51 @@
                       </p:childTnLst>
                     </p:cTn>
                   </p:par>
+                  <p:par>
+                    <p:cTn id="19" fill="hold">
+                      <p:stCondLst>
+                        <p:cond delay="indefinite"/>
+                      </p:stCondLst>
+                      <p:childTnLst>
+                        <p:par>
+                          <p:cTn id="20" fill="hold">
+                            <p:stCondLst>
+                              <p:cond delay="0"/>
+                            </p:stCondLst>
+                            <p:childTnLst>
+                              <p:par>
+                                <p:cTn id="21" presetID="1" presetClass="entr" presetSubtype="0" fill="hold" nodeType="clickEffect">
+                                  <p:stCondLst>
+                                    <p:cond delay="0"/>
+                                  </p:stCondLst>
+                                  <p:childTnLst>
+                                    <p:set>
+                                      <p:cBhvr>
+                                        <p:cTn id="22" dur="1" fill="hold">
+                                          <p:stCondLst>
+                                            <p:cond delay="0"/>
+                                          </p:stCondLst>
+                                        </p:cTn>
+                                        <p:tgtEl>
+                                          <p:spTgt spid="2"/>
+                                        </p:tgtEl>
+                                        <p:attrNameLst>
+                                          <p:attrName>style.visibility</p:attrName>
+                                        </p:attrNameLst>
+                                      </p:cBhvr>
+                                      <p:to>
+                                        <p:strVal val="visible"/>
+                                      </p:to>
+                                    </p:set>
+                                  </p:childTnLst>
+                                </p:cTn>
+                              </p:par>
+                            </p:childTnLst>
+                          </p:cTn>
+                        </p:par>
+                      </p:childTnLst>
+                    </p:cTn>
+                  </p:par>
                 </p:childTnLst>
               </p:cTn>
               <p:prevCondLst>
@@ -17921,7 +18213,7 @@
                 <a:ea typeface="DejaVu Sans"/>
                 <a:sym typeface="Wingdings" panose="05000000000000000000" pitchFamily="2" charset="2"/>
               </a:rPr>
-              <a:t></a:t>
+              <a:t> </a:t>
             </a:r>
             <a:r>
               <a:rPr lang="fr-FR" sz="2800" b="0" strike="noStrike" spc="-1" dirty="0" smtClean="0">
@@ -18368,7 +18660,7 @@
       </p:grpSpPr>
       <p:sp>
         <p:nvSpPr>
-          <p:cNvPr id="324" name="CustomShape 1"/>
+          <p:cNvPr id="328" name="CustomShape 1"/>
           <p:cNvSpPr/>
           <p:nvPr/>
         </p:nvSpPr>
@@ -18409,16 +18701,56 @@
               </a:lnSpc>
             </a:pPr>
             <a:r>
-              <a:rPr lang="fr-FR" sz="3200" b="0" strike="noStrike" spc="-1">
+              <a:rPr lang="fr-FR" sz="3200" b="0" strike="noStrike" spc="-1" dirty="0" err="1">
                 <a:solidFill>
                   <a:srgbClr val="000000"/>
                 </a:solidFill>
                 <a:latin typeface="Ubuntu"/>
                 <a:ea typeface="DejaVu Sans"/>
               </a:rPr>
-              <a:t>Workarond 3a : Tout dans Grafana BIS</a:t>
-            </a:r>
-            <a:endParaRPr lang="fr-FR" sz="3200" b="0" strike="noStrike" spc="-1">
+              <a:t>Workarond</a:t>
+            </a:r>
+            <a:r>
+              <a:rPr lang="fr-FR" sz="3200" b="0" strike="noStrike" spc="-1" dirty="0">
+                <a:solidFill>
+                  <a:srgbClr val="000000"/>
+                </a:solidFill>
+                <a:latin typeface="Ubuntu"/>
+                <a:ea typeface="DejaVu Sans"/>
+              </a:rPr>
+              <a:t> </a:t>
+            </a:r>
+            <a:r>
+              <a:rPr lang="fr-FR" sz="3200" b="0" strike="noStrike" spc="-1" dirty="0" smtClean="0">
+                <a:solidFill>
+                  <a:srgbClr val="000000"/>
+                </a:solidFill>
+                <a:latin typeface="Ubuntu"/>
+                <a:ea typeface="DejaVu Sans"/>
+              </a:rPr>
+              <a:t>3a</a:t>
+            </a:r>
+            <a:r>
+              <a:rPr lang="fr-FR" sz="3200" b="0" strike="noStrike" spc="-1" dirty="0">
+                <a:solidFill>
+                  <a:srgbClr val="000000"/>
+                </a:solidFill>
+                <a:latin typeface="Ubuntu"/>
+                <a:ea typeface="DejaVu Sans"/>
+              </a:rPr>
+              <a:t> : </a:t>
+            </a:r>
+            <a:r>
+              <a:rPr lang="fr-FR" sz="3200" b="0" strike="noStrike" spc="-1" dirty="0" err="1">
+                <a:solidFill>
+                  <a:srgbClr val="000000"/>
+                </a:solidFill>
+                <a:latin typeface="Ubuntu"/>
+                <a:ea typeface="DejaVu Sans"/>
+              </a:rPr>
+              <a:t>Loadbalancer</a:t>
+            </a:r>
+            <a:endParaRPr lang="fr-FR" sz="3200" b="0" strike="noStrike" spc="-1" dirty="0">
               <a:latin typeface="Arial"/>
             </a:endParaRPr>
           </a:p>
@@ -18426,7 +18758,7 @@
       </p:sp>
       <p:sp>
         <p:nvSpPr>
-          <p:cNvPr id="325" name="CustomShape 2"/>
+          <p:cNvPr id="329" name="CustomShape 2"/>
           <p:cNvSpPr/>
           <p:nvPr/>
         </p:nvSpPr>
@@ -18469,7 +18801,37 @@
                 <a:spcPts val="1001"/>
               </a:spcBef>
             </a:pPr>
-            <a:endParaRPr lang="fr-FR" sz="1800" b="0" strike="noStrike" spc="-1">
+            <a:r>
+              <a:rPr lang="fr-FR" sz="2800" b="0" strike="noStrike" spc="-1" dirty="0">
+                <a:solidFill>
+                  <a:srgbClr val="000000"/>
+                </a:solidFill>
+                <a:latin typeface="Ubuntu"/>
+                <a:ea typeface="DejaVu Sans"/>
+              </a:rPr>
+              <a:t>Postulat : les </a:t>
+            </a:r>
+            <a:r>
+              <a:rPr lang="fr-FR" sz="2800" b="0" strike="noStrike" spc="-1" dirty="0" smtClean="0">
+                <a:solidFill>
+                  <a:srgbClr val="000000"/>
+                </a:solidFill>
+                <a:latin typeface="Ubuntu"/>
+                <a:ea typeface="DejaVu Sans"/>
+              </a:rPr>
+              <a:t>données sont </a:t>
+            </a:r>
+            <a:r>
+              <a:rPr lang="fr-FR" sz="2800" b="0" strike="noStrike" spc="-1" dirty="0">
+                <a:solidFill>
+                  <a:srgbClr val="000000"/>
+                </a:solidFill>
+                <a:latin typeface="Ubuntu"/>
+                <a:ea typeface="DejaVu Sans"/>
+              </a:rPr>
+              <a:t>identiques</a:t>
+            </a:r>
+            <a:endParaRPr lang="fr-FR" sz="2800" b="0" strike="noStrike" spc="-1" dirty="0">
               <a:latin typeface="Arial"/>
             </a:endParaRPr>
           </a:p>
@@ -18482,17 +18844,7 @@
                 <a:spcPts val="1001"/>
               </a:spcBef>
             </a:pPr>
-            <a:r>
-              <a:rPr lang="fr-FR" sz="2800" b="0" strike="noStrike" spc="-1">
-                <a:solidFill>
-                  <a:srgbClr val="000000"/>
-                </a:solidFill>
-                <a:latin typeface="Ubuntu"/>
-                <a:ea typeface="DejaVu Sans"/>
-              </a:rPr>
-              <a:t>On double tout dans Grafana !</a:t>
-            </a:r>
-            <a:endParaRPr lang="fr-FR" sz="2800" b="0" strike="noStrike" spc="-1">
+            <a:endParaRPr lang="fr-FR" sz="2800" b="0" strike="noStrike" spc="-1" dirty="0">
               <a:latin typeface="Arial"/>
             </a:endParaRPr>
           </a:p>
@@ -18505,7 +18857,105 @@
                 <a:spcPts val="1001"/>
               </a:spcBef>
             </a:pPr>
-            <a:endParaRPr lang="fr-FR" sz="2800" b="0" strike="noStrike" spc="-1">
+            <a:r>
+              <a:rPr lang="fr-FR" sz="2800" b="0" strike="noStrike" spc="-1" dirty="0">
+                <a:solidFill>
+                  <a:srgbClr val="000000"/>
+                </a:solidFill>
+                <a:latin typeface="Ubuntu"/>
+                <a:ea typeface="DejaVu Sans"/>
+              </a:rPr>
+              <a:t>Si on met un </a:t>
+            </a:r>
+            <a:r>
+              <a:rPr lang="fr-FR" sz="2800" b="0" strike="noStrike" spc="-1" dirty="0" err="1">
+                <a:solidFill>
+                  <a:srgbClr val="000000"/>
+                </a:solidFill>
+                <a:latin typeface="Ubuntu"/>
+                <a:ea typeface="DejaVu Sans"/>
+              </a:rPr>
+              <a:t>loadbalancer</a:t>
+            </a:r>
+            <a:r>
+              <a:rPr lang="fr-FR" sz="2800" b="0" strike="noStrike" spc="-1" dirty="0">
+                <a:solidFill>
+                  <a:srgbClr val="000000"/>
+                </a:solidFill>
+                <a:latin typeface="Ubuntu"/>
+                <a:ea typeface="DejaVu Sans"/>
+              </a:rPr>
+              <a:t> L7 devant les</a:t>
+            </a:r>
+            <a:endParaRPr lang="fr-FR" sz="2800" b="0" strike="noStrike" spc="-1" dirty="0">
+              <a:latin typeface="Arial"/>
+            </a:endParaRPr>
+          </a:p>
+          <a:p>
+            <a:pPr marL="648000" lvl="2" indent="-215640">
+              <a:lnSpc>
+                <a:spcPct val="90000"/>
+              </a:lnSpc>
+              <a:spcBef>
+                <a:spcPts val="1001"/>
+              </a:spcBef>
+              <a:buClr>
+                <a:srgbClr val="000000"/>
+              </a:buClr>
+              <a:buSzPct val="45000"/>
+              <a:buFont typeface="Wingdings" charset="2"/>
+              <a:buChar char=""/>
+            </a:pPr>
+            <a:r>
+              <a:rPr lang="fr-FR" sz="2800" b="0" strike="noStrike" spc="-1" dirty="0">
+                <a:solidFill>
+                  <a:srgbClr val="000000"/>
+                </a:solidFill>
+                <a:latin typeface="Ubuntu"/>
+                <a:ea typeface="DejaVu Sans"/>
+              </a:rPr>
+              <a:t>HA en cas de panne</a:t>
+            </a:r>
+            <a:endParaRPr lang="fr-FR" sz="2800" b="0" strike="noStrike" spc="-1" dirty="0">
+              <a:latin typeface="Arial"/>
+            </a:endParaRPr>
+          </a:p>
+          <a:p>
+            <a:pPr marL="648000" lvl="2" indent="-215640">
+              <a:lnSpc>
+                <a:spcPct val="90000"/>
+              </a:lnSpc>
+              <a:spcBef>
+                <a:spcPts val="1001"/>
+              </a:spcBef>
+              <a:buClr>
+                <a:srgbClr val="000000"/>
+              </a:buClr>
+              <a:buSzPct val="45000"/>
+              <a:buFont typeface="Wingdings" charset="2"/>
+              <a:buChar char=""/>
+            </a:pPr>
+            <a:r>
+              <a:rPr lang="fr-FR" sz="2800" b="0" strike="noStrike" spc="-1" dirty="0">
+                <a:solidFill>
+                  <a:srgbClr val="000000"/>
+                </a:solidFill>
+                <a:latin typeface="Ubuntu"/>
+                <a:ea typeface="DejaVu Sans"/>
+              </a:rPr>
+              <a:t>Distribue la charge </a:t>
+            </a:r>
+            <a:r>
+              <a:rPr lang="fr-FR" sz="2800" b="0" strike="noStrike" spc="-1" dirty="0" err="1">
+                <a:solidFill>
+                  <a:srgbClr val="000000"/>
+                </a:solidFill>
+                <a:latin typeface="Ubuntu"/>
+                <a:ea typeface="DejaVu Sans"/>
+              </a:rPr>
+              <a:t>PromQL</a:t>
+            </a:r>
+            <a:endParaRPr lang="fr-FR" sz="2800" b="0" strike="noStrike" spc="-1" dirty="0">
               <a:latin typeface="Arial"/>
             </a:endParaRPr>
           </a:p>
@@ -18518,7 +18968,7 @@
                 <a:spcPts val="1001"/>
               </a:spcBef>
             </a:pPr>
-            <a:endParaRPr lang="fr-FR" sz="2800" b="0" strike="noStrike" spc="-1">
+            <a:endParaRPr lang="fr-FR" sz="2800" b="0" strike="noStrike" spc="-1" dirty="0">
               <a:latin typeface="Arial"/>
             </a:endParaRPr>
           </a:p>
@@ -18532,16 +18982,84 @@
               </a:spcBef>
             </a:pPr>
             <a:r>
-              <a:rPr lang="fr-FR" sz="2800" b="0" strike="noStrike" spc="-1">
+              <a:rPr lang="fr-FR" sz="2800" b="0" strike="noStrike" spc="-1" dirty="0">
                 <a:solidFill>
                   <a:srgbClr val="000000"/>
                 </a:solidFill>
                 <a:latin typeface="Ubuntu"/>
                 <a:ea typeface="DejaVu Sans"/>
               </a:rPr>
-              <a:t>On a déjà autant de graphes que de sources...</a:t>
-            </a:r>
-            <a:endParaRPr lang="fr-FR" sz="2800" b="0" strike="noStrike" spc="-1">
+              <a:t>FBI : Fausse Bonne Idée !</a:t>
+            </a:r>
+            <a:endParaRPr lang="fr-FR" sz="2800" b="0" strike="noStrike" spc="-1" dirty="0">
+              <a:latin typeface="Arial"/>
+            </a:endParaRPr>
+          </a:p>
+          <a:p>
+            <a:pPr marL="648000" lvl="2" indent="-215640">
+              <a:lnSpc>
+                <a:spcPct val="90000"/>
+              </a:lnSpc>
+              <a:spcBef>
+                <a:spcPts val="1001"/>
+              </a:spcBef>
+              <a:buClr>
+                <a:srgbClr val="000000"/>
+              </a:buClr>
+              <a:buSzPct val="45000"/>
+              <a:buFont typeface="Wingdings" charset="2"/>
+              <a:buChar char=""/>
+            </a:pPr>
+            <a:r>
+              <a:rPr lang="fr-FR" sz="2800" b="0" strike="noStrike" spc="-1" dirty="0">
+                <a:solidFill>
+                  <a:srgbClr val="000000"/>
+                </a:solidFill>
+                <a:latin typeface="Ubuntu"/>
+                <a:ea typeface="DejaVu Sans"/>
+              </a:rPr>
+              <a:t>IRL ⇒ Les données ne sont pas identiques </a:t>
+            </a:r>
+            <a:endParaRPr lang="fr-FR" sz="2800" spc="-1" dirty="0">
+              <a:latin typeface="Arial"/>
+            </a:endParaRPr>
+          </a:p>
+          <a:p>
+            <a:pPr marL="648000" lvl="2" indent="-215640">
+              <a:lnSpc>
+                <a:spcPct val="90000"/>
+              </a:lnSpc>
+              <a:spcBef>
+                <a:spcPts val="1001"/>
+              </a:spcBef>
+              <a:buClr>
+                <a:srgbClr val="000000"/>
+              </a:buClr>
+              <a:buSzPct val="45000"/>
+              <a:buFont typeface="Wingdings" charset="2"/>
+              <a:buChar char=""/>
+            </a:pPr>
+            <a:r>
+              <a:rPr lang="fr-FR" sz="2800" b="0" strike="noStrike" spc="-1" dirty="0" smtClean="0">
+                <a:solidFill>
+                  <a:srgbClr val="000000"/>
+                </a:solidFill>
+                <a:latin typeface="Ubuntu"/>
+                <a:ea typeface="DejaVu Sans"/>
+              </a:rPr>
+              <a:t>(</a:t>
+            </a:r>
+            <a:r>
+              <a:rPr lang="fr-FR" sz="2800" b="0" strike="noStrike" spc="-1" dirty="0">
+                <a:solidFill>
+                  <a:srgbClr val="000000"/>
+                </a:solidFill>
+                <a:latin typeface="Ubuntu"/>
+                <a:ea typeface="DejaVu Sans"/>
+              </a:rPr>
+              <a:t>en cas de panne par exemple, on aura un « trou »)</a:t>
+            </a:r>
+            <a:endParaRPr lang="fr-FR" sz="2800" b="0" strike="noStrike" spc="-1" dirty="0">
               <a:latin typeface="Arial"/>
             </a:endParaRPr>
           </a:p>
@@ -18554,17 +19072,7 @@
                 <a:spcPts val="1001"/>
               </a:spcBef>
             </a:pPr>
-            <a:r>
-              <a:rPr lang="fr-FR" sz="2800" b="0" strike="noStrike" spc="-1">
-                <a:solidFill>
-                  <a:srgbClr val="000000"/>
-                </a:solidFill>
-                <a:latin typeface="Ubuntu"/>
-                <a:ea typeface="DejaVu Sans"/>
-              </a:rPr>
-              <a:t>On en est plus à ça près !</a:t>
-            </a:r>
-            <a:endParaRPr lang="fr-FR" sz="2800" b="0" strike="noStrike" spc="-1">
+            <a:endParaRPr lang="fr-FR" sz="2800" b="0" strike="noStrike" spc="-1" dirty="0">
               <a:latin typeface="Arial"/>
             </a:endParaRPr>
           </a:p>
@@ -18572,7 +19080,7 @@
       </p:sp>
       <p:pic>
         <p:nvPicPr>
-          <p:cNvPr id="326" name="Image 325"/>
+          <p:cNvPr id="331" name="Image 330"/>
           <p:cNvPicPr/>
           <p:nvPr/>
         </p:nvPicPr>
@@ -18582,31 +19090,8 @@
         </p:blipFill>
         <p:spPr>
           <a:xfrm>
-            <a:off x="8130600" y="2996600"/>
-            <a:ext cx="2813040" cy="1583280"/>
-          </a:xfrm>
-          <a:prstGeom prst="rect">
-            <a:avLst/>
-          </a:prstGeom>
-          <a:ln>
-            <a:noFill/>
-          </a:ln>
-        </p:spPr>
-      </p:pic>
-      <p:pic>
-        <p:nvPicPr>
-          <p:cNvPr id="327" name="Image 326"/>
-          <p:cNvPicPr/>
-          <p:nvPr/>
-        </p:nvPicPr>
-        <p:blipFill>
-          <a:blip r:embed="rId4"/>
-          <a:stretch/>
-        </p:blipFill>
-        <p:spPr>
-          <a:xfrm>
-            <a:off x="5904000" y="1404360"/>
-            <a:ext cx="1009440" cy="1007280"/>
+            <a:off x="7410240" y="2160360"/>
+            <a:ext cx="725400" cy="719280"/>
           </a:xfrm>
           <a:prstGeom prst="rect">
             <a:avLst/>
@@ -18627,55 +19112,7 @@
         <p:cTn id="1" dur="indefinite" restart="never" nodeType="tmRoot">
           <p:childTnLst>
             <p:seq>
-              <p:cTn id="2" dur="indefinite" nodeType="mainSeq">
-                <p:childTnLst>
-                  <p:par>
-                    <p:cTn id="3" fill="hold">
-                      <p:stCondLst>
-                        <p:cond delay="indefinite"/>
-                      </p:stCondLst>
-                      <p:childTnLst>
-                        <p:par>
-                          <p:cTn id="4" fill="hold">
-                            <p:stCondLst>
-                              <p:cond delay="0"/>
-                            </p:stCondLst>
-                            <p:childTnLst>
-                              <p:par>
-                                <p:cTn id="5" presetID="1" presetClass="entr" fill="hold" nodeType="clickEffect">
-                                  <p:stCondLst>
-                                    <p:cond delay="0"/>
-                                  </p:stCondLst>
-                                  <p:childTnLst>
-                                    <p:set>
-                                      <p:cBhvr>
-                                        <p:cTn id="6" dur="1" fill="hold">
-                                          <p:stCondLst>
-                                            <p:cond delay="0"/>
-                                          </p:stCondLst>
-                                        </p:cTn>
-                                        <p:tgtEl>
-                                          <p:spTgt spid="326"/>
-                                        </p:tgtEl>
-                                        <p:attrNameLst>
-                                          <p:attrName>style.visibility</p:attrName>
-                                        </p:attrNameLst>
-                                      </p:cBhvr>
-                                      <p:to>
-                                        <p:strVal val="visible"/>
-                                      </p:to>
-                                    </p:set>
-                                  </p:childTnLst>
-                                </p:cTn>
-                              </p:par>
-                            </p:childTnLst>
-                          </p:cTn>
-                        </p:par>
-                      </p:childTnLst>
-                    </p:cTn>
-                  </p:par>
-                </p:childTnLst>
-              </p:cTn>
+              <p:cTn id="2" dur="indefinite" nodeType="mainSeq"/>
               <p:prevCondLst>
                 <p:cond evt="onPrev" delay="0">
                   <p:tgtEl>
@@ -18759,16 +19196,59 @@
               </a:lnSpc>
             </a:pPr>
             <a:r>
-              <a:rPr lang="fr-FR" sz="3200" b="0" strike="noStrike" spc="-1">
+              <a:rPr lang="fr-FR" sz="3200" b="0" strike="noStrike" spc="-1" dirty="0" err="1">
                 <a:solidFill>
-                  <a:srgbClr val="000000"/>
+                  <a:srgbClr val="FF0000"/>
                 </a:solidFill>
                 <a:latin typeface="Ubuntu"/>
                 <a:ea typeface="DejaVu Sans"/>
               </a:rPr>
-              <a:t>Workarond 3b : Loadbalancer</a:t>
-            </a:r>
-            <a:endParaRPr lang="fr-FR" sz="3200" b="0" strike="noStrike" spc="-1">
+              <a:t>Workarond</a:t>
+            </a:r>
+            <a:r>
+              <a:rPr lang="fr-FR" sz="3200" b="0" strike="noStrike" spc="-1" dirty="0">
+                <a:solidFill>
+                  <a:srgbClr val="FF0000"/>
+                </a:solidFill>
+                <a:latin typeface="Ubuntu"/>
+                <a:ea typeface="DejaVu Sans"/>
+              </a:rPr>
+              <a:t> </a:t>
+            </a:r>
+            <a:r>
+              <a:rPr lang="fr-FR" sz="3200" b="0" strike="noStrike" spc="-1" dirty="0" smtClean="0">
+                <a:solidFill>
+                  <a:srgbClr val="FF0000"/>
+                </a:solidFill>
+                <a:latin typeface="Ubuntu"/>
+                <a:ea typeface="DejaVu Sans"/>
+              </a:rPr>
+              <a:t>3a</a:t>
+            </a:r>
+            <a:r>
+              <a:rPr lang="fr-FR" sz="3200" b="0" strike="noStrike" spc="-1" dirty="0">
+                <a:solidFill>
+                  <a:srgbClr val="FF0000"/>
+                </a:solidFill>
+                <a:latin typeface="Ubuntu"/>
+                <a:ea typeface="DejaVu Sans"/>
+              </a:rPr>
+              <a:t> : </a:t>
+            </a:r>
+            <a:r>
+              <a:rPr lang="fr-FR" sz="3200" b="0" strike="noStrike" spc="-1" dirty="0" err="1">
+                <a:solidFill>
+                  <a:srgbClr val="FF0000"/>
+                </a:solidFill>
+                <a:latin typeface="Ubuntu"/>
+                <a:ea typeface="DejaVu Sans"/>
+              </a:rPr>
+              <a:t>Loadbalancer</a:t>
+            </a:r>
+            <a:endParaRPr lang="fr-FR" sz="3200" b="0" strike="noStrike" spc="-1" dirty="0">
+              <a:solidFill>
+                <a:srgbClr val="FF0000"/>
+              </a:solidFill>
               <a:latin typeface="Arial"/>
             </a:endParaRPr>
           </a:p>
@@ -18810,49 +19290,6 @@
             <a:normAutofit/>
           </a:bodyPr>
           <a:lstStyle/>
-          <a:p>
-            <a:pPr>
-              <a:lnSpc>
-                <a:spcPct val="90000"/>
-              </a:lnSpc>
-              <a:spcBef>
-                <a:spcPts val="1001"/>
-              </a:spcBef>
-            </a:pPr>
-            <a:r>
-              <a:rPr lang="fr-FR" sz="2800" b="0" strike="noStrike" spc="-1" dirty="0">
-                <a:solidFill>
-                  <a:srgbClr val="000000"/>
-                </a:solidFill>
-                <a:latin typeface="Ubuntu"/>
-                <a:ea typeface="DejaVu Sans"/>
-              </a:rPr>
-              <a:t>Postulat : les </a:t>
-            </a:r>
-            <a:r>
-              <a:rPr lang="fr-FR" sz="2800" b="0" strike="noStrike" spc="-1" dirty="0" smtClean="0">
-                <a:solidFill>
-                  <a:srgbClr val="000000"/>
-                </a:solidFill>
-                <a:latin typeface="Ubuntu"/>
-                <a:ea typeface="DejaVu Sans"/>
-              </a:rPr>
-              <a:t>données sont </a:t>
-            </a:r>
-            <a:r>
-              <a:rPr lang="fr-FR" sz="2800" b="0" strike="noStrike" spc="-1" dirty="0">
-                <a:solidFill>
-                  <a:srgbClr val="000000"/>
-                </a:solidFill>
-                <a:latin typeface="Ubuntu"/>
-                <a:ea typeface="DejaVu Sans"/>
-              </a:rPr>
-              <a:t>identiques</a:t>
-            </a:r>
-            <a:endParaRPr lang="fr-FR" sz="2800" b="0" strike="noStrike" spc="-1" dirty="0">
-              <a:latin typeface="Arial"/>
-            </a:endParaRPr>
-          </a:p>
           <a:p>
             <a:pPr>
               <a:lnSpc>
@@ -18866,260 +19303,44 @@
               <a:latin typeface="Arial"/>
             </a:endParaRPr>
           </a:p>
-          <a:p>
-            <a:pPr>
-              <a:lnSpc>
-                <a:spcPct val="90000"/>
-              </a:lnSpc>
-              <a:spcBef>
-                <a:spcPts val="1001"/>
-              </a:spcBef>
-            </a:pPr>
-            <a:r>
-              <a:rPr lang="fr-FR" sz="2800" b="0" strike="noStrike" spc="-1" dirty="0">
-                <a:solidFill>
-                  <a:srgbClr val="000000"/>
-                </a:solidFill>
-                <a:latin typeface="Ubuntu"/>
-                <a:ea typeface="DejaVu Sans"/>
-              </a:rPr>
-              <a:t>Si on met un </a:t>
-            </a:r>
-            <a:r>
-              <a:rPr lang="fr-FR" sz="2800" b="0" strike="noStrike" spc="-1" dirty="0" err="1">
-                <a:solidFill>
-                  <a:srgbClr val="000000"/>
-                </a:solidFill>
-                <a:latin typeface="Ubuntu"/>
-                <a:ea typeface="DejaVu Sans"/>
-              </a:rPr>
-              <a:t>loadbalancer</a:t>
-            </a:r>
-            <a:r>
-              <a:rPr lang="fr-FR" sz="2800" b="0" strike="noStrike" spc="-1" dirty="0">
-                <a:solidFill>
-                  <a:srgbClr val="000000"/>
-                </a:solidFill>
-                <a:latin typeface="Ubuntu"/>
-                <a:ea typeface="DejaVu Sans"/>
-              </a:rPr>
-              <a:t> L7 devant les</a:t>
-            </a:r>
-            <a:endParaRPr lang="fr-FR" sz="2800" b="0" strike="noStrike" spc="-1" dirty="0">
-              <a:latin typeface="Arial"/>
-            </a:endParaRPr>
-          </a:p>
-          <a:p>
-            <a:pPr marL="648000" lvl="2" indent="-215640">
-              <a:lnSpc>
-                <a:spcPct val="90000"/>
-              </a:lnSpc>
-              <a:spcBef>
-                <a:spcPts val="1001"/>
-              </a:spcBef>
-              <a:buClr>
-                <a:srgbClr val="000000"/>
-              </a:buClr>
-              <a:buSzPct val="45000"/>
-              <a:buFont typeface="Wingdings" charset="2"/>
-              <a:buChar char=""/>
-            </a:pPr>
-            <a:r>
-              <a:rPr lang="fr-FR" sz="2800" b="0" strike="noStrike" spc="-1" dirty="0">
-                <a:solidFill>
-                  <a:srgbClr val="000000"/>
-                </a:solidFill>
-                <a:latin typeface="Ubuntu"/>
-                <a:ea typeface="DejaVu Sans"/>
-              </a:rPr>
-              <a:t>HA en cas de panne</a:t>
-            </a:r>
-            <a:endParaRPr lang="fr-FR" sz="2800" b="0" strike="noStrike" spc="-1" dirty="0">
-              <a:latin typeface="Arial"/>
-            </a:endParaRPr>
-          </a:p>
-          <a:p>
-            <a:pPr marL="648000" lvl="2" indent="-215640">
-              <a:lnSpc>
-                <a:spcPct val="90000"/>
-              </a:lnSpc>
-              <a:spcBef>
-                <a:spcPts val="1001"/>
-              </a:spcBef>
-              <a:buClr>
-                <a:srgbClr val="000000"/>
-              </a:buClr>
-              <a:buSzPct val="45000"/>
-              <a:buFont typeface="Wingdings" charset="2"/>
-              <a:buChar char=""/>
-            </a:pPr>
-            <a:r>
-              <a:rPr lang="fr-FR" sz="2800" b="0" strike="noStrike" spc="-1" dirty="0">
-                <a:solidFill>
-                  <a:srgbClr val="000000"/>
-                </a:solidFill>
-                <a:latin typeface="Ubuntu"/>
-                <a:ea typeface="DejaVu Sans"/>
-              </a:rPr>
-              <a:t>Distribue la charge </a:t>
-            </a:r>
-            <a:r>
-              <a:rPr lang="fr-FR" sz="2800" b="0" strike="noStrike" spc="-1" dirty="0" err="1">
-                <a:solidFill>
-                  <a:srgbClr val="000000"/>
-                </a:solidFill>
-                <a:latin typeface="Ubuntu"/>
-                <a:ea typeface="DejaVu Sans"/>
-              </a:rPr>
-              <a:t>PromQL</a:t>
-            </a:r>
-            <a:endParaRPr lang="fr-FR" sz="2800" b="0" strike="noStrike" spc="-1" dirty="0">
-              <a:latin typeface="Arial"/>
-            </a:endParaRPr>
-          </a:p>
-          <a:p>
-            <a:pPr>
-              <a:lnSpc>
-                <a:spcPct val="90000"/>
-              </a:lnSpc>
-              <a:spcBef>
-                <a:spcPts val="1001"/>
-              </a:spcBef>
-            </a:pPr>
-            <a:endParaRPr lang="fr-FR" sz="2800" b="0" strike="noStrike" spc="-1" dirty="0">
-              <a:latin typeface="Arial"/>
-            </a:endParaRPr>
-          </a:p>
-          <a:p>
-            <a:pPr>
-              <a:lnSpc>
-                <a:spcPct val="90000"/>
-              </a:lnSpc>
-              <a:spcBef>
-                <a:spcPts val="1001"/>
-              </a:spcBef>
-            </a:pPr>
-            <a:r>
-              <a:rPr lang="fr-FR" sz="2800" b="0" strike="noStrike" spc="-1" dirty="0">
-                <a:solidFill>
-                  <a:srgbClr val="000000"/>
-                </a:solidFill>
-                <a:latin typeface="Ubuntu"/>
-                <a:ea typeface="DejaVu Sans"/>
-              </a:rPr>
-              <a:t>FBI : Fausse Bonne Idée !</a:t>
-            </a:r>
-            <a:endParaRPr lang="fr-FR" sz="2800" b="0" strike="noStrike" spc="-1" dirty="0">
-              <a:latin typeface="Arial"/>
-            </a:endParaRPr>
-          </a:p>
-          <a:p>
-            <a:pPr marL="648000" lvl="2" indent="-215640">
-              <a:lnSpc>
-                <a:spcPct val="90000"/>
-              </a:lnSpc>
-              <a:spcBef>
-                <a:spcPts val="1001"/>
-              </a:spcBef>
-              <a:buClr>
-                <a:srgbClr val="000000"/>
-              </a:buClr>
-              <a:buSzPct val="45000"/>
-              <a:buFont typeface="Wingdings" charset="2"/>
-              <a:buChar char=""/>
-            </a:pPr>
-            <a:r>
-              <a:rPr lang="fr-FR" sz="2800" b="0" strike="noStrike" spc="-1" dirty="0">
-                <a:solidFill>
-                  <a:srgbClr val="000000"/>
-                </a:solidFill>
-                <a:latin typeface="Ubuntu"/>
-                <a:ea typeface="DejaVu Sans"/>
-              </a:rPr>
-              <a:t>IRL ⇒ Les données ne sont pas identiques </a:t>
-            </a:r>
-            <a:endParaRPr lang="fr-FR" sz="2800" spc="-1" dirty="0">
-              <a:latin typeface="Arial"/>
-            </a:endParaRPr>
-          </a:p>
-          <a:p>
-            <a:pPr marL="648000" lvl="2" indent="-215640">
-              <a:lnSpc>
-                <a:spcPct val="90000"/>
-              </a:lnSpc>
-              <a:spcBef>
-                <a:spcPts val="1001"/>
-              </a:spcBef>
-              <a:buClr>
-                <a:srgbClr val="000000"/>
-              </a:buClr>
-              <a:buSzPct val="45000"/>
-              <a:buFont typeface="Wingdings" charset="2"/>
-              <a:buChar char=""/>
-            </a:pPr>
-            <a:r>
-              <a:rPr lang="fr-FR" sz="2800" b="0" strike="noStrike" spc="-1" dirty="0" smtClean="0">
-                <a:solidFill>
-                  <a:srgbClr val="000000"/>
-                </a:solidFill>
-                <a:latin typeface="Ubuntu"/>
-                <a:ea typeface="DejaVu Sans"/>
-              </a:rPr>
-              <a:t>(</a:t>
-            </a:r>
-            <a:r>
-              <a:rPr lang="fr-FR" sz="2800" b="0" strike="noStrike" spc="-1" dirty="0">
-                <a:solidFill>
-                  <a:srgbClr val="000000"/>
-                </a:solidFill>
-                <a:latin typeface="Ubuntu"/>
-                <a:ea typeface="DejaVu Sans"/>
-              </a:rPr>
-              <a:t>en cas de panne par exemple, on aura un « trou »)</a:t>
-            </a:r>
-            <a:endParaRPr lang="fr-FR" sz="2800" b="0" strike="noStrike" spc="-1" dirty="0">
-              <a:latin typeface="Arial"/>
-            </a:endParaRPr>
-          </a:p>
-          <a:p>
-            <a:pPr>
-              <a:lnSpc>
-                <a:spcPct val="90000"/>
-              </a:lnSpc>
-              <a:spcBef>
-                <a:spcPts val="1001"/>
-              </a:spcBef>
-            </a:pPr>
-            <a:endParaRPr lang="fr-FR" sz="2800" b="0" strike="noStrike" spc="-1" dirty="0">
-              <a:latin typeface="Arial"/>
-            </a:endParaRPr>
-          </a:p>
         </p:txBody>
       </p:sp>
-      <p:pic>
-        <p:nvPicPr>
-          <p:cNvPr id="331" name="Image 330"/>
-          <p:cNvPicPr/>
+      <p:sp>
+        <p:nvSpPr>
+          <p:cNvPr id="2" name="ZoneTexte 1"/>
+          <p:cNvSpPr txBox="1"/>
           <p:nvPr/>
-        </p:nvPicPr>
-        <p:blipFill>
-          <a:blip r:embed="rId3"/>
-          <a:stretch/>
-        </p:blipFill>
-        <p:spPr>
-          <a:xfrm>
-            <a:off x="7410240" y="2160360"/>
-            <a:ext cx="725400" cy="719280"/>
-          </a:xfrm>
-          <a:prstGeom prst="rect">
-            <a:avLst/>
-          </a:prstGeom>
-          <a:ln>
-            <a:noFill/>
-          </a:ln>
-        </p:spPr>
-      </p:pic>
+        </p:nvSpPr>
+        <p:spPr>
+          <a:xfrm>
+            <a:off x="4073236" y="3089564"/>
+            <a:ext cx="4373954" cy="369332"/>
+          </a:xfrm>
+          <a:prstGeom prst="rect">
+            <a:avLst/>
+          </a:prstGeom>
+          <a:noFill/>
+        </p:spPr>
+        <p:txBody>
+          <a:bodyPr wrap="none" rtlCol="0">
+            <a:spAutoFit/>
+          </a:bodyPr>
+          <a:lstStyle/>
+          <a:p>
+            <a:r>
+              <a:rPr lang="fr-FR" dirty="0" smtClean="0"/>
+              <a:t>TODO capture d’écran d’un graphe troué</a:t>
+            </a:r>
+            <a:endParaRPr lang="fr-FR" dirty="0"/>
+          </a:p>
+        </p:txBody>
+      </p:sp>
     </p:spTree>
+    <p:extLst>
+      <p:ext uri="{BB962C8B-B14F-4D97-AF65-F5344CB8AC3E}">
+        <p14:creationId xmlns:p14="http://schemas.microsoft.com/office/powerpoint/2010/main" val="1236505307"/>
+      </p:ext>
+    </p:extLst>
   </p:cSld>
   <p:clrMapOvr>
     <a:masterClrMapping/>
@@ -19157,14 +19378,6 @@
 <file path=ppt/slides/slide22.xml><?xml version="1.0" encoding="utf-8"?>
 <p:sld xmlns:a="http://schemas.openxmlformats.org/drawingml/2006/main" xmlns:r="http://schemas.openxmlformats.org/officeDocument/2006/relationships" xmlns:p="http://schemas.openxmlformats.org/presentationml/2006/main">
   <p:cSld>
-    <p:bg>
-      <p:bgPr>
-        <a:solidFill>
-          <a:srgbClr val="EEEEEE"/>
-        </a:solidFill>
-        <a:effectLst/>
-      </p:bgPr>
-    </p:bg>
     <p:spTree>
       <p:nvGrpSpPr>
         <p:cNvPr id="1" name=""/>
@@ -19181,14 +19394,14 @@
       </p:grpSpPr>
       <p:sp>
         <p:nvSpPr>
-          <p:cNvPr id="332" name="CustomShape 1"/>
+          <p:cNvPr id="324" name="CustomShape 1"/>
           <p:cNvSpPr/>
           <p:nvPr/>
         </p:nvSpPr>
         <p:spPr>
           <a:xfrm>
-            <a:off x="841680" y="1122480"/>
-            <a:ext cx="10517760" cy="3479040"/>
+            <a:off x="838080" y="365040"/>
+            <a:ext cx="10507320" cy="630360"/>
           </a:xfrm>
           <a:prstGeom prst="rect">
             <a:avLst/>
@@ -19210,22 +19423,280 @@
           </a:effectRef>
           <a:fontRef idx="minor"/>
         </p:style>
+        <p:txBody>
+          <a:bodyPr lIns="90000" tIns="45000" rIns="90000" bIns="45000" anchor="ctr">
+            <a:normAutofit/>
+          </a:bodyPr>
+          <a:lstStyle/>
+          <a:p>
+            <a:pPr>
+              <a:lnSpc>
+                <a:spcPct val="90000"/>
+              </a:lnSpc>
+            </a:pPr>
+            <a:r>
+              <a:rPr lang="fr-FR" sz="3200" b="0" strike="noStrike" spc="-1" dirty="0" err="1">
+                <a:solidFill>
+                  <a:srgbClr val="000000"/>
+                </a:solidFill>
+                <a:latin typeface="Ubuntu"/>
+                <a:ea typeface="DejaVu Sans"/>
+              </a:rPr>
+              <a:t>Workarond</a:t>
+            </a:r>
+            <a:r>
+              <a:rPr lang="fr-FR" sz="3200" b="0" strike="noStrike" spc="-1" dirty="0">
+                <a:solidFill>
+                  <a:srgbClr val="000000"/>
+                </a:solidFill>
+                <a:latin typeface="Ubuntu"/>
+                <a:ea typeface="DejaVu Sans"/>
+              </a:rPr>
+              <a:t> </a:t>
+            </a:r>
+            <a:r>
+              <a:rPr lang="fr-FR" sz="3200" b="0" strike="noStrike" spc="-1" dirty="0" smtClean="0">
+                <a:solidFill>
+                  <a:srgbClr val="000000"/>
+                </a:solidFill>
+                <a:latin typeface="Ubuntu"/>
+                <a:ea typeface="DejaVu Sans"/>
+              </a:rPr>
+              <a:t>3b</a:t>
+            </a:r>
+            <a:r>
+              <a:rPr lang="fr-FR" sz="3200" b="0" strike="noStrike" spc="-1" dirty="0">
+                <a:solidFill>
+                  <a:srgbClr val="000000"/>
+                </a:solidFill>
+                <a:latin typeface="Ubuntu"/>
+                <a:ea typeface="DejaVu Sans"/>
+              </a:rPr>
+              <a:t> : Tout dans </a:t>
+            </a:r>
+            <a:r>
+              <a:rPr lang="fr-FR" sz="3200" b="0" strike="noStrike" spc="-1" dirty="0" err="1">
+                <a:solidFill>
+                  <a:srgbClr val="000000"/>
+                </a:solidFill>
+                <a:latin typeface="Ubuntu"/>
+                <a:ea typeface="DejaVu Sans"/>
+              </a:rPr>
+              <a:t>Grafana</a:t>
+            </a:r>
+            <a:r>
+              <a:rPr lang="fr-FR" sz="3200" b="0" strike="noStrike" spc="-1" dirty="0">
+                <a:solidFill>
+                  <a:srgbClr val="000000"/>
+                </a:solidFill>
+                <a:latin typeface="Ubuntu"/>
+                <a:ea typeface="DejaVu Sans"/>
+              </a:rPr>
+              <a:t> BIS</a:t>
+            </a:r>
+            <a:endParaRPr lang="fr-FR" sz="3200" b="0" strike="noStrike" spc="-1" dirty="0">
+              <a:latin typeface="Arial"/>
+            </a:endParaRPr>
+          </a:p>
+        </p:txBody>
+      </p:sp>
+      <p:sp>
+        <p:nvSpPr>
+          <p:cNvPr id="325" name="CustomShape 2"/>
+          <p:cNvSpPr/>
+          <p:nvPr/>
+        </p:nvSpPr>
+        <p:spPr>
+          <a:xfrm>
+            <a:off x="838080" y="1310760"/>
+            <a:ext cx="10507320" cy="4964760"/>
+          </a:xfrm>
+          <a:prstGeom prst="rect">
+            <a:avLst/>
+          </a:prstGeom>
+          <a:noFill/>
+          <a:ln>
+            <a:noFill/>
+          </a:ln>
+        </p:spPr>
+        <p:style>
+          <a:lnRef idx="0">
+            <a:scrgbClr r="0" g="0" b="0"/>
+          </a:lnRef>
+          <a:fillRef idx="0">
+            <a:scrgbClr r="0" g="0" b="0"/>
+          </a:fillRef>
+          <a:effectRef idx="0">
+            <a:scrgbClr r="0" g="0" b="0"/>
+          </a:effectRef>
+          <a:fontRef idx="minor"/>
+        </p:style>
+        <p:txBody>
+          <a:bodyPr lIns="90000" tIns="45000" rIns="90000" bIns="45000">
+            <a:normAutofit/>
+          </a:bodyPr>
+          <a:lstStyle/>
+          <a:p>
+            <a:pPr>
+              <a:lnSpc>
+                <a:spcPct val="90000"/>
+              </a:lnSpc>
+              <a:spcBef>
+                <a:spcPts val="1001"/>
+              </a:spcBef>
+            </a:pPr>
+            <a:endParaRPr lang="fr-FR" sz="1800" b="0" strike="noStrike" spc="-1" dirty="0">
+              <a:latin typeface="Arial"/>
+            </a:endParaRPr>
+          </a:p>
+          <a:p>
+            <a:pPr>
+              <a:lnSpc>
+                <a:spcPct val="90000"/>
+              </a:lnSpc>
+              <a:spcBef>
+                <a:spcPts val="1001"/>
+              </a:spcBef>
+            </a:pPr>
+            <a:r>
+              <a:rPr lang="fr-FR" sz="2800" b="0" strike="noStrike" spc="-1" dirty="0">
+                <a:solidFill>
+                  <a:srgbClr val="000000"/>
+                </a:solidFill>
+                <a:latin typeface="Ubuntu"/>
+                <a:ea typeface="DejaVu Sans"/>
+              </a:rPr>
+              <a:t>On double </a:t>
+            </a:r>
+            <a:r>
+              <a:rPr lang="fr-FR" sz="2800" b="0" strike="noStrike" spc="-1" dirty="0" smtClean="0">
+                <a:solidFill>
+                  <a:srgbClr val="000000"/>
+                </a:solidFill>
+                <a:latin typeface="Ubuntu"/>
+                <a:ea typeface="DejaVu Sans"/>
+              </a:rPr>
+              <a:t>toutes les sources de données </a:t>
+            </a:r>
+            <a:r>
+              <a:rPr lang="fr-FR" sz="2800" b="0" strike="noStrike" spc="-1" dirty="0">
+                <a:solidFill>
+                  <a:srgbClr val="000000"/>
+                </a:solidFill>
+                <a:latin typeface="Ubuntu"/>
+                <a:ea typeface="DejaVu Sans"/>
+              </a:rPr>
+              <a:t>dans </a:t>
+            </a:r>
+            <a:r>
+              <a:rPr lang="fr-FR" sz="2800" b="0" strike="noStrike" spc="-1" dirty="0" err="1">
+                <a:solidFill>
+                  <a:srgbClr val="000000"/>
+                </a:solidFill>
+                <a:latin typeface="Ubuntu"/>
+                <a:ea typeface="DejaVu Sans"/>
+              </a:rPr>
+              <a:t>Grafana</a:t>
+            </a:r>
+            <a:r>
+              <a:rPr lang="fr-FR" sz="2800" b="0" strike="noStrike" spc="-1" dirty="0">
+                <a:solidFill>
+                  <a:srgbClr val="000000"/>
+                </a:solidFill>
+                <a:latin typeface="Ubuntu"/>
+                <a:ea typeface="DejaVu Sans"/>
+              </a:rPr>
+              <a:t> !</a:t>
+            </a:r>
+            <a:endParaRPr lang="fr-FR" sz="2800" b="0" strike="noStrike" spc="-1" dirty="0">
+              <a:latin typeface="Arial"/>
+            </a:endParaRPr>
+          </a:p>
+          <a:p>
+            <a:pPr>
+              <a:lnSpc>
+                <a:spcPct val="90000"/>
+              </a:lnSpc>
+              <a:spcBef>
+                <a:spcPts val="1001"/>
+              </a:spcBef>
+            </a:pPr>
+            <a:endParaRPr lang="fr-FR" sz="2800" b="0" strike="noStrike" spc="-1" dirty="0">
+              <a:latin typeface="Arial"/>
+            </a:endParaRPr>
+          </a:p>
+          <a:p>
+            <a:pPr>
+              <a:lnSpc>
+                <a:spcPct val="90000"/>
+              </a:lnSpc>
+              <a:spcBef>
+                <a:spcPts val="1001"/>
+              </a:spcBef>
+            </a:pPr>
+            <a:r>
+              <a:rPr lang="fr-FR" sz="2800" b="0" strike="noStrike" spc="-1" dirty="0" smtClean="0">
+                <a:solidFill>
+                  <a:srgbClr val="000000"/>
+                </a:solidFill>
+                <a:latin typeface="Ubuntu"/>
+                <a:ea typeface="DejaVu Sans"/>
+              </a:rPr>
+              <a:t>On </a:t>
+            </a:r>
+            <a:r>
+              <a:rPr lang="fr-FR" sz="2800" b="0" strike="noStrike" spc="-1" dirty="0">
+                <a:solidFill>
+                  <a:srgbClr val="000000"/>
+                </a:solidFill>
+                <a:latin typeface="Ubuntu"/>
+                <a:ea typeface="DejaVu Sans"/>
+              </a:rPr>
+              <a:t>a déjà autant de graphes que de sources...</a:t>
+            </a:r>
+            <a:endParaRPr lang="fr-FR" sz="2800" b="0" strike="noStrike" spc="-1" dirty="0">
+              <a:latin typeface="Arial"/>
+            </a:endParaRPr>
+          </a:p>
+          <a:p>
+            <a:pPr>
+              <a:lnSpc>
+                <a:spcPct val="90000"/>
+              </a:lnSpc>
+              <a:spcBef>
+                <a:spcPts val="1001"/>
+              </a:spcBef>
+            </a:pPr>
+            <a:r>
+              <a:rPr lang="fr-FR" sz="2800" b="0" strike="noStrike" spc="-1" dirty="0">
+                <a:solidFill>
+                  <a:srgbClr val="000000"/>
+                </a:solidFill>
+                <a:latin typeface="Ubuntu"/>
+                <a:ea typeface="DejaVu Sans"/>
+              </a:rPr>
+              <a:t>On en est plus à ça près !</a:t>
+            </a:r>
+            <a:endParaRPr lang="fr-FR" sz="2800" b="0" strike="noStrike" spc="-1" dirty="0">
+              <a:latin typeface="Arial"/>
+            </a:endParaRPr>
+          </a:p>
+        </p:txBody>
       </p:sp>
       <p:pic>
         <p:nvPicPr>
-          <p:cNvPr id="333" name="Image 332"/>
+          <p:cNvPr id="327" name="Image 326"/>
           <p:cNvPicPr/>
           <p:nvPr/>
         </p:nvPicPr>
         <p:blipFill>
-          <a:blip r:embed="rId2"/>
-          <a:srcRect l="9520" t="1122" r="6959" b="23339"/>
+          <a:blip r:embed="rId3"/>
           <a:stretch/>
         </p:blipFill>
         <p:spPr>
           <a:xfrm>
-            <a:off x="3036960" y="3168360"/>
-            <a:ext cx="6119640" cy="3689280"/>
+            <a:off x="10185882" y="1310760"/>
+            <a:ext cx="1009440" cy="1007280"/>
           </a:xfrm>
           <a:prstGeom prst="rect">
             <a:avLst/>
@@ -19235,82 +19706,36 @@
           </a:ln>
         </p:spPr>
       </p:pic>
-      <p:sp>
-        <p:nvSpPr>
-          <p:cNvPr id="334" name="CustomShape 2"/>
-          <p:cNvSpPr/>
+      <p:pic>
+        <p:nvPicPr>
+          <p:cNvPr id="2" name="Image 1"/>
+          <p:cNvPicPr>
+            <a:picLocks noChangeAspect="1"/>
+          </p:cNvPicPr>
           <p:nvPr/>
-        </p:nvSpPr>
-        <p:spPr>
-          <a:xfrm>
-            <a:off x="609480" y="273600"/>
-            <a:ext cx="10968120" cy="5302440"/>
-          </a:xfrm>
-          <a:prstGeom prst="rect">
-            <a:avLst/>
-          </a:prstGeom>
-          <a:noFill/>
-          <a:ln>
-            <a:noFill/>
-          </a:ln>
-        </p:spPr>
-        <p:style>
-          <a:lnRef idx="0">
-            <a:scrgbClr r="0" g="0" b="0"/>
-          </a:lnRef>
-          <a:fillRef idx="0">
-            <a:scrgbClr r="0" g="0" b="0"/>
-          </a:fillRef>
-          <a:effectRef idx="0">
-            <a:scrgbClr r="0" g="0" b="0"/>
-          </a:effectRef>
-          <a:fontRef idx="minor"/>
-        </p:style>
-        <p:txBody>
-          <a:bodyPr lIns="0" tIns="0" rIns="0" bIns="0" anchor="ctr"/>
-          <a:lstStyle/>
-          <a:p>
-            <a:pPr algn="ctr">
-              <a:lnSpc>
-                <a:spcPct val="100000"/>
-              </a:lnSpc>
-            </a:pPr>
-            <a:r>
-              <a:rPr lang="fr-FR" sz="5400" b="0" strike="noStrike" spc="-1" dirty="0" err="1">
-                <a:solidFill>
-                  <a:srgbClr val="000000"/>
-                </a:solidFill>
-                <a:latin typeface="Arial"/>
-                <a:ea typeface="DejaVu Sans"/>
-              </a:rPr>
-              <a:t>Thanos</a:t>
-            </a:r>
-            <a:r>
-              <a:rPr lang="fr-FR" sz="5400" b="0" strike="noStrike" spc="-1" dirty="0">
-                <a:solidFill>
-                  <a:srgbClr val="000000"/>
-                </a:solidFill>
-                <a:latin typeface="Arial"/>
-                <a:ea typeface="DejaVu Sans"/>
-              </a:rPr>
-              <a:t> vous veut du bien</a:t>
-            </a:r>
-            <a:endParaRPr lang="fr-FR" sz="5400" b="0" strike="noStrike" spc="-1" dirty="0">
-              <a:latin typeface="Arial"/>
-            </a:endParaRPr>
-          </a:p>
-          <a:p>
-            <a:pPr algn="ctr">
-              <a:lnSpc>
-                <a:spcPct val="100000"/>
-              </a:lnSpc>
-            </a:pPr>
-            <a:endParaRPr lang="fr-FR" sz="5400" b="0" strike="noStrike" spc="-1" dirty="0">
-              <a:latin typeface="Arial"/>
-            </a:endParaRPr>
-          </a:p>
-        </p:txBody>
-      </p:sp>
+        </p:nvPicPr>
+        <p:blipFill>
+          <a:blip r:embed="rId4">
+            <a:extLst>
+              <a:ext uri="{28A0092B-C50C-407E-A947-70E740481C1C}">
+                <a14:useLocalDpi xmlns:a14="http://schemas.microsoft.com/office/drawing/2010/main" val="0"/>
+              </a:ext>
+            </a:extLst>
+          </a:blip>
+          <a:stretch>
+            <a:fillRect/>
+          </a:stretch>
+        </p:blipFill>
+        <p:spPr>
+          <a:xfrm>
+            <a:off x="7412183" y="3209879"/>
+            <a:ext cx="4642500" cy="3477394"/>
+          </a:xfrm>
+          <a:prstGeom prst="rect">
+            <a:avLst/>
+          </a:prstGeom>
+        </p:spPr>
+      </p:pic>
     </p:spTree>
   </p:cSld>
   <p:clrMapOvr>
@@ -19321,8 +19746,102 @@
       <p:par>
         <p:cTn id="1" dur="indefinite" restart="never" nodeType="tmRoot">
           <p:childTnLst>
-            <p:seq>
-              <p:cTn id="2" dur="indefinite" nodeType="mainSeq"/>
+            <p:seq concurrent="1" nextAc="seek">
+              <p:cTn id="2" dur="indefinite" nodeType="mainSeq">
+                <p:childTnLst>
+                  <p:par>
+                    <p:cTn id="3" fill="hold">
+                      <p:stCondLst>
+                        <p:cond delay="indefinite"/>
+                      </p:stCondLst>
+                      <p:childTnLst>
+                        <p:par>
+                          <p:cTn id="4" fill="hold">
+                            <p:stCondLst>
+                              <p:cond delay="0"/>
+                            </p:stCondLst>
+                            <p:childTnLst>
+                              <p:par>
+                                <p:cTn id="5" presetID="2" presetClass="entr" presetSubtype="4" fill="hold" nodeType="clickEffect">
+                                  <p:stCondLst>
+                                    <p:cond delay="0"/>
+                                  </p:stCondLst>
+                                  <p:childTnLst>
+                                    <p:set>
+                                      <p:cBhvr>
+                                        <p:cTn id="6" dur="1" fill="hold">
+                                          <p:stCondLst>
+                                            <p:cond delay="0"/>
+                                          </p:stCondLst>
+                                        </p:cTn>
+                                        <p:tgtEl>
+                                          <p:spTgt spid="2"/>
+                                        </p:tgtEl>
+                                        <p:attrNameLst>
+                                          <p:attrName>style.visibility</p:attrName>
+                                        </p:attrNameLst>
+                                      </p:cBhvr>
+                                      <p:to>
+                                        <p:strVal val="visible"/>
+                                      </p:to>
+                                    </p:set>
+                                    <p:anim calcmode="lin" valueType="num">
+                                      <p:cBhvr additive="base">
+                                        <p:cTn id="7" dur="500" fill="hold"/>
+                                        <p:tgtEl>
+                                          <p:spTgt spid="2"/>
+                                        </p:tgtEl>
+                                        <p:attrNameLst>
+                                          <p:attrName>ppt_x</p:attrName>
+                                        </p:attrNameLst>
+                                      </p:cBhvr>
+                                      <p:tavLst>
+                                        <p:tav tm="0">
+                                          <p:val>
+                                            <p:strVal val="#ppt_x"/>
+                                          </p:val>
+                                        </p:tav>
+                                        <p:tav tm="100000">
+                                          <p:val>
+                                            <p:strVal val="#ppt_x"/>
+                                          </p:val>
+                                        </p:tav>
+                                      </p:tavLst>
+                                    </p:anim>
+                                    <p:anim calcmode="lin" valueType="num">
+                                      <p:cBhvr additive="base">
+                                        <p:cTn id="8" dur="500" fill="hold"/>
+                                        <p:tgtEl>
+                                          <p:spTgt spid="2"/>
+                                        </p:tgtEl>
+                                        <p:attrNameLst>
+                                          <p:attrName>ppt_y</p:attrName>
+                                        </p:attrNameLst>
+                                      </p:cBhvr>
+                                      <p:tavLst>
+                                        <p:tav tm="0">
+                                          <p:val>
+                                            <p:strVal val="1+#ppt_h/2"/>
+                                          </p:val>
+                                        </p:tav>
+                                        <p:tav tm="100000">
+                                          <p:val>
+                                            <p:strVal val="#ppt_y"/>
+                                          </p:val>
+                                        </p:tav>
+                                      </p:tavLst>
+                                    </p:anim>
+                                  </p:childTnLst>
+                                </p:cTn>
+                              </p:par>
+                            </p:childTnLst>
+                          </p:cTn>
+                        </p:par>
+                      </p:childTnLst>
+                    </p:cTn>
+                  </p:par>
+                </p:childTnLst>
+              </p:cTn>
               <p:prevCondLst>
                 <p:cond evt="onPrev" delay="0">
                   <p:tgtEl>
@@ -19349,6 +19868,14 @@
 <file path=ppt/slides/slide23.xml><?xml version="1.0" encoding="utf-8"?>
 <p:sld xmlns:a="http://schemas.openxmlformats.org/drawingml/2006/main" xmlns:r="http://schemas.openxmlformats.org/officeDocument/2006/relationships" xmlns:p="http://schemas.openxmlformats.org/presentationml/2006/main">
   <p:cSld>
+    <p:bg>
+      <p:bgPr>
+        <a:solidFill>
+          <a:srgbClr val="EEEEEE"/>
+        </a:solidFill>
+        <a:effectLst/>
+      </p:bgPr>
+    </p:bg>
     <p:spTree>
       <p:nvGrpSpPr>
         <p:cNvPr id="1" name=""/>
@@ -19365,14 +19892,14 @@
       </p:grpSpPr>
       <p:sp>
         <p:nvSpPr>
-          <p:cNvPr id="335" name="CustomShape 1"/>
+          <p:cNvPr id="332" name="CustomShape 1"/>
           <p:cNvSpPr/>
           <p:nvPr/>
         </p:nvSpPr>
         <p:spPr>
           <a:xfrm>
-            <a:off x="838080" y="365040"/>
-            <a:ext cx="10507320" cy="630360"/>
+            <a:off x="841680" y="1122480"/>
+            <a:ext cx="10517760" cy="3479040"/>
           </a:xfrm>
           <a:prstGeom prst="rect">
             <a:avLst/>
@@ -19394,43 +19921,41 @@
           </a:effectRef>
           <a:fontRef idx="minor"/>
         </p:style>
-        <p:txBody>
-          <a:bodyPr lIns="90000" tIns="45000" rIns="90000" bIns="45000" anchor="ctr">
-            <a:normAutofit/>
-          </a:bodyPr>
-          <a:lstStyle/>
-          <a:p>
-            <a:pPr>
-              <a:lnSpc>
-                <a:spcPct val="90000"/>
-              </a:lnSpc>
-            </a:pPr>
-            <a:r>
-              <a:rPr lang="fr-FR" sz="3200" b="0" strike="noStrike" spc="-1">
-                <a:solidFill>
-                  <a:srgbClr val="000000"/>
-                </a:solidFill>
-                <a:latin typeface="Ubuntu"/>
-                <a:ea typeface="DejaVu Sans"/>
-              </a:rPr>
-              <a:t>Thanos</a:t>
-            </a:r>
-            <a:endParaRPr lang="fr-FR" sz="3200" b="0" strike="noStrike" spc="-1">
-              <a:latin typeface="Arial"/>
-            </a:endParaRPr>
-          </a:p>
-        </p:txBody>
-      </p:sp>
-      <p:sp>
-        <p:nvSpPr>
-          <p:cNvPr id="336" name="CustomShape 2"/>
+      </p:sp>
+      <p:pic>
+        <p:nvPicPr>
+          <p:cNvPr id="333" name="Image 332"/>
+          <p:cNvPicPr/>
+          <p:nvPr/>
+        </p:nvPicPr>
+        <p:blipFill>
+          <a:blip r:embed="rId2"/>
+          <a:srcRect l="9520" t="1122" r="6959" b="23339"/>
+          <a:stretch/>
+        </p:blipFill>
+        <p:spPr>
+          <a:xfrm>
+            <a:off x="3036960" y="3168360"/>
+            <a:ext cx="6119640" cy="3689280"/>
+          </a:xfrm>
+          <a:prstGeom prst="rect">
+            <a:avLst/>
+          </a:prstGeom>
+          <a:ln>
+            <a:noFill/>
+          </a:ln>
+        </p:spPr>
+      </p:pic>
+      <p:sp>
+        <p:nvSpPr>
+          <p:cNvPr id="334" name="CustomShape 2"/>
           <p:cNvSpPr/>
           <p:nvPr/>
         </p:nvSpPr>
         <p:spPr>
           <a:xfrm>
-            <a:off x="838080" y="1310760"/>
-            <a:ext cx="10507320" cy="4964760"/>
+            <a:off x="609480" y="273600"/>
+            <a:ext cx="10968120" cy="5302440"/>
           </a:xfrm>
           <a:prstGeom prst="rect">
             <a:avLst/>
@@ -19453,307 +19978,45 @@
           <a:fontRef idx="minor"/>
         </p:style>
         <p:txBody>
-          <a:bodyPr lIns="90000" tIns="45000" rIns="90000" bIns="45000">
-            <a:normAutofit lnSpcReduction="10000"/>
-          </a:bodyPr>
+          <a:bodyPr lIns="0" tIns="0" rIns="0" bIns="0" anchor="ctr"/>
           <a:lstStyle/>
           <a:p>
-            <a:pPr>
-              <a:lnSpc>
-                <a:spcPct val="90000"/>
-              </a:lnSpc>
-              <a:spcBef>
-                <a:spcPts val="1001"/>
-              </a:spcBef>
-            </a:pPr>
-            <a:r>
-              <a:rPr lang="fr-FR" sz="2800" b="0" strike="noStrike" spc="-1">
-                <a:solidFill>
-                  <a:srgbClr val="000000"/>
-                </a:solidFill>
-                <a:latin typeface="Ubuntu"/>
-                <a:ea typeface="DejaVu Sans"/>
-              </a:rPr>
-              <a:t>Outil open source</a:t>
-            </a:r>
-            <a:endParaRPr lang="fr-FR" sz="2800" b="0" strike="noStrike" spc="-1">
-              <a:latin typeface="Arial"/>
-            </a:endParaRPr>
-          </a:p>
-          <a:p>
-            <a:pPr marL="648000" lvl="2" indent="-215640">
-              <a:lnSpc>
-                <a:spcPct val="150000"/>
-              </a:lnSpc>
-              <a:spcBef>
-                <a:spcPts val="1001"/>
-              </a:spcBef>
-              <a:buClr>
-                <a:srgbClr val="000000"/>
-              </a:buClr>
-              <a:buSzPct val="45000"/>
-              <a:buFont typeface="Wingdings" charset="2"/>
-              <a:buChar char=""/>
-            </a:pPr>
-            <a:r>
-              <a:rPr lang="fr-FR" sz="2400" b="0" strike="noStrike" spc="-1">
-                <a:solidFill>
-                  <a:srgbClr val="000000"/>
-                </a:solidFill>
-                <a:latin typeface="Ubuntu"/>
-                <a:ea typeface="DejaVu Sans"/>
-              </a:rPr>
-              <a:t>Développé par Improbable depuis nov. 2017</a:t>
-            </a:r>
-            <a:endParaRPr lang="fr-FR" sz="2400" b="0" strike="noStrike" spc="-1">
-              <a:latin typeface="Arial"/>
-            </a:endParaRPr>
-          </a:p>
-          <a:p>
-            <a:pPr marL="648000" lvl="2" indent="-215640">
-              <a:lnSpc>
-                <a:spcPct val="150000"/>
-              </a:lnSpc>
-              <a:spcBef>
-                <a:spcPts val="1001"/>
-              </a:spcBef>
-              <a:buClr>
-                <a:srgbClr val="000000"/>
-              </a:buClr>
-              <a:buSzPct val="45000"/>
-              <a:buFont typeface="Wingdings" charset="2"/>
-              <a:buChar char=""/>
-            </a:pPr>
-            <a:r>
-              <a:rPr lang="fr-FR" sz="2400" b="0" strike="noStrike" spc="-1">
-                <a:solidFill>
-                  <a:srgbClr val="000000"/>
-                </a:solidFill>
-                <a:latin typeface="Ubuntu"/>
-                <a:ea typeface="DejaVu Sans"/>
-              </a:rPr>
-              <a:t>Intégré à la CNCF en août 2019</a:t>
-            </a:r>
-            <a:endParaRPr lang="fr-FR" sz="2400" b="0" strike="noStrike" spc="-1">
-              <a:latin typeface="Arial"/>
-            </a:endParaRPr>
-          </a:p>
-          <a:p>
-            <a:pPr>
-              <a:lnSpc>
-                <a:spcPct val="150000"/>
-              </a:lnSpc>
-              <a:spcBef>
-                <a:spcPts val="1001"/>
-              </a:spcBef>
-            </a:pPr>
-            <a:r>
-              <a:rPr lang="fr-FR" sz="2600" b="0" strike="noStrike" spc="-1">
-                <a:solidFill>
-                  <a:srgbClr val="000000"/>
-                </a:solidFill>
-                <a:latin typeface="Ubuntu"/>
-                <a:ea typeface="DejaVu Sans"/>
-              </a:rPr>
-              <a:t>« Prometheus at scale » </a:t>
-            </a:r>
-            <a:endParaRPr lang="fr-FR" sz="2600" b="0" strike="noStrike" spc="-1">
-              <a:latin typeface="Arial"/>
-            </a:endParaRPr>
-          </a:p>
-          <a:p>
-            <a:pPr marL="648000" lvl="2" indent="-215640">
-              <a:lnSpc>
-                <a:spcPct val="150000"/>
-              </a:lnSpc>
-              <a:spcBef>
-                <a:spcPts val="1001"/>
-              </a:spcBef>
-              <a:buClr>
-                <a:srgbClr val="000000"/>
-              </a:buClr>
-              <a:buSzPct val="45000"/>
-              <a:buFont typeface="Wingdings" charset="2"/>
-              <a:buChar char=""/>
-            </a:pPr>
-            <a:r>
-              <a:rPr lang="fr-FR" sz="2400" b="0" strike="noStrike" spc="-1">
-                <a:solidFill>
-                  <a:srgbClr val="000000"/>
-                </a:solidFill>
-                <a:latin typeface="Ubuntu"/>
-                <a:ea typeface="DejaVu Sans"/>
-              </a:rPr>
-              <a:t>100 % compatible avec Prometheus + écosystème</a:t>
-            </a:r>
-            <a:endParaRPr lang="fr-FR" sz="2400" b="0" strike="noStrike" spc="-1">
-              <a:latin typeface="Arial"/>
-            </a:endParaRPr>
-          </a:p>
-          <a:p>
-            <a:pPr marL="648000" lvl="2" indent="-215640">
-              <a:lnSpc>
-                <a:spcPct val="150000"/>
-              </a:lnSpc>
-              <a:spcBef>
-                <a:spcPts val="1001"/>
-              </a:spcBef>
-              <a:buClr>
-                <a:srgbClr val="000000"/>
-              </a:buClr>
-              <a:buSzPct val="45000"/>
-              <a:buFont typeface="Wingdings" charset="2"/>
-              <a:buChar char=""/>
-            </a:pPr>
-            <a:r>
-              <a:rPr lang="fr-FR" sz="2400" b="0" strike="noStrike" spc="-1">
-                <a:solidFill>
-                  <a:srgbClr val="000000"/>
-                </a:solidFill>
-                <a:latin typeface="Ubuntu"/>
-                <a:ea typeface="DejaVu Sans"/>
-              </a:rPr>
-              <a:t>Rétention « infinie » (externalisation S3)</a:t>
-            </a:r>
-            <a:endParaRPr lang="fr-FR" sz="2400" b="0" strike="noStrike" spc="-1">
-              <a:latin typeface="Arial"/>
-            </a:endParaRPr>
-          </a:p>
-          <a:p>
-            <a:pPr marL="648000" lvl="2" indent="-215640">
-              <a:lnSpc>
-                <a:spcPct val="150000"/>
-              </a:lnSpc>
-              <a:spcBef>
-                <a:spcPts val="1001"/>
-              </a:spcBef>
-              <a:buClr>
-                <a:srgbClr val="000000"/>
-              </a:buClr>
-              <a:buSzPct val="45000"/>
-              <a:buFont typeface="Wingdings" charset="2"/>
-              <a:buChar char=""/>
-            </a:pPr>
-            <a:r>
-              <a:rPr lang="fr-FR" sz="2400" b="0" strike="noStrike" spc="-1">
-                <a:solidFill>
-                  <a:srgbClr val="000000"/>
-                </a:solidFill>
-                <a:latin typeface="Ubuntu"/>
-                <a:ea typeface="DejaVu Sans"/>
-              </a:rPr>
-              <a:t>Corrélation de plusieurs Prometheus + gestion des replicas </a:t>
-            </a:r>
-            <a:endParaRPr lang="fr-FR" sz="2400" b="0" strike="noStrike" spc="-1">
-              <a:latin typeface="Arial"/>
-            </a:endParaRPr>
-          </a:p>
-          <a:p>
-            <a:pPr marL="648000" lvl="2" indent="-215640">
-              <a:lnSpc>
-                <a:spcPct val="150000"/>
-              </a:lnSpc>
-              <a:spcBef>
-                <a:spcPts val="1001"/>
-              </a:spcBef>
-              <a:buClr>
-                <a:srgbClr val="000000"/>
-              </a:buClr>
-              <a:buSzPct val="45000"/>
-              <a:buFont typeface="Wingdings" charset="2"/>
-              <a:buChar char=""/>
-            </a:pPr>
-            <a:r>
-              <a:rPr lang="fr-FR" sz="2400" b="0" strike="noStrike" spc="-1">
-                <a:solidFill>
-                  <a:srgbClr val="000000"/>
-                </a:solidFill>
-                <a:latin typeface="Ubuntu"/>
-                <a:ea typeface="DejaVu Sans"/>
-              </a:rPr>
-              <a:t>Downsampling</a:t>
-            </a:r>
-            <a:endParaRPr lang="fr-FR" sz="2400" b="0" strike="noStrike" spc="-1">
-              <a:latin typeface="Arial"/>
-            </a:endParaRPr>
-          </a:p>
-        </p:txBody>
-      </p:sp>
-      <p:pic>
-        <p:nvPicPr>
-          <p:cNvPr id="337" name="Image 336"/>
-          <p:cNvPicPr/>
-          <p:nvPr/>
-        </p:nvPicPr>
-        <p:blipFill>
-          <a:blip r:embed="rId3"/>
-          <a:stretch/>
-        </p:blipFill>
-        <p:spPr>
-          <a:xfrm>
-            <a:off x="9864000" y="1152000"/>
-            <a:ext cx="2159640" cy="2159640"/>
-          </a:xfrm>
-          <a:prstGeom prst="rect">
-            <a:avLst/>
-          </a:prstGeom>
-          <a:ln>
-            <a:noFill/>
-          </a:ln>
-        </p:spPr>
-      </p:pic>
-      <p:sp>
-        <p:nvSpPr>
-          <p:cNvPr id="338" name="CustomShape 3"/>
-          <p:cNvSpPr/>
-          <p:nvPr/>
-        </p:nvSpPr>
-        <p:spPr>
-          <a:xfrm>
-            <a:off x="648000" y="6480000"/>
-            <a:ext cx="5288760" cy="232200"/>
-          </a:xfrm>
-          <a:prstGeom prst="rect">
-            <a:avLst/>
-          </a:prstGeom>
-          <a:noFill/>
-          <a:ln>
-            <a:noFill/>
-          </a:ln>
-        </p:spPr>
-        <p:style>
-          <a:lnRef idx="0">
-            <a:scrgbClr r="0" g="0" b="0"/>
-          </a:lnRef>
-          <a:fillRef idx="0">
-            <a:scrgbClr r="0" g="0" b="0"/>
-          </a:fillRef>
-          <a:effectRef idx="0">
-            <a:scrgbClr r="0" g="0" b="0"/>
-          </a:effectRef>
-          <a:fontRef idx="minor"/>
-        </p:style>
-        <p:txBody>
-          <a:bodyPr lIns="90000" tIns="45000" rIns="90000" bIns="45000"/>
-          <a:lstStyle/>
-          <a:p>
-            <a:pPr>
+            <a:pPr algn="ctr">
               <a:lnSpc>
                 <a:spcPct val="100000"/>
               </a:lnSpc>
             </a:pPr>
             <a:r>
-              <a:rPr lang="fr-FR" sz="1000" b="0" u="sng" strike="noStrike" spc="-1">
+              <a:rPr lang="fr-FR" sz="5400" b="0" strike="noStrike" spc="-1" dirty="0" err="1">
                 <a:solidFill>
-                  <a:srgbClr val="0000FF"/>
+                  <a:srgbClr val="000000"/>
                 </a:solidFill>
-                <a:uFillTx/>
                 <a:latin typeface="Arial"/>
-                <a:hlinkClick r:id="rId4"/>
-              </a:rPr>
-              <a:t>https://improbable.io/blog/improbable-donates-thanos-to-cloud-native-computing-foundation</a:t>
-            </a:r>
-            <a:endParaRPr lang="fr-FR" sz="1000" b="0" strike="noStrike" spc="-1">
+                <a:ea typeface="DejaVu Sans"/>
+              </a:rPr>
+              <a:t>Thanos</a:t>
+            </a:r>
+            <a:r>
+              <a:rPr lang="fr-FR" sz="5400" b="0" strike="noStrike" spc="-1" dirty="0">
+                <a:solidFill>
+                  <a:srgbClr val="000000"/>
+                </a:solidFill>
+                <a:latin typeface="Arial"/>
+                <a:ea typeface="DejaVu Sans"/>
+              </a:rPr>
+              <a:t> vous veut du bien</a:t>
+            </a:r>
+            <a:endParaRPr lang="fr-FR" sz="5400" b="0" strike="noStrike" spc="-1" dirty="0">
+              <a:latin typeface="Arial"/>
+            </a:endParaRPr>
+          </a:p>
+          <a:p>
+            <a:pPr algn="ctr">
+              <a:lnSpc>
+                <a:spcPct val="100000"/>
+              </a:lnSpc>
+            </a:pPr>
+            <a:endParaRPr lang="fr-FR" sz="5400" b="0" strike="noStrike" spc="-1" dirty="0">
               <a:latin typeface="Arial"/>
             </a:endParaRPr>
           </a:p>
@@ -19795,6 +20058,543 @@
 </file>
 
 <file path=ppt/slides/slide24.xml><?xml version="1.0" encoding="utf-8"?>
+<p:sld xmlns:a="http://schemas.openxmlformats.org/drawingml/2006/main" xmlns:r="http://schemas.openxmlformats.org/officeDocument/2006/relationships" xmlns:p="http://schemas.openxmlformats.org/presentationml/2006/main">
+  <p:cSld>
+    <p:spTree>
+      <p:nvGrpSpPr>
+        <p:cNvPr id="1" name=""/>
+        <p:cNvGrpSpPr/>
+        <p:nvPr/>
+      </p:nvGrpSpPr>
+      <p:grpSpPr>
+        <a:xfrm>
+          <a:off x="0" y="0"/>
+          <a:ext cx="0" cy="0"/>
+          <a:chOff x="0" y="0"/>
+          <a:chExt cx="0" cy="0"/>
+        </a:xfrm>
+      </p:grpSpPr>
+      <p:sp>
+        <p:nvSpPr>
+          <p:cNvPr id="335" name="CustomShape 1"/>
+          <p:cNvSpPr/>
+          <p:nvPr/>
+        </p:nvSpPr>
+        <p:spPr>
+          <a:xfrm>
+            <a:off x="838080" y="365040"/>
+            <a:ext cx="10507320" cy="630360"/>
+          </a:xfrm>
+          <a:prstGeom prst="rect">
+            <a:avLst/>
+          </a:prstGeom>
+          <a:noFill/>
+          <a:ln>
+            <a:noFill/>
+          </a:ln>
+        </p:spPr>
+        <p:style>
+          <a:lnRef idx="0">
+            <a:scrgbClr r="0" g="0" b="0"/>
+          </a:lnRef>
+          <a:fillRef idx="0">
+            <a:scrgbClr r="0" g="0" b="0"/>
+          </a:fillRef>
+          <a:effectRef idx="0">
+            <a:scrgbClr r="0" g="0" b="0"/>
+          </a:effectRef>
+          <a:fontRef idx="minor"/>
+        </p:style>
+        <p:txBody>
+          <a:bodyPr lIns="90000" tIns="45000" rIns="90000" bIns="45000" anchor="ctr">
+            <a:normAutofit/>
+          </a:bodyPr>
+          <a:lstStyle/>
+          <a:p>
+            <a:pPr>
+              <a:lnSpc>
+                <a:spcPct val="90000"/>
+              </a:lnSpc>
+            </a:pPr>
+            <a:r>
+              <a:rPr lang="fr-FR" sz="3200" b="0" strike="noStrike" spc="-1">
+                <a:solidFill>
+                  <a:srgbClr val="000000"/>
+                </a:solidFill>
+                <a:latin typeface="Ubuntu"/>
+                <a:ea typeface="DejaVu Sans"/>
+              </a:rPr>
+              <a:t>Thanos</a:t>
+            </a:r>
+            <a:endParaRPr lang="fr-FR" sz="3200" b="0" strike="noStrike" spc="-1">
+              <a:latin typeface="Arial"/>
+            </a:endParaRPr>
+          </a:p>
+        </p:txBody>
+      </p:sp>
+      <p:sp>
+        <p:nvSpPr>
+          <p:cNvPr id="336" name="CustomShape 2"/>
+          <p:cNvSpPr/>
+          <p:nvPr/>
+        </p:nvSpPr>
+        <p:spPr>
+          <a:xfrm>
+            <a:off x="838080" y="1310760"/>
+            <a:ext cx="10507320" cy="4964760"/>
+          </a:xfrm>
+          <a:prstGeom prst="rect">
+            <a:avLst/>
+          </a:prstGeom>
+          <a:noFill/>
+          <a:ln>
+            <a:noFill/>
+          </a:ln>
+        </p:spPr>
+        <p:style>
+          <a:lnRef idx="0">
+            <a:scrgbClr r="0" g="0" b="0"/>
+          </a:lnRef>
+          <a:fillRef idx="0">
+            <a:scrgbClr r="0" g="0" b="0"/>
+          </a:fillRef>
+          <a:effectRef idx="0">
+            <a:scrgbClr r="0" g="0" b="0"/>
+          </a:effectRef>
+          <a:fontRef idx="minor"/>
+        </p:style>
+        <p:txBody>
+          <a:bodyPr lIns="90000" tIns="45000" rIns="90000" bIns="45000">
+            <a:normAutofit/>
+          </a:bodyPr>
+          <a:lstStyle/>
+          <a:p>
+            <a:pPr>
+              <a:lnSpc>
+                <a:spcPct val="90000"/>
+              </a:lnSpc>
+              <a:spcBef>
+                <a:spcPts val="1001"/>
+              </a:spcBef>
+            </a:pPr>
+            <a:r>
+              <a:rPr lang="fr-FR" sz="2800" b="0" strike="noStrike" spc="-1" dirty="0">
+                <a:solidFill>
+                  <a:srgbClr val="000000"/>
+                </a:solidFill>
+                <a:latin typeface="Ubuntu"/>
+                <a:ea typeface="DejaVu Sans"/>
+              </a:rPr>
+              <a:t>Outil open source</a:t>
+            </a:r>
+            <a:endParaRPr lang="fr-FR" sz="2800" b="0" strike="noStrike" spc="-1" dirty="0">
+              <a:latin typeface="Arial"/>
+            </a:endParaRPr>
+          </a:p>
+          <a:p>
+            <a:pPr marL="648000" lvl="2" indent="-215640">
+              <a:lnSpc>
+                <a:spcPct val="150000"/>
+              </a:lnSpc>
+              <a:spcBef>
+                <a:spcPts val="1001"/>
+              </a:spcBef>
+              <a:buClr>
+                <a:srgbClr val="000000"/>
+              </a:buClr>
+              <a:buSzPct val="45000"/>
+              <a:buFont typeface="Wingdings" charset="2"/>
+              <a:buChar char=""/>
+            </a:pPr>
+            <a:r>
+              <a:rPr lang="fr-FR" sz="2400" b="0" strike="noStrike" spc="-1" dirty="0">
+                <a:solidFill>
+                  <a:srgbClr val="000000"/>
+                </a:solidFill>
+                <a:latin typeface="Ubuntu"/>
+                <a:ea typeface="DejaVu Sans"/>
+              </a:rPr>
+              <a:t>Développé par Improbable depuis nov. 2017</a:t>
+            </a:r>
+            <a:endParaRPr lang="fr-FR" sz="2400" b="0" strike="noStrike" spc="-1" dirty="0">
+              <a:latin typeface="Arial"/>
+            </a:endParaRPr>
+          </a:p>
+          <a:p>
+            <a:pPr marL="648000" lvl="2" indent="-215640">
+              <a:lnSpc>
+                <a:spcPct val="150000"/>
+              </a:lnSpc>
+              <a:spcBef>
+                <a:spcPts val="1001"/>
+              </a:spcBef>
+              <a:buClr>
+                <a:srgbClr val="000000"/>
+              </a:buClr>
+              <a:buSzPct val="45000"/>
+              <a:buFont typeface="Wingdings" charset="2"/>
+              <a:buChar char=""/>
+            </a:pPr>
+            <a:r>
+              <a:rPr lang="fr-FR" sz="2400" b="0" strike="noStrike" spc="-1" dirty="0">
+                <a:solidFill>
+                  <a:srgbClr val="000000"/>
+                </a:solidFill>
+                <a:latin typeface="Ubuntu"/>
+                <a:ea typeface="DejaVu Sans"/>
+              </a:rPr>
+              <a:t>Intégré à la CNCF en août </a:t>
+            </a:r>
+            <a:r>
+              <a:rPr lang="fr-FR" sz="2400" b="0" strike="noStrike" spc="-1" dirty="0" smtClean="0">
+                <a:solidFill>
+                  <a:srgbClr val="000000"/>
+                </a:solidFill>
+                <a:latin typeface="Ubuntu"/>
+                <a:ea typeface="DejaVu Sans"/>
+              </a:rPr>
+              <a:t>2019 *</a:t>
+            </a:r>
+            <a:endParaRPr lang="fr-FR" sz="2400" b="0" strike="noStrike" spc="-1" dirty="0">
+              <a:latin typeface="Arial"/>
+            </a:endParaRPr>
+          </a:p>
+          <a:p>
+            <a:pPr>
+              <a:lnSpc>
+                <a:spcPct val="150000"/>
+              </a:lnSpc>
+              <a:spcBef>
+                <a:spcPts val="1001"/>
+              </a:spcBef>
+            </a:pPr>
+            <a:r>
+              <a:rPr lang="fr-FR" sz="2600" b="0" strike="noStrike" spc="-1" dirty="0">
+                <a:solidFill>
+                  <a:srgbClr val="000000"/>
+                </a:solidFill>
+                <a:latin typeface="Ubuntu"/>
+                <a:ea typeface="DejaVu Sans"/>
+              </a:rPr>
+              <a:t>« </a:t>
+            </a:r>
+            <a:r>
+              <a:rPr lang="fr-FR" sz="2600" b="0" strike="noStrike" spc="-1" dirty="0" err="1">
+                <a:solidFill>
+                  <a:srgbClr val="000000"/>
+                </a:solidFill>
+                <a:latin typeface="Ubuntu"/>
+                <a:ea typeface="DejaVu Sans"/>
+              </a:rPr>
+              <a:t>Prometheus</a:t>
+            </a:r>
+            <a:r>
+              <a:rPr lang="fr-FR" sz="2600" b="0" strike="noStrike" spc="-1" dirty="0">
+                <a:solidFill>
+                  <a:srgbClr val="000000"/>
+                </a:solidFill>
+                <a:latin typeface="Ubuntu"/>
+                <a:ea typeface="DejaVu Sans"/>
+              </a:rPr>
+              <a:t> at </a:t>
+            </a:r>
+            <a:r>
+              <a:rPr lang="fr-FR" sz="2600" b="0" strike="noStrike" spc="-1" dirty="0" err="1">
+                <a:solidFill>
+                  <a:srgbClr val="000000"/>
+                </a:solidFill>
+                <a:latin typeface="Ubuntu"/>
+                <a:ea typeface="DejaVu Sans"/>
+              </a:rPr>
+              <a:t>scale</a:t>
+            </a:r>
+            <a:r>
+              <a:rPr lang="fr-FR" sz="2600" b="0" strike="noStrike" spc="-1" dirty="0">
+                <a:solidFill>
+                  <a:srgbClr val="000000"/>
+                </a:solidFill>
+                <a:latin typeface="Ubuntu"/>
+                <a:ea typeface="DejaVu Sans"/>
+              </a:rPr>
+              <a:t> » </a:t>
+            </a:r>
+            <a:endParaRPr lang="fr-FR" sz="2600" b="0" strike="noStrike" spc="-1" dirty="0">
+              <a:latin typeface="Arial"/>
+            </a:endParaRPr>
+          </a:p>
+          <a:p>
+            <a:pPr marL="648000" lvl="2" indent="-215640">
+              <a:lnSpc>
+                <a:spcPct val="150000"/>
+              </a:lnSpc>
+              <a:spcBef>
+                <a:spcPts val="1001"/>
+              </a:spcBef>
+              <a:buClr>
+                <a:srgbClr val="000000"/>
+              </a:buClr>
+              <a:buSzPct val="45000"/>
+              <a:buFont typeface="Wingdings" charset="2"/>
+              <a:buChar char=""/>
+            </a:pPr>
+            <a:r>
+              <a:rPr lang="fr-FR" sz="2400" b="0" strike="noStrike" spc="-1" dirty="0">
+                <a:solidFill>
+                  <a:srgbClr val="000000"/>
+                </a:solidFill>
+                <a:latin typeface="Ubuntu"/>
+                <a:ea typeface="DejaVu Sans"/>
+              </a:rPr>
+              <a:t>100 % compatible avec </a:t>
+            </a:r>
+            <a:r>
+              <a:rPr lang="fr-FR" sz="2400" b="0" strike="noStrike" spc="-1" dirty="0" err="1">
+                <a:solidFill>
+                  <a:srgbClr val="000000"/>
+                </a:solidFill>
+                <a:latin typeface="Ubuntu"/>
+                <a:ea typeface="DejaVu Sans"/>
+              </a:rPr>
+              <a:t>Prometheus</a:t>
+            </a:r>
+            <a:r>
+              <a:rPr lang="fr-FR" sz="2400" b="0" strike="noStrike" spc="-1" dirty="0">
+                <a:solidFill>
+                  <a:srgbClr val="000000"/>
+                </a:solidFill>
+                <a:latin typeface="Ubuntu"/>
+                <a:ea typeface="DejaVu Sans"/>
+              </a:rPr>
+              <a:t> + écosystème</a:t>
+            </a:r>
+            <a:endParaRPr lang="fr-FR" sz="2400" b="0" strike="noStrike" spc="-1" dirty="0">
+              <a:latin typeface="Arial"/>
+            </a:endParaRPr>
+          </a:p>
+          <a:p>
+            <a:pPr marL="648000" lvl="2" indent="-215640">
+              <a:lnSpc>
+                <a:spcPct val="150000"/>
+              </a:lnSpc>
+              <a:spcBef>
+                <a:spcPts val="1001"/>
+              </a:spcBef>
+              <a:buClr>
+                <a:srgbClr val="000000"/>
+              </a:buClr>
+              <a:buSzPct val="45000"/>
+              <a:buFont typeface="Wingdings" charset="2"/>
+              <a:buChar char=""/>
+            </a:pPr>
+            <a:r>
+              <a:rPr lang="fr-FR" sz="2400" b="0" strike="noStrike" spc="-1" dirty="0">
+                <a:solidFill>
+                  <a:srgbClr val="000000"/>
+                </a:solidFill>
+                <a:latin typeface="Ubuntu"/>
+                <a:ea typeface="DejaVu Sans"/>
+              </a:rPr>
+              <a:t>Rétention « infinie » (externalisation S3)</a:t>
+            </a:r>
+            <a:endParaRPr lang="fr-FR" sz="2400" b="0" strike="noStrike" spc="-1" dirty="0">
+              <a:latin typeface="Arial"/>
+            </a:endParaRPr>
+          </a:p>
+          <a:p>
+            <a:pPr marL="648000" lvl="2" indent="-215640">
+              <a:lnSpc>
+                <a:spcPct val="150000"/>
+              </a:lnSpc>
+              <a:spcBef>
+                <a:spcPts val="1001"/>
+              </a:spcBef>
+              <a:buClr>
+                <a:srgbClr val="000000"/>
+              </a:buClr>
+              <a:buSzPct val="45000"/>
+              <a:buFont typeface="Wingdings" charset="2"/>
+              <a:buChar char=""/>
+            </a:pPr>
+            <a:r>
+              <a:rPr lang="fr-FR" sz="2400" b="0" strike="noStrike" spc="-1" dirty="0">
+                <a:solidFill>
+                  <a:srgbClr val="000000"/>
+                </a:solidFill>
+                <a:latin typeface="Ubuntu"/>
+                <a:ea typeface="DejaVu Sans"/>
+              </a:rPr>
+              <a:t>Corrélation de plusieurs </a:t>
+            </a:r>
+            <a:r>
+              <a:rPr lang="fr-FR" sz="2400" b="0" strike="noStrike" spc="-1" dirty="0" err="1">
+                <a:solidFill>
+                  <a:srgbClr val="000000"/>
+                </a:solidFill>
+                <a:latin typeface="Ubuntu"/>
+                <a:ea typeface="DejaVu Sans"/>
+              </a:rPr>
+              <a:t>Prometheus</a:t>
+            </a:r>
+            <a:r>
+              <a:rPr lang="fr-FR" sz="2400" b="0" strike="noStrike" spc="-1" dirty="0">
+                <a:solidFill>
+                  <a:srgbClr val="000000"/>
+                </a:solidFill>
+                <a:latin typeface="Ubuntu"/>
+                <a:ea typeface="DejaVu Sans"/>
+              </a:rPr>
+              <a:t> + gestion des </a:t>
+            </a:r>
+            <a:r>
+              <a:rPr lang="fr-FR" sz="2400" b="0" strike="noStrike" spc="-1" dirty="0" err="1">
+                <a:solidFill>
+                  <a:srgbClr val="000000"/>
+                </a:solidFill>
+                <a:latin typeface="Ubuntu"/>
+                <a:ea typeface="DejaVu Sans"/>
+              </a:rPr>
+              <a:t>replicas</a:t>
+            </a:r>
+            <a:r>
+              <a:rPr lang="fr-FR" sz="2400" b="0" strike="noStrike" spc="-1" dirty="0">
+                <a:solidFill>
+                  <a:srgbClr val="000000"/>
+                </a:solidFill>
+                <a:latin typeface="Ubuntu"/>
+                <a:ea typeface="DejaVu Sans"/>
+              </a:rPr>
+              <a:t> </a:t>
+            </a:r>
+          </a:p>
+        </p:txBody>
+      </p:sp>
+      <p:pic>
+        <p:nvPicPr>
+          <p:cNvPr id="337" name="Image 336"/>
+          <p:cNvPicPr/>
+          <p:nvPr/>
+        </p:nvPicPr>
+        <p:blipFill>
+          <a:blip r:embed="rId3"/>
+          <a:stretch/>
+        </p:blipFill>
+        <p:spPr>
+          <a:xfrm>
+            <a:off x="9864000" y="1152000"/>
+            <a:ext cx="2159640" cy="2159640"/>
+          </a:xfrm>
+          <a:prstGeom prst="rect">
+            <a:avLst/>
+          </a:prstGeom>
+          <a:ln>
+            <a:noFill/>
+          </a:ln>
+        </p:spPr>
+      </p:pic>
+      <p:sp>
+        <p:nvSpPr>
+          <p:cNvPr id="338" name="CustomShape 3"/>
+          <p:cNvSpPr/>
+          <p:nvPr/>
+        </p:nvSpPr>
+        <p:spPr>
+          <a:xfrm>
+            <a:off x="647999" y="6275520"/>
+            <a:ext cx="10962109" cy="436680"/>
+          </a:xfrm>
+          <a:prstGeom prst="rect">
+            <a:avLst/>
+          </a:prstGeom>
+          <a:noFill/>
+          <a:ln>
+            <a:noFill/>
+          </a:ln>
+        </p:spPr>
+        <p:style>
+          <a:lnRef idx="0">
+            <a:scrgbClr r="0" g="0" b="0"/>
+          </a:lnRef>
+          <a:fillRef idx="0">
+            <a:scrgbClr r="0" g="0" b="0"/>
+          </a:fillRef>
+          <a:effectRef idx="0">
+            <a:scrgbClr r="0" g="0" b="0"/>
+          </a:effectRef>
+          <a:fontRef idx="minor"/>
+        </p:style>
+        <p:txBody>
+          <a:bodyPr lIns="90000" tIns="45000" rIns="90000" bIns="45000"/>
+          <a:lstStyle/>
+          <a:p>
+            <a:pPr>
+              <a:lnSpc>
+                <a:spcPct val="100000"/>
+              </a:lnSpc>
+            </a:pPr>
+            <a:r>
+              <a:rPr lang="fr-FR" sz="2000" b="0" u="sng" strike="noStrike" spc="-1" dirty="0" smtClean="0">
+                <a:solidFill>
+                  <a:srgbClr val="0000FF"/>
+                </a:solidFill>
+                <a:uFillTx/>
+                <a:latin typeface="Arial"/>
+                <a:hlinkClick r:id="rId4"/>
+              </a:rPr>
+              <a:t>* https</a:t>
+            </a:r>
+            <a:r>
+              <a:rPr lang="fr-FR" sz="2000" b="0" u="sng" strike="noStrike" spc="-1" dirty="0">
+                <a:solidFill>
+                  <a:srgbClr val="0000FF"/>
+                </a:solidFill>
+                <a:uFillTx/>
+                <a:latin typeface="Arial"/>
+                <a:hlinkClick r:id="rId4"/>
+              </a:rPr>
+              <a:t>://improbable.io/blog/improbable-donates-thanos-to-cloud-native-computing-foundation</a:t>
+            </a:r>
+            <a:endParaRPr lang="fr-FR" sz="2000" b="0" strike="noStrike" spc="-1" dirty="0">
+              <a:latin typeface="Arial"/>
+            </a:endParaRPr>
+          </a:p>
+        </p:txBody>
+      </p:sp>
+    </p:spTree>
+  </p:cSld>
+  <p:clrMapOvr>
+    <a:masterClrMapping/>
+  </p:clrMapOvr>
+  <p:timing>
+    <p:tnLst>
+      <p:par>
+        <p:cTn id="1" dur="indefinite" restart="never" nodeType="tmRoot">
+          <p:childTnLst>
+            <p:seq>
+              <p:cTn id="2" dur="indefinite" nodeType="mainSeq"/>
+              <p:prevCondLst>
+                <p:cond evt="onPrev" delay="0">
+                  <p:tgtEl>
+                    <p:sldTgt/>
+                  </p:tgtEl>
+                </p:cond>
+              </p:prevCondLst>
+              <p:nextCondLst>
+                <p:cond evt="onNext" delay="0">
+                  <p:tgtEl>
+                    <p:sldTgt/>
+                  </p:tgtEl>
+                </p:cond>
+              </p:nextCondLst>
+            </p:seq>
+          </p:childTnLst>
+        </p:cTn>
+      </p:par>
+    </p:tnLst>
+  </p:timing>
+</p:sld>
+</file>
+
+<file path=ppt/slides/slide25.xml><?xml version="1.0" encoding="utf-8"?>
 <p:sld xmlns:a="http://schemas.openxmlformats.org/drawingml/2006/main" xmlns:r="http://schemas.openxmlformats.org/officeDocument/2006/relationships" xmlns:p="http://schemas.openxmlformats.org/presentationml/2006/main">
   <p:cSld>
     <p:spTree>
@@ -20948,7 +21748,7 @@
 </p:sld>
 </file>
 
-<file path=ppt/slides/slide25.xml><?xml version="1.0" encoding="utf-8"?>
+<file path=ppt/slides/slide26.xml><?xml version="1.0" encoding="utf-8"?>
 <p:sld xmlns:a="http://schemas.openxmlformats.org/drawingml/2006/main" xmlns:r="http://schemas.openxmlformats.org/officeDocument/2006/relationships" xmlns:p="http://schemas.openxmlformats.org/presentationml/2006/main">
   <p:cSld>
     <p:spTree>
@@ -22387,7 +23187,7 @@
 </p:sld>
 </file>
 
-<file path=ppt/slides/slide26.xml><?xml version="1.0" encoding="utf-8"?>
+<file path=ppt/slides/slide27.xml><?xml version="1.0" encoding="utf-8"?>
 <p:sld xmlns:a="http://schemas.openxmlformats.org/drawingml/2006/main" xmlns:r="http://schemas.openxmlformats.org/officeDocument/2006/relationships" xmlns:p="http://schemas.openxmlformats.org/presentationml/2006/main">
   <p:cSld>
     <p:spTree>
@@ -23881,7 +24681,7 @@
 </p:sld>
 </file>
 
-<file path=ppt/slides/slide27.xml><?xml version="1.0" encoding="utf-8"?>
+<file path=ppt/slides/slide28.xml><?xml version="1.0" encoding="utf-8"?>
 <p:sld xmlns:a="http://schemas.openxmlformats.org/drawingml/2006/main" xmlns:r="http://schemas.openxmlformats.org/officeDocument/2006/relationships" xmlns:p="http://schemas.openxmlformats.org/presentationml/2006/main">
   <p:cSld>
     <p:spTree>
@@ -25655,7 +26455,7 @@
 </p:sld>
 </file>
 
-<file path=ppt/slides/slide28.xml><?xml version="1.0" encoding="utf-8"?>
+<file path=ppt/slides/slide29.xml><?xml version="1.0" encoding="utf-8"?>
 <p:sld xmlns:a="http://schemas.openxmlformats.org/drawingml/2006/main" xmlns:r="http://schemas.openxmlformats.org/officeDocument/2006/relationships" xmlns:p="http://schemas.openxmlformats.org/presentationml/2006/main">
   <p:cSld>
     <p:spTree>
@@ -25820,357 +26620,6 @@
 </p:sld>
 </file>
 
-<file path=ppt/slides/slide29.xml><?xml version="1.0" encoding="utf-8"?>
-<p:sld xmlns:a="http://schemas.openxmlformats.org/drawingml/2006/main" xmlns:r="http://schemas.openxmlformats.org/officeDocument/2006/relationships" xmlns:p="http://schemas.openxmlformats.org/presentationml/2006/main">
-  <p:cSld>
-    <p:spTree>
-      <p:nvGrpSpPr>
-        <p:cNvPr id="1" name=""/>
-        <p:cNvGrpSpPr/>
-        <p:nvPr/>
-      </p:nvGrpSpPr>
-      <p:grpSpPr>
-        <a:xfrm>
-          <a:off x="0" y="0"/>
-          <a:ext cx="0" cy="0"/>
-          <a:chOff x="0" y="0"/>
-          <a:chExt cx="0" cy="0"/>
-        </a:xfrm>
-      </p:grpSpPr>
-      <p:sp>
-        <p:nvSpPr>
-          <p:cNvPr id="476" name="CustomShape 1"/>
-          <p:cNvSpPr/>
-          <p:nvPr/>
-        </p:nvSpPr>
-        <p:spPr>
-          <a:xfrm>
-            <a:off x="838080" y="365040"/>
-            <a:ext cx="10507320" cy="630360"/>
-          </a:xfrm>
-          <a:prstGeom prst="rect">
-            <a:avLst/>
-          </a:prstGeom>
-          <a:noFill/>
-          <a:ln>
-            <a:noFill/>
-          </a:ln>
-        </p:spPr>
-        <p:style>
-          <a:lnRef idx="0">
-            <a:scrgbClr r="0" g="0" b="0"/>
-          </a:lnRef>
-          <a:fillRef idx="0">
-            <a:scrgbClr r="0" g="0" b="0"/>
-          </a:fillRef>
-          <a:effectRef idx="0">
-            <a:scrgbClr r="0" g="0" b="0"/>
-          </a:effectRef>
-          <a:fontRef idx="minor"/>
-        </p:style>
-        <p:txBody>
-          <a:bodyPr lIns="90000" tIns="45000" rIns="90000" bIns="45000" anchor="ctr">
-            <a:normAutofit/>
-          </a:bodyPr>
-          <a:lstStyle/>
-          <a:p>
-            <a:pPr>
-              <a:lnSpc>
-                <a:spcPct val="90000"/>
-              </a:lnSpc>
-            </a:pPr>
-            <a:r>
-              <a:rPr lang="fr-FR" sz="3200" b="0" strike="noStrike" spc="-1">
-                <a:solidFill>
-                  <a:srgbClr val="000000"/>
-                </a:solidFill>
-                <a:latin typeface="Ubuntu"/>
-                <a:ea typeface="DejaVu Sans"/>
-              </a:rPr>
-              <a:t>Thanos = « Prometheus at scale » ?</a:t>
-            </a:r>
-            <a:endParaRPr lang="fr-FR" sz="3200" b="0" strike="noStrike" spc="-1">
-              <a:latin typeface="Arial"/>
-            </a:endParaRPr>
-          </a:p>
-        </p:txBody>
-      </p:sp>
-      <p:sp>
-        <p:nvSpPr>
-          <p:cNvPr id="477" name="CustomShape 2"/>
-          <p:cNvSpPr/>
-          <p:nvPr/>
-        </p:nvSpPr>
-        <p:spPr>
-          <a:xfrm>
-            <a:off x="838080" y="1310760"/>
-            <a:ext cx="10507320" cy="4964760"/>
-          </a:xfrm>
-          <a:prstGeom prst="rect">
-            <a:avLst/>
-          </a:prstGeom>
-          <a:noFill/>
-          <a:ln>
-            <a:noFill/>
-          </a:ln>
-        </p:spPr>
-        <p:style>
-          <a:lnRef idx="0">
-            <a:scrgbClr r="0" g="0" b="0"/>
-          </a:lnRef>
-          <a:fillRef idx="0">
-            <a:scrgbClr r="0" g="0" b="0"/>
-          </a:fillRef>
-          <a:effectRef idx="0">
-            <a:scrgbClr r="0" g="0" b="0"/>
-          </a:effectRef>
-          <a:fontRef idx="minor"/>
-        </p:style>
-        <p:txBody>
-          <a:bodyPr lIns="90000" tIns="45000" rIns="90000" bIns="45000">
-            <a:normAutofit/>
-          </a:bodyPr>
-          <a:lstStyle/>
-          <a:p>
-            <a:pPr>
-              <a:lnSpc>
-                <a:spcPct val="150000"/>
-              </a:lnSpc>
-              <a:spcBef>
-                <a:spcPts val="1001"/>
-              </a:spcBef>
-            </a:pPr>
-            <a:r>
-              <a:rPr lang="fr-FR" sz="2400" b="0" strike="noStrike" spc="-1" dirty="0">
-                <a:solidFill>
-                  <a:srgbClr val="000000"/>
-                </a:solidFill>
-                <a:latin typeface="Ubuntu"/>
-                <a:ea typeface="DejaVu Sans"/>
-              </a:rPr>
-              <a:t>100 % compatible avec </a:t>
-            </a:r>
-            <a:r>
-              <a:rPr lang="fr-FR" sz="2400" b="0" strike="noStrike" spc="-1" dirty="0" err="1">
-                <a:solidFill>
-                  <a:srgbClr val="000000"/>
-                </a:solidFill>
-                <a:latin typeface="Ubuntu"/>
-                <a:ea typeface="DejaVu Sans"/>
-              </a:rPr>
-              <a:t>Prometheus</a:t>
-            </a:r>
-            <a:r>
-              <a:rPr lang="fr-FR" sz="2400" b="0" strike="noStrike" spc="-1" dirty="0">
-                <a:solidFill>
-                  <a:srgbClr val="000000"/>
-                </a:solidFill>
-                <a:latin typeface="Ubuntu"/>
-                <a:ea typeface="DejaVu Sans"/>
-              </a:rPr>
-              <a:t> + écosystème</a:t>
-            </a:r>
-            <a:endParaRPr lang="fr-FR" sz="2400" b="0" strike="noStrike" spc="-1" dirty="0">
-              <a:latin typeface="Arial"/>
-            </a:endParaRPr>
-          </a:p>
-          <a:p>
-            <a:pPr>
-              <a:lnSpc>
-                <a:spcPct val="150000"/>
-              </a:lnSpc>
-              <a:spcBef>
-                <a:spcPts val="1001"/>
-              </a:spcBef>
-            </a:pPr>
-            <a:r>
-              <a:rPr lang="fr-FR" sz="2400" b="0" strike="noStrike" spc="-1" dirty="0">
-                <a:solidFill>
-                  <a:srgbClr val="000000"/>
-                </a:solidFill>
-                <a:latin typeface="Ubuntu"/>
-                <a:ea typeface="DejaVu Sans"/>
-              </a:rPr>
-              <a:t>Rétention « infinie » (externalisation S3)</a:t>
-            </a:r>
-            <a:endParaRPr lang="fr-FR" sz="2400" b="0" strike="noStrike" spc="-1" dirty="0">
-              <a:latin typeface="Arial"/>
-            </a:endParaRPr>
-          </a:p>
-          <a:p>
-            <a:pPr>
-              <a:lnSpc>
-                <a:spcPct val="150000"/>
-              </a:lnSpc>
-              <a:spcBef>
-                <a:spcPts val="1001"/>
-              </a:spcBef>
-            </a:pPr>
-            <a:r>
-              <a:rPr lang="fr-FR" sz="2400" b="0" strike="noStrike" spc="-1" dirty="0">
-                <a:solidFill>
-                  <a:srgbClr val="000000"/>
-                </a:solidFill>
-                <a:latin typeface="Ubuntu"/>
-                <a:ea typeface="DejaVu Sans"/>
-              </a:rPr>
-              <a:t>Corrélation de plusieurs </a:t>
-            </a:r>
-            <a:r>
-              <a:rPr lang="fr-FR" sz="2400" b="0" strike="noStrike" spc="-1" dirty="0" err="1">
-                <a:solidFill>
-                  <a:srgbClr val="000000"/>
-                </a:solidFill>
-                <a:latin typeface="Ubuntu"/>
-                <a:ea typeface="DejaVu Sans"/>
-              </a:rPr>
-              <a:t>Prometheus</a:t>
-            </a:r>
-            <a:endParaRPr lang="fr-FR" sz="2400" b="0" strike="noStrike" spc="-1" dirty="0">
-              <a:latin typeface="Arial"/>
-            </a:endParaRPr>
-          </a:p>
-          <a:p>
-            <a:pPr marL="648000" lvl="2" indent="-215640">
-              <a:lnSpc>
-                <a:spcPct val="150000"/>
-              </a:lnSpc>
-              <a:spcBef>
-                <a:spcPts val="1001"/>
-              </a:spcBef>
-              <a:buClr>
-                <a:srgbClr val="000000"/>
-              </a:buClr>
-              <a:buSzPct val="45000"/>
-              <a:buFont typeface="Wingdings" charset="2"/>
-              <a:buChar char=""/>
-            </a:pPr>
-            <a:r>
-              <a:rPr lang="fr-FR" sz="2400" b="0" strike="noStrike" spc="-1" dirty="0">
-                <a:solidFill>
-                  <a:srgbClr val="000000"/>
-                </a:solidFill>
-                <a:latin typeface="Ubuntu"/>
-                <a:ea typeface="DejaVu Sans"/>
-              </a:rPr>
-              <a:t>Gestion centralisées de plusieurs DC</a:t>
-            </a:r>
-            <a:endParaRPr lang="fr-FR" sz="2400" b="0" strike="noStrike" spc="-1" dirty="0">
-              <a:latin typeface="Arial"/>
-            </a:endParaRPr>
-          </a:p>
-          <a:p>
-            <a:pPr marL="648000" lvl="2" indent="-215640">
-              <a:lnSpc>
-                <a:spcPct val="150000"/>
-              </a:lnSpc>
-              <a:spcBef>
-                <a:spcPts val="1001"/>
-              </a:spcBef>
-              <a:buClr>
-                <a:srgbClr val="000000"/>
-              </a:buClr>
-              <a:buSzPct val="45000"/>
-              <a:buFont typeface="Wingdings" charset="2"/>
-              <a:buChar char=""/>
-            </a:pPr>
-            <a:r>
-              <a:rPr lang="fr-FR" sz="2400" b="0" strike="noStrike" spc="-1" dirty="0">
-                <a:solidFill>
-                  <a:srgbClr val="000000"/>
-                </a:solidFill>
-                <a:latin typeface="Ubuntu"/>
-                <a:ea typeface="DejaVu Sans"/>
-              </a:rPr>
-              <a:t>Gestion des </a:t>
-            </a:r>
-            <a:r>
-              <a:rPr lang="fr-FR" sz="2400" b="0" strike="noStrike" spc="-1" dirty="0" err="1">
-                <a:solidFill>
-                  <a:srgbClr val="000000"/>
-                </a:solidFill>
-                <a:latin typeface="Ubuntu"/>
-                <a:ea typeface="DejaVu Sans"/>
-              </a:rPr>
-              <a:t>replicas</a:t>
-            </a:r>
-            <a:endParaRPr lang="fr-FR" sz="2400" b="0" strike="noStrike" spc="-1" dirty="0">
-              <a:latin typeface="Arial"/>
-            </a:endParaRPr>
-          </a:p>
-          <a:p>
-            <a:pPr>
-              <a:lnSpc>
-                <a:spcPct val="150000"/>
-              </a:lnSpc>
-              <a:spcBef>
-                <a:spcPts val="1001"/>
-              </a:spcBef>
-            </a:pPr>
-            <a:r>
-              <a:rPr lang="fr-FR" sz="2400" b="0" strike="noStrike" spc="-1" dirty="0">
-                <a:solidFill>
-                  <a:srgbClr val="000000"/>
-                </a:solidFill>
-                <a:latin typeface="Ubuntu"/>
-                <a:ea typeface="DejaVu Sans"/>
-              </a:rPr>
-              <a:t> </a:t>
-            </a:r>
-            <a:r>
-              <a:rPr lang="fr-FR" sz="2400" b="0" strike="noStrike" spc="-1" dirty="0" err="1">
-                <a:solidFill>
-                  <a:srgbClr val="000000"/>
-                </a:solidFill>
-                <a:latin typeface="Ubuntu"/>
-                <a:ea typeface="DejaVu Sans"/>
-              </a:rPr>
-              <a:t>Downsampling</a:t>
-            </a:r>
-            <a:endParaRPr lang="fr-FR" sz="2400" b="0" strike="noStrike" spc="-1" dirty="0">
-              <a:latin typeface="Arial"/>
-            </a:endParaRPr>
-          </a:p>
-        </p:txBody>
-      </p:sp>
-      <p:pic>
-        <p:nvPicPr>
-          <p:cNvPr id="478" name="Image 477"/>
-          <p:cNvPicPr/>
-          <p:nvPr/>
-        </p:nvPicPr>
-        <p:blipFill>
-          <a:blip r:embed="rId3"/>
-          <a:stretch/>
-        </p:blipFill>
-        <p:spPr>
-          <a:xfrm>
-            <a:off x="9864000" y="1152000"/>
-            <a:ext cx="2159640" cy="2159640"/>
-          </a:xfrm>
-          <a:prstGeom prst="rect">
-            <a:avLst/>
-          </a:prstGeom>
-          <a:ln>
-            <a:noFill/>
-          </a:ln>
-        </p:spPr>
-      </p:pic>
-    </p:spTree>
-  </p:cSld>
-  <p:clrMapOvr>
-    <a:masterClrMapping/>
-  </p:clrMapOvr>
-  <p:timing>
-    <p:tnLst>
-      <p:par>
-        <p:cTn id="1" dur="indefinite" restart="never" nodeType="tmRoot"/>
-      </p:par>
-    </p:tnLst>
-  </p:timing>
-</p:sld>
-</file>
-
 <file path=ppt/slides/slide3.xml><?xml version="1.0" encoding="utf-8"?>
 <p:sld xmlns:a="http://schemas.openxmlformats.org/drawingml/2006/main" xmlns:r="http://schemas.openxmlformats.org/officeDocument/2006/relationships" xmlns:p="http://schemas.openxmlformats.org/presentationml/2006/main">
   <p:cSld>
@@ -26406,7 +26855,7 @@
         </p:blipFill>
         <p:spPr>
           <a:xfrm>
-            <a:off x="8697049" y="5775828"/>
+            <a:off x="8697049" y="5872811"/>
             <a:ext cx="703332" cy="544409"/>
           </a:xfrm>
           <a:prstGeom prst="rect">
@@ -26425,7 +26874,7 @@
         </p:nvSpPr>
         <p:spPr>
           <a:xfrm>
-            <a:off x="1085540" y="2739635"/>
+            <a:off x="1085540" y="2711925"/>
             <a:ext cx="5845383" cy="2718693"/>
           </a:xfrm>
           <a:prstGeom prst="rect">
@@ -26551,7 +27000,7 @@
         </p:nvSpPr>
         <p:spPr>
           <a:xfrm>
-            <a:off x="9400381" y="5992832"/>
+            <a:off x="9400381" y="6089815"/>
             <a:ext cx="2682145" cy="461665"/>
           </a:xfrm>
           <a:prstGeom prst="rect">
@@ -26593,7 +27042,7 @@
         </p:nvSpPr>
         <p:spPr>
           <a:xfrm>
-            <a:off x="9400381" y="5618040"/>
+            <a:off x="9400381" y="5715023"/>
             <a:ext cx="1471878" cy="461665"/>
           </a:xfrm>
           <a:prstGeom prst="rect">
@@ -26661,6 +27110,444 @@
 <file path=ppt/slides/slide30.xml><?xml version="1.0" encoding="utf-8"?>
 <p:sld xmlns:a="http://schemas.openxmlformats.org/drawingml/2006/main" xmlns:r="http://schemas.openxmlformats.org/officeDocument/2006/relationships" xmlns:p="http://schemas.openxmlformats.org/presentationml/2006/main">
   <p:cSld>
+    <p:spTree>
+      <p:nvGrpSpPr>
+        <p:cNvPr id="1" name=""/>
+        <p:cNvGrpSpPr/>
+        <p:nvPr/>
+      </p:nvGrpSpPr>
+      <p:grpSpPr>
+        <a:xfrm>
+          <a:off x="0" y="0"/>
+          <a:ext cx="0" cy="0"/>
+          <a:chOff x="0" y="0"/>
+          <a:chExt cx="0" cy="0"/>
+        </a:xfrm>
+      </p:grpSpPr>
+      <p:sp>
+        <p:nvSpPr>
+          <p:cNvPr id="476" name="CustomShape 1"/>
+          <p:cNvSpPr/>
+          <p:nvPr/>
+        </p:nvSpPr>
+        <p:spPr>
+          <a:xfrm>
+            <a:off x="838080" y="365040"/>
+            <a:ext cx="10507320" cy="630360"/>
+          </a:xfrm>
+          <a:prstGeom prst="rect">
+            <a:avLst/>
+          </a:prstGeom>
+          <a:noFill/>
+          <a:ln>
+            <a:noFill/>
+          </a:ln>
+        </p:spPr>
+        <p:style>
+          <a:lnRef idx="0">
+            <a:scrgbClr r="0" g="0" b="0"/>
+          </a:lnRef>
+          <a:fillRef idx="0">
+            <a:scrgbClr r="0" g="0" b="0"/>
+          </a:fillRef>
+          <a:effectRef idx="0">
+            <a:scrgbClr r="0" g="0" b="0"/>
+          </a:effectRef>
+          <a:fontRef idx="minor"/>
+        </p:style>
+        <p:txBody>
+          <a:bodyPr lIns="90000" tIns="45000" rIns="90000" bIns="45000" anchor="ctr">
+            <a:normAutofit/>
+          </a:bodyPr>
+          <a:lstStyle/>
+          <a:p>
+            <a:pPr>
+              <a:lnSpc>
+                <a:spcPct val="90000"/>
+              </a:lnSpc>
+            </a:pPr>
+            <a:r>
+              <a:rPr lang="fr-FR" sz="3200" b="0" strike="noStrike" spc="-1">
+                <a:solidFill>
+                  <a:srgbClr val="000000"/>
+                </a:solidFill>
+                <a:latin typeface="Ubuntu"/>
+                <a:ea typeface="DejaVu Sans"/>
+              </a:rPr>
+              <a:t>Thanos = « Prometheus at scale » ?</a:t>
+            </a:r>
+            <a:endParaRPr lang="fr-FR" sz="3200" b="0" strike="noStrike" spc="-1">
+              <a:latin typeface="Arial"/>
+            </a:endParaRPr>
+          </a:p>
+        </p:txBody>
+      </p:sp>
+      <p:sp>
+        <p:nvSpPr>
+          <p:cNvPr id="477" name="CustomShape 2"/>
+          <p:cNvSpPr/>
+          <p:nvPr/>
+        </p:nvSpPr>
+        <p:spPr>
+          <a:xfrm>
+            <a:off x="838080" y="1310760"/>
+            <a:ext cx="10507320" cy="4964760"/>
+          </a:xfrm>
+          <a:prstGeom prst="rect">
+            <a:avLst/>
+          </a:prstGeom>
+          <a:noFill/>
+          <a:ln>
+            <a:noFill/>
+          </a:ln>
+        </p:spPr>
+        <p:style>
+          <a:lnRef idx="0">
+            <a:scrgbClr r="0" g="0" b="0"/>
+          </a:lnRef>
+          <a:fillRef idx="0">
+            <a:scrgbClr r="0" g="0" b="0"/>
+          </a:fillRef>
+          <a:effectRef idx="0">
+            <a:scrgbClr r="0" g="0" b="0"/>
+          </a:effectRef>
+          <a:fontRef idx="minor"/>
+        </p:style>
+        <p:txBody>
+          <a:bodyPr lIns="90000" tIns="45000" rIns="90000" bIns="45000">
+            <a:normAutofit/>
+          </a:bodyPr>
+          <a:lstStyle/>
+          <a:p>
+            <a:pPr>
+              <a:lnSpc>
+                <a:spcPct val="150000"/>
+              </a:lnSpc>
+              <a:spcBef>
+                <a:spcPts val="1001"/>
+              </a:spcBef>
+            </a:pPr>
+            <a:r>
+              <a:rPr lang="fr-FR" sz="2400" b="0" strike="noStrike" spc="-1" dirty="0">
+                <a:solidFill>
+                  <a:srgbClr val="000000"/>
+                </a:solidFill>
+                <a:latin typeface="Ubuntu"/>
+                <a:ea typeface="DejaVu Sans"/>
+              </a:rPr>
+              <a:t>100 % compatible avec </a:t>
+            </a:r>
+            <a:r>
+              <a:rPr lang="fr-FR" sz="2400" b="0" strike="noStrike" spc="-1" dirty="0" err="1">
+                <a:solidFill>
+                  <a:srgbClr val="000000"/>
+                </a:solidFill>
+                <a:latin typeface="Ubuntu"/>
+                <a:ea typeface="DejaVu Sans"/>
+              </a:rPr>
+              <a:t>Prometheus</a:t>
+            </a:r>
+            <a:r>
+              <a:rPr lang="fr-FR" sz="2400" b="0" strike="noStrike" spc="-1" dirty="0">
+                <a:solidFill>
+                  <a:srgbClr val="000000"/>
+                </a:solidFill>
+                <a:latin typeface="Ubuntu"/>
+                <a:ea typeface="DejaVu Sans"/>
+              </a:rPr>
+              <a:t> + écosystème</a:t>
+            </a:r>
+            <a:endParaRPr lang="fr-FR" sz="2400" b="0" strike="noStrike" spc="-1" dirty="0">
+              <a:latin typeface="Arial"/>
+            </a:endParaRPr>
+          </a:p>
+          <a:p>
+            <a:pPr>
+              <a:lnSpc>
+                <a:spcPct val="150000"/>
+              </a:lnSpc>
+              <a:spcBef>
+                <a:spcPts val="1001"/>
+              </a:spcBef>
+            </a:pPr>
+            <a:r>
+              <a:rPr lang="fr-FR" sz="2400" b="0" strike="noStrike" spc="-1" dirty="0">
+                <a:solidFill>
+                  <a:srgbClr val="000000"/>
+                </a:solidFill>
+                <a:latin typeface="Ubuntu"/>
+                <a:ea typeface="DejaVu Sans"/>
+              </a:rPr>
+              <a:t>Rétention « infinie » (externalisation S3)</a:t>
+            </a:r>
+            <a:endParaRPr lang="fr-FR" sz="2400" b="0" strike="noStrike" spc="-1" dirty="0">
+              <a:latin typeface="Arial"/>
+            </a:endParaRPr>
+          </a:p>
+          <a:p>
+            <a:pPr>
+              <a:lnSpc>
+                <a:spcPct val="150000"/>
+              </a:lnSpc>
+              <a:spcBef>
+                <a:spcPts val="1001"/>
+              </a:spcBef>
+            </a:pPr>
+            <a:r>
+              <a:rPr lang="fr-FR" sz="2400" b="0" strike="noStrike" spc="-1" dirty="0">
+                <a:solidFill>
+                  <a:srgbClr val="000000"/>
+                </a:solidFill>
+                <a:latin typeface="Ubuntu"/>
+                <a:ea typeface="DejaVu Sans"/>
+              </a:rPr>
+              <a:t>Corrélation de plusieurs </a:t>
+            </a:r>
+            <a:r>
+              <a:rPr lang="fr-FR" sz="2400" b="0" strike="noStrike" spc="-1" dirty="0" err="1">
+                <a:solidFill>
+                  <a:srgbClr val="000000"/>
+                </a:solidFill>
+                <a:latin typeface="Ubuntu"/>
+                <a:ea typeface="DejaVu Sans"/>
+              </a:rPr>
+              <a:t>Prometheus</a:t>
+            </a:r>
+            <a:endParaRPr lang="fr-FR" sz="2400" b="0" strike="noStrike" spc="-1" dirty="0">
+              <a:latin typeface="Arial"/>
+            </a:endParaRPr>
+          </a:p>
+          <a:p>
+            <a:pPr marL="648000" lvl="2" indent="-215640">
+              <a:lnSpc>
+                <a:spcPct val="150000"/>
+              </a:lnSpc>
+              <a:spcBef>
+                <a:spcPts val="1001"/>
+              </a:spcBef>
+              <a:buClr>
+                <a:srgbClr val="000000"/>
+              </a:buClr>
+              <a:buSzPct val="45000"/>
+              <a:buFont typeface="Wingdings" charset="2"/>
+              <a:buChar char=""/>
+            </a:pPr>
+            <a:r>
+              <a:rPr lang="fr-FR" sz="2400" b="0" strike="noStrike" spc="-1" dirty="0">
+                <a:solidFill>
+                  <a:srgbClr val="000000"/>
+                </a:solidFill>
+                <a:latin typeface="Ubuntu"/>
+                <a:ea typeface="DejaVu Sans"/>
+              </a:rPr>
+              <a:t>Gestion centralisées de plusieurs DC</a:t>
+            </a:r>
+            <a:endParaRPr lang="fr-FR" sz="2400" b="0" strike="noStrike" spc="-1" dirty="0">
+              <a:latin typeface="Arial"/>
+            </a:endParaRPr>
+          </a:p>
+          <a:p>
+            <a:pPr marL="648000" lvl="2" indent="-215640">
+              <a:lnSpc>
+                <a:spcPct val="150000"/>
+              </a:lnSpc>
+              <a:spcBef>
+                <a:spcPts val="1001"/>
+              </a:spcBef>
+              <a:buClr>
+                <a:srgbClr val="000000"/>
+              </a:buClr>
+              <a:buSzPct val="45000"/>
+              <a:buFont typeface="Wingdings" charset="2"/>
+              <a:buChar char=""/>
+            </a:pPr>
+            <a:r>
+              <a:rPr lang="fr-FR" sz="2400" b="0" strike="noStrike" spc="-1" dirty="0">
+                <a:solidFill>
+                  <a:srgbClr val="000000"/>
+                </a:solidFill>
+                <a:latin typeface="Ubuntu"/>
+                <a:ea typeface="DejaVu Sans"/>
+              </a:rPr>
+              <a:t>Gestion des </a:t>
+            </a:r>
+            <a:r>
+              <a:rPr lang="fr-FR" sz="2400" b="0" strike="noStrike" spc="-1" dirty="0" err="1" smtClean="0">
+                <a:solidFill>
+                  <a:srgbClr val="000000"/>
+                </a:solidFill>
+                <a:latin typeface="Ubuntu"/>
+                <a:ea typeface="DejaVu Sans"/>
+              </a:rPr>
+              <a:t>replicas</a:t>
+            </a:r>
+            <a:endParaRPr lang="fr-FR" sz="2400" b="0" strike="noStrike" spc="-1" dirty="0">
+              <a:latin typeface="Arial"/>
+            </a:endParaRPr>
+          </a:p>
+        </p:txBody>
+      </p:sp>
+      <p:pic>
+        <p:nvPicPr>
+          <p:cNvPr id="478" name="Image 477"/>
+          <p:cNvPicPr/>
+          <p:nvPr/>
+        </p:nvPicPr>
+        <p:blipFill>
+          <a:blip r:embed="rId3"/>
+          <a:stretch/>
+        </p:blipFill>
+        <p:spPr>
+          <a:xfrm>
+            <a:off x="9864000" y="1152000"/>
+            <a:ext cx="2159640" cy="2159640"/>
+          </a:xfrm>
+          <a:prstGeom prst="rect">
+            <a:avLst/>
+          </a:prstGeom>
+          <a:ln>
+            <a:noFill/>
+          </a:ln>
+        </p:spPr>
+      </p:pic>
+      <p:pic>
+        <p:nvPicPr>
+          <p:cNvPr id="2" name="Image 1"/>
+          <p:cNvPicPr>
+            <a:picLocks noChangeAspect="1"/>
+          </p:cNvPicPr>
+          <p:nvPr/>
+        </p:nvPicPr>
+        <p:blipFill>
+          <a:blip r:embed="rId4" cstate="print">
+            <a:extLst>
+              <a:ext uri="{28A0092B-C50C-407E-A947-70E740481C1C}">
+                <a14:useLocalDpi xmlns:a14="http://schemas.microsoft.com/office/drawing/2010/main" val="0"/>
+              </a:ext>
+            </a:extLst>
+          </a:blip>
+          <a:stretch>
+            <a:fillRect/>
+          </a:stretch>
+        </p:blipFill>
+        <p:spPr>
+          <a:xfrm>
+            <a:off x="8043359" y="1152000"/>
+            <a:ext cx="845126" cy="845126"/>
+          </a:xfrm>
+          <a:prstGeom prst="rect">
+            <a:avLst/>
+          </a:prstGeom>
+        </p:spPr>
+      </p:pic>
+      <p:pic>
+        <p:nvPicPr>
+          <p:cNvPr id="6" name="Image 5"/>
+          <p:cNvPicPr>
+            <a:picLocks noChangeAspect="1"/>
+          </p:cNvPicPr>
+          <p:nvPr/>
+        </p:nvPicPr>
+        <p:blipFill>
+          <a:blip r:embed="rId4" cstate="print">
+            <a:extLst>
+              <a:ext uri="{28A0092B-C50C-407E-A947-70E740481C1C}">
+                <a14:useLocalDpi xmlns:a14="http://schemas.microsoft.com/office/drawing/2010/main" val="0"/>
+              </a:ext>
+            </a:extLst>
+          </a:blip>
+          <a:stretch>
+            <a:fillRect/>
+          </a:stretch>
+        </p:blipFill>
+        <p:spPr>
+          <a:xfrm>
+            <a:off x="6668911" y="1809257"/>
+            <a:ext cx="845126" cy="845126"/>
+          </a:xfrm>
+          <a:prstGeom prst="rect">
+            <a:avLst/>
+          </a:prstGeom>
+        </p:spPr>
+      </p:pic>
+      <p:pic>
+        <p:nvPicPr>
+          <p:cNvPr id="7" name="Image 6"/>
+          <p:cNvPicPr>
+            <a:picLocks noChangeAspect="1"/>
+          </p:cNvPicPr>
+          <p:nvPr/>
+        </p:nvPicPr>
+        <p:blipFill>
+          <a:blip r:embed="rId4" cstate="print">
+            <a:extLst>
+              <a:ext uri="{28A0092B-C50C-407E-A947-70E740481C1C}">
+                <a14:useLocalDpi xmlns:a14="http://schemas.microsoft.com/office/drawing/2010/main" val="0"/>
+              </a:ext>
+            </a:extLst>
+          </a:blip>
+          <a:stretch>
+            <a:fillRect/>
+          </a:stretch>
+        </p:blipFill>
+        <p:spPr>
+          <a:xfrm>
+            <a:off x="6862875" y="3152880"/>
+            <a:ext cx="845126" cy="845126"/>
+          </a:xfrm>
+          <a:prstGeom prst="rect">
+            <a:avLst/>
+          </a:prstGeom>
+        </p:spPr>
+      </p:pic>
+      <p:pic>
+        <p:nvPicPr>
+          <p:cNvPr id="8" name="Image 7"/>
+          <p:cNvPicPr>
+            <a:picLocks noChangeAspect="1"/>
+          </p:cNvPicPr>
+          <p:nvPr/>
+        </p:nvPicPr>
+        <p:blipFill>
+          <a:blip r:embed="rId4" cstate="print">
+            <a:extLst>
+              <a:ext uri="{28A0092B-C50C-407E-A947-70E740481C1C}">
+                <a14:useLocalDpi xmlns:a14="http://schemas.microsoft.com/office/drawing/2010/main" val="0"/>
+              </a:ext>
+            </a:extLst>
+          </a:blip>
+          <a:stretch>
+            <a:fillRect/>
+          </a:stretch>
+        </p:blipFill>
+        <p:spPr>
+          <a:xfrm>
+            <a:off x="6867748" y="3793140"/>
+            <a:ext cx="845126" cy="845126"/>
+          </a:xfrm>
+          <a:prstGeom prst="rect">
+            <a:avLst/>
+          </a:prstGeom>
+        </p:spPr>
+      </p:pic>
+    </p:spTree>
+  </p:cSld>
+  <p:clrMapOvr>
+    <a:masterClrMapping/>
+  </p:clrMapOvr>
+  <p:timing>
+    <p:tnLst>
+      <p:par>
+        <p:cTn id="1" dur="indefinite" restart="never" nodeType="tmRoot"/>
+      </p:par>
+    </p:tnLst>
+  </p:timing>
+</p:sld>
+</file>
+
+<file path=ppt/slides/slide31.xml><?xml version="1.0" encoding="utf-8"?>
+<p:sld xmlns:a="http://schemas.openxmlformats.org/drawingml/2006/main" xmlns:r="http://schemas.openxmlformats.org/officeDocument/2006/relationships" xmlns:p="http://schemas.openxmlformats.org/presentationml/2006/main">
+  <p:cSld>
     <p:bg>
       <p:bgPr>
         <a:solidFill>
@@ -26766,280 +27653,6 @@
               <a:t>C’est déjà fini ?</a:t>
             </a:r>
             <a:endParaRPr lang="fr-FR" sz="5400" b="0" strike="noStrike" spc="-1">
-              <a:latin typeface="Arial"/>
-            </a:endParaRPr>
-          </a:p>
-        </p:txBody>
-      </p:sp>
-    </p:spTree>
-  </p:cSld>
-  <p:clrMapOvr>
-    <a:masterClrMapping/>
-  </p:clrMapOvr>
-  <p:timing>
-    <p:tnLst>
-      <p:par>
-        <p:cTn id="1" dur="indefinite" restart="never" nodeType="tmRoot">
-          <p:childTnLst>
-            <p:seq>
-              <p:cTn id="2" dur="indefinite" nodeType="mainSeq"/>
-              <p:prevCondLst>
-                <p:cond evt="onPrev" delay="0">
-                  <p:tgtEl>
-                    <p:sldTgt/>
-                  </p:tgtEl>
-                </p:cond>
-              </p:prevCondLst>
-              <p:nextCondLst>
-                <p:cond evt="onNext" delay="0">
-                  <p:tgtEl>
-                    <p:sldTgt/>
-                  </p:tgtEl>
-                </p:cond>
-              </p:nextCondLst>
-            </p:seq>
-          </p:childTnLst>
-        </p:cTn>
-      </p:par>
-    </p:tnLst>
-  </p:timing>
-</p:sld>
-</file>
-
-<file path=ppt/slides/slide31.xml><?xml version="1.0" encoding="utf-8"?>
-<p:sld xmlns:a="http://schemas.openxmlformats.org/drawingml/2006/main" xmlns:r="http://schemas.openxmlformats.org/officeDocument/2006/relationships" xmlns:p="http://schemas.openxmlformats.org/presentationml/2006/main">
-  <p:cSld>
-    <p:spTree>
-      <p:nvGrpSpPr>
-        <p:cNvPr id="1" name=""/>
-        <p:cNvGrpSpPr/>
-        <p:nvPr/>
-      </p:nvGrpSpPr>
-      <p:grpSpPr>
-        <a:xfrm>
-          <a:off x="0" y="0"/>
-          <a:ext cx="0" cy="0"/>
-          <a:chOff x="0" y="0"/>
-          <a:chExt cx="0" cy="0"/>
-        </a:xfrm>
-      </p:grpSpPr>
-      <p:sp>
-        <p:nvSpPr>
-          <p:cNvPr id="486" name="CustomShape 1"/>
-          <p:cNvSpPr/>
-          <p:nvPr/>
-        </p:nvSpPr>
-        <p:spPr>
-          <a:xfrm>
-            <a:off x="838080" y="365040"/>
-            <a:ext cx="10507320" cy="630360"/>
-          </a:xfrm>
-          <a:prstGeom prst="rect">
-            <a:avLst/>
-          </a:prstGeom>
-          <a:noFill/>
-          <a:ln>
-            <a:noFill/>
-          </a:ln>
-        </p:spPr>
-        <p:style>
-          <a:lnRef idx="0">
-            <a:scrgbClr r="0" g="0" b="0"/>
-          </a:lnRef>
-          <a:fillRef idx="0">
-            <a:scrgbClr r="0" g="0" b="0"/>
-          </a:fillRef>
-          <a:effectRef idx="0">
-            <a:scrgbClr r="0" g="0" b="0"/>
-          </a:effectRef>
-          <a:fontRef idx="minor"/>
-        </p:style>
-        <p:txBody>
-          <a:bodyPr lIns="90000" tIns="45000" rIns="90000" bIns="45000" anchor="ctr">
-            <a:normAutofit lnSpcReduction="10000"/>
-          </a:bodyPr>
-          <a:lstStyle/>
-          <a:p>
-            <a:pPr>
-              <a:lnSpc>
-                <a:spcPct val="90000"/>
-              </a:lnSpc>
-            </a:pPr>
-            <a:r>
-              <a:rPr lang="fr-FR" sz="4400" b="0" strike="noStrike" spc="-1" dirty="0">
-                <a:solidFill>
-                  <a:srgbClr val="CE181E"/>
-                </a:solidFill>
-                <a:latin typeface="Ubuntu"/>
-                <a:ea typeface="DejaVu Sans"/>
-              </a:rPr>
-              <a:t>On aurait pu en parler</a:t>
-            </a:r>
-            <a:endParaRPr lang="fr-FR" sz="4400" b="0" strike="noStrike" spc="-1" dirty="0">
-              <a:latin typeface="Ubuntu"/>
-            </a:endParaRPr>
-          </a:p>
-        </p:txBody>
-      </p:sp>
-      <p:sp>
-        <p:nvSpPr>
-          <p:cNvPr id="487" name="CustomShape 2"/>
-          <p:cNvSpPr/>
-          <p:nvPr/>
-        </p:nvSpPr>
-        <p:spPr>
-          <a:xfrm>
-            <a:off x="838080" y="1310760"/>
-            <a:ext cx="10507320" cy="4964760"/>
-          </a:xfrm>
-          <a:prstGeom prst="rect">
-            <a:avLst/>
-          </a:prstGeom>
-          <a:noFill/>
-          <a:ln>
-            <a:noFill/>
-          </a:ln>
-        </p:spPr>
-        <p:style>
-          <a:lnRef idx="0">
-            <a:scrgbClr r="0" g="0" b="0"/>
-          </a:lnRef>
-          <a:fillRef idx="0">
-            <a:scrgbClr r="0" g="0" b="0"/>
-          </a:fillRef>
-          <a:effectRef idx="0">
-            <a:scrgbClr r="0" g="0" b="0"/>
-          </a:effectRef>
-          <a:fontRef idx="minor"/>
-        </p:style>
-        <p:txBody>
-          <a:bodyPr lIns="90000" tIns="45000" rIns="90000" bIns="45000">
-            <a:normAutofit/>
-          </a:bodyPr>
-          <a:lstStyle/>
-          <a:p>
-            <a:pPr>
-              <a:lnSpc>
-                <a:spcPct val="90000"/>
-              </a:lnSpc>
-              <a:spcBef>
-                <a:spcPts val="1001"/>
-              </a:spcBef>
-            </a:pPr>
-            <a:r>
-              <a:rPr lang="fr-FR" sz="2800" b="0" strike="noStrike" spc="-1">
-                <a:solidFill>
-                  <a:srgbClr val="000000"/>
-                </a:solidFill>
-                <a:latin typeface="Calibri"/>
-                <a:ea typeface="DejaVu Sans"/>
-              </a:rPr>
-              <a:t>Downsampling</a:t>
-            </a:r>
-            <a:endParaRPr lang="fr-FR" sz="2800" b="0" strike="noStrike" spc="-1">
-              <a:latin typeface="Arial"/>
-            </a:endParaRPr>
-          </a:p>
-          <a:p>
-            <a:pPr>
-              <a:lnSpc>
-                <a:spcPct val="90000"/>
-              </a:lnSpc>
-              <a:spcBef>
-                <a:spcPts val="1001"/>
-              </a:spcBef>
-            </a:pPr>
-            <a:r>
-              <a:rPr lang="fr-FR" sz="2800" b="0" strike="noStrike" spc="-1">
-                <a:solidFill>
-                  <a:srgbClr val="000000"/>
-                </a:solidFill>
-                <a:latin typeface="Calibri"/>
-                <a:ea typeface="DejaVu Sans"/>
-              </a:rPr>
-              <a:t>Ruler</a:t>
-            </a:r>
-            <a:endParaRPr lang="fr-FR" sz="2800" b="0" strike="noStrike" spc="-1">
-              <a:latin typeface="Arial"/>
-            </a:endParaRPr>
-          </a:p>
-          <a:p>
-            <a:pPr>
-              <a:lnSpc>
-                <a:spcPct val="90000"/>
-              </a:lnSpc>
-              <a:spcBef>
-                <a:spcPts val="1001"/>
-              </a:spcBef>
-            </a:pPr>
-            <a:r>
-              <a:rPr lang="fr-FR" sz="2800" b="0" strike="noStrike" spc="-1">
-                <a:solidFill>
-                  <a:srgbClr val="000000"/>
-                </a:solidFill>
-                <a:latin typeface="Calibri"/>
-                <a:ea typeface="DejaVu Sans"/>
-              </a:rPr>
-              <a:t>Mettez à jour Prometheus &amp; Thanos</a:t>
-            </a:r>
-            <a:endParaRPr lang="fr-FR" sz="2800" b="0" strike="noStrike" spc="-1">
-              <a:latin typeface="Arial"/>
-            </a:endParaRPr>
-          </a:p>
-        </p:txBody>
-      </p:sp>
-      <p:sp>
-        <p:nvSpPr>
-          <p:cNvPr id="488" name="CustomShape 3"/>
-          <p:cNvSpPr/>
-          <p:nvPr/>
-        </p:nvSpPr>
-        <p:spPr>
-          <a:xfrm>
-            <a:off x="4116960" y="3337560"/>
-            <a:ext cx="4042080" cy="232200"/>
-          </a:xfrm>
-          <a:prstGeom prst="rect">
-            <a:avLst/>
-          </a:prstGeom>
-          <a:noFill/>
-          <a:ln>
-            <a:noFill/>
-          </a:ln>
-        </p:spPr>
-        <p:style>
-          <a:lnRef idx="0">
-            <a:scrgbClr r="0" g="0" b="0"/>
-          </a:lnRef>
-          <a:fillRef idx="0">
-            <a:scrgbClr r="0" g="0" b="0"/>
-          </a:fillRef>
-          <a:effectRef idx="0">
-            <a:scrgbClr r="0" g="0" b="0"/>
-          </a:effectRef>
-          <a:fontRef idx="minor"/>
-        </p:style>
-        <p:txBody>
-          <a:bodyPr lIns="90000" tIns="45000" rIns="90000" bIns="45000"/>
-          <a:lstStyle/>
-          <a:p>
-            <a:pPr>
-              <a:lnSpc>
-                <a:spcPct val="100000"/>
-              </a:lnSpc>
-            </a:pPr>
-            <a:r>
-              <a:rPr lang="fr-FR" sz="1000" b="0" u="sng" strike="noStrike" spc="-1">
-                <a:solidFill>
-                  <a:srgbClr val="0000FF"/>
-                </a:solidFill>
-                <a:uFillTx/>
-                <a:latin typeface="Arial"/>
-                <a:hlinkClick r:id="rId3"/>
-              </a:rPr>
-              <a:t>https://prometheus.io/blog/2019/10/10/remote-read-meets-streaming/</a:t>
-            </a:r>
-            <a:endParaRPr lang="fr-FR" sz="1000" b="0" strike="noStrike" spc="-1">
               <a:latin typeface="Arial"/>
             </a:endParaRPr>
           </a:p>
@@ -27083,14 +27696,6 @@
 <file path=ppt/slides/slide32.xml><?xml version="1.0" encoding="utf-8"?>
 <p:sld xmlns:a="http://schemas.openxmlformats.org/drawingml/2006/main" xmlns:r="http://schemas.openxmlformats.org/officeDocument/2006/relationships" xmlns:p="http://schemas.openxmlformats.org/presentationml/2006/main">
   <p:cSld>
-    <p:bg>
-      <p:bgPr>
-        <a:solidFill>
-          <a:srgbClr val="EEEEEE"/>
-        </a:solidFill>
-        <a:effectLst/>
-      </p:bgPr>
-    </p:bg>
     <p:spTree>
       <p:nvGrpSpPr>
         <p:cNvPr id="1" name=""/>
@@ -27107,14 +27712,14 @@
       </p:grpSpPr>
       <p:sp>
         <p:nvSpPr>
-          <p:cNvPr id="489" name="CustomShape 1"/>
+          <p:cNvPr id="486" name="CustomShape 1"/>
           <p:cNvSpPr/>
           <p:nvPr/>
         </p:nvSpPr>
         <p:spPr>
           <a:xfrm>
-            <a:off x="1523880" y="3602160"/>
-            <a:ext cx="9135360" cy="1646280"/>
+            <a:off x="838080" y="365040"/>
+            <a:ext cx="10507320" cy="630360"/>
           </a:xfrm>
           <a:prstGeom prst="rect">
             <a:avLst/>
@@ -27136,17 +27741,40 @@
           </a:effectRef>
           <a:fontRef idx="minor"/>
         </p:style>
-      </p:sp>
-      <p:sp>
-        <p:nvSpPr>
-          <p:cNvPr id="490" name="CustomShape 2"/>
+        <p:txBody>
+          <a:bodyPr lIns="90000" tIns="45000" rIns="90000" bIns="45000" anchor="ctr">
+            <a:normAutofit lnSpcReduction="10000"/>
+          </a:bodyPr>
+          <a:lstStyle/>
+          <a:p>
+            <a:pPr>
+              <a:lnSpc>
+                <a:spcPct val="90000"/>
+              </a:lnSpc>
+            </a:pPr>
+            <a:r>
+              <a:rPr lang="fr-FR" sz="4400" b="0" strike="noStrike" spc="-1" dirty="0">
+                <a:latin typeface="Ubuntu"/>
+                <a:ea typeface="DejaVu Sans"/>
+              </a:rPr>
+              <a:t>On aurait pu en parler</a:t>
+            </a:r>
+            <a:endParaRPr lang="fr-FR" sz="4400" b="0" strike="noStrike" spc="-1" dirty="0">
+              <a:latin typeface="Ubuntu"/>
+            </a:endParaRPr>
+          </a:p>
+        </p:txBody>
+      </p:sp>
+      <p:sp>
+        <p:nvSpPr>
+          <p:cNvPr id="487" name="CustomShape 2"/>
           <p:cNvSpPr/>
           <p:nvPr/>
         </p:nvSpPr>
         <p:spPr>
           <a:xfrm>
-            <a:off x="609480" y="273600"/>
-            <a:ext cx="10967760" cy="1139040"/>
+            <a:off x="838080" y="1310760"/>
+            <a:ext cx="10507320" cy="4964760"/>
           </a:xfrm>
           <a:prstGeom prst="rect">
             <a:avLst/>
@@ -27168,30 +27796,291 @@
           </a:effectRef>
           <a:fontRef idx="minor"/>
         </p:style>
-      </p:sp>
-      <p:pic>
-        <p:nvPicPr>
-          <p:cNvPr id="491" name="Image 490"/>
-          <p:cNvPicPr/>
+        <p:txBody>
+          <a:bodyPr lIns="90000" tIns="45000" rIns="90000" bIns="45000">
+            <a:normAutofit/>
+          </a:bodyPr>
+          <a:lstStyle/>
+          <a:p>
+            <a:pPr marL="457200" indent="-457200">
+              <a:lnSpc>
+                <a:spcPct val="90000"/>
+              </a:lnSpc>
+              <a:spcBef>
+                <a:spcPts val="1001"/>
+              </a:spcBef>
+              <a:buFont typeface="Arial" panose="020B0604020202020204" pitchFamily="34" charset="0"/>
+              <a:buChar char="•"/>
+            </a:pPr>
+            <a:r>
+              <a:rPr lang="fr-FR" sz="2800" b="0" strike="noStrike" spc="-1" dirty="0" smtClean="0">
+                <a:solidFill>
+                  <a:srgbClr val="000000"/>
+                </a:solidFill>
+                <a:latin typeface="Calibri"/>
+                <a:ea typeface="DejaVu Sans"/>
+              </a:rPr>
+              <a:t>Compaction++ &amp; </a:t>
+            </a:r>
+            <a:r>
+              <a:rPr lang="fr-FR" sz="2800" b="0" strike="noStrike" spc="-1" dirty="0" err="1" smtClean="0">
+                <a:solidFill>
+                  <a:srgbClr val="000000"/>
+                </a:solidFill>
+                <a:latin typeface="Calibri"/>
+                <a:ea typeface="DejaVu Sans"/>
+              </a:rPr>
+              <a:t>Downsampling</a:t>
+            </a:r>
+            <a:endParaRPr lang="fr-FR" sz="2800" b="0" strike="noStrike" spc="-1" dirty="0">
+              <a:latin typeface="Arial"/>
+            </a:endParaRPr>
+          </a:p>
+          <a:p>
+            <a:pPr marL="457200" indent="-457200">
+              <a:lnSpc>
+                <a:spcPct val="90000"/>
+              </a:lnSpc>
+              <a:spcBef>
+                <a:spcPts val="1001"/>
+              </a:spcBef>
+              <a:buFont typeface="Arial" panose="020B0604020202020204" pitchFamily="34" charset="0"/>
+              <a:buChar char="•"/>
+            </a:pPr>
+            <a:r>
+              <a:rPr lang="fr-FR" sz="2800" b="0" strike="noStrike" spc="-1" dirty="0" err="1" smtClean="0">
+                <a:solidFill>
+                  <a:srgbClr val="000000"/>
+                </a:solidFill>
+                <a:latin typeface="Calibri"/>
+                <a:ea typeface="DejaVu Sans"/>
+              </a:rPr>
+              <a:t>Thanos</a:t>
+            </a:r>
+            <a:r>
+              <a:rPr lang="fr-FR" sz="2800" b="0" strike="noStrike" spc="-1" dirty="0" smtClean="0">
+                <a:solidFill>
+                  <a:srgbClr val="000000"/>
+                </a:solidFill>
+                <a:latin typeface="Calibri"/>
+                <a:ea typeface="DejaVu Sans"/>
+              </a:rPr>
+              <a:t> </a:t>
+            </a:r>
+            <a:r>
+              <a:rPr lang="fr-FR" sz="2800" b="0" strike="noStrike" spc="-1" dirty="0" err="1" smtClean="0">
+                <a:solidFill>
+                  <a:srgbClr val="000000"/>
+                </a:solidFill>
+                <a:latin typeface="Calibri"/>
+                <a:ea typeface="DejaVu Sans"/>
+              </a:rPr>
+              <a:t>Ruler</a:t>
+            </a:r>
+            <a:r>
+              <a:rPr lang="fr-FR" sz="2800" b="0" strike="noStrike" spc="-1" dirty="0" smtClean="0">
+                <a:solidFill>
+                  <a:srgbClr val="000000"/>
+                </a:solidFill>
+                <a:latin typeface="Calibri"/>
+                <a:ea typeface="DejaVu Sans"/>
+              </a:rPr>
+              <a:t> (</a:t>
+            </a:r>
+            <a:r>
+              <a:rPr lang="fr-FR" sz="2800" b="0" strike="noStrike" spc="-1" dirty="0" err="1" smtClean="0">
+                <a:solidFill>
+                  <a:srgbClr val="000000"/>
+                </a:solidFill>
+                <a:latin typeface="Calibri"/>
+                <a:ea typeface="DejaVu Sans"/>
+              </a:rPr>
+              <a:t>alerting</a:t>
+            </a:r>
+            <a:r>
+              <a:rPr lang="fr-FR" sz="2800" b="0" strike="noStrike" spc="-1" dirty="0" smtClean="0">
+                <a:solidFill>
+                  <a:srgbClr val="000000"/>
+                </a:solidFill>
+                <a:latin typeface="Calibri"/>
+                <a:ea typeface="DejaVu Sans"/>
+              </a:rPr>
+              <a:t> centralisé multi sources)</a:t>
+            </a:r>
+            <a:endParaRPr lang="fr-FR" sz="2800" b="0" strike="noStrike" spc="-1" dirty="0">
+              <a:latin typeface="Arial"/>
+            </a:endParaRPr>
+          </a:p>
+          <a:p>
+            <a:pPr marL="457200" indent="-457200">
+              <a:lnSpc>
+                <a:spcPct val="90000"/>
+              </a:lnSpc>
+              <a:spcBef>
+                <a:spcPts val="1001"/>
+              </a:spcBef>
+              <a:buFont typeface="Arial" panose="020B0604020202020204" pitchFamily="34" charset="0"/>
+              <a:buChar char="•"/>
+            </a:pPr>
+            <a:r>
+              <a:rPr lang="fr-FR" sz="2800" b="0" strike="noStrike" spc="-1" dirty="0">
+                <a:solidFill>
+                  <a:srgbClr val="000000"/>
+                </a:solidFill>
+                <a:latin typeface="Calibri"/>
+                <a:ea typeface="DejaVu Sans"/>
+              </a:rPr>
+              <a:t>Mettez à jour </a:t>
+            </a:r>
+            <a:r>
+              <a:rPr lang="fr-FR" sz="2800" b="0" strike="noStrike" spc="-1" dirty="0" err="1" smtClean="0">
+                <a:solidFill>
+                  <a:srgbClr val="000000"/>
+                </a:solidFill>
+                <a:latin typeface="Calibri"/>
+                <a:ea typeface="DejaVu Sans"/>
+              </a:rPr>
+              <a:t>Prometheus</a:t>
+            </a:r>
+            <a:endParaRPr lang="fr-FR" sz="2800" spc="-1" dirty="0">
+              <a:solidFill>
+                <a:srgbClr val="000000"/>
+              </a:solidFill>
+              <a:latin typeface="Calibri"/>
+              <a:ea typeface="DejaVu Sans"/>
+            </a:endParaRPr>
+          </a:p>
+          <a:p>
+            <a:pPr marL="914400" lvl="1" indent="-457200">
+              <a:lnSpc>
+                <a:spcPct val="90000"/>
+              </a:lnSpc>
+              <a:spcBef>
+                <a:spcPts val="1001"/>
+              </a:spcBef>
+              <a:buFont typeface="Arial" panose="020B0604020202020204" pitchFamily="34" charset="0"/>
+              <a:buChar char="•"/>
+            </a:pPr>
+            <a:r>
+              <a:rPr lang="fr-FR" sz="2800" spc="-1" dirty="0" smtClean="0">
+                <a:solidFill>
+                  <a:srgbClr val="000000"/>
+                </a:solidFill>
+                <a:latin typeface="Calibri"/>
+                <a:ea typeface="DejaVu Sans"/>
+              </a:rPr>
+              <a:t>la dernière version apporte de grandes amélioration pour </a:t>
+            </a:r>
+            <a:r>
+              <a:rPr lang="fr-FR" sz="2800" b="0" strike="noStrike" spc="-1" dirty="0" err="1" smtClean="0">
+                <a:solidFill>
+                  <a:srgbClr val="000000"/>
+                </a:solidFill>
+                <a:latin typeface="Calibri"/>
+                <a:ea typeface="DejaVu Sans"/>
+              </a:rPr>
+              <a:t>Thanos</a:t>
+            </a:r>
+            <a:endParaRPr lang="fr-FR" sz="2800" b="0" strike="noStrike" spc="-1" dirty="0" smtClean="0">
+              <a:solidFill>
+                <a:srgbClr val="000000"/>
+              </a:solidFill>
+              <a:latin typeface="Calibri"/>
+              <a:ea typeface="DejaVu Sans"/>
+            </a:endParaRPr>
+          </a:p>
+          <a:p>
+            <a:pPr lvl="2">
+              <a:lnSpc>
+                <a:spcPct val="90000"/>
+              </a:lnSpc>
+              <a:spcBef>
+                <a:spcPts val="1001"/>
+              </a:spcBef>
+            </a:pPr>
+            <a:r>
+              <a:rPr lang="fr-FR" sz="2400" u="sng" spc="-1" dirty="0" smtClean="0">
+                <a:solidFill>
+                  <a:srgbClr val="0000FF"/>
+                </a:solidFill>
+                <a:hlinkClick r:id="rId3"/>
+              </a:rPr>
+              <a:t>https</a:t>
+            </a:r>
+            <a:r>
+              <a:rPr lang="fr-FR" sz="2400" u="sng" spc="-1" dirty="0">
+                <a:solidFill>
+                  <a:srgbClr val="0000FF"/>
+                </a:solidFill>
+                <a:hlinkClick r:id="rId3"/>
+              </a:rPr>
+              <a:t>://prometheus.io/blog/2019/10/10/remote-read-meets-streaming/</a:t>
+            </a:r>
+            <a:endParaRPr lang="fr-FR" sz="2400" spc="-1" dirty="0"/>
+          </a:p>
+          <a:p>
+            <a:pPr marL="914400" lvl="1" indent="-457200">
+              <a:lnSpc>
+                <a:spcPct val="90000"/>
+              </a:lnSpc>
+              <a:spcBef>
+                <a:spcPts val="1001"/>
+              </a:spcBef>
+              <a:buFont typeface="Arial" panose="020B0604020202020204" pitchFamily="34" charset="0"/>
+              <a:buChar char="•"/>
+            </a:pPr>
+            <a:endParaRPr lang="fr-FR" sz="2800" b="0" strike="noStrike" spc="-1" dirty="0">
+              <a:latin typeface="Arial"/>
+            </a:endParaRPr>
+          </a:p>
+        </p:txBody>
+      </p:sp>
+      <p:sp>
+        <p:nvSpPr>
+          <p:cNvPr id="488" name="CustomShape 3"/>
+          <p:cNvSpPr/>
           <p:nvPr/>
-        </p:nvPicPr>
-        <p:blipFill>
-          <a:blip r:embed="rId2"/>
-          <a:stretch/>
-        </p:blipFill>
-        <p:spPr>
-          <a:xfrm>
-            <a:off x="2883600" y="1621800"/>
-            <a:ext cx="6420960" cy="3609720"/>
-          </a:xfrm>
-          <a:prstGeom prst="rect">
-            <a:avLst/>
-          </a:prstGeom>
+        </p:nvSpPr>
+        <p:spPr>
+          <a:xfrm>
+            <a:off x="4116960" y="3337560"/>
+            <a:ext cx="4042080" cy="232200"/>
+          </a:xfrm>
+          <a:prstGeom prst="rect">
+            <a:avLst/>
+          </a:prstGeom>
+          <a:noFill/>
           <a:ln>
             <a:noFill/>
           </a:ln>
         </p:spPr>
-      </p:pic>
+        <p:style>
+          <a:lnRef idx="0">
+            <a:scrgbClr r="0" g="0" b="0"/>
+          </a:lnRef>
+          <a:fillRef idx="0">
+            <a:scrgbClr r="0" g="0" b="0"/>
+          </a:fillRef>
+          <a:effectRef idx="0">
+            <a:scrgbClr r="0" g="0" b="0"/>
+          </a:effectRef>
+          <a:fontRef idx="minor"/>
+        </p:style>
+        <p:txBody>
+          <a:bodyPr lIns="90000" tIns="45000" rIns="90000" bIns="45000"/>
+          <a:lstStyle/>
+          <a:p>
+            <a:pPr>
+              <a:lnSpc>
+                <a:spcPct val="100000"/>
+              </a:lnSpc>
+            </a:pPr>
+            <a:endParaRPr lang="fr-FR" sz="1000" b="0" strike="noStrike" spc="-1" dirty="0">
+              <a:latin typeface="Arial"/>
+            </a:endParaRPr>
+          </a:p>
+        </p:txBody>
+      </p:sp>
     </p:spTree>
   </p:cSld>
   <p:clrMapOvr>
@@ -27230,6 +28119,153 @@
 <file path=ppt/slides/slide33.xml><?xml version="1.0" encoding="utf-8"?>
 <p:sld xmlns:a="http://schemas.openxmlformats.org/drawingml/2006/main" xmlns:r="http://schemas.openxmlformats.org/officeDocument/2006/relationships" xmlns:p="http://schemas.openxmlformats.org/presentationml/2006/main">
   <p:cSld>
+    <p:bg>
+      <p:bgPr>
+        <a:solidFill>
+          <a:srgbClr val="EEEEEE"/>
+        </a:solidFill>
+        <a:effectLst/>
+      </p:bgPr>
+    </p:bg>
+    <p:spTree>
+      <p:nvGrpSpPr>
+        <p:cNvPr id="1" name=""/>
+        <p:cNvGrpSpPr/>
+        <p:nvPr/>
+      </p:nvGrpSpPr>
+      <p:grpSpPr>
+        <a:xfrm>
+          <a:off x="0" y="0"/>
+          <a:ext cx="0" cy="0"/>
+          <a:chOff x="0" y="0"/>
+          <a:chExt cx="0" cy="0"/>
+        </a:xfrm>
+      </p:grpSpPr>
+      <p:sp>
+        <p:nvSpPr>
+          <p:cNvPr id="489" name="CustomShape 1"/>
+          <p:cNvSpPr/>
+          <p:nvPr/>
+        </p:nvSpPr>
+        <p:spPr>
+          <a:xfrm>
+            <a:off x="1523880" y="3602160"/>
+            <a:ext cx="9135360" cy="1646280"/>
+          </a:xfrm>
+          <a:prstGeom prst="rect">
+            <a:avLst/>
+          </a:prstGeom>
+          <a:noFill/>
+          <a:ln>
+            <a:noFill/>
+          </a:ln>
+        </p:spPr>
+        <p:style>
+          <a:lnRef idx="0">
+            <a:scrgbClr r="0" g="0" b="0"/>
+          </a:lnRef>
+          <a:fillRef idx="0">
+            <a:scrgbClr r="0" g="0" b="0"/>
+          </a:fillRef>
+          <a:effectRef idx="0">
+            <a:scrgbClr r="0" g="0" b="0"/>
+          </a:effectRef>
+          <a:fontRef idx="minor"/>
+        </p:style>
+      </p:sp>
+      <p:sp>
+        <p:nvSpPr>
+          <p:cNvPr id="490" name="CustomShape 2"/>
+          <p:cNvSpPr/>
+          <p:nvPr/>
+        </p:nvSpPr>
+        <p:spPr>
+          <a:xfrm>
+            <a:off x="609480" y="273600"/>
+            <a:ext cx="10967760" cy="1139040"/>
+          </a:xfrm>
+          <a:prstGeom prst="rect">
+            <a:avLst/>
+          </a:prstGeom>
+          <a:noFill/>
+          <a:ln>
+            <a:noFill/>
+          </a:ln>
+        </p:spPr>
+        <p:style>
+          <a:lnRef idx="0">
+            <a:scrgbClr r="0" g="0" b="0"/>
+          </a:lnRef>
+          <a:fillRef idx="0">
+            <a:scrgbClr r="0" g="0" b="0"/>
+          </a:fillRef>
+          <a:effectRef idx="0">
+            <a:scrgbClr r="0" g="0" b="0"/>
+          </a:effectRef>
+          <a:fontRef idx="minor"/>
+        </p:style>
+      </p:sp>
+      <p:pic>
+        <p:nvPicPr>
+          <p:cNvPr id="491" name="Image 490"/>
+          <p:cNvPicPr/>
+          <p:nvPr/>
+        </p:nvPicPr>
+        <p:blipFill>
+          <a:blip r:embed="rId2"/>
+          <a:stretch/>
+        </p:blipFill>
+        <p:spPr>
+          <a:xfrm>
+            <a:off x="2883600" y="1621800"/>
+            <a:ext cx="6420960" cy="3609720"/>
+          </a:xfrm>
+          <a:prstGeom prst="rect">
+            <a:avLst/>
+          </a:prstGeom>
+          <a:ln>
+            <a:noFill/>
+          </a:ln>
+        </p:spPr>
+      </p:pic>
+    </p:spTree>
+  </p:cSld>
+  <p:clrMapOvr>
+    <a:masterClrMapping/>
+  </p:clrMapOvr>
+  <p:timing>
+    <p:tnLst>
+      <p:par>
+        <p:cTn id="1" dur="indefinite" restart="never" nodeType="tmRoot">
+          <p:childTnLst>
+            <p:seq>
+              <p:cTn id="2" dur="indefinite" nodeType="mainSeq"/>
+              <p:prevCondLst>
+                <p:cond evt="onPrev" delay="0">
+                  <p:tgtEl>
+                    <p:sldTgt/>
+                  </p:tgtEl>
+                </p:cond>
+              </p:prevCondLst>
+              <p:nextCondLst>
+                <p:cond evt="onNext" delay="0">
+                  <p:tgtEl>
+                    <p:sldTgt/>
+                  </p:tgtEl>
+                </p:cond>
+              </p:nextCondLst>
+            </p:seq>
+          </p:childTnLst>
+        </p:cTn>
+      </p:par>
+    </p:tnLst>
+  </p:timing>
+</p:sld>
+</file>
+
+<file path=ppt/slides/slide34.xml><?xml version="1.0" encoding="utf-8"?>
+<p:sld xmlns:a="http://schemas.openxmlformats.org/drawingml/2006/main" xmlns:r="http://schemas.openxmlformats.org/officeDocument/2006/relationships" xmlns:p="http://schemas.openxmlformats.org/presentationml/2006/main">
+  <p:cSld>
     <p:spTree>
       <p:nvGrpSpPr>
         <p:cNvPr id="1" name=""/>
@@ -27324,6 +28360,325 @@
         </p:txBody>
       </p:sp>
     </p:spTree>
+  </p:cSld>
+  <p:clrMapOvr>
+    <a:masterClrMapping/>
+  </p:clrMapOvr>
+  <p:timing>
+    <p:tnLst>
+      <p:par>
+        <p:cTn id="1" dur="indefinite" restart="never" nodeType="tmRoot">
+          <p:childTnLst>
+            <p:seq>
+              <p:cTn id="2" dur="indefinite" nodeType="mainSeq"/>
+              <p:prevCondLst>
+                <p:cond evt="onPrev" delay="0">
+                  <p:tgtEl>
+                    <p:sldTgt/>
+                  </p:tgtEl>
+                </p:cond>
+              </p:prevCondLst>
+              <p:nextCondLst>
+                <p:cond evt="onNext" delay="0">
+                  <p:tgtEl>
+                    <p:sldTgt/>
+                  </p:tgtEl>
+                </p:cond>
+              </p:nextCondLst>
+            </p:seq>
+          </p:childTnLst>
+        </p:cTn>
+      </p:par>
+    </p:tnLst>
+  </p:timing>
+</p:sld>
+</file>
+
+<file path=ppt/slides/slide35.xml><?xml version="1.0" encoding="utf-8"?>
+<p:sld xmlns:a="http://schemas.openxmlformats.org/drawingml/2006/main" xmlns:r="http://schemas.openxmlformats.org/officeDocument/2006/relationships" xmlns:p="http://schemas.openxmlformats.org/presentationml/2006/main">
+  <p:cSld>
+    <p:spTree>
+      <p:nvGrpSpPr>
+        <p:cNvPr id="1" name=""/>
+        <p:cNvGrpSpPr/>
+        <p:nvPr/>
+      </p:nvGrpSpPr>
+      <p:grpSpPr>
+        <a:xfrm>
+          <a:off x="0" y="0"/>
+          <a:ext cx="0" cy="0"/>
+          <a:chOff x="0" y="0"/>
+          <a:chExt cx="0" cy="0"/>
+        </a:xfrm>
+      </p:grpSpPr>
+      <p:sp>
+        <p:nvSpPr>
+          <p:cNvPr id="486" name="CustomShape 1"/>
+          <p:cNvSpPr/>
+          <p:nvPr/>
+        </p:nvSpPr>
+        <p:spPr>
+          <a:xfrm>
+            <a:off x="838080" y="365040"/>
+            <a:ext cx="10507320" cy="630360"/>
+          </a:xfrm>
+          <a:prstGeom prst="rect">
+            <a:avLst/>
+          </a:prstGeom>
+          <a:noFill/>
+          <a:ln>
+            <a:noFill/>
+          </a:ln>
+        </p:spPr>
+        <p:style>
+          <a:lnRef idx="0">
+            <a:scrgbClr r="0" g="0" b="0"/>
+          </a:lnRef>
+          <a:fillRef idx="0">
+            <a:scrgbClr r="0" g="0" b="0"/>
+          </a:fillRef>
+          <a:effectRef idx="0">
+            <a:scrgbClr r="0" g="0" b="0"/>
+          </a:effectRef>
+          <a:fontRef idx="minor"/>
+        </p:style>
+        <p:txBody>
+          <a:bodyPr lIns="90000" tIns="45000" rIns="90000" bIns="45000" anchor="ctr">
+            <a:normAutofit lnSpcReduction="10000"/>
+          </a:bodyPr>
+          <a:lstStyle/>
+          <a:p>
+            <a:pPr>
+              <a:lnSpc>
+                <a:spcPct val="90000"/>
+              </a:lnSpc>
+            </a:pPr>
+            <a:r>
+              <a:rPr lang="fr-FR" sz="4400" b="0" strike="noStrike" spc="-1" dirty="0" err="1" smtClean="0">
+                <a:solidFill>
+                  <a:srgbClr val="CE181E"/>
+                </a:solidFill>
+                <a:latin typeface="Ubuntu"/>
+                <a:ea typeface="DejaVu Sans"/>
+              </a:rPr>
+              <a:t>Thanos</a:t>
+            </a:r>
+            <a:r>
+              <a:rPr lang="fr-FR" sz="4400" b="0" strike="noStrike" spc="-1" dirty="0" smtClean="0">
+                <a:solidFill>
+                  <a:srgbClr val="CE181E"/>
+                </a:solidFill>
+                <a:latin typeface="Ubuntu"/>
+                <a:ea typeface="DejaVu Sans"/>
+              </a:rPr>
+              <a:t> vs Cortex</a:t>
+            </a:r>
+            <a:endParaRPr lang="fr-FR" sz="4400" b="0" strike="noStrike" spc="-1" dirty="0">
+              <a:latin typeface="Ubuntu"/>
+            </a:endParaRPr>
+          </a:p>
+        </p:txBody>
+      </p:sp>
+      <p:sp>
+        <p:nvSpPr>
+          <p:cNvPr id="487" name="CustomShape 2"/>
+          <p:cNvSpPr/>
+          <p:nvPr/>
+        </p:nvSpPr>
+        <p:spPr>
+          <a:xfrm>
+            <a:off x="838080" y="1310760"/>
+            <a:ext cx="10507320" cy="4964760"/>
+          </a:xfrm>
+          <a:prstGeom prst="rect">
+            <a:avLst/>
+          </a:prstGeom>
+          <a:noFill/>
+          <a:ln>
+            <a:noFill/>
+          </a:ln>
+        </p:spPr>
+        <p:style>
+          <a:lnRef idx="0">
+            <a:scrgbClr r="0" g="0" b="0"/>
+          </a:lnRef>
+          <a:fillRef idx="0">
+            <a:scrgbClr r="0" g="0" b="0"/>
+          </a:fillRef>
+          <a:effectRef idx="0">
+            <a:scrgbClr r="0" g="0" b="0"/>
+          </a:effectRef>
+          <a:fontRef idx="minor"/>
+        </p:style>
+        <p:txBody>
+          <a:bodyPr lIns="90000" tIns="45000" rIns="90000" bIns="45000">
+            <a:normAutofit/>
+          </a:bodyPr>
+          <a:lstStyle/>
+          <a:p>
+            <a:pPr>
+              <a:lnSpc>
+                <a:spcPct val="90000"/>
+              </a:lnSpc>
+              <a:spcBef>
+                <a:spcPts val="1001"/>
+              </a:spcBef>
+            </a:pPr>
+            <a:r>
+              <a:rPr lang="fr-FR" sz="2800" b="0" strike="noStrike" spc="-1" dirty="0" err="1">
+                <a:solidFill>
+                  <a:srgbClr val="000000"/>
+                </a:solidFill>
+                <a:latin typeface="Calibri"/>
+                <a:ea typeface="DejaVu Sans"/>
+              </a:rPr>
+              <a:t>Downsampling</a:t>
+            </a:r>
+            <a:endParaRPr lang="fr-FR" sz="2800" b="0" strike="noStrike" spc="-1" dirty="0">
+              <a:latin typeface="Arial"/>
+            </a:endParaRPr>
+          </a:p>
+          <a:p>
+            <a:pPr>
+              <a:lnSpc>
+                <a:spcPct val="90000"/>
+              </a:lnSpc>
+              <a:spcBef>
+                <a:spcPts val="1001"/>
+              </a:spcBef>
+            </a:pPr>
+            <a:r>
+              <a:rPr lang="fr-FR" sz="2800" b="0" strike="noStrike" spc="-1" dirty="0" err="1">
+                <a:solidFill>
+                  <a:srgbClr val="000000"/>
+                </a:solidFill>
+                <a:latin typeface="Calibri"/>
+                <a:ea typeface="DejaVu Sans"/>
+              </a:rPr>
+              <a:t>Ruler</a:t>
+            </a:r>
+            <a:endParaRPr lang="fr-FR" sz="2800" b="0" strike="noStrike" spc="-1" dirty="0">
+              <a:latin typeface="Arial"/>
+            </a:endParaRPr>
+          </a:p>
+          <a:p>
+            <a:pPr>
+              <a:lnSpc>
+                <a:spcPct val="90000"/>
+              </a:lnSpc>
+              <a:spcBef>
+                <a:spcPts val="1001"/>
+              </a:spcBef>
+            </a:pPr>
+            <a:r>
+              <a:rPr lang="fr-FR" sz="2800" b="0" strike="noStrike" spc="-1" dirty="0">
+                <a:solidFill>
+                  <a:srgbClr val="000000"/>
+                </a:solidFill>
+                <a:latin typeface="Calibri"/>
+                <a:ea typeface="DejaVu Sans"/>
+              </a:rPr>
+              <a:t>Mettez à jour </a:t>
+            </a:r>
+            <a:r>
+              <a:rPr lang="fr-FR" sz="2800" b="0" strike="noStrike" spc="-1" dirty="0" err="1">
+                <a:solidFill>
+                  <a:srgbClr val="000000"/>
+                </a:solidFill>
+                <a:latin typeface="Calibri"/>
+                <a:ea typeface="DejaVu Sans"/>
+              </a:rPr>
+              <a:t>Prometheus</a:t>
+            </a:r>
+            <a:r>
+              <a:rPr lang="fr-FR" sz="2800" b="0" strike="noStrike" spc="-1" dirty="0">
+                <a:solidFill>
+                  <a:srgbClr val="000000"/>
+                </a:solidFill>
+                <a:latin typeface="Calibri"/>
+                <a:ea typeface="DejaVu Sans"/>
+              </a:rPr>
+              <a:t> &amp; </a:t>
+            </a:r>
+            <a:r>
+              <a:rPr lang="fr-FR" sz="2800" b="0" strike="noStrike" spc="-1" dirty="0" err="1">
+                <a:solidFill>
+                  <a:srgbClr val="000000"/>
+                </a:solidFill>
+                <a:latin typeface="Calibri"/>
+                <a:ea typeface="DejaVu Sans"/>
+              </a:rPr>
+              <a:t>Thanos</a:t>
+            </a:r>
+            <a:endParaRPr lang="fr-FR" sz="2800" b="0" strike="noStrike" spc="-1" dirty="0">
+              <a:latin typeface="Arial"/>
+            </a:endParaRPr>
+          </a:p>
+        </p:txBody>
+      </p:sp>
+      <p:sp>
+        <p:nvSpPr>
+          <p:cNvPr id="488" name="CustomShape 3"/>
+          <p:cNvSpPr/>
+          <p:nvPr/>
+        </p:nvSpPr>
+        <p:spPr>
+          <a:xfrm>
+            <a:off x="4116960" y="3337560"/>
+            <a:ext cx="4042080" cy="232200"/>
+          </a:xfrm>
+          <a:prstGeom prst="rect">
+            <a:avLst/>
+          </a:prstGeom>
+          <a:noFill/>
+          <a:ln>
+            <a:noFill/>
+          </a:ln>
+        </p:spPr>
+        <p:style>
+          <a:lnRef idx="0">
+            <a:scrgbClr r="0" g="0" b="0"/>
+          </a:lnRef>
+          <a:fillRef idx="0">
+            <a:scrgbClr r="0" g="0" b="0"/>
+          </a:fillRef>
+          <a:effectRef idx="0">
+            <a:scrgbClr r="0" g="0" b="0"/>
+          </a:effectRef>
+          <a:fontRef idx="minor"/>
+        </p:style>
+        <p:txBody>
+          <a:bodyPr lIns="90000" tIns="45000" rIns="90000" bIns="45000"/>
+          <a:lstStyle/>
+          <a:p>
+            <a:pPr>
+              <a:lnSpc>
+                <a:spcPct val="100000"/>
+              </a:lnSpc>
+            </a:pPr>
+            <a:r>
+              <a:rPr lang="fr-FR" sz="1000" b="0" u="sng" strike="noStrike" spc="-1">
+                <a:solidFill>
+                  <a:srgbClr val="0000FF"/>
+                </a:solidFill>
+                <a:uFillTx/>
+                <a:latin typeface="Arial"/>
+                <a:hlinkClick r:id="rId3"/>
+              </a:rPr>
+              <a:t>https://prometheus.io/blog/2019/10/10/remote-read-meets-streaming/</a:t>
+            </a:r>
+            <a:endParaRPr lang="fr-FR" sz="1000" b="0" strike="noStrike" spc="-1">
+              <a:latin typeface="Arial"/>
+            </a:endParaRPr>
+          </a:p>
+        </p:txBody>
+      </p:sp>
+    </p:spTree>
+    <p:extLst>
+      <p:ext uri="{BB962C8B-B14F-4D97-AF65-F5344CB8AC3E}">
+        <p14:creationId xmlns:p14="http://schemas.microsoft.com/office/powerpoint/2010/main" val="3782258902"/>
+      </p:ext>
+    </p:extLst>
   </p:cSld>
   <p:clrMapOvr>
     <a:masterClrMapping/>
@@ -27476,7 +28831,7 @@
               </a:spcBef>
             </a:pPr>
             <a:r>
-              <a:rPr lang="fr-FR" sz="2800" b="0" strike="noStrike" spc="-1">
+              <a:rPr lang="fr-FR" sz="2800" b="0" strike="noStrike" spc="-1" dirty="0">
                 <a:solidFill>
                   <a:srgbClr val="000000"/>
                 </a:solidFill>
@@ -27485,7 +28840,7 @@
               </a:rPr>
               <a:t>Leader mondial des solutions technologiques intégrées pour les entreprises utilisatrices de cuir ou textile</a:t>
             </a:r>
-            <a:endParaRPr lang="fr-FR" sz="2800" b="0" strike="noStrike" spc="-1">
+            <a:endParaRPr lang="fr-FR" sz="2800" b="0" strike="noStrike" spc="-1" dirty="0">
               <a:latin typeface="Arial"/>
             </a:endParaRPr>
           </a:p>
@@ -27498,7 +28853,7 @@
                 <a:spcPts val="1001"/>
               </a:spcBef>
             </a:pPr>
-            <a:endParaRPr lang="fr-FR" sz="2800" b="0" strike="noStrike" spc="-1">
+            <a:endParaRPr lang="fr-FR" sz="2800" b="0" strike="noStrike" spc="-1" dirty="0">
               <a:latin typeface="Arial"/>
             </a:endParaRPr>
           </a:p>
@@ -27511,7 +28866,7 @@
                 <a:spcPts val="1001"/>
               </a:spcBef>
             </a:pPr>
-            <a:endParaRPr lang="fr-FR" sz="2800" b="0" strike="noStrike" spc="-1">
+            <a:endParaRPr lang="fr-FR" sz="2800" b="0" strike="noStrike" spc="-1" dirty="0">
               <a:latin typeface="Arial"/>
             </a:endParaRPr>
           </a:p>
@@ -27524,7 +28879,7 @@
                 <a:spcPts val="1001"/>
               </a:spcBef>
             </a:pPr>
-            <a:endParaRPr lang="fr-FR" sz="2800" b="0" strike="noStrike" spc="-1">
+            <a:endParaRPr lang="fr-FR" sz="2800" b="0" strike="noStrike" spc="-1" dirty="0">
               <a:latin typeface="Arial"/>
             </a:endParaRPr>
           </a:p>
@@ -27532,26 +28887,31 @@
       </p:sp>
       <p:pic>
         <p:nvPicPr>
-          <p:cNvPr id="219" name="Image 218"/>
-          <p:cNvPicPr/>
+          <p:cNvPr id="2" name="Image 1"/>
+          <p:cNvPicPr>
+            <a:picLocks noChangeAspect="1"/>
+          </p:cNvPicPr>
           <p:nvPr/>
         </p:nvPicPr>
-        <p:blipFill>
-          <a:blip r:embed="rId4"/>
-          <a:srcRect l="15113" b="10545"/>
+        <p:blipFill rotWithShape="1">
+          <a:blip r:embed="rId4" cstate="print">
+            <a:extLst>
+              <a:ext uri="{28A0092B-C50C-407E-A947-70E740481C1C}">
+                <a14:useLocalDpi xmlns:a14="http://schemas.microsoft.com/office/drawing/2010/main" val="0"/>
+              </a:ext>
+            </a:extLst>
+          </a:blip>
+          <a:srcRect t="1570" b="10388"/>
           <a:stretch/>
         </p:blipFill>
         <p:spPr>
           <a:xfrm>
-            <a:off x="3683880" y="2235240"/>
-            <a:ext cx="4817880" cy="3806280"/>
-          </a:xfrm>
-          <a:prstGeom prst="rect">
-            <a:avLst/>
-          </a:prstGeom>
-          <a:ln>
-            <a:noFill/>
-          </a:ln>
+            <a:off x="3291823" y="2166854"/>
+            <a:ext cx="5599834" cy="4424026"/>
+          </a:xfrm>
+          <a:prstGeom prst="rect">
+            <a:avLst/>
+          </a:prstGeom>
         </p:spPr>
       </p:pic>
     </p:spTree>
@@ -27564,7 +28924,7 @@
       <p:par>
         <p:cTn id="1" dur="indefinite" restart="never" nodeType="tmRoot">
           <p:childTnLst>
-            <p:seq>
+            <p:seq concurrent="1" nextAc="seek">
               <p:cTn id="2" dur="indefinite" nodeType="mainSeq">
                 <p:childTnLst>
                   <p:par>
@@ -27580,20 +28940,20 @@
                             </p:stCondLst>
                             <p:childTnLst>
                               <p:par>
-                                <p:cTn id="5" presetID="10" presetClass="entr" fill="hold" nodeType="clickEffect">
+                                <p:cTn id="5" presetID="10" presetClass="entr" presetSubtype="0" fill="hold" nodeType="clickEffect">
                                   <p:stCondLst>
                                     <p:cond delay="0"/>
                                   </p:stCondLst>
                                   <p:childTnLst>
                                     <p:set>
                                       <p:cBhvr>
-                                        <p:cTn id="6" fill="hold">
+                                        <p:cTn id="6" dur="1" fill="hold">
                                           <p:stCondLst>
                                             <p:cond delay="0"/>
                                           </p:stCondLst>
                                         </p:cTn>
                                         <p:tgtEl>
-                                          <p:spTgt spid="219"/>
+                                          <p:spTgt spid="2"/>
                                         </p:tgtEl>
                                         <p:attrNameLst>
                                           <p:attrName>style.visibility</p:attrName>
@@ -27604,10 +28964,10 @@
                                       </p:to>
                                     </p:set>
                                     <p:animEffect transition="in" filter="fade">
-                                      <p:cBhvr additive="repl">
+                                      <p:cBhvr>
                                         <p:cTn id="7" dur="500"/>
                                         <p:tgtEl>
-                                          <p:spTgt spid="219"/>
+                                          <p:spTgt spid="2"/>
                                         </p:tgtEl>
                                       </p:cBhvr>
                                     </p:animEffect>
@@ -28182,16 +29542,66 @@
               </a:spcBef>
             </a:pPr>
             <a:r>
-              <a:rPr lang="fr-FR" sz="2800" b="0" strike="noStrike" spc="-1">
+              <a:rPr lang="fr-FR" sz="2800" b="0" strike="noStrike" spc="-1" dirty="0">
                 <a:solidFill>
                   <a:srgbClr val="000000"/>
                 </a:solidFill>
                 <a:latin typeface="Ubuntu"/>
                 <a:ea typeface="DejaVu Sans"/>
               </a:rPr>
-              <a:t>Je cherche un·e futur·e collègue</a:t>
-            </a:r>
-            <a:endParaRPr lang="fr-FR" sz="2800" b="0" strike="noStrike" spc="-1">
+              <a:t>Je cherche </a:t>
+            </a:r>
+            <a:r>
+              <a:rPr lang="fr-FR" sz="2800" b="0" strike="noStrike" spc="-1" dirty="0" err="1">
+                <a:solidFill>
+                  <a:srgbClr val="000000"/>
+                </a:solidFill>
+                <a:latin typeface="Ubuntu"/>
+                <a:ea typeface="DejaVu Sans"/>
+              </a:rPr>
+              <a:t>un·e</a:t>
+            </a:r>
+            <a:r>
+              <a:rPr lang="fr-FR" sz="2800" b="0" strike="noStrike" spc="-1" dirty="0">
+                <a:solidFill>
+                  <a:srgbClr val="000000"/>
+                </a:solidFill>
+                <a:latin typeface="Ubuntu"/>
+                <a:ea typeface="DejaVu Sans"/>
+              </a:rPr>
+              <a:t> </a:t>
+            </a:r>
+            <a:r>
+              <a:rPr lang="fr-FR" sz="2800" b="0" strike="noStrike" spc="-1" dirty="0" err="1">
+                <a:solidFill>
+                  <a:srgbClr val="000000"/>
+                </a:solidFill>
+                <a:latin typeface="Ubuntu"/>
+                <a:ea typeface="DejaVu Sans"/>
+              </a:rPr>
+              <a:t>futur·e</a:t>
+            </a:r>
+            <a:r>
+              <a:rPr lang="fr-FR" sz="2800" b="0" strike="noStrike" spc="-1" dirty="0">
+                <a:solidFill>
+                  <a:srgbClr val="000000"/>
+                </a:solidFill>
+                <a:latin typeface="Ubuntu"/>
+                <a:ea typeface="DejaVu Sans"/>
+              </a:rPr>
+              <a:t> </a:t>
+            </a:r>
+            <a:r>
+              <a:rPr lang="fr-FR" sz="2800" b="0" strike="noStrike" spc="-1" dirty="0" smtClean="0">
+                <a:solidFill>
+                  <a:srgbClr val="000000"/>
+                </a:solidFill>
+                <a:latin typeface="Ubuntu"/>
+                <a:ea typeface="DejaVu Sans"/>
+              </a:rPr>
+              <a:t>collègue dans l’équipe</a:t>
+            </a:r>
+            <a:endParaRPr lang="fr-FR" sz="2800" b="0" strike="noStrike" spc="-1" dirty="0">
               <a:latin typeface="Arial"/>
             </a:endParaRPr>
           </a:p>
@@ -28211,26 +29621,76 @@
               <a:buChar char=""/>
             </a:pPr>
             <a:r>
-              <a:rPr lang="fr-FR" sz="2400" b="0" strike="noStrike" spc="-1">
+              <a:rPr lang="fr-FR" sz="2400" b="0" strike="noStrike" spc="-1" dirty="0">
                 <a:solidFill>
                   <a:srgbClr val="000000"/>
                 </a:solidFill>
                 <a:latin typeface="Ubuntu"/>
                 <a:ea typeface="DejaVu Sans"/>
               </a:rPr>
-              <a:t>Cloud Engineer </a:t>
-            </a:r>
-            <a:r>
-              <a:rPr lang="fr-FR" sz="2400" b="1" strike="noStrike" spc="-1">
+              <a:t>Cloud </a:t>
+            </a:r>
+            <a:r>
+              <a:rPr lang="fr-FR" sz="2400" b="0" strike="noStrike" spc="-1" dirty="0" err="1">
                 <a:solidFill>
                   <a:srgbClr val="000000"/>
                 </a:solidFill>
                 <a:latin typeface="Ubuntu"/>
                 <a:ea typeface="DejaVu Sans"/>
               </a:rPr>
-              <a:t>#Ops #Cloud #K8s #InfraAsCode</a:t>
-            </a:r>
-            <a:endParaRPr lang="fr-FR" sz="2400" b="0" strike="noStrike" spc="-1">
+              <a:t>Engineer</a:t>
+            </a:r>
+            <a:r>
+              <a:rPr lang="fr-FR" sz="2400" b="0" strike="noStrike" spc="-1" dirty="0">
+                <a:solidFill>
+                  <a:srgbClr val="000000"/>
+                </a:solidFill>
+                <a:latin typeface="Ubuntu"/>
+                <a:ea typeface="DejaVu Sans"/>
+              </a:rPr>
+              <a:t> </a:t>
+            </a:r>
+            <a:r>
+              <a:rPr lang="fr-FR" sz="2400" b="1" strike="noStrike" spc="-1" dirty="0">
+                <a:solidFill>
+                  <a:srgbClr val="000000"/>
+                </a:solidFill>
+                <a:latin typeface="Ubuntu"/>
+                <a:ea typeface="DejaVu Sans"/>
+              </a:rPr>
+              <a:t>#</a:t>
+            </a:r>
+            <a:r>
+              <a:rPr lang="fr-FR" sz="2400" b="1" strike="noStrike" spc="-1" dirty="0" err="1">
+                <a:solidFill>
+                  <a:srgbClr val="000000"/>
+                </a:solidFill>
+                <a:latin typeface="Ubuntu"/>
+                <a:ea typeface="DejaVu Sans"/>
+              </a:rPr>
+              <a:t>Ops</a:t>
+            </a:r>
+            <a:r>
+              <a:rPr lang="fr-FR" sz="2400" b="1" strike="noStrike" spc="-1" dirty="0">
+                <a:solidFill>
+                  <a:srgbClr val="000000"/>
+                </a:solidFill>
+                <a:latin typeface="Ubuntu"/>
+                <a:ea typeface="DejaVu Sans"/>
+              </a:rPr>
+              <a:t> #Cloud #K8s #</a:t>
+            </a:r>
+            <a:r>
+              <a:rPr lang="fr-FR" sz="2400" b="1" strike="noStrike" spc="-1" dirty="0" err="1">
+                <a:solidFill>
+                  <a:srgbClr val="000000"/>
+                </a:solidFill>
+                <a:latin typeface="Ubuntu"/>
+                <a:ea typeface="DejaVu Sans"/>
+              </a:rPr>
+              <a:t>InfraAsCode</a:t>
+            </a:r>
+            <a:endParaRPr lang="fr-FR" sz="2400" b="0" strike="noStrike" spc="-1" dirty="0">
               <a:latin typeface="Arial"/>
             </a:endParaRPr>
           </a:p>
@@ -28243,7 +29703,7 @@
                 <a:spcPts val="1001"/>
               </a:spcBef>
             </a:pPr>
-            <a:endParaRPr lang="fr-FR" sz="2400" b="0" strike="noStrike" spc="-1">
+            <a:endParaRPr lang="fr-FR" sz="2400" b="0" strike="noStrike" spc="-1" dirty="0">
               <a:latin typeface="Arial"/>
             </a:endParaRPr>
           </a:p>
@@ -28257,7 +29717,7 @@
               </a:spcBef>
             </a:pPr>
             <a:r>
-              <a:rPr lang="fr-FR" sz="2800" b="0" strike="noStrike" spc="-1">
+              <a:rPr lang="fr-FR" sz="2800" b="0" strike="noStrike" spc="-1" dirty="0">
                 <a:solidFill>
                   <a:srgbClr val="000000"/>
                 </a:solidFill>
@@ -28266,7 +29726,7 @@
               </a:rPr>
               <a:t>Et plein d’autres encore !!</a:t>
             </a:r>
-            <a:endParaRPr lang="fr-FR" sz="2800" b="0" strike="noStrike" spc="-1">
+            <a:endParaRPr lang="fr-FR" sz="2800" b="0" strike="noStrike" spc="-1" dirty="0">
               <a:latin typeface="Arial"/>
             </a:endParaRPr>
           </a:p>
@@ -28286,7 +29746,7 @@
               <a:buChar char=""/>
             </a:pPr>
             <a:r>
-              <a:rPr lang="fr-FR" sz="2600" b="0" strike="noStrike" spc="-1">
+              <a:rPr lang="fr-FR" sz="2600" b="0" strike="noStrike" spc="-1" dirty="0">
                 <a:solidFill>
                   <a:srgbClr val="000000"/>
                 </a:solidFill>
@@ -28296,7 +29756,7 @@
               <a:t>GOTO </a:t>
             </a:r>
             <a:r>
-              <a:rPr lang="fr-FR" sz="2600" b="0" u="sng" strike="noStrike" spc="-1">
+              <a:rPr lang="fr-FR" sz="2600" b="0" u="sng" strike="noStrike" spc="-1" dirty="0">
                 <a:solidFill>
                   <a:srgbClr val="0066B3"/>
                 </a:solidFill>
@@ -28307,7 +29767,7 @@
               <a:t>www.</a:t>
             </a:r>
             <a:r>
-              <a:rPr lang="fr-FR" sz="2600" b="0" u="sng" strike="noStrike" spc="-1">
+              <a:rPr lang="fr-FR" sz="2600" b="0" u="sng" strike="noStrike" spc="-1" dirty="0">
                 <a:solidFill>
                   <a:srgbClr val="0000FF"/>
                 </a:solidFill>
@@ -28318,7 +29778,7 @@
               </a:rPr>
               <a:t>lectra.com/fr/carrieres</a:t>
             </a:r>
-            <a:endParaRPr lang="fr-FR" sz="2600" b="0" strike="noStrike" spc="-1">
+            <a:endParaRPr lang="fr-FR" sz="2600" b="0" strike="noStrike" spc="-1" dirty="0">
               <a:latin typeface="Arial"/>
             </a:endParaRPr>
           </a:p>
@@ -28331,7 +29791,7 @@
                 <a:spcPts val="1001"/>
               </a:spcBef>
             </a:pPr>
-            <a:endParaRPr lang="fr-FR" sz="2600" b="0" strike="noStrike" spc="-1">
+            <a:endParaRPr lang="fr-FR" sz="2600" b="0" strike="noStrike" spc="-1" dirty="0">
               <a:latin typeface="Arial"/>
             </a:endParaRPr>
           </a:p>
@@ -28344,7 +29804,7 @@
                 <a:spcPts val="1001"/>
               </a:spcBef>
             </a:pPr>
-            <a:endParaRPr lang="fr-FR" sz="2600" b="0" strike="noStrike" spc="-1">
+            <a:endParaRPr lang="fr-FR" sz="2600" b="0" strike="noStrike" spc="-1" dirty="0">
               <a:latin typeface="Arial"/>
             </a:endParaRPr>
           </a:p>
@@ -28357,7 +29817,7 @@
                 <a:spcPts val="1001"/>
               </a:spcBef>
             </a:pPr>
-            <a:endParaRPr lang="fr-FR" sz="2600" b="0" strike="noStrike" spc="-1">
+            <a:endParaRPr lang="fr-FR" sz="2600" b="0" strike="noStrike" spc="-1" dirty="0">
               <a:latin typeface="Arial"/>
             </a:endParaRPr>
           </a:p>

--- a/binaries/CNCF_meetup6_Thanos.pptx
+++ b/binaries/CNCF_meetup6_Thanos.pptx
@@ -924,8 +924,8 @@
         </p:nvSpPr>
         <p:spPr>
           <a:xfrm>
-            <a:off x="685800" y="1143000"/>
-            <a:ext cx="5477040" cy="3076920"/>
+            <a:off x="688975" y="1143000"/>
+            <a:ext cx="5470525" cy="3076575"/>
           </a:xfrm>
           <a:prstGeom prst="rect">
             <a:avLst/>
@@ -14177,14 +14177,24 @@
               <a:buChar char=""/>
             </a:pPr>
             <a:r>
-              <a:rPr lang="fr-FR" sz="2400" b="0" strike="noStrike" spc="-1" dirty="0">
+              <a:rPr lang="fr-FR" sz="2400" spc="-1" dirty="0">
                 <a:solidFill>
                   <a:srgbClr val="000000"/>
                 </a:solidFill>
                 <a:latin typeface="Ubuntu"/>
                 <a:ea typeface="DejaVu Sans"/>
               </a:rPr>
-              <a:t>gérer des requêtes sur </a:t>
+              <a:t>r</a:t>
+            </a:r>
+            <a:r>
+              <a:rPr lang="fr-FR" sz="2400" b="0" strike="noStrike" spc="-1" dirty="0" smtClean="0">
+                <a:solidFill>
+                  <a:srgbClr val="000000"/>
+                </a:solidFill>
+                <a:latin typeface="Ubuntu"/>
+                <a:ea typeface="DejaVu Sans"/>
+              </a:rPr>
+              <a:t>equêter sur </a:t>
             </a:r>
             <a:r>
               <a:rPr lang="fr-FR" sz="2400" b="0" strike="noStrike" spc="-1" dirty="0" smtClean="0">
@@ -15835,7 +15845,7 @@
         </p:blipFill>
         <p:spPr>
           <a:xfrm>
-            <a:off x="9999000" y="2013840"/>
+            <a:off x="9846600" y="2096967"/>
             <a:ext cx="872640" cy="865440"/>
           </a:xfrm>
           <a:prstGeom prst="rect">
@@ -18701,17 +18711,17 @@
               </a:lnSpc>
             </a:pPr>
             <a:r>
-              <a:rPr lang="fr-FR" sz="3200" b="0" strike="noStrike" spc="-1" dirty="0" err="1">
+              <a:rPr lang="fr-FR" sz="3200" b="0" strike="noStrike" spc="-1" dirty="0" err="1" smtClean="0">
                 <a:solidFill>
                   <a:srgbClr val="000000"/>
                 </a:solidFill>
                 <a:latin typeface="Ubuntu"/>
                 <a:ea typeface="DejaVu Sans"/>
               </a:rPr>
-              <a:t>Workarond</a:t>
-            </a:r>
-            <a:r>
-              <a:rPr lang="fr-FR" sz="3200" b="0" strike="noStrike" spc="-1" dirty="0">
+              <a:t>Workaround</a:t>
+            </a:r>
+            <a:r>
+              <a:rPr lang="fr-FR" sz="3200" b="0" strike="noStrike" spc="-1" dirty="0" smtClean="0">
                 <a:solidFill>
                   <a:srgbClr val="000000"/>
                 </a:solidFill>
@@ -19196,20 +19206,14 @@
               </a:lnSpc>
             </a:pPr>
             <a:r>
-              <a:rPr lang="fr-FR" sz="3200" b="0" strike="noStrike" spc="-1" dirty="0" err="1">
-                <a:solidFill>
-                  <a:srgbClr val="FF0000"/>
-                </a:solidFill>
+              <a:rPr lang="fr-FR" sz="3200" b="0" strike="noStrike" spc="-1" dirty="0" err="1" smtClean="0">
                 <a:latin typeface="Ubuntu"/>
                 <a:ea typeface="DejaVu Sans"/>
               </a:rPr>
-              <a:t>Workarond</a:t>
-            </a:r>
-            <a:r>
-              <a:rPr lang="fr-FR" sz="3200" b="0" strike="noStrike" spc="-1" dirty="0">
-                <a:solidFill>
-                  <a:srgbClr val="FF0000"/>
-                </a:solidFill>
+              <a:t>Workaround</a:t>
+            </a:r>
+            <a:r>
+              <a:rPr lang="fr-FR" sz="3200" b="0" strike="noStrike" spc="-1" dirty="0" smtClean="0">
                 <a:latin typeface="Ubuntu"/>
                 <a:ea typeface="DejaVu Sans"/>
               </a:rPr>
@@ -19217,9 +19221,6 @@
             </a:r>
             <a:r>
               <a:rPr lang="fr-FR" sz="3200" b="0" strike="noStrike" spc="-1" dirty="0" smtClean="0">
-                <a:solidFill>
-                  <a:srgbClr val="FF0000"/>
-                </a:solidFill>
                 <a:latin typeface="Ubuntu"/>
                 <a:ea typeface="DejaVu Sans"/>
               </a:rPr>
@@ -19227,9 +19228,6 @@
             </a:r>
             <a:r>
               <a:rPr lang="fr-FR" sz="3200" b="0" strike="noStrike" spc="-1" dirty="0">
-                <a:solidFill>
-                  <a:srgbClr val="FF0000"/>
-                </a:solidFill>
                 <a:latin typeface="Ubuntu"/>
                 <a:ea typeface="DejaVu Sans"/>
               </a:rPr>
@@ -19237,18 +19235,12 @@
             </a:r>
             <a:r>
               <a:rPr lang="fr-FR" sz="3200" b="0" strike="noStrike" spc="-1" dirty="0" err="1">
-                <a:solidFill>
-                  <a:srgbClr val="FF0000"/>
-                </a:solidFill>
                 <a:latin typeface="Ubuntu"/>
                 <a:ea typeface="DejaVu Sans"/>
               </a:rPr>
               <a:t>Loadbalancer</a:t>
             </a:r>
             <a:endParaRPr lang="fr-FR" sz="3200" b="0" strike="noStrike" spc="-1" dirty="0">
-              <a:solidFill>
-                <a:srgbClr val="FF0000"/>
-              </a:solidFill>
               <a:latin typeface="Arial"/>
             </a:endParaRPr>
           </a:p>
@@ -19305,36 +19297,36 @@
           </a:p>
         </p:txBody>
       </p:sp>
-      <p:sp>
-        <p:nvSpPr>
-          <p:cNvPr id="2" name="ZoneTexte 1"/>
-          <p:cNvSpPr txBox="1"/>
+      <p:pic>
+        <p:nvPicPr>
+          <p:cNvPr id="3" name="Image 2"/>
+          <p:cNvPicPr>
+            <a:picLocks noChangeAspect="1"/>
+          </p:cNvPicPr>
           <p:nvPr/>
-        </p:nvSpPr>
-        <p:spPr>
-          <a:xfrm>
-            <a:off x="4073236" y="3089564"/>
-            <a:ext cx="4373954" cy="369332"/>
-          </a:xfrm>
-          <a:prstGeom prst="rect">
-            <a:avLst/>
-          </a:prstGeom>
-          <a:noFill/>
-        </p:spPr>
-        <p:txBody>
-          <a:bodyPr wrap="none" rtlCol="0">
-            <a:spAutoFit/>
-          </a:bodyPr>
-          <a:lstStyle/>
-          <a:p>
-            <a:r>
-              <a:rPr lang="fr-FR" dirty="0" smtClean="0"/>
-              <a:t>TODO capture d’écran d’un graphe troué</a:t>
-            </a:r>
-            <a:endParaRPr lang="fr-FR" dirty="0"/>
-          </a:p>
-        </p:txBody>
-      </p:sp>
+        </p:nvPicPr>
+        <p:blipFill>
+          <a:blip r:embed="rId3">
+            <a:extLst>
+              <a:ext uri="{28A0092B-C50C-407E-A947-70E740481C1C}">
+                <a14:useLocalDpi xmlns:a14="http://schemas.microsoft.com/office/drawing/2010/main" val="0"/>
+              </a:ext>
+            </a:extLst>
+          </a:blip>
+          <a:stretch>
+            <a:fillRect/>
+          </a:stretch>
+        </p:blipFill>
+        <p:spPr>
+          <a:xfrm>
+            <a:off x="305302" y="1310760"/>
+            <a:ext cx="11572875" cy="4648200"/>
+          </a:xfrm>
+          <a:prstGeom prst="rect">
+            <a:avLst/>
+          </a:prstGeom>
+        </p:spPr>
+      </p:pic>
     </p:spTree>
     <p:extLst>
       <p:ext uri="{BB962C8B-B14F-4D97-AF65-F5344CB8AC3E}">
@@ -24988,8 +24980,8 @@
           </p:nvSpPr>
           <p:spPr>
             <a:xfrm>
-              <a:off x="3255480" y="5688000"/>
-              <a:ext cx="1783800" cy="345960"/>
+              <a:off x="3167640" y="5688000"/>
+              <a:ext cx="1871640" cy="345960"/>
             </a:xfrm>
             <a:prstGeom prst="rect">
               <a:avLst/>
@@ -25021,10 +25013,22 @@
                 </a:lnSpc>
               </a:pPr>
               <a:r>
-                <a:rPr lang="fr-FR" sz="1800" b="0" strike="noStrike" spc="-1">
+                <a:rPr lang="fr-FR" sz="1800" b="0" strike="noStrike" spc="-1" dirty="0">
                   <a:latin typeface="Arial"/>
                 </a:rPr>
-                <a:t>label : replica=2</a:t>
+                <a:t>label : </a:t>
+              </a:r>
+              <a:r>
+                <a:rPr lang="fr-FR" sz="1800" b="0" strike="noStrike" spc="-1" dirty="0" err="1">
+                  <a:latin typeface="Arial"/>
+                </a:rPr>
+                <a:t>replica</a:t>
+              </a:r>
+              <a:r>
+                <a:rPr lang="fr-FR" sz="1800" b="0" strike="noStrike" spc="-1" dirty="0">
+                  <a:latin typeface="Arial"/>
+                </a:rPr>
+                <a:t>=2</a:t>
               </a:r>
             </a:p>
           </p:txBody>
@@ -25213,8 +25217,8 @@
           </p:nvSpPr>
           <p:spPr>
             <a:xfrm>
-              <a:off x="3111480" y="5328000"/>
-              <a:ext cx="1783440" cy="345960"/>
+              <a:off x="3006436" y="5328000"/>
+              <a:ext cx="1888484" cy="345960"/>
             </a:xfrm>
             <a:prstGeom prst="rect">
               <a:avLst/>
@@ -25246,10 +25250,22 @@
                 </a:lnSpc>
               </a:pPr>
               <a:r>
-                <a:rPr lang="fr-FR" sz="1800" b="0" strike="noStrike" spc="-1">
+                <a:rPr lang="fr-FR" sz="1800" b="0" strike="noStrike" spc="-1" dirty="0">
                   <a:latin typeface="Arial"/>
                 </a:rPr>
-                <a:t>label : replica=1</a:t>
+                <a:t>label : </a:t>
+              </a:r>
+              <a:r>
+                <a:rPr lang="fr-FR" sz="1800" b="0" strike="noStrike" spc="-1" dirty="0" err="1">
+                  <a:latin typeface="Arial"/>
+                </a:rPr>
+                <a:t>replica</a:t>
+              </a:r>
+              <a:r>
+                <a:rPr lang="fr-FR" sz="1800" b="0" strike="noStrike" spc="-1" dirty="0">
+                  <a:latin typeface="Arial"/>
+                </a:rPr>
+                <a:t>=1</a:t>
               </a:r>
             </a:p>
           </p:txBody>
@@ -25398,8 +25414,8 @@
           </p:nvSpPr>
           <p:spPr>
             <a:xfrm>
-              <a:off x="7359840" y="5688000"/>
-              <a:ext cx="1783800" cy="345960"/>
+              <a:off x="7344000" y="5688000"/>
+              <a:ext cx="1799640" cy="345960"/>
             </a:xfrm>
             <a:prstGeom prst="rect">
               <a:avLst/>
@@ -25431,10 +25447,22 @@
                 </a:lnSpc>
               </a:pPr>
               <a:r>
-                <a:rPr lang="fr-FR" sz="1800" b="0" strike="noStrike" spc="-1">
+                <a:rPr lang="fr-FR" sz="1800" b="0" strike="noStrike" spc="-1" dirty="0">
                   <a:latin typeface="Arial"/>
                 </a:rPr>
-                <a:t>label : replica=2</a:t>
+                <a:t>label : </a:t>
+              </a:r>
+              <a:r>
+                <a:rPr lang="fr-FR" sz="1800" b="0" strike="noStrike" spc="-1" dirty="0" err="1">
+                  <a:latin typeface="Arial"/>
+                </a:rPr>
+                <a:t>replica</a:t>
+              </a:r>
+              <a:r>
+                <a:rPr lang="fr-FR" sz="1800" b="0" strike="noStrike" spc="-1" dirty="0">
+                  <a:latin typeface="Arial"/>
+                </a:rPr>
+                <a:t>=2</a:t>
               </a:r>
             </a:p>
           </p:txBody>
@@ -25623,8 +25651,8 @@
           </p:nvSpPr>
           <p:spPr>
             <a:xfrm>
-              <a:off x="7215840" y="5328000"/>
-              <a:ext cx="1783440" cy="345960"/>
+              <a:off x="7093527" y="5328000"/>
+              <a:ext cx="1905753" cy="345960"/>
             </a:xfrm>
             <a:prstGeom prst="rect">
               <a:avLst/>
@@ -25656,10 +25684,22 @@
                 </a:lnSpc>
               </a:pPr>
               <a:r>
-                <a:rPr lang="fr-FR" sz="1800" b="0" strike="noStrike" spc="-1">
+                <a:rPr lang="fr-FR" sz="1800" b="0" strike="noStrike" spc="-1" dirty="0">
                   <a:latin typeface="Arial"/>
                 </a:rPr>
-                <a:t>label : replica=1</a:t>
+                <a:t>label : </a:t>
+              </a:r>
+              <a:r>
+                <a:rPr lang="fr-FR" sz="1800" b="0" strike="noStrike" spc="-1" dirty="0" err="1">
+                  <a:latin typeface="Arial"/>
+                </a:rPr>
+                <a:t>replica</a:t>
+              </a:r>
+              <a:r>
+                <a:rPr lang="fr-FR" sz="1800" b="0" strike="noStrike" spc="-1" dirty="0">
+                  <a:latin typeface="Arial"/>
+                </a:rPr>
+                <a:t>=1</a:t>
               </a:r>
             </a:p>
           </p:txBody>
@@ -26351,15 +26391,24 @@
               </a:lnSpc>
             </a:pPr>
             <a:r>
-              <a:rPr lang="fr-FR" sz="2000" b="0" strike="noStrike" spc="-1">
+              <a:rPr lang="fr-FR" sz="2000" b="0" strike="noStrike" spc="-1" dirty="0" smtClean="0">
                 <a:solidFill>
                   <a:srgbClr val="A3238E"/>
                 </a:solidFill>
                 <a:latin typeface="Arial"/>
               </a:rPr>
-              <a:t>Stockage (long terme)</a:t>
-            </a:r>
-            <a:endParaRPr lang="fr-FR" sz="2000" b="0" strike="noStrike" spc="-1">
+              <a:t>Stockage des blocks </a:t>
+            </a:r>
+            <a:r>
+              <a:rPr lang="fr-FR" sz="2000" b="0" strike="noStrike" spc="-1" dirty="0">
+                <a:solidFill>
+                  <a:srgbClr val="A3238E"/>
+                </a:solidFill>
+                <a:latin typeface="Arial"/>
+              </a:rPr>
+              <a:t>(long terme)</a:t>
+            </a:r>
+            <a:endParaRPr lang="fr-FR" sz="2000" b="0" strike="noStrike" spc="-1" dirty="0">
               <a:latin typeface="Arial"/>
             </a:endParaRPr>
           </a:p>
@@ -28395,7 +28444,7 @@
 </file>
 
 <file path=ppt/slides/slide35.xml><?xml version="1.0" encoding="utf-8"?>
-<p:sld xmlns:a="http://schemas.openxmlformats.org/drawingml/2006/main" xmlns:r="http://schemas.openxmlformats.org/officeDocument/2006/relationships" xmlns:p="http://schemas.openxmlformats.org/presentationml/2006/main">
+<p:sld xmlns:a="http://schemas.openxmlformats.org/drawingml/2006/main" xmlns:r="http://schemas.openxmlformats.org/officeDocument/2006/relationships" xmlns:p="http://schemas.openxmlformats.org/presentationml/2006/main" show="0">
   <p:cSld>
     <p:spTree>
       <p:nvGrpSpPr>
@@ -28683,6 +28732,14 @@
   <p:clrMapOvr>
     <a:masterClrMapping/>
   </p:clrMapOvr>
+  <mc:AlternateContent xmlns:mc="http://schemas.openxmlformats.org/markup-compatibility/2006">
+    <mc:Choice xmlns:p14="http://schemas.microsoft.com/office/powerpoint/2010/main" Requires="p14">
+      <p:transition spd="slow" p14:dur="2000"/>
+    </mc:Choice>
+    <mc:Fallback>
+      <p:transition spd="slow"/>
+    </mc:Fallback>
+  </mc:AlternateContent>
   <p:timing>
     <p:tnLst>
       <p:par>
@@ -29094,7 +29151,7 @@
         </p:blipFill>
         <p:spPr>
           <a:xfrm>
-            <a:off x="6696360" y="226080"/>
+            <a:off x="6618281" y="198895"/>
             <a:ext cx="2774880" cy="920520"/>
           </a:xfrm>
           <a:prstGeom prst="rect">

--- a/binaries/CNCF_meetup6_Thanos.pptx
+++ b/binaries/CNCF_meetup6_Thanos.pptx
@@ -9,7 +9,7 @@
     <p:sldMasterId id="2147483700" r:id="rId5"/>
   </p:sldMasterIdLst>
   <p:notesMasterIdLst>
-    <p:notesMasterId r:id="rId41"/>
+    <p:notesMasterId r:id="rId39"/>
   </p:notesMasterIdLst>
   <p:sldIdLst>
     <p:sldId id="256" r:id="rId6"/>
@@ -21,32 +21,30 @@
     <p:sldId id="262" r:id="rId12"/>
     <p:sldId id="263" r:id="rId13"/>
     <p:sldId id="264" r:id="rId14"/>
-    <p:sldId id="265" r:id="rId15"/>
+    <p:sldId id="294" r:id="rId15"/>
     <p:sldId id="267" r:id="rId16"/>
     <p:sldId id="268" r:id="rId17"/>
-    <p:sldId id="269" r:id="rId18"/>
-    <p:sldId id="270" r:id="rId19"/>
-    <p:sldId id="271" r:id="rId20"/>
-    <p:sldId id="272" r:id="rId21"/>
-    <p:sldId id="273" r:id="rId22"/>
-    <p:sldId id="274" r:id="rId23"/>
-    <p:sldId id="275" r:id="rId24"/>
-    <p:sldId id="277" r:id="rId25"/>
-    <p:sldId id="293" r:id="rId26"/>
-    <p:sldId id="276" r:id="rId27"/>
-    <p:sldId id="278" r:id="rId28"/>
-    <p:sldId id="279" r:id="rId29"/>
-    <p:sldId id="280" r:id="rId30"/>
-    <p:sldId id="281" r:id="rId31"/>
-    <p:sldId id="282" r:id="rId32"/>
-    <p:sldId id="283" r:id="rId33"/>
-    <p:sldId id="284" r:id="rId34"/>
-    <p:sldId id="285" r:id="rId35"/>
-    <p:sldId id="286" r:id="rId36"/>
-    <p:sldId id="287" r:id="rId37"/>
-    <p:sldId id="288" r:id="rId38"/>
-    <p:sldId id="289" r:id="rId39"/>
-    <p:sldId id="290" r:id="rId40"/>
+    <p:sldId id="270" r:id="rId18"/>
+    <p:sldId id="271" r:id="rId19"/>
+    <p:sldId id="272" r:id="rId20"/>
+    <p:sldId id="273" r:id="rId21"/>
+    <p:sldId id="274" r:id="rId22"/>
+    <p:sldId id="275" r:id="rId23"/>
+    <p:sldId id="277" r:id="rId24"/>
+    <p:sldId id="293" r:id="rId25"/>
+    <p:sldId id="276" r:id="rId26"/>
+    <p:sldId id="278" r:id="rId27"/>
+    <p:sldId id="279" r:id="rId28"/>
+    <p:sldId id="280" r:id="rId29"/>
+    <p:sldId id="281" r:id="rId30"/>
+    <p:sldId id="282" r:id="rId31"/>
+    <p:sldId id="283" r:id="rId32"/>
+    <p:sldId id="284" r:id="rId33"/>
+    <p:sldId id="285" r:id="rId34"/>
+    <p:sldId id="286" r:id="rId35"/>
+    <p:sldId id="287" r:id="rId36"/>
+    <p:sldId id="288" r:id="rId37"/>
+    <p:sldId id="289" r:id="rId38"/>
   </p:sldIdLst>
   <p:sldSz cx="12193588" cy="6858000"/>
   <p:notesSz cx="6858000" cy="9144000"/>
@@ -702,7 +700,7 @@
       </p:grpSpPr>
       <p:sp>
         <p:nvSpPr>
-          <p:cNvPr id="527" name="PlaceHolder 1"/>
+          <p:cNvPr id="530" name="PlaceHolder 1"/>
           <p:cNvSpPr>
             <a:spLocks noGrp="1" noRot="1" noChangeAspect="1"/>
           </p:cNvSpPr>
@@ -712,17 +710,17 @@
         </p:nvSpPr>
         <p:spPr>
           <a:xfrm>
-            <a:off x="685800" y="1143000"/>
-            <a:ext cx="5477040" cy="3076920"/>
-          </a:xfrm>
-          <a:prstGeom prst="rect">
-            <a:avLst/>
-          </a:prstGeom>
-        </p:spPr>
-      </p:sp>
-      <p:sp>
-        <p:nvSpPr>
-          <p:cNvPr id="528" name="PlaceHolder 2"/>
+            <a:off x="688975" y="1143000"/>
+            <a:ext cx="5470525" cy="3076575"/>
+          </a:xfrm>
+          <a:prstGeom prst="rect">
+            <a:avLst/>
+          </a:prstGeom>
+        </p:spPr>
+      </p:sp>
+      <p:sp>
+        <p:nvSpPr>
+          <p:cNvPr id="531" name="PlaceHolder 2"/>
           <p:cNvSpPr>
             <a:spLocks noGrp="1"/>
           </p:cNvSpPr>
@@ -751,7 +749,7 @@
       </p:sp>
       <p:sp>
         <p:nvSpPr>
-          <p:cNvPr id="529" name="CustomShape 3"/>
+          <p:cNvPr id="532" name="CustomShape 3"/>
           <p:cNvSpPr/>
           <p:nvPr/>
         </p:nvSpPr>
@@ -808,7 +806,7 @@
       </p:grpSpPr>
       <p:sp>
         <p:nvSpPr>
-          <p:cNvPr id="530" name="PlaceHolder 1"/>
+          <p:cNvPr id="533" name="PlaceHolder 1"/>
           <p:cNvSpPr>
             <a:spLocks noGrp="1" noRot="1" noChangeAspect="1"/>
           </p:cNvSpPr>
@@ -828,7 +826,7 @@
       </p:sp>
       <p:sp>
         <p:nvSpPr>
-          <p:cNvPr id="531" name="PlaceHolder 2"/>
+          <p:cNvPr id="534" name="PlaceHolder 2"/>
           <p:cNvSpPr>
             <a:spLocks noGrp="1"/>
           </p:cNvSpPr>
@@ -857,7 +855,7 @@
       </p:sp>
       <p:sp>
         <p:nvSpPr>
-          <p:cNvPr id="532" name="CustomShape 3"/>
+          <p:cNvPr id="535" name="CustomShape 3"/>
           <p:cNvSpPr/>
           <p:nvPr/>
         </p:nvSpPr>
@@ -914,7 +912,7 @@
       </p:grpSpPr>
       <p:sp>
         <p:nvSpPr>
-          <p:cNvPr id="533" name="PlaceHolder 1"/>
+          <p:cNvPr id="536" name="PlaceHolder 1"/>
           <p:cNvSpPr>
             <a:spLocks noGrp="1" noRot="1" noChangeAspect="1"/>
           </p:cNvSpPr>
@@ -934,7 +932,7 @@
       </p:sp>
       <p:sp>
         <p:nvSpPr>
-          <p:cNvPr id="534" name="PlaceHolder 2"/>
+          <p:cNvPr id="537" name="PlaceHolder 2"/>
           <p:cNvSpPr>
             <a:spLocks noGrp="1"/>
           </p:cNvSpPr>
@@ -963,7 +961,7 @@
       </p:sp>
       <p:sp>
         <p:nvSpPr>
-          <p:cNvPr id="535" name="CustomShape 3"/>
+          <p:cNvPr id="538" name="CustomShape 3"/>
           <p:cNvSpPr/>
           <p:nvPr/>
         </p:nvSpPr>
@@ -1020,7 +1018,7 @@
       </p:grpSpPr>
       <p:sp>
         <p:nvSpPr>
-          <p:cNvPr id="536" name="PlaceHolder 1"/>
+          <p:cNvPr id="539" name="PlaceHolder 1"/>
           <p:cNvSpPr>
             <a:spLocks noGrp="1" noRot="1" noChangeAspect="1"/>
           </p:cNvSpPr>
@@ -1040,7 +1038,7 @@
       </p:sp>
       <p:sp>
         <p:nvSpPr>
-          <p:cNvPr id="537" name="PlaceHolder 2"/>
+          <p:cNvPr id="540" name="PlaceHolder 2"/>
           <p:cNvSpPr>
             <a:spLocks noGrp="1"/>
           </p:cNvSpPr>
@@ -1069,7 +1067,7 @@
       </p:sp>
       <p:sp>
         <p:nvSpPr>
-          <p:cNvPr id="538" name="CustomShape 3"/>
+          <p:cNvPr id="541" name="CustomShape 3"/>
           <p:cNvSpPr/>
           <p:nvPr/>
         </p:nvSpPr>
@@ -1126,7 +1124,7 @@
       </p:grpSpPr>
       <p:sp>
         <p:nvSpPr>
-          <p:cNvPr id="539" name="PlaceHolder 1"/>
+          <p:cNvPr id="542" name="PlaceHolder 1"/>
           <p:cNvSpPr>
             <a:spLocks noGrp="1" noRot="1" noChangeAspect="1"/>
           </p:cNvSpPr>
@@ -1146,7 +1144,7 @@
       </p:sp>
       <p:sp>
         <p:nvSpPr>
-          <p:cNvPr id="540" name="PlaceHolder 2"/>
+          <p:cNvPr id="543" name="PlaceHolder 2"/>
           <p:cNvSpPr>
             <a:spLocks noGrp="1"/>
           </p:cNvSpPr>
@@ -1175,7 +1173,7 @@
       </p:sp>
       <p:sp>
         <p:nvSpPr>
-          <p:cNvPr id="541" name="CustomShape 3"/>
+          <p:cNvPr id="544" name="CustomShape 3"/>
           <p:cNvSpPr/>
           <p:nvPr/>
         </p:nvSpPr>
@@ -1232,7 +1230,7 @@
       </p:grpSpPr>
       <p:sp>
         <p:nvSpPr>
-          <p:cNvPr id="542" name="PlaceHolder 1"/>
+          <p:cNvPr id="545" name="PlaceHolder 1"/>
           <p:cNvSpPr>
             <a:spLocks noGrp="1" noRot="1" noChangeAspect="1"/>
           </p:cNvSpPr>
@@ -1252,7 +1250,7 @@
       </p:sp>
       <p:sp>
         <p:nvSpPr>
-          <p:cNvPr id="543" name="PlaceHolder 2"/>
+          <p:cNvPr id="546" name="PlaceHolder 2"/>
           <p:cNvSpPr>
             <a:spLocks noGrp="1"/>
           </p:cNvSpPr>
@@ -1281,7 +1279,7 @@
       </p:sp>
       <p:sp>
         <p:nvSpPr>
-          <p:cNvPr id="544" name="CustomShape 3"/>
+          <p:cNvPr id="547" name="CustomShape 3"/>
           <p:cNvSpPr/>
           <p:nvPr/>
         </p:nvSpPr>
@@ -1338,7 +1336,7 @@
       </p:grpSpPr>
       <p:sp>
         <p:nvSpPr>
-          <p:cNvPr id="545" name="PlaceHolder 1"/>
+          <p:cNvPr id="551" name="PlaceHolder 1"/>
           <p:cNvSpPr>
             <a:spLocks noGrp="1" noRot="1" noChangeAspect="1"/>
           </p:cNvSpPr>
@@ -1358,7 +1356,7 @@
       </p:sp>
       <p:sp>
         <p:nvSpPr>
-          <p:cNvPr id="546" name="PlaceHolder 2"/>
+          <p:cNvPr id="552" name="PlaceHolder 2"/>
           <p:cNvSpPr>
             <a:spLocks noGrp="1"/>
           </p:cNvSpPr>
@@ -1387,7 +1385,7 @@
       </p:sp>
       <p:sp>
         <p:nvSpPr>
-          <p:cNvPr id="547" name="CustomShape 3"/>
+          <p:cNvPr id="553" name="CustomShape 3"/>
           <p:cNvSpPr/>
           <p:nvPr/>
         </p:nvSpPr>
@@ -1524,6 +1522,11 @@
         </p:style>
       </p:sp>
     </p:spTree>
+    <p:extLst>
+      <p:ext uri="{BB962C8B-B14F-4D97-AF65-F5344CB8AC3E}">
+        <p14:creationId xmlns:p14="http://schemas.microsoft.com/office/powerpoint/2010/main" val="484127530"/>
+      </p:ext>
+    </p:extLst>
   </p:cSld>
   <p:clrMapOvr>
     <a:masterClrMapping/>
@@ -1550,7 +1553,7 @@
       </p:grpSpPr>
       <p:sp>
         <p:nvSpPr>
-          <p:cNvPr id="551" name="PlaceHolder 1"/>
+          <p:cNvPr id="548" name="PlaceHolder 1"/>
           <p:cNvSpPr>
             <a:spLocks noGrp="1" noRot="1" noChangeAspect="1"/>
           </p:cNvSpPr>
@@ -1570,7 +1573,7 @@
       </p:sp>
       <p:sp>
         <p:nvSpPr>
-          <p:cNvPr id="552" name="PlaceHolder 2"/>
+          <p:cNvPr id="549" name="PlaceHolder 2"/>
           <p:cNvSpPr>
             <a:spLocks noGrp="1"/>
           </p:cNvSpPr>
@@ -1599,7 +1602,7 @@
       </p:sp>
       <p:sp>
         <p:nvSpPr>
-          <p:cNvPr id="553" name="CustomShape 3"/>
+          <p:cNvPr id="550" name="CustomShape 3"/>
           <p:cNvSpPr/>
           <p:nvPr/>
         </p:nvSpPr>
@@ -1630,11 +1633,6 @@
         </p:style>
       </p:sp>
     </p:spTree>
-    <p:extLst>
-      <p:ext uri="{BB962C8B-B14F-4D97-AF65-F5344CB8AC3E}">
-        <p14:creationId xmlns:p14="http://schemas.microsoft.com/office/powerpoint/2010/main" val="484127530"/>
-      </p:ext>
-    </p:extLst>
   </p:cSld>
   <p:clrMapOvr>
     <a:masterClrMapping/>
@@ -1767,7 +1765,7 @@
       </p:grpSpPr>
       <p:sp>
         <p:nvSpPr>
-          <p:cNvPr id="548" name="PlaceHolder 1"/>
+          <p:cNvPr id="554" name="PlaceHolder 1"/>
           <p:cNvSpPr>
             <a:spLocks noGrp="1" noRot="1" noChangeAspect="1"/>
           </p:cNvSpPr>
@@ -1787,7 +1785,7 @@
       </p:sp>
       <p:sp>
         <p:nvSpPr>
-          <p:cNvPr id="549" name="PlaceHolder 2"/>
+          <p:cNvPr id="555" name="PlaceHolder 2"/>
           <p:cNvSpPr>
             <a:spLocks noGrp="1"/>
           </p:cNvSpPr>
@@ -1816,7 +1814,7 @@
       </p:sp>
       <p:sp>
         <p:nvSpPr>
-          <p:cNvPr id="550" name="CustomShape 3"/>
+          <p:cNvPr id="556" name="CustomShape 3"/>
           <p:cNvSpPr/>
           <p:nvPr/>
         </p:nvSpPr>
@@ -1873,7 +1871,7 @@
       </p:grpSpPr>
       <p:sp>
         <p:nvSpPr>
-          <p:cNvPr id="554" name="PlaceHolder 1"/>
+          <p:cNvPr id="557" name="PlaceHolder 1"/>
           <p:cNvSpPr>
             <a:spLocks noGrp="1" noRot="1" noChangeAspect="1"/>
           </p:cNvSpPr>
@@ -1893,7 +1891,7 @@
       </p:sp>
       <p:sp>
         <p:nvSpPr>
-          <p:cNvPr id="555" name="PlaceHolder 2"/>
+          <p:cNvPr id="558" name="PlaceHolder 2"/>
           <p:cNvSpPr>
             <a:spLocks noGrp="1"/>
           </p:cNvSpPr>
@@ -1922,7 +1920,7 @@
       </p:sp>
       <p:sp>
         <p:nvSpPr>
-          <p:cNvPr id="556" name="CustomShape 3"/>
+          <p:cNvPr id="559" name="CustomShape 3"/>
           <p:cNvSpPr/>
           <p:nvPr/>
         </p:nvSpPr>
@@ -1979,7 +1977,7 @@
       </p:grpSpPr>
       <p:sp>
         <p:nvSpPr>
-          <p:cNvPr id="557" name="PlaceHolder 1"/>
+          <p:cNvPr id="560" name="PlaceHolder 1"/>
           <p:cNvSpPr>
             <a:spLocks noGrp="1" noRot="1" noChangeAspect="1"/>
           </p:cNvSpPr>
@@ -1999,7 +1997,7 @@
       </p:sp>
       <p:sp>
         <p:nvSpPr>
-          <p:cNvPr id="558" name="PlaceHolder 2"/>
+          <p:cNvPr id="561" name="PlaceHolder 2"/>
           <p:cNvSpPr>
             <a:spLocks noGrp="1"/>
           </p:cNvSpPr>
@@ -2028,7 +2026,7 @@
       </p:sp>
       <p:sp>
         <p:nvSpPr>
-          <p:cNvPr id="559" name="CustomShape 3"/>
+          <p:cNvPr id="562" name="CustomShape 3"/>
           <p:cNvSpPr/>
           <p:nvPr/>
         </p:nvSpPr>
@@ -2085,7 +2083,7 @@
       </p:grpSpPr>
       <p:sp>
         <p:nvSpPr>
-          <p:cNvPr id="560" name="PlaceHolder 1"/>
+          <p:cNvPr id="563" name="PlaceHolder 1"/>
           <p:cNvSpPr>
             <a:spLocks noGrp="1" noRot="1" noChangeAspect="1"/>
           </p:cNvSpPr>
@@ -2105,7 +2103,7 @@
       </p:sp>
       <p:sp>
         <p:nvSpPr>
-          <p:cNvPr id="561" name="PlaceHolder 2"/>
+          <p:cNvPr id="564" name="PlaceHolder 2"/>
           <p:cNvSpPr>
             <a:spLocks noGrp="1"/>
           </p:cNvSpPr>
@@ -2134,7 +2132,7 @@
       </p:sp>
       <p:sp>
         <p:nvSpPr>
-          <p:cNvPr id="562" name="CustomShape 3"/>
+          <p:cNvPr id="565" name="CustomShape 3"/>
           <p:cNvSpPr/>
           <p:nvPr/>
         </p:nvSpPr>
@@ -2191,7 +2189,7 @@
       </p:grpSpPr>
       <p:sp>
         <p:nvSpPr>
-          <p:cNvPr id="563" name="PlaceHolder 1"/>
+          <p:cNvPr id="566" name="PlaceHolder 1"/>
           <p:cNvSpPr>
             <a:spLocks noGrp="1" noRot="1" noChangeAspect="1"/>
           </p:cNvSpPr>
@@ -2211,7 +2209,7 @@
       </p:sp>
       <p:sp>
         <p:nvSpPr>
-          <p:cNvPr id="564" name="PlaceHolder 2"/>
+          <p:cNvPr id="567" name="PlaceHolder 2"/>
           <p:cNvSpPr>
             <a:spLocks noGrp="1"/>
           </p:cNvSpPr>
@@ -2240,7 +2238,7 @@
       </p:sp>
       <p:sp>
         <p:nvSpPr>
-          <p:cNvPr id="565" name="CustomShape 3"/>
+          <p:cNvPr id="568" name="CustomShape 3"/>
           <p:cNvSpPr/>
           <p:nvPr/>
         </p:nvSpPr>
@@ -2297,7 +2295,7 @@
       </p:grpSpPr>
       <p:sp>
         <p:nvSpPr>
-          <p:cNvPr id="566" name="PlaceHolder 1"/>
+          <p:cNvPr id="569" name="PlaceHolder 1"/>
           <p:cNvSpPr>
             <a:spLocks noGrp="1" noRot="1" noChangeAspect="1"/>
           </p:cNvSpPr>
@@ -2307,17 +2305,17 @@
         </p:nvSpPr>
         <p:spPr>
           <a:xfrm>
-            <a:off x="688975" y="1143000"/>
-            <a:ext cx="5470525" cy="3076575"/>
-          </a:xfrm>
-          <a:prstGeom prst="rect">
-            <a:avLst/>
-          </a:prstGeom>
-        </p:spPr>
-      </p:sp>
-      <p:sp>
-        <p:nvSpPr>
-          <p:cNvPr id="567" name="PlaceHolder 2"/>
+            <a:off x="685800" y="1143000"/>
+            <a:ext cx="5477040" cy="3076920"/>
+          </a:xfrm>
+          <a:prstGeom prst="rect">
+            <a:avLst/>
+          </a:prstGeom>
+        </p:spPr>
+      </p:sp>
+      <p:sp>
+        <p:nvSpPr>
+          <p:cNvPr id="570" name="PlaceHolder 2"/>
           <p:cNvSpPr>
             <a:spLocks noGrp="1"/>
           </p:cNvSpPr>
@@ -2346,7 +2344,7 @@
       </p:sp>
       <p:sp>
         <p:nvSpPr>
-          <p:cNvPr id="568" name="CustomShape 3"/>
+          <p:cNvPr id="571" name="CustomShape 3"/>
           <p:cNvSpPr/>
           <p:nvPr/>
         </p:nvSpPr>
@@ -2403,7 +2401,7 @@
       </p:grpSpPr>
       <p:sp>
         <p:nvSpPr>
-          <p:cNvPr id="569" name="PlaceHolder 1"/>
+          <p:cNvPr id="572" name="PlaceHolder 1"/>
           <p:cNvSpPr>
             <a:spLocks noGrp="1" noRot="1" noChangeAspect="1"/>
           </p:cNvSpPr>
@@ -2413,17 +2411,17 @@
         </p:nvSpPr>
         <p:spPr>
           <a:xfrm>
-            <a:off x="685800" y="1143000"/>
-            <a:ext cx="5477040" cy="3076920"/>
-          </a:xfrm>
-          <a:prstGeom prst="rect">
-            <a:avLst/>
-          </a:prstGeom>
-        </p:spPr>
-      </p:sp>
-      <p:sp>
-        <p:nvSpPr>
-          <p:cNvPr id="570" name="PlaceHolder 2"/>
+            <a:off x="688975" y="1143000"/>
+            <a:ext cx="5470525" cy="3076575"/>
+          </a:xfrm>
+          <a:prstGeom prst="rect">
+            <a:avLst/>
+          </a:prstGeom>
+        </p:spPr>
+      </p:sp>
+      <p:sp>
+        <p:nvSpPr>
+          <p:cNvPr id="573" name="PlaceHolder 2"/>
           <p:cNvSpPr>
             <a:spLocks noGrp="1"/>
           </p:cNvSpPr>
@@ -2452,7 +2450,7 @@
       </p:sp>
       <p:sp>
         <p:nvSpPr>
-          <p:cNvPr id="571" name="CustomShape 3"/>
+          <p:cNvPr id="574" name="CustomShape 3"/>
           <p:cNvSpPr/>
           <p:nvPr/>
         </p:nvSpPr>
@@ -2509,112 +2507,6 @@
       </p:grpSpPr>
       <p:sp>
         <p:nvSpPr>
-          <p:cNvPr id="572" name="PlaceHolder 1"/>
-          <p:cNvSpPr>
-            <a:spLocks noGrp="1" noRot="1" noChangeAspect="1"/>
-          </p:cNvSpPr>
-          <p:nvPr>
-            <p:ph type="sldImg"/>
-          </p:nvPr>
-        </p:nvSpPr>
-        <p:spPr>
-          <a:xfrm>
-            <a:off x="688975" y="1143000"/>
-            <a:ext cx="5470525" cy="3076575"/>
-          </a:xfrm>
-          <a:prstGeom prst="rect">
-            <a:avLst/>
-          </a:prstGeom>
-        </p:spPr>
-      </p:sp>
-      <p:sp>
-        <p:nvSpPr>
-          <p:cNvPr id="573" name="PlaceHolder 2"/>
-          <p:cNvSpPr>
-            <a:spLocks noGrp="1"/>
-          </p:cNvSpPr>
-          <p:nvPr>
-            <p:ph type="body"/>
-          </p:nvPr>
-        </p:nvSpPr>
-        <p:spPr>
-          <a:xfrm>
-            <a:off x="685800" y="4400640"/>
-            <a:ext cx="5477040" cy="3591000"/>
-          </a:xfrm>
-          <a:prstGeom prst="rect">
-            <a:avLst/>
-          </a:prstGeom>
-        </p:spPr>
-        <p:txBody>
-          <a:bodyPr lIns="0" tIns="0" rIns="0" bIns="0"/>
-          <a:lstStyle/>
-          <a:p>
-            <a:endParaRPr lang="fr-FR" sz="2000" b="0" strike="noStrike" spc="-1">
-              <a:latin typeface="Arial"/>
-            </a:endParaRPr>
-          </a:p>
-        </p:txBody>
-      </p:sp>
-      <p:sp>
-        <p:nvSpPr>
-          <p:cNvPr id="574" name="CustomShape 3"/>
-          <p:cNvSpPr/>
-          <p:nvPr/>
-        </p:nvSpPr>
-        <p:spPr>
-          <a:xfrm>
-            <a:off x="3884760" y="8685360"/>
-            <a:ext cx="2962440" cy="449280"/>
-          </a:xfrm>
-          <a:prstGeom prst="rect">
-            <a:avLst/>
-          </a:prstGeom>
-          <a:noFill/>
-          <a:ln>
-            <a:noFill/>
-          </a:ln>
-        </p:spPr>
-        <p:style>
-          <a:lnRef idx="0">
-            <a:scrgbClr r="0" g="0" b="0"/>
-          </a:lnRef>
-          <a:fillRef idx="0">
-            <a:scrgbClr r="0" g="0" b="0"/>
-          </a:fillRef>
-          <a:effectRef idx="0">
-            <a:scrgbClr r="0" g="0" b="0"/>
-          </a:effectRef>
-          <a:fontRef idx="minor"/>
-        </p:style>
-      </p:sp>
-    </p:spTree>
-  </p:cSld>
-  <p:clrMapOvr>
-    <a:masterClrMapping/>
-  </p:clrMapOvr>
-</p:notes>
-</file>
-
-<file path=ppt/notesSlides/notesSlide28.xml><?xml version="1.0" encoding="utf-8"?>
-<p:notes xmlns:a="http://schemas.openxmlformats.org/drawingml/2006/main" xmlns:r="http://schemas.openxmlformats.org/officeDocument/2006/relationships" xmlns:p="http://schemas.openxmlformats.org/presentationml/2006/main">
-  <p:cSld>
-    <p:spTree>
-      <p:nvGrpSpPr>
-        <p:cNvPr id="1" name=""/>
-        <p:cNvGrpSpPr/>
-        <p:nvPr/>
-      </p:nvGrpSpPr>
-      <p:grpSpPr>
-        <a:xfrm>
-          <a:off x="0" y="0"/>
-          <a:ext cx="0" cy="0"/>
-          <a:chOff x="0" y="0"/>
-          <a:chExt cx="0" cy="0"/>
-        </a:xfrm>
-      </p:grpSpPr>
-      <p:sp>
-        <p:nvSpPr>
           <p:cNvPr id="575" name="PlaceHolder 1"/>
           <p:cNvSpPr>
             <a:spLocks noGrp="1" noRot="1" noChangeAspect="1"/>
@@ -2695,117 +2587,6 @@
         </p:style>
       </p:sp>
     </p:spTree>
-  </p:cSld>
-  <p:clrMapOvr>
-    <a:masterClrMapping/>
-  </p:clrMapOvr>
-</p:notes>
-</file>
-
-<file path=ppt/notesSlides/notesSlide29.xml><?xml version="1.0" encoding="utf-8"?>
-<p:notes xmlns:a="http://schemas.openxmlformats.org/drawingml/2006/main" xmlns:r="http://schemas.openxmlformats.org/officeDocument/2006/relationships" xmlns:p="http://schemas.openxmlformats.org/presentationml/2006/main">
-  <p:cSld>
-    <p:spTree>
-      <p:nvGrpSpPr>
-        <p:cNvPr id="1" name=""/>
-        <p:cNvGrpSpPr/>
-        <p:nvPr/>
-      </p:nvGrpSpPr>
-      <p:grpSpPr>
-        <a:xfrm>
-          <a:off x="0" y="0"/>
-          <a:ext cx="0" cy="0"/>
-          <a:chOff x="0" y="0"/>
-          <a:chExt cx="0" cy="0"/>
-        </a:xfrm>
-      </p:grpSpPr>
-      <p:sp>
-        <p:nvSpPr>
-          <p:cNvPr id="575" name="PlaceHolder 1"/>
-          <p:cNvSpPr>
-            <a:spLocks noGrp="1" noRot="1" noChangeAspect="1"/>
-          </p:cNvSpPr>
-          <p:nvPr>
-            <p:ph type="sldImg"/>
-          </p:nvPr>
-        </p:nvSpPr>
-        <p:spPr>
-          <a:xfrm>
-            <a:off x="688975" y="1143000"/>
-            <a:ext cx="5470525" cy="3076575"/>
-          </a:xfrm>
-          <a:prstGeom prst="rect">
-            <a:avLst/>
-          </a:prstGeom>
-        </p:spPr>
-      </p:sp>
-      <p:sp>
-        <p:nvSpPr>
-          <p:cNvPr id="576" name="PlaceHolder 2"/>
-          <p:cNvSpPr>
-            <a:spLocks noGrp="1"/>
-          </p:cNvSpPr>
-          <p:nvPr>
-            <p:ph type="body"/>
-          </p:nvPr>
-        </p:nvSpPr>
-        <p:spPr>
-          <a:xfrm>
-            <a:off x="685800" y="4400640"/>
-            <a:ext cx="5477040" cy="3591000"/>
-          </a:xfrm>
-          <a:prstGeom prst="rect">
-            <a:avLst/>
-          </a:prstGeom>
-        </p:spPr>
-        <p:txBody>
-          <a:bodyPr lIns="0" tIns="0" rIns="0" bIns="0"/>
-          <a:lstStyle/>
-          <a:p>
-            <a:endParaRPr lang="fr-FR" sz="2000" b="0" strike="noStrike" spc="-1">
-              <a:latin typeface="Arial"/>
-            </a:endParaRPr>
-          </a:p>
-        </p:txBody>
-      </p:sp>
-      <p:sp>
-        <p:nvSpPr>
-          <p:cNvPr id="577" name="CustomShape 3"/>
-          <p:cNvSpPr/>
-          <p:nvPr/>
-        </p:nvSpPr>
-        <p:spPr>
-          <a:xfrm>
-            <a:off x="3884760" y="8685360"/>
-            <a:ext cx="2962440" cy="449280"/>
-          </a:xfrm>
-          <a:prstGeom prst="rect">
-            <a:avLst/>
-          </a:prstGeom>
-          <a:noFill/>
-          <a:ln>
-            <a:noFill/>
-          </a:ln>
-        </p:spPr>
-        <p:style>
-          <a:lnRef idx="0">
-            <a:scrgbClr r="0" g="0" b="0"/>
-          </a:lnRef>
-          <a:fillRef idx="0">
-            <a:scrgbClr r="0" g="0" b="0"/>
-          </a:fillRef>
-          <a:effectRef idx="0">
-            <a:scrgbClr r="0" g="0" b="0"/>
-          </a:effectRef>
-          <a:fontRef idx="minor"/>
-        </p:style>
-      </p:sp>
-    </p:spTree>
-    <p:extLst>
-      <p:ext uri="{BB962C8B-B14F-4D97-AF65-F5344CB8AC3E}">
-        <p14:creationId xmlns:p14="http://schemas.microsoft.com/office/powerpoint/2010/main" val="1040382507"/>
-      </p:ext>
-    </p:extLst>
   </p:cSld>
   <p:clrMapOvr>
     <a:masterClrMapping/>
@@ -3442,6 +3223,11 @@
         </p:style>
       </p:sp>
     </p:spTree>
+    <p:extLst>
+      <p:ext uri="{BB962C8B-B14F-4D97-AF65-F5344CB8AC3E}">
+        <p14:creationId xmlns:p14="http://schemas.microsoft.com/office/powerpoint/2010/main" val="1864196601"/>
+      </p:ext>
+    </p:extLst>
   </p:cSld>
   <p:clrMapOvr>
     <a:masterClrMapping/>
@@ -13941,19 +13727,24 @@
           <a:lstStyle/>
           <a:p>
             <a:r>
-              <a:rPr lang="fr-FR" b="0" strike="noStrike" spc="-1">
+              <a:rPr lang="fr-FR" b="0" strike="noStrike" spc="-1" dirty="0">
                 <a:latin typeface="Ubuntu"/>
                 <a:hlinkClick r:id="rId4"/>
               </a:rPr>
               <a:t>https://promcon.io/2018-munich/slides/thanos-prometheus-at-scale.pdf</a:t>
             </a:r>
-            <a:endParaRPr lang="fr-FR" b="0" strike="noStrike" spc="-1">
+            <a:endParaRPr lang="fr-FR" b="0" strike="noStrike" spc="-1" dirty="0">
               <a:latin typeface="Ubuntu"/>
             </a:endParaRPr>
           </a:p>
         </p:txBody>
       </p:sp>
     </p:spTree>
+    <p:extLst>
+      <p:ext uri="{BB962C8B-B14F-4D97-AF65-F5344CB8AC3E}">
+        <p14:creationId xmlns:p14="http://schemas.microsoft.com/office/powerpoint/2010/main" val="2210525055"/>
+      </p:ext>
+    </p:extLst>
   </p:cSld>
   <p:clrMapOvr>
     <a:masterClrMapping/>
@@ -14194,17 +13985,7 @@
                 <a:latin typeface="Ubuntu"/>
                 <a:ea typeface="DejaVu Sans"/>
               </a:rPr>
-              <a:t>equêter sur </a:t>
-            </a:r>
-            <a:r>
-              <a:rPr lang="fr-FR" sz="2400" b="0" strike="noStrike" spc="-1" dirty="0" smtClean="0">
-                <a:solidFill>
-                  <a:srgbClr val="000000"/>
-                </a:solidFill>
-                <a:latin typeface="Ubuntu"/>
-                <a:ea typeface="DejaVu Sans"/>
-              </a:rPr>
-              <a:t>de nombreux échantillons/</a:t>
+              <a:t>equêter sur de nombreux échantillons/</a:t>
             </a:r>
             <a:r>
               <a:rPr lang="fr-FR" sz="2400" b="0" strike="noStrike" spc="-1" dirty="0" err="1" smtClean="0">
@@ -14884,7 +14665,7 @@
       </p:grpSpPr>
       <p:sp>
         <p:nvSpPr>
-          <p:cNvPr id="279" name="CustomShape 1"/>
+          <p:cNvPr id="281" name="CustomShape 1"/>
           <p:cNvSpPr/>
           <p:nvPr/>
         </p:nvSpPr>
@@ -14942,7 +14723,7 @@
       </p:sp>
       <p:sp>
         <p:nvSpPr>
-          <p:cNvPr id="280" name="CustomShape 2"/>
+          <p:cNvPr id="282" name="CustomShape 2"/>
           <p:cNvSpPr/>
           <p:nvPr/>
         </p:nvSpPr>
@@ -14986,16 +14767,26 @@
               </a:spcBef>
             </a:pPr>
             <a:r>
-              <a:rPr lang="fr-FR" sz="2800" b="0" strike="noStrike" spc="-1">
+              <a:rPr lang="fr-FR" sz="2800" b="0" strike="noStrike" spc="-1" dirty="0" err="1">
                 <a:solidFill>
                   <a:srgbClr val="000000"/>
                 </a:solidFill>
                 <a:latin typeface="Ubuntu"/>
                 <a:ea typeface="DejaVu Sans"/>
               </a:rPr>
-              <a:t>Workaround 1a ⇒ grossir les disques tant qu’on peut </a:t>
-            </a:r>
-            <a:endParaRPr lang="fr-FR" sz="2800" b="0" strike="noStrike" spc="-1">
+              <a:t>Workaround</a:t>
+            </a:r>
+            <a:r>
+              <a:rPr lang="fr-FR" sz="2800" b="0" strike="noStrike" spc="-1" dirty="0">
+                <a:solidFill>
+                  <a:srgbClr val="000000"/>
+                </a:solidFill>
+                <a:latin typeface="Ubuntu"/>
+                <a:ea typeface="DejaVu Sans"/>
+              </a:rPr>
+              <a:t> 1a ⇒ grossir les disques tant qu’on peut </a:t>
+            </a:r>
+            <a:endParaRPr lang="fr-FR" sz="2800" b="0" strike="noStrike" spc="-1" dirty="0">
               <a:latin typeface="Arial"/>
             </a:endParaRPr>
           </a:p>
@@ -15015,7 +14806,7 @@
               <a:buChar char=""/>
             </a:pPr>
             <a:r>
-              <a:rPr lang="fr-FR" sz="2800" b="0" strike="noStrike" spc="-1">
+              <a:rPr lang="fr-FR" sz="2800" b="0" strike="noStrike" spc="-1" dirty="0">
                 <a:solidFill>
                   <a:srgbClr val="000000"/>
                 </a:solidFill>
@@ -15024,7 +14815,7 @@
               </a:rPr>
               <a:t>couteux</a:t>
             </a:r>
-            <a:endParaRPr lang="fr-FR" sz="2800" b="0" strike="noStrike" spc="-1">
+            <a:endParaRPr lang="fr-FR" sz="2800" b="0" strike="noStrike" spc="-1" dirty="0">
               <a:latin typeface="Arial"/>
             </a:endParaRPr>
           </a:p>
@@ -15044,7 +14835,7 @@
               <a:buChar char=""/>
             </a:pPr>
             <a:r>
-              <a:rPr lang="fr-FR" sz="2800" b="0" strike="noStrike" spc="-1">
+              <a:rPr lang="fr-FR" sz="2800" b="0" strike="noStrike" spc="-1" dirty="0">
                 <a:solidFill>
                   <a:srgbClr val="000000"/>
                 </a:solidFill>
@@ -15053,7 +14844,7 @@
               </a:rPr>
               <a:t>pas extensible à l’infini</a:t>
             </a:r>
-            <a:endParaRPr lang="fr-FR" sz="2800" b="0" strike="noStrike" spc="-1">
+            <a:endParaRPr lang="fr-FR" sz="2800" b="0" strike="noStrike" spc="-1" dirty="0">
               <a:latin typeface="Arial"/>
             </a:endParaRPr>
           </a:p>
@@ -15073,7 +14864,7 @@
               <a:buChar char=""/>
             </a:pPr>
             <a:r>
-              <a:rPr lang="fr-FR" sz="2800" b="0" strike="noStrike" spc="-1">
+              <a:rPr lang="fr-FR" sz="2800" b="0" strike="noStrike" spc="-1" dirty="0">
                 <a:solidFill>
                   <a:srgbClr val="000000"/>
                 </a:solidFill>
@@ -15082,7 +14873,7 @@
               </a:rPr>
               <a:t>au delà de 2-3 mois, ça commence à devenir compliqué</a:t>
             </a:r>
-            <a:endParaRPr lang="fr-FR" sz="2800" b="0" strike="noStrike" spc="-1">
+            <a:endParaRPr lang="fr-FR" sz="2800" b="0" strike="noStrike" spc="-1" dirty="0">
               <a:latin typeface="Arial"/>
             </a:endParaRPr>
           </a:p>
@@ -15095,7 +14886,7 @@
                 <a:spcPts val="1001"/>
               </a:spcBef>
             </a:pPr>
-            <a:endParaRPr lang="fr-FR" sz="2800" b="0" strike="noStrike" spc="-1">
+            <a:endParaRPr lang="fr-FR" sz="2800" b="0" strike="noStrike" spc="-1" dirty="0">
               <a:latin typeface="Arial"/>
             </a:endParaRPr>
           </a:p>
@@ -15108,7 +14899,105 @@
                 <a:spcPts val="1001"/>
               </a:spcBef>
             </a:pPr>
-            <a:endParaRPr lang="fr-FR" sz="2800" b="0" strike="noStrike" spc="-1">
+            <a:r>
+              <a:rPr lang="fr-FR" sz="2800" b="0" strike="noStrike" spc="-1" dirty="0" err="1">
+                <a:solidFill>
+                  <a:srgbClr val="000000"/>
+                </a:solidFill>
+                <a:latin typeface="Ubuntu"/>
+                <a:ea typeface="DejaVu Sans"/>
+              </a:rPr>
+              <a:t>Workaround</a:t>
+            </a:r>
+            <a:r>
+              <a:rPr lang="fr-FR" sz="2800" b="0" strike="noStrike" spc="-1" dirty="0">
+                <a:solidFill>
+                  <a:srgbClr val="000000"/>
+                </a:solidFill>
+                <a:latin typeface="Ubuntu"/>
+                <a:ea typeface="DejaVu Sans"/>
+              </a:rPr>
+              <a:t> 1b ⇒ déporter vers du stockage distant </a:t>
+            </a:r>
+            <a:endParaRPr lang="fr-FR" sz="2800" b="0" strike="noStrike" spc="-1" dirty="0">
+              <a:latin typeface="Arial"/>
+            </a:endParaRPr>
+          </a:p>
+          <a:p>
+            <a:pPr marL="432000" lvl="1" indent="-215640">
+              <a:lnSpc>
+                <a:spcPct val="90000"/>
+              </a:lnSpc>
+              <a:spcBef>
+                <a:spcPts val="1001"/>
+              </a:spcBef>
+              <a:buClr>
+                <a:srgbClr val="000000"/>
+              </a:buClr>
+              <a:buSzPct val="45000"/>
+              <a:buFont typeface="Wingdings" charset="2"/>
+              <a:buChar char=""/>
+            </a:pPr>
+            <a:r>
+              <a:rPr lang="fr-FR" sz="2800" b="0" strike="noStrike" spc="-1" dirty="0">
+                <a:solidFill>
+                  <a:srgbClr val="000000"/>
+                </a:solidFill>
+                <a:latin typeface="Ubuntu"/>
+                <a:ea typeface="DejaVu Sans"/>
+              </a:rPr>
+              <a:t>pas supporté par </a:t>
+            </a:r>
+            <a:r>
+              <a:rPr lang="fr-FR" sz="2800" b="0" strike="noStrike" spc="-1" dirty="0" err="1">
+                <a:solidFill>
+                  <a:srgbClr val="000000"/>
+                </a:solidFill>
+                <a:latin typeface="Ubuntu"/>
+                <a:ea typeface="DejaVu Sans"/>
+              </a:rPr>
+              <a:t>Prometheus</a:t>
+            </a:r>
+            <a:endParaRPr lang="fr-FR" sz="2800" b="0" strike="noStrike" spc="-1" dirty="0">
+              <a:latin typeface="Arial"/>
+            </a:endParaRPr>
+          </a:p>
+          <a:p>
+            <a:pPr marL="432000" lvl="1" indent="-215640">
+              <a:lnSpc>
+                <a:spcPct val="90000"/>
+              </a:lnSpc>
+              <a:spcBef>
+                <a:spcPts val="1001"/>
+              </a:spcBef>
+              <a:buClr>
+                <a:srgbClr val="000000"/>
+              </a:buClr>
+              <a:buSzPct val="45000"/>
+              <a:buFont typeface="Wingdings" charset="2"/>
+              <a:buChar char=""/>
+            </a:pPr>
+            <a:r>
+              <a:rPr lang="fr-FR" sz="2800" b="0" strike="noStrike" spc="-1" dirty="0" err="1">
+                <a:solidFill>
+                  <a:srgbClr val="000000"/>
+                </a:solidFill>
+                <a:latin typeface="Ubuntu"/>
+                <a:ea typeface="DejaVu Sans"/>
+              </a:rPr>
+              <a:t>Devs</a:t>
+            </a:r>
+            <a:r>
+              <a:rPr lang="fr-FR" sz="2800" b="0" strike="noStrike" spc="-1" dirty="0">
+                <a:solidFill>
+                  <a:srgbClr val="000000"/>
+                </a:solidFill>
+                <a:latin typeface="Ubuntu"/>
+                <a:ea typeface="DejaVu Sans"/>
+              </a:rPr>
+              <a:t> farouchement opposés</a:t>
+            </a:r>
+            <a:endParaRPr lang="fr-FR" sz="2800" b="0" strike="noStrike" spc="-1" dirty="0">
               <a:latin typeface="Arial"/>
             </a:endParaRPr>
           </a:p>
@@ -15121,9 +15010,39 @@
                 <a:spcPts val="1001"/>
               </a:spcBef>
             </a:pPr>
-            <a:endParaRPr lang="fr-FR" sz="2800" b="0" strike="noStrike" spc="-1">
-              <a:latin typeface="Arial"/>
-            </a:endParaRPr>
+            <a:endParaRPr lang="fr-FR" sz="2800" b="0" strike="noStrike" spc="-1" dirty="0">
+              <a:latin typeface="Arial"/>
+            </a:endParaRPr>
+          </a:p>
+        </p:txBody>
+      </p:sp>
+      <p:sp>
+        <p:nvSpPr>
+          <p:cNvPr id="2" name="Rectangle 1"/>
+          <p:cNvSpPr/>
+          <p:nvPr/>
+        </p:nvSpPr>
+        <p:spPr>
+          <a:xfrm>
+            <a:off x="405568" y="6221548"/>
+            <a:ext cx="7524817" cy="461665"/>
+          </a:xfrm>
+          <a:prstGeom prst="rect">
+            <a:avLst/>
+          </a:prstGeom>
+        </p:spPr>
+        <p:txBody>
+          <a:bodyPr wrap="none">
+            <a:spAutoFit/>
+          </a:bodyPr>
+          <a:lstStyle/>
+          <a:p>
+            <a:r>
+              <a:rPr lang="fr-FR" sz="2400" dirty="0">
+                <a:hlinkClick r:id="rId3"/>
+              </a:rPr>
+              <a:t>https://prometheus.io/docs/prometheus/latest/storage/</a:t>
+            </a:r>
           </a:p>
         </p:txBody>
       </p:sp>
@@ -15181,7 +15100,7 @@
       </p:grpSpPr>
       <p:sp>
         <p:nvSpPr>
-          <p:cNvPr id="281" name="CustomShape 1"/>
+          <p:cNvPr id="283" name="CustomShape 1"/>
           <p:cNvSpPr/>
           <p:nvPr/>
         </p:nvSpPr>
@@ -15229,7 +15148,7 @@
                 <a:latin typeface="Ubuntu"/>
                 <a:ea typeface="DejaVu Sans"/>
               </a:rPr>
-              <a:t>Performances (3/3)</a:t>
+              <a:t>Failure domains</a:t>
             </a:r>
             <a:endParaRPr lang="fr-FR" sz="3200" b="0" strike="noStrike" spc="-1">
               <a:latin typeface="Arial"/>
@@ -15239,7 +15158,7 @@
       </p:sp>
       <p:sp>
         <p:nvSpPr>
-          <p:cNvPr id="282" name="CustomShape 2"/>
+          <p:cNvPr id="284" name="CustomShape 2"/>
           <p:cNvSpPr/>
           <p:nvPr/>
         </p:nvSpPr>
@@ -15283,31 +15202,93 @@
               </a:spcBef>
             </a:pPr>
             <a:r>
-              <a:rPr lang="fr-FR" sz="2800" b="0" strike="noStrike" spc="-1" dirty="0" err="1">
+              <a:rPr lang="fr-FR" sz="2800" b="0" strike="noStrike" spc="-1">
                 <a:solidFill>
                   <a:srgbClr val="000000"/>
                 </a:solidFill>
                 <a:latin typeface="Ubuntu"/>
                 <a:ea typeface="DejaVu Sans"/>
               </a:rPr>
-              <a:t>Workaround</a:t>
-            </a:r>
-            <a:r>
-              <a:rPr lang="fr-FR" sz="2800" b="0" strike="noStrike" spc="-1" dirty="0">
+              <a:t>On n’a pas tous les mêmes besoins que Digital Ocean (ouf!)</a:t>
+            </a:r>
+            <a:endParaRPr lang="fr-FR" sz="2800" b="0" strike="noStrike" spc="-1">
+              <a:latin typeface="Arial"/>
+            </a:endParaRPr>
+          </a:p>
+          <a:p>
+            <a:pPr>
+              <a:lnSpc>
+                <a:spcPct val="90000"/>
+              </a:lnSpc>
+              <a:spcBef>
+                <a:spcPts val="1001"/>
+              </a:spcBef>
+            </a:pPr>
+            <a:endParaRPr lang="fr-FR" sz="2800" b="0" strike="noStrike" spc="-1">
+              <a:latin typeface="Arial"/>
+            </a:endParaRPr>
+          </a:p>
+          <a:p>
+            <a:pPr>
+              <a:lnSpc>
+                <a:spcPct val="90000"/>
+              </a:lnSpc>
+              <a:spcBef>
+                <a:spcPts val="1001"/>
+              </a:spcBef>
+            </a:pPr>
+            <a:r>
+              <a:rPr lang="fr-FR" sz="2800" b="0" strike="noStrike" spc="-1">
                 <a:solidFill>
                   <a:srgbClr val="000000"/>
                 </a:solidFill>
                 <a:latin typeface="Ubuntu"/>
                 <a:ea typeface="DejaVu Sans"/>
               </a:rPr>
-              <a:t> 1a ⇒ grossir les disques tant qu’on peut </a:t>
-            </a:r>
-            <a:endParaRPr lang="fr-FR" sz="2800" b="0" strike="noStrike" spc="-1" dirty="0">
-              <a:latin typeface="Arial"/>
-            </a:endParaRPr>
-          </a:p>
-          <a:p>
-            <a:pPr marL="432000" lvl="1" indent="-215640">
+              <a:t>Pour autant, vous allez sûrement devoir gérer plusieurs</a:t>
+            </a:r>
+            <a:endParaRPr lang="fr-FR" sz="2800" b="0" strike="noStrike" spc="-1">
+              <a:latin typeface="Arial"/>
+            </a:endParaRPr>
+          </a:p>
+          <a:p>
+            <a:pPr>
+              <a:lnSpc>
+                <a:spcPct val="90000"/>
+              </a:lnSpc>
+              <a:spcBef>
+                <a:spcPts val="1001"/>
+              </a:spcBef>
+            </a:pPr>
+            <a:endParaRPr lang="fr-FR" sz="2800" b="0" strike="noStrike" spc="-1">
+              <a:latin typeface="Arial"/>
+            </a:endParaRPr>
+          </a:p>
+          <a:p>
+            <a:pPr>
+              <a:lnSpc>
+                <a:spcPct val="90000"/>
+              </a:lnSpc>
+              <a:spcBef>
+                <a:spcPts val="1001"/>
+              </a:spcBef>
+            </a:pPr>
+            <a:r>
+              <a:rPr lang="fr-FR" sz="2800" b="0" strike="noStrike" spc="-1">
+                <a:solidFill>
+                  <a:srgbClr val="000000"/>
+                </a:solidFill>
+                <a:latin typeface="Ubuntu"/>
+                <a:ea typeface="DejaVu Sans"/>
+              </a:rPr>
+              <a:t>Dans les bonnes pratiques</a:t>
+            </a:r>
+            <a:endParaRPr lang="fr-FR" sz="2800" b="0" strike="noStrike" spc="-1">
+              <a:latin typeface="Arial"/>
+            </a:endParaRPr>
+          </a:p>
+          <a:p>
+            <a:pPr marL="432000" lvl="1" indent="-215280">
               <a:lnSpc>
                 <a:spcPct val="90000"/>
               </a:lnSpc>
@@ -15322,21 +15303,21 @@
               <a:buChar char=""/>
             </a:pPr>
             <a:r>
-              <a:rPr lang="fr-FR" sz="2800" b="0" strike="noStrike" spc="-1" dirty="0">
+              <a:rPr lang="fr-FR" sz="2800" b="0" strike="noStrike" spc="-1">
                 <a:solidFill>
                   <a:srgbClr val="000000"/>
                 </a:solidFill>
                 <a:latin typeface="Ubuntu"/>
                 <a:ea typeface="DejaVu Sans"/>
               </a:rPr>
-              <a:t>couteux</a:t>
-            </a:r>
-            <a:endParaRPr lang="fr-FR" sz="2800" b="0" strike="noStrike" spc="-1" dirty="0">
-              <a:latin typeface="Arial"/>
-            </a:endParaRPr>
-          </a:p>
-          <a:p>
-            <a:pPr marL="432000" lvl="1" indent="-215640">
+              <a:t>1 serveur minimum par  « Failure Domain »</a:t>
+            </a:r>
+            <a:endParaRPr lang="fr-FR" sz="2800" b="0" strike="noStrike" spc="-1">
+              <a:latin typeface="Arial"/>
+            </a:endParaRPr>
+          </a:p>
+          <a:p>
+            <a:pPr marL="432000" lvl="1" indent="-215280">
               <a:lnSpc>
                 <a:spcPct val="90000"/>
               </a:lnSpc>
@@ -15351,184 +15332,84 @@
               <a:buChar char=""/>
             </a:pPr>
             <a:r>
-              <a:rPr lang="fr-FR" sz="2800" b="0" strike="noStrike" spc="-1" dirty="0">
+              <a:rPr lang="fr-FR" sz="2800" b="0" strike="noStrike" spc="-1">
                 <a:solidFill>
                   <a:srgbClr val="000000"/>
                 </a:solidFill>
                 <a:latin typeface="Ubuntu"/>
                 <a:ea typeface="DejaVu Sans"/>
               </a:rPr>
-              <a:t>pas extensible à l’infini</a:t>
-            </a:r>
-            <a:endParaRPr lang="fr-FR" sz="2800" b="0" strike="noStrike" spc="-1" dirty="0">
-              <a:latin typeface="Arial"/>
-            </a:endParaRPr>
-          </a:p>
-          <a:p>
-            <a:pPr marL="432000" lvl="1" indent="-215640">
-              <a:lnSpc>
-                <a:spcPct val="90000"/>
-              </a:lnSpc>
-              <a:spcBef>
-                <a:spcPts val="1001"/>
-              </a:spcBef>
-              <a:buClr>
-                <a:srgbClr val="000000"/>
-              </a:buClr>
-              <a:buSzPct val="45000"/>
-              <a:buFont typeface="Wingdings" charset="2"/>
-              <a:buChar char=""/>
-            </a:pPr>
-            <a:r>
-              <a:rPr lang="fr-FR" sz="2800" b="0" strike="noStrike" spc="-1" dirty="0">
-                <a:solidFill>
-                  <a:srgbClr val="000000"/>
-                </a:solidFill>
-                <a:latin typeface="Ubuntu"/>
-                <a:ea typeface="DejaVu Sans"/>
-              </a:rPr>
-              <a:t>au delà de 2-3 mois, ça commence à devenir compliqué</a:t>
-            </a:r>
-            <a:endParaRPr lang="fr-FR" sz="2800" b="0" strike="noStrike" spc="-1" dirty="0">
-              <a:latin typeface="Arial"/>
-            </a:endParaRPr>
-          </a:p>
-          <a:p>
-            <a:pPr>
-              <a:lnSpc>
-                <a:spcPct val="90000"/>
-              </a:lnSpc>
-              <a:spcBef>
-                <a:spcPts val="1001"/>
-              </a:spcBef>
-            </a:pPr>
-            <a:endParaRPr lang="fr-FR" sz="2800" b="0" strike="noStrike" spc="-1" dirty="0">
-              <a:latin typeface="Arial"/>
-            </a:endParaRPr>
-          </a:p>
-          <a:p>
-            <a:pPr>
-              <a:lnSpc>
-                <a:spcPct val="90000"/>
-              </a:lnSpc>
-              <a:spcBef>
-                <a:spcPts val="1001"/>
-              </a:spcBef>
-            </a:pPr>
-            <a:r>
-              <a:rPr lang="fr-FR" sz="2800" b="0" strike="noStrike" spc="-1" dirty="0" err="1">
-                <a:solidFill>
-                  <a:srgbClr val="000000"/>
-                </a:solidFill>
-                <a:latin typeface="Ubuntu"/>
-                <a:ea typeface="DejaVu Sans"/>
-              </a:rPr>
-              <a:t>Workaround</a:t>
-            </a:r>
-            <a:r>
-              <a:rPr lang="fr-FR" sz="2800" b="0" strike="noStrike" spc="-1" dirty="0">
-                <a:solidFill>
-                  <a:srgbClr val="000000"/>
-                </a:solidFill>
-                <a:latin typeface="Ubuntu"/>
-                <a:ea typeface="DejaVu Sans"/>
-              </a:rPr>
-              <a:t> 1b ⇒ déporter vers du stockage distant </a:t>
-            </a:r>
-            <a:endParaRPr lang="fr-FR" sz="2800" b="0" strike="noStrike" spc="-1" dirty="0">
-              <a:latin typeface="Arial"/>
-            </a:endParaRPr>
-          </a:p>
-          <a:p>
-            <a:pPr marL="432000" lvl="1" indent="-215640">
-              <a:lnSpc>
-                <a:spcPct val="90000"/>
-              </a:lnSpc>
-              <a:spcBef>
-                <a:spcPts val="1001"/>
-              </a:spcBef>
-              <a:buClr>
-                <a:srgbClr val="000000"/>
-              </a:buClr>
-              <a:buSzPct val="45000"/>
-              <a:buFont typeface="Wingdings" charset="2"/>
-              <a:buChar char=""/>
-            </a:pPr>
-            <a:r>
-              <a:rPr lang="fr-FR" sz="2800" b="0" strike="noStrike" spc="-1" dirty="0">
-                <a:solidFill>
-                  <a:srgbClr val="000000"/>
-                </a:solidFill>
-                <a:latin typeface="Ubuntu"/>
-                <a:ea typeface="DejaVu Sans"/>
-              </a:rPr>
-              <a:t>pas supporté par </a:t>
-            </a:r>
-            <a:r>
-              <a:rPr lang="fr-FR" sz="2800" b="0" strike="noStrike" spc="-1" dirty="0" err="1">
-                <a:solidFill>
-                  <a:srgbClr val="000000"/>
-                </a:solidFill>
-                <a:latin typeface="Ubuntu"/>
-                <a:ea typeface="DejaVu Sans"/>
-              </a:rPr>
-              <a:t>Prometheus</a:t>
-            </a:r>
-            <a:endParaRPr lang="fr-FR" sz="2800" b="0" strike="noStrike" spc="-1" dirty="0">
-              <a:latin typeface="Arial"/>
-            </a:endParaRPr>
-          </a:p>
-          <a:p>
-            <a:pPr marL="432000" lvl="1" indent="-215640">
-              <a:lnSpc>
-                <a:spcPct val="90000"/>
-              </a:lnSpc>
-              <a:spcBef>
-                <a:spcPts val="1001"/>
-              </a:spcBef>
-              <a:buClr>
-                <a:srgbClr val="000000"/>
-              </a:buClr>
-              <a:buSzPct val="45000"/>
-              <a:buFont typeface="Wingdings" charset="2"/>
-              <a:buChar char=""/>
-            </a:pPr>
-            <a:r>
-              <a:rPr lang="fr-FR" sz="2800" b="0" strike="noStrike" spc="-1" dirty="0" err="1">
-                <a:solidFill>
-                  <a:srgbClr val="000000"/>
-                </a:solidFill>
-                <a:latin typeface="Ubuntu"/>
-                <a:ea typeface="DejaVu Sans"/>
-              </a:rPr>
-              <a:t>Devs</a:t>
-            </a:r>
-            <a:r>
-              <a:rPr lang="fr-FR" sz="2800" b="0" strike="noStrike" spc="-1" dirty="0">
-                <a:solidFill>
-                  <a:srgbClr val="000000"/>
-                </a:solidFill>
-                <a:latin typeface="Ubuntu"/>
-                <a:ea typeface="DejaVu Sans"/>
-              </a:rPr>
-              <a:t> farouchement opposés</a:t>
-            </a:r>
-            <a:endParaRPr lang="fr-FR" sz="2800" b="0" strike="noStrike" spc="-1" dirty="0">
-              <a:latin typeface="Arial"/>
-            </a:endParaRPr>
-          </a:p>
-          <a:p>
-            <a:pPr>
-              <a:lnSpc>
-                <a:spcPct val="90000"/>
-              </a:lnSpc>
-              <a:spcBef>
-                <a:spcPts val="1001"/>
-              </a:spcBef>
-            </a:pPr>
-            <a:endParaRPr lang="fr-FR" sz="2800" b="0" strike="noStrike" spc="-1" dirty="0">
-              <a:latin typeface="Arial"/>
-            </a:endParaRPr>
+              <a:t>1 Failure Domain = 1 datacenter (voire 1 cluster)</a:t>
+            </a:r>
+            <a:endParaRPr lang="fr-FR" sz="2800" b="0" strike="noStrike" spc="-1">
+              <a:latin typeface="Arial"/>
+            </a:endParaRPr>
+          </a:p>
+        </p:txBody>
+      </p:sp>
+      <p:pic>
+        <p:nvPicPr>
+          <p:cNvPr id="285" name="Image 284"/>
+          <p:cNvPicPr/>
+          <p:nvPr/>
+        </p:nvPicPr>
+        <p:blipFill>
+          <a:blip r:embed="rId3"/>
+          <a:stretch/>
+        </p:blipFill>
+        <p:spPr>
+          <a:xfrm>
+            <a:off x="9846600" y="2096967"/>
+            <a:ext cx="872640" cy="865440"/>
+          </a:xfrm>
+          <a:prstGeom prst="rect">
+            <a:avLst/>
+          </a:prstGeom>
+          <a:ln>
+            <a:noFill/>
+          </a:ln>
+        </p:spPr>
+      </p:pic>
+      <p:sp>
+        <p:nvSpPr>
+          <p:cNvPr id="2" name="Rectangle 1"/>
+          <p:cNvSpPr/>
+          <p:nvPr/>
+        </p:nvSpPr>
+        <p:spPr>
+          <a:xfrm>
+            <a:off x="386454" y="6129215"/>
+            <a:ext cx="10958946" cy="461665"/>
+          </a:xfrm>
+          <a:prstGeom prst="rect">
+            <a:avLst/>
+          </a:prstGeom>
+        </p:spPr>
+        <p:txBody>
+          <a:bodyPr wrap="square">
+            <a:spAutoFit/>
+          </a:bodyPr>
+          <a:lstStyle/>
+          <a:p>
+            <a:r>
+              <a:rPr lang="fr-FR" sz="2400" dirty="0" smtClean="0">
+                <a:hlinkClick r:id="rId4"/>
+              </a:rPr>
+              <a:t>https</a:t>
+            </a:r>
+            <a:r>
+              <a:rPr lang="fr-FR" sz="2400" dirty="0">
+                <a:hlinkClick r:id="rId4"/>
+              </a:rPr>
+              <a:t>://</a:t>
+            </a:r>
+            <a:r>
+              <a:rPr lang="fr-FR" sz="2400" dirty="0" smtClean="0">
+                <a:hlinkClick r:id="rId4"/>
+              </a:rPr>
+              <a:t>www.robustperception.io/scaling-and-federating-prometheus</a:t>
+            </a:r>
+            <a:endParaRPr lang="fr-FR" sz="2400" dirty="0"/>
           </a:p>
         </p:txBody>
       </p:sp>
@@ -15586,7 +15467,7 @@
       </p:grpSpPr>
       <p:sp>
         <p:nvSpPr>
-          <p:cNvPr id="283" name="CustomShape 1"/>
+          <p:cNvPr id="286" name="CustomShape 1"/>
           <p:cNvSpPr/>
           <p:nvPr/>
         </p:nvSpPr>
@@ -15634,7 +15515,7 @@
                 <a:latin typeface="Ubuntu"/>
                 <a:ea typeface="DejaVu Sans"/>
               </a:rPr>
-              <a:t>Failure domains</a:t>
+              <a:t>Problème n°2 : Répartition manuelle</a:t>
             </a:r>
             <a:endParaRPr lang="fr-FR" sz="3200" b="0" strike="noStrike" spc="-1">
               <a:latin typeface="Arial"/>
@@ -15644,7 +15525,7 @@
       </p:sp>
       <p:sp>
         <p:nvSpPr>
-          <p:cNvPr id="284" name="CustomShape 2"/>
+          <p:cNvPr id="287" name="CustomShape 2"/>
           <p:cNvSpPr/>
           <p:nvPr/>
         </p:nvSpPr>
@@ -15688,16 +15569,36 @@
               </a:spcBef>
             </a:pPr>
             <a:r>
-              <a:rPr lang="fr-FR" sz="2800" b="0" strike="noStrike" spc="-1">
+              <a:rPr lang="fr-FR" sz="2800" b="0" strike="noStrike" spc="-1" dirty="0">
                 <a:solidFill>
                   <a:srgbClr val="000000"/>
                 </a:solidFill>
                 <a:latin typeface="Ubuntu"/>
                 <a:ea typeface="DejaVu Sans"/>
               </a:rPr>
-              <a:t>On n’a pas tous les mêmes besoins que Digital Ocean (ouf!)</a:t>
-            </a:r>
-            <a:endParaRPr lang="fr-FR" sz="2800" b="0" strike="noStrike" spc="-1">
+              <a:t>Plusieurs serveurs         </a:t>
+            </a:r>
+            <a:r>
+              <a:rPr lang="fr-FR" sz="2800" b="0" strike="noStrike" spc="-1" dirty="0" smtClean="0">
+                <a:solidFill>
+                  <a:srgbClr val="000000"/>
+                </a:solidFill>
+                <a:latin typeface="Ubuntu"/>
+                <a:ea typeface="DejaVu Sans"/>
+              </a:rPr>
+              <a:t> </a:t>
+            </a:r>
+            <a:r>
+              <a:rPr lang="fr-FR" sz="2800" b="0" strike="noStrike" spc="-1" dirty="0">
+                <a:solidFill>
+                  <a:srgbClr val="000000"/>
+                </a:solidFill>
+                <a:latin typeface="Ubuntu"/>
+                <a:ea typeface="DejaVu Sans"/>
+              </a:rPr>
+              <a:t>⇒ plusieurs sources de données</a:t>
+            </a:r>
+            <a:endParaRPr lang="fr-FR" sz="2800" b="0" strike="noStrike" spc="-1" dirty="0">
               <a:latin typeface="Arial"/>
             </a:endParaRPr>
           </a:p>
@@ -15710,7 +15611,7 @@
                 <a:spcPts val="1001"/>
               </a:spcBef>
             </a:pPr>
-            <a:endParaRPr lang="fr-FR" sz="2800" b="0" strike="noStrike" spc="-1">
+            <a:endParaRPr lang="fr-FR" sz="2800" b="0" strike="noStrike" spc="-1" dirty="0">
               <a:latin typeface="Arial"/>
             </a:endParaRPr>
           </a:p>
@@ -15724,52 +15625,56 @@
               </a:spcBef>
             </a:pPr>
             <a:r>
-              <a:rPr lang="fr-FR" sz="2800" b="0" strike="noStrike" spc="-1">
+              <a:rPr lang="fr-FR" sz="2800" b="0" strike="noStrike" spc="-1" dirty="0">
                 <a:solidFill>
                   <a:srgbClr val="000000"/>
                 </a:solidFill>
                 <a:latin typeface="Ubuntu"/>
                 <a:ea typeface="DejaVu Sans"/>
               </a:rPr>
-              <a:t>Pour autant, vous allez sûrement devoir gérer plusieurs</a:t>
-            </a:r>
-            <a:endParaRPr lang="fr-FR" sz="2800" b="0" strike="noStrike" spc="-1">
-              <a:latin typeface="Arial"/>
-            </a:endParaRPr>
-          </a:p>
-          <a:p>
-            <a:pPr>
-              <a:lnSpc>
-                <a:spcPct val="90000"/>
-              </a:lnSpc>
-              <a:spcBef>
-                <a:spcPts val="1001"/>
-              </a:spcBef>
-            </a:pPr>
-            <a:endParaRPr lang="fr-FR" sz="2800" b="0" strike="noStrike" spc="-1">
-              <a:latin typeface="Arial"/>
-            </a:endParaRPr>
-          </a:p>
-          <a:p>
-            <a:pPr>
-              <a:lnSpc>
-                <a:spcPct val="90000"/>
-              </a:lnSpc>
-              <a:spcBef>
-                <a:spcPts val="1001"/>
-              </a:spcBef>
-            </a:pPr>
-            <a:r>
-              <a:rPr lang="fr-FR" sz="2800" b="0" strike="noStrike" spc="-1">
+              <a:t>Point « </a:t>
+            </a:r>
+            <a:r>
+              <a:rPr lang="fr-FR" sz="2800" b="0" strike="noStrike" spc="-1" dirty="0" err="1">
                 <a:solidFill>
                   <a:srgbClr val="000000"/>
                 </a:solidFill>
                 <a:latin typeface="Ubuntu"/>
                 <a:ea typeface="DejaVu Sans"/>
               </a:rPr>
-              <a:t>Dans les bonnes pratiques</a:t>
-            </a:r>
-            <a:endParaRPr lang="fr-FR" sz="2800" b="0" strike="noStrike" spc="-1">
+              <a:t>Captain</a:t>
+            </a:r>
+            <a:r>
+              <a:rPr lang="fr-FR" sz="2800" b="0" strike="noStrike" spc="-1" dirty="0">
+                <a:solidFill>
+                  <a:srgbClr val="000000"/>
+                </a:solidFill>
+                <a:latin typeface="Ubuntu"/>
+                <a:ea typeface="DejaVu Sans"/>
+              </a:rPr>
+              <a:t> </a:t>
+            </a:r>
+            <a:r>
+              <a:rPr lang="fr-FR" sz="2800" b="0" strike="noStrike" spc="-1" dirty="0" err="1">
+                <a:solidFill>
+                  <a:srgbClr val="000000"/>
+                </a:solidFill>
+                <a:latin typeface="Ubuntu"/>
+                <a:ea typeface="DejaVu Sans"/>
+              </a:rPr>
+              <a:t>Obvious</a:t>
+            </a:r>
+            <a:r>
+              <a:rPr lang="fr-FR" sz="2800" b="0" strike="noStrike" spc="-1" dirty="0">
+                <a:solidFill>
+                  <a:srgbClr val="000000"/>
+                </a:solidFill>
+                <a:latin typeface="Ubuntu"/>
+                <a:ea typeface="DejaVu Sans"/>
+              </a:rPr>
+              <a:t> » :</a:t>
+            </a:r>
+            <a:endParaRPr lang="fr-FR" sz="2800" b="0" strike="noStrike" spc="-1" dirty="0">
               <a:latin typeface="Arial"/>
             </a:endParaRPr>
           </a:p>
@@ -15789,45 +15694,79 @@
               <a:buChar char=""/>
             </a:pPr>
             <a:r>
-              <a:rPr lang="fr-FR" sz="2800" b="0" strike="noStrike" spc="-1">
+              <a:rPr lang="fr-FR" sz="2800" b="0" strike="noStrike" spc="-1" dirty="0">
                 <a:solidFill>
                   <a:srgbClr val="000000"/>
                 </a:solidFill>
                 <a:latin typeface="Ubuntu"/>
                 <a:ea typeface="DejaVu Sans"/>
               </a:rPr>
-              <a:t>1 serveur minimum par  « Failure Domain »</a:t>
-            </a:r>
-            <a:endParaRPr lang="fr-FR" sz="2800" b="0" strike="noStrike" spc="-1">
-              <a:latin typeface="Arial"/>
-            </a:endParaRPr>
-          </a:p>
-          <a:p>
-            <a:pPr marL="432000" lvl="1" indent="-215280">
+              <a:t>Il est </a:t>
+            </a:r>
+            <a:r>
+              <a:rPr lang="fr-FR" sz="2800" b="1" strike="noStrike" spc="-1" dirty="0">
+                <a:solidFill>
+                  <a:srgbClr val="000000"/>
+                </a:solidFill>
+                <a:latin typeface="Ubuntu"/>
+                <a:ea typeface="DejaVu Sans"/>
+              </a:rPr>
+              <a:t>déconseillé</a:t>
+            </a:r>
+            <a:r>
+              <a:rPr lang="fr-FR" sz="2800" b="0" strike="noStrike" spc="-1" dirty="0">
+                <a:solidFill>
+                  <a:srgbClr val="000000"/>
+                </a:solidFill>
+                <a:latin typeface="Ubuntu"/>
+                <a:ea typeface="DejaVu Sans"/>
+              </a:rPr>
+              <a:t> de stocker des métriques que vous souhaitez corréler sur des serveurs </a:t>
+            </a:r>
+            <a:r>
+              <a:rPr lang="fr-FR" sz="2800" b="0" strike="noStrike" spc="-1" dirty="0" err="1">
+                <a:solidFill>
+                  <a:srgbClr val="000000"/>
+                </a:solidFill>
+                <a:latin typeface="Ubuntu"/>
+                <a:ea typeface="DejaVu Sans"/>
+              </a:rPr>
+              <a:t>Prometheus</a:t>
+            </a:r>
+            <a:r>
+              <a:rPr lang="fr-FR" sz="2800" b="0" strike="noStrike" spc="-1" dirty="0">
+                <a:solidFill>
+                  <a:srgbClr val="000000"/>
+                </a:solidFill>
+                <a:latin typeface="Ubuntu"/>
+                <a:ea typeface="DejaVu Sans"/>
+              </a:rPr>
+              <a:t> </a:t>
+            </a:r>
+            <a:r>
+              <a:rPr lang="fr-FR" sz="2800" b="1" strike="noStrike" spc="-1" dirty="0">
+                <a:solidFill>
+                  <a:srgbClr val="000000"/>
+                </a:solidFill>
+                <a:latin typeface="Ubuntu"/>
+                <a:ea typeface="DejaVu Sans"/>
+              </a:rPr>
+              <a:t>différents</a:t>
+            </a:r>
+            <a:endParaRPr lang="fr-FR" sz="2800" b="0" strike="noStrike" spc="-1" dirty="0">
+              <a:latin typeface="Arial"/>
+            </a:endParaRPr>
+          </a:p>
+          <a:p>
+            <a:pPr>
               <a:lnSpc>
                 <a:spcPct val="90000"/>
               </a:lnSpc>
               <a:spcBef>
                 <a:spcPts val="1001"/>
               </a:spcBef>
-              <a:buClr>
-                <a:srgbClr val="000000"/>
-              </a:buClr>
-              <a:buSzPct val="45000"/>
-              <a:buFont typeface="Wingdings" charset="2"/>
-              <a:buChar char=""/>
             </a:pPr>
-            <a:r>
-              <a:rPr lang="fr-FR" sz="2800" b="0" strike="noStrike" spc="-1">
-                <a:solidFill>
-                  <a:srgbClr val="000000"/>
-                </a:solidFill>
-                <a:latin typeface="Ubuntu"/>
-                <a:ea typeface="DejaVu Sans"/>
-              </a:rPr>
-              <a:t>1 Failure Domain = 1 datacenter (voire 1 cluster)</a:t>
-            </a:r>
-            <a:endParaRPr lang="fr-FR" sz="2800" b="0" strike="noStrike" spc="-1">
+            <a:endParaRPr lang="fr-FR" sz="2800" b="0" strike="noStrike" spc="-1" dirty="0">
               <a:latin typeface="Arial"/>
             </a:endParaRPr>
           </a:p>
@@ -15835,7 +15774,7 @@
       </p:sp>
       <p:pic>
         <p:nvPicPr>
-          <p:cNvPr id="285" name="Image 284"/>
+          <p:cNvPr id="288" name="Image 287"/>
           <p:cNvPicPr/>
           <p:nvPr/>
         </p:nvPicPr>
@@ -15845,8 +15784,31 @@
         </p:blipFill>
         <p:spPr>
           <a:xfrm>
-            <a:off x="9846600" y="2096967"/>
-            <a:ext cx="872640" cy="865440"/>
+            <a:off x="4692600" y="3816000"/>
+            <a:ext cx="2807280" cy="2807280"/>
+          </a:xfrm>
+          <a:prstGeom prst="rect">
+            <a:avLst/>
+          </a:prstGeom>
+          <a:ln>
+            <a:noFill/>
+          </a:ln>
+        </p:spPr>
+      </p:pic>
+      <p:pic>
+        <p:nvPicPr>
+          <p:cNvPr id="289" name="Image 288"/>
+          <p:cNvPicPr/>
+          <p:nvPr/>
+        </p:nvPicPr>
+        <p:blipFill>
+          <a:blip r:embed="rId4"/>
+          <a:stretch/>
+        </p:blipFill>
+        <p:spPr>
+          <a:xfrm>
+            <a:off x="4026240" y="1152000"/>
+            <a:ext cx="725400" cy="719280"/>
           </a:xfrm>
           <a:prstGeom prst="rect">
             <a:avLst/>
@@ -15892,411 +15854,6 @@
 </file>
 
 <file path=ppt/slides/slide16.xml><?xml version="1.0" encoding="utf-8"?>
-<p:sld xmlns:a="http://schemas.openxmlformats.org/drawingml/2006/main" xmlns:r="http://schemas.openxmlformats.org/officeDocument/2006/relationships" xmlns:p="http://schemas.openxmlformats.org/presentationml/2006/main">
-  <p:cSld>
-    <p:spTree>
-      <p:nvGrpSpPr>
-        <p:cNvPr id="1" name=""/>
-        <p:cNvGrpSpPr/>
-        <p:nvPr/>
-      </p:nvGrpSpPr>
-      <p:grpSpPr>
-        <a:xfrm>
-          <a:off x="0" y="0"/>
-          <a:ext cx="0" cy="0"/>
-          <a:chOff x="0" y="0"/>
-          <a:chExt cx="0" cy="0"/>
-        </a:xfrm>
-      </p:grpSpPr>
-      <p:sp>
-        <p:nvSpPr>
-          <p:cNvPr id="286" name="CustomShape 1"/>
-          <p:cNvSpPr/>
-          <p:nvPr/>
-        </p:nvSpPr>
-        <p:spPr>
-          <a:xfrm>
-            <a:off x="838080" y="365040"/>
-            <a:ext cx="10507320" cy="630360"/>
-          </a:xfrm>
-          <a:prstGeom prst="rect">
-            <a:avLst/>
-          </a:prstGeom>
-          <a:noFill/>
-          <a:ln>
-            <a:noFill/>
-          </a:ln>
-        </p:spPr>
-        <p:style>
-          <a:lnRef idx="0">
-            <a:scrgbClr r="0" g="0" b="0"/>
-          </a:lnRef>
-          <a:fillRef idx="0">
-            <a:scrgbClr r="0" g="0" b="0"/>
-          </a:fillRef>
-          <a:effectRef idx="0">
-            <a:scrgbClr r="0" g="0" b="0"/>
-          </a:effectRef>
-          <a:fontRef idx="minor"/>
-        </p:style>
-        <p:txBody>
-          <a:bodyPr lIns="90000" tIns="45000" rIns="90000" bIns="45000" anchor="ctr">
-            <a:normAutofit/>
-          </a:bodyPr>
-          <a:lstStyle/>
-          <a:p>
-            <a:pPr>
-              <a:lnSpc>
-                <a:spcPct val="90000"/>
-              </a:lnSpc>
-            </a:pPr>
-            <a:r>
-              <a:rPr lang="fr-FR" sz="3200" b="0" strike="noStrike" spc="-1">
-                <a:solidFill>
-                  <a:srgbClr val="000000"/>
-                </a:solidFill>
-                <a:latin typeface="Ubuntu"/>
-                <a:ea typeface="DejaVu Sans"/>
-              </a:rPr>
-              <a:t>Problème n°2 : Répartition manuelle</a:t>
-            </a:r>
-            <a:endParaRPr lang="fr-FR" sz="3200" b="0" strike="noStrike" spc="-1">
-              <a:latin typeface="Arial"/>
-            </a:endParaRPr>
-          </a:p>
-        </p:txBody>
-      </p:sp>
-      <p:sp>
-        <p:nvSpPr>
-          <p:cNvPr id="287" name="CustomShape 2"/>
-          <p:cNvSpPr/>
-          <p:nvPr/>
-        </p:nvSpPr>
-        <p:spPr>
-          <a:xfrm>
-            <a:off x="838080" y="1310760"/>
-            <a:ext cx="10507320" cy="4964760"/>
-          </a:xfrm>
-          <a:prstGeom prst="rect">
-            <a:avLst/>
-          </a:prstGeom>
-          <a:noFill/>
-          <a:ln>
-            <a:noFill/>
-          </a:ln>
-        </p:spPr>
-        <p:style>
-          <a:lnRef idx="0">
-            <a:scrgbClr r="0" g="0" b="0"/>
-          </a:lnRef>
-          <a:fillRef idx="0">
-            <a:scrgbClr r="0" g="0" b="0"/>
-          </a:fillRef>
-          <a:effectRef idx="0">
-            <a:scrgbClr r="0" g="0" b="0"/>
-          </a:effectRef>
-          <a:fontRef idx="minor"/>
-        </p:style>
-        <p:txBody>
-          <a:bodyPr lIns="90000" tIns="45000" rIns="90000" bIns="45000">
-            <a:normAutofit/>
-          </a:bodyPr>
-          <a:lstStyle/>
-          <a:p>
-            <a:pPr>
-              <a:lnSpc>
-                <a:spcPct val="90000"/>
-              </a:lnSpc>
-              <a:spcBef>
-                <a:spcPts val="1001"/>
-              </a:spcBef>
-            </a:pPr>
-            <a:r>
-              <a:rPr lang="fr-FR" sz="2800" b="0" strike="noStrike" spc="-1" dirty="0">
-                <a:solidFill>
-                  <a:srgbClr val="000000"/>
-                </a:solidFill>
-                <a:latin typeface="Ubuntu"/>
-                <a:ea typeface="DejaVu Sans"/>
-              </a:rPr>
-              <a:t>Plusieurs serveurs         </a:t>
-            </a:r>
-            <a:r>
-              <a:rPr lang="fr-FR" sz="2800" b="0" strike="noStrike" spc="-1" dirty="0" smtClean="0">
-                <a:solidFill>
-                  <a:srgbClr val="000000"/>
-                </a:solidFill>
-                <a:latin typeface="Ubuntu"/>
-                <a:ea typeface="DejaVu Sans"/>
-              </a:rPr>
-              <a:t> </a:t>
-            </a:r>
-            <a:r>
-              <a:rPr lang="fr-FR" sz="2800" b="0" strike="noStrike" spc="-1" dirty="0">
-                <a:solidFill>
-                  <a:srgbClr val="000000"/>
-                </a:solidFill>
-                <a:latin typeface="Ubuntu"/>
-                <a:ea typeface="DejaVu Sans"/>
-              </a:rPr>
-              <a:t>⇒ plusieurs sources de données</a:t>
-            </a:r>
-            <a:endParaRPr lang="fr-FR" sz="2800" b="0" strike="noStrike" spc="-1" dirty="0">
-              <a:latin typeface="Arial"/>
-            </a:endParaRPr>
-          </a:p>
-          <a:p>
-            <a:pPr>
-              <a:lnSpc>
-                <a:spcPct val="90000"/>
-              </a:lnSpc>
-              <a:spcBef>
-                <a:spcPts val="1001"/>
-              </a:spcBef>
-            </a:pPr>
-            <a:endParaRPr lang="fr-FR" sz="2800" b="0" strike="noStrike" spc="-1" dirty="0">
-              <a:latin typeface="Arial"/>
-            </a:endParaRPr>
-          </a:p>
-          <a:p>
-            <a:pPr>
-              <a:lnSpc>
-                <a:spcPct val="90000"/>
-              </a:lnSpc>
-              <a:spcBef>
-                <a:spcPts val="1001"/>
-              </a:spcBef>
-            </a:pPr>
-            <a:r>
-              <a:rPr lang="fr-FR" sz="2800" b="0" strike="noStrike" spc="-1" dirty="0">
-                <a:solidFill>
-                  <a:srgbClr val="000000"/>
-                </a:solidFill>
-                <a:latin typeface="Ubuntu"/>
-                <a:ea typeface="DejaVu Sans"/>
-              </a:rPr>
-              <a:t>Point « </a:t>
-            </a:r>
-            <a:r>
-              <a:rPr lang="fr-FR" sz="2800" b="0" strike="noStrike" spc="-1" dirty="0" err="1">
-                <a:solidFill>
-                  <a:srgbClr val="000000"/>
-                </a:solidFill>
-                <a:latin typeface="Ubuntu"/>
-                <a:ea typeface="DejaVu Sans"/>
-              </a:rPr>
-              <a:t>Captain</a:t>
-            </a:r>
-            <a:r>
-              <a:rPr lang="fr-FR" sz="2800" b="0" strike="noStrike" spc="-1" dirty="0">
-                <a:solidFill>
-                  <a:srgbClr val="000000"/>
-                </a:solidFill>
-                <a:latin typeface="Ubuntu"/>
-                <a:ea typeface="DejaVu Sans"/>
-              </a:rPr>
-              <a:t> </a:t>
-            </a:r>
-            <a:r>
-              <a:rPr lang="fr-FR" sz="2800" b="0" strike="noStrike" spc="-1" dirty="0" err="1">
-                <a:solidFill>
-                  <a:srgbClr val="000000"/>
-                </a:solidFill>
-                <a:latin typeface="Ubuntu"/>
-                <a:ea typeface="DejaVu Sans"/>
-              </a:rPr>
-              <a:t>Obvious</a:t>
-            </a:r>
-            <a:r>
-              <a:rPr lang="fr-FR" sz="2800" b="0" strike="noStrike" spc="-1" dirty="0">
-                <a:solidFill>
-                  <a:srgbClr val="000000"/>
-                </a:solidFill>
-                <a:latin typeface="Ubuntu"/>
-                <a:ea typeface="DejaVu Sans"/>
-              </a:rPr>
-              <a:t> » :</a:t>
-            </a:r>
-            <a:endParaRPr lang="fr-FR" sz="2800" b="0" strike="noStrike" spc="-1" dirty="0">
-              <a:latin typeface="Arial"/>
-            </a:endParaRPr>
-          </a:p>
-          <a:p>
-            <a:pPr marL="432000" lvl="1" indent="-215280">
-              <a:lnSpc>
-                <a:spcPct val="90000"/>
-              </a:lnSpc>
-              <a:spcBef>
-                <a:spcPts val="1001"/>
-              </a:spcBef>
-              <a:buClr>
-                <a:srgbClr val="000000"/>
-              </a:buClr>
-              <a:buSzPct val="45000"/>
-              <a:buFont typeface="Wingdings" charset="2"/>
-              <a:buChar char=""/>
-            </a:pPr>
-            <a:r>
-              <a:rPr lang="fr-FR" sz="2800" b="0" strike="noStrike" spc="-1" dirty="0">
-                <a:solidFill>
-                  <a:srgbClr val="000000"/>
-                </a:solidFill>
-                <a:latin typeface="Ubuntu"/>
-                <a:ea typeface="DejaVu Sans"/>
-              </a:rPr>
-              <a:t>Il est </a:t>
-            </a:r>
-            <a:r>
-              <a:rPr lang="fr-FR" sz="2800" b="1" strike="noStrike" spc="-1" dirty="0">
-                <a:solidFill>
-                  <a:srgbClr val="000000"/>
-                </a:solidFill>
-                <a:latin typeface="Ubuntu"/>
-                <a:ea typeface="DejaVu Sans"/>
-              </a:rPr>
-              <a:t>déconseillé</a:t>
-            </a:r>
-            <a:r>
-              <a:rPr lang="fr-FR" sz="2800" b="0" strike="noStrike" spc="-1" dirty="0">
-                <a:solidFill>
-                  <a:srgbClr val="000000"/>
-                </a:solidFill>
-                <a:latin typeface="Ubuntu"/>
-                <a:ea typeface="DejaVu Sans"/>
-              </a:rPr>
-              <a:t> de stocker des métriques que vous souhaitez corréler sur des serveurs </a:t>
-            </a:r>
-            <a:r>
-              <a:rPr lang="fr-FR" sz="2800" b="0" strike="noStrike" spc="-1" dirty="0" err="1">
-                <a:solidFill>
-                  <a:srgbClr val="000000"/>
-                </a:solidFill>
-                <a:latin typeface="Ubuntu"/>
-                <a:ea typeface="DejaVu Sans"/>
-              </a:rPr>
-              <a:t>Prometheus</a:t>
-            </a:r>
-            <a:r>
-              <a:rPr lang="fr-FR" sz="2800" b="0" strike="noStrike" spc="-1" dirty="0">
-                <a:solidFill>
-                  <a:srgbClr val="000000"/>
-                </a:solidFill>
-                <a:latin typeface="Ubuntu"/>
-                <a:ea typeface="DejaVu Sans"/>
-              </a:rPr>
-              <a:t> </a:t>
-            </a:r>
-            <a:r>
-              <a:rPr lang="fr-FR" sz="2800" b="1" strike="noStrike" spc="-1" dirty="0">
-                <a:solidFill>
-                  <a:srgbClr val="000000"/>
-                </a:solidFill>
-                <a:latin typeface="Ubuntu"/>
-                <a:ea typeface="DejaVu Sans"/>
-              </a:rPr>
-              <a:t>différents</a:t>
-            </a:r>
-            <a:endParaRPr lang="fr-FR" sz="2800" b="0" strike="noStrike" spc="-1" dirty="0">
-              <a:latin typeface="Arial"/>
-            </a:endParaRPr>
-          </a:p>
-          <a:p>
-            <a:pPr>
-              <a:lnSpc>
-                <a:spcPct val="90000"/>
-              </a:lnSpc>
-              <a:spcBef>
-                <a:spcPts val="1001"/>
-              </a:spcBef>
-            </a:pPr>
-            <a:endParaRPr lang="fr-FR" sz="2800" b="0" strike="noStrike" spc="-1" dirty="0">
-              <a:latin typeface="Arial"/>
-            </a:endParaRPr>
-          </a:p>
-        </p:txBody>
-      </p:sp>
-      <p:pic>
-        <p:nvPicPr>
-          <p:cNvPr id="288" name="Image 287"/>
-          <p:cNvPicPr/>
-          <p:nvPr/>
-        </p:nvPicPr>
-        <p:blipFill>
-          <a:blip r:embed="rId3"/>
-          <a:stretch/>
-        </p:blipFill>
-        <p:spPr>
-          <a:xfrm>
-            <a:off x="4692600" y="3816000"/>
-            <a:ext cx="2807280" cy="2807280"/>
-          </a:xfrm>
-          <a:prstGeom prst="rect">
-            <a:avLst/>
-          </a:prstGeom>
-          <a:ln>
-            <a:noFill/>
-          </a:ln>
-        </p:spPr>
-      </p:pic>
-      <p:pic>
-        <p:nvPicPr>
-          <p:cNvPr id="289" name="Image 288"/>
-          <p:cNvPicPr/>
-          <p:nvPr/>
-        </p:nvPicPr>
-        <p:blipFill>
-          <a:blip r:embed="rId4"/>
-          <a:stretch/>
-        </p:blipFill>
-        <p:spPr>
-          <a:xfrm>
-            <a:off x="4026240" y="1152000"/>
-            <a:ext cx="725400" cy="719280"/>
-          </a:xfrm>
-          <a:prstGeom prst="rect">
-            <a:avLst/>
-          </a:prstGeom>
-          <a:ln>
-            <a:noFill/>
-          </a:ln>
-        </p:spPr>
-      </p:pic>
-    </p:spTree>
-  </p:cSld>
-  <p:clrMapOvr>
-    <a:masterClrMapping/>
-  </p:clrMapOvr>
-  <p:timing>
-    <p:tnLst>
-      <p:par>
-        <p:cTn id="1" dur="indefinite" restart="never" nodeType="tmRoot">
-          <p:childTnLst>
-            <p:seq>
-              <p:cTn id="2" dur="indefinite" nodeType="mainSeq"/>
-              <p:prevCondLst>
-                <p:cond evt="onPrev" delay="0">
-                  <p:tgtEl>
-                    <p:sldTgt/>
-                  </p:tgtEl>
-                </p:cond>
-              </p:prevCondLst>
-              <p:nextCondLst>
-                <p:cond evt="onNext" delay="0">
-                  <p:tgtEl>
-                    <p:sldTgt/>
-                  </p:tgtEl>
-                </p:cond>
-              </p:nextCondLst>
-            </p:seq>
-          </p:childTnLst>
-        </p:cTn>
-      </p:par>
-    </p:tnLst>
-  </p:timing>
-</p:sld>
-</file>
-
-<file path=ppt/slides/slide17.xml><?xml version="1.0" encoding="utf-8"?>
 <p:sld xmlns:a="http://schemas.openxmlformats.org/drawingml/2006/main" xmlns:r="http://schemas.openxmlformats.org/officeDocument/2006/relationships" xmlns:p="http://schemas.openxmlformats.org/presentationml/2006/main">
   <p:cSld>
     <p:spTree>
@@ -17304,6 +16861,766 @@
 </p:sld>
 </file>
 
+<file path=ppt/slides/slide17.xml><?xml version="1.0" encoding="utf-8"?>
+<p:sld xmlns:a="http://schemas.openxmlformats.org/drawingml/2006/main" xmlns:r="http://schemas.openxmlformats.org/officeDocument/2006/relationships" xmlns:p="http://schemas.openxmlformats.org/presentationml/2006/main">
+  <p:cSld>
+    <p:spTree>
+      <p:nvGrpSpPr>
+        <p:cNvPr id="1" name=""/>
+        <p:cNvGrpSpPr/>
+        <p:nvPr/>
+      </p:nvGrpSpPr>
+      <p:grpSpPr>
+        <a:xfrm>
+          <a:off x="0" y="0"/>
+          <a:ext cx="0" cy="0"/>
+          <a:chOff x="0" y="0"/>
+          <a:chExt cx="0" cy="0"/>
+        </a:xfrm>
+      </p:grpSpPr>
+      <p:sp>
+        <p:nvSpPr>
+          <p:cNvPr id="308" name="CustomShape 1"/>
+          <p:cNvSpPr/>
+          <p:nvPr/>
+        </p:nvSpPr>
+        <p:spPr>
+          <a:xfrm>
+            <a:off x="838080" y="365040"/>
+            <a:ext cx="10507320" cy="630360"/>
+          </a:xfrm>
+          <a:prstGeom prst="rect">
+            <a:avLst/>
+          </a:prstGeom>
+          <a:noFill/>
+          <a:ln>
+            <a:noFill/>
+          </a:ln>
+        </p:spPr>
+        <p:style>
+          <a:lnRef idx="0">
+            <a:scrgbClr r="0" g="0" b="0"/>
+          </a:lnRef>
+          <a:fillRef idx="0">
+            <a:scrgbClr r="0" g="0" b="0"/>
+          </a:fillRef>
+          <a:effectRef idx="0">
+            <a:scrgbClr r="0" g="0" b="0"/>
+          </a:effectRef>
+          <a:fontRef idx="minor"/>
+        </p:style>
+        <p:txBody>
+          <a:bodyPr lIns="90000" tIns="45000" rIns="90000" bIns="45000" anchor="ctr">
+            <a:normAutofit/>
+          </a:bodyPr>
+          <a:lstStyle/>
+          <a:p>
+            <a:pPr>
+              <a:lnSpc>
+                <a:spcPct val="90000"/>
+              </a:lnSpc>
+            </a:pPr>
+            <a:r>
+              <a:rPr lang="fr-FR" sz="3200" b="0" strike="noStrike" spc="-1">
+                <a:solidFill>
+                  <a:srgbClr val="000000"/>
+                </a:solidFill>
+                <a:latin typeface="Ubuntu"/>
+                <a:ea typeface="DejaVu Sans"/>
+              </a:rPr>
+              <a:t>Workaround 2b : la Fédération</a:t>
+            </a:r>
+            <a:endParaRPr lang="fr-FR" sz="3200" b="0" strike="noStrike" spc="-1">
+              <a:latin typeface="Arial"/>
+            </a:endParaRPr>
+          </a:p>
+        </p:txBody>
+      </p:sp>
+      <p:sp>
+        <p:nvSpPr>
+          <p:cNvPr id="309" name="CustomShape 2"/>
+          <p:cNvSpPr/>
+          <p:nvPr/>
+        </p:nvSpPr>
+        <p:spPr>
+          <a:xfrm>
+            <a:off x="838080" y="1310760"/>
+            <a:ext cx="10507320" cy="5240880"/>
+          </a:xfrm>
+          <a:prstGeom prst="rect">
+            <a:avLst/>
+          </a:prstGeom>
+          <a:noFill/>
+          <a:ln>
+            <a:noFill/>
+          </a:ln>
+        </p:spPr>
+        <p:style>
+          <a:lnRef idx="0">
+            <a:scrgbClr r="0" g="0" b="0"/>
+          </a:lnRef>
+          <a:fillRef idx="0">
+            <a:scrgbClr r="0" g="0" b="0"/>
+          </a:fillRef>
+          <a:effectRef idx="0">
+            <a:scrgbClr r="0" g="0" b="0"/>
+          </a:effectRef>
+          <a:fontRef idx="minor"/>
+        </p:style>
+        <p:txBody>
+          <a:bodyPr lIns="90000" tIns="45000" rIns="90000" bIns="45000">
+            <a:normAutofit/>
+          </a:bodyPr>
+          <a:lstStyle/>
+          <a:p>
+            <a:pPr>
+              <a:lnSpc>
+                <a:spcPct val="90000"/>
+              </a:lnSpc>
+              <a:spcBef>
+                <a:spcPts val="1001"/>
+              </a:spcBef>
+            </a:pPr>
+            <a:r>
+              <a:rPr lang="fr-FR" sz="2800" b="0" strike="noStrike" spc="-1" dirty="0">
+                <a:solidFill>
+                  <a:srgbClr val="000000"/>
+                </a:solidFill>
+                <a:latin typeface="Ubuntu"/>
+                <a:ea typeface="DejaVu Sans"/>
+              </a:rPr>
+              <a:t>Réponse des </a:t>
+            </a:r>
+            <a:r>
+              <a:rPr lang="fr-FR" sz="2800" b="0" strike="noStrike" spc="-1" dirty="0" err="1">
+                <a:solidFill>
+                  <a:srgbClr val="000000"/>
+                </a:solidFill>
+                <a:latin typeface="Ubuntu"/>
+                <a:ea typeface="DejaVu Sans"/>
+              </a:rPr>
+              <a:t>Devs</a:t>
+            </a:r>
+            <a:r>
+              <a:rPr lang="fr-FR" sz="2800" b="0" strike="noStrike" spc="-1" dirty="0">
+                <a:solidFill>
+                  <a:srgbClr val="000000"/>
+                </a:solidFill>
+                <a:latin typeface="Ubuntu"/>
+                <a:ea typeface="DejaVu Sans"/>
+              </a:rPr>
+              <a:t> </a:t>
+            </a:r>
+            <a:r>
+              <a:rPr lang="fr-FR" sz="2800" b="0" strike="noStrike" spc="-1" dirty="0" err="1">
+                <a:solidFill>
+                  <a:srgbClr val="000000"/>
+                </a:solidFill>
+                <a:latin typeface="Ubuntu"/>
+                <a:ea typeface="DejaVu Sans"/>
+              </a:rPr>
+              <a:t>Prometheus</a:t>
+            </a:r>
+            <a:r>
+              <a:rPr lang="fr-FR" sz="2800" b="0" strike="noStrike" spc="-1" dirty="0">
+                <a:solidFill>
+                  <a:srgbClr val="000000"/>
+                </a:solidFill>
+                <a:latin typeface="Ubuntu"/>
+                <a:ea typeface="DejaVu Sans"/>
+              </a:rPr>
+              <a:t> : Fédération</a:t>
+            </a:r>
+            <a:endParaRPr lang="fr-FR" sz="2800" b="0" strike="noStrike" spc="-1" dirty="0">
+              <a:latin typeface="Arial"/>
+            </a:endParaRPr>
+          </a:p>
+          <a:p>
+            <a:pPr marL="432000" lvl="1" indent="-215280">
+              <a:lnSpc>
+                <a:spcPct val="90000"/>
+              </a:lnSpc>
+              <a:spcBef>
+                <a:spcPts val="1001"/>
+              </a:spcBef>
+              <a:buClr>
+                <a:srgbClr val="000000"/>
+              </a:buClr>
+              <a:buSzPct val="45000"/>
+              <a:buFont typeface="Wingdings" charset="2"/>
+              <a:buChar char=""/>
+            </a:pPr>
+            <a:r>
+              <a:rPr lang="fr-FR" sz="2800" b="0" strike="noStrike" spc="-1" dirty="0" err="1">
+                <a:solidFill>
+                  <a:srgbClr val="000000"/>
+                </a:solidFill>
+                <a:latin typeface="Ubuntu"/>
+                <a:ea typeface="DejaVu Sans"/>
+              </a:rPr>
+              <a:t>Prometheus</a:t>
+            </a:r>
+            <a:r>
+              <a:rPr lang="fr-FR" sz="2800" b="0" strike="noStrike" spc="-1" dirty="0">
+                <a:solidFill>
+                  <a:srgbClr val="000000"/>
+                </a:solidFill>
+                <a:latin typeface="Ubuntu"/>
+                <a:ea typeface="DejaVu Sans"/>
+              </a:rPr>
+              <a:t> « racine » collecte les données des « feuilles »</a:t>
+            </a:r>
+            <a:endParaRPr lang="fr-FR" sz="2800" b="0" strike="noStrike" spc="-1" dirty="0">
+              <a:latin typeface="Arial"/>
+            </a:endParaRPr>
+          </a:p>
+          <a:p>
+            <a:pPr>
+              <a:lnSpc>
+                <a:spcPct val="90000"/>
+              </a:lnSpc>
+              <a:spcBef>
+                <a:spcPts val="1001"/>
+              </a:spcBef>
+            </a:pPr>
+            <a:endParaRPr lang="fr-FR" sz="2800" b="0" strike="noStrike" spc="-1" dirty="0">
+              <a:latin typeface="Arial"/>
+            </a:endParaRPr>
+          </a:p>
+          <a:p>
+            <a:pPr>
+              <a:lnSpc>
+                <a:spcPct val="90000"/>
+              </a:lnSpc>
+              <a:spcBef>
+                <a:spcPts val="1001"/>
+              </a:spcBef>
+            </a:pPr>
+            <a:endParaRPr lang="fr-FR" sz="2800" b="0" strike="noStrike" spc="-1" dirty="0">
+              <a:latin typeface="Arial"/>
+            </a:endParaRPr>
+          </a:p>
+          <a:p>
+            <a:pPr>
+              <a:lnSpc>
+                <a:spcPct val="90000"/>
+              </a:lnSpc>
+              <a:spcBef>
+                <a:spcPts val="1001"/>
+              </a:spcBef>
+            </a:pPr>
+            <a:endParaRPr lang="fr-FR" sz="2800" b="0" strike="noStrike" spc="-1" dirty="0">
+              <a:latin typeface="Arial"/>
+            </a:endParaRPr>
+          </a:p>
+          <a:p>
+            <a:pPr>
+              <a:lnSpc>
+                <a:spcPct val="90000"/>
+              </a:lnSpc>
+              <a:spcBef>
+                <a:spcPts val="1001"/>
+              </a:spcBef>
+            </a:pPr>
+            <a:endParaRPr lang="fr-FR" sz="2800" b="0" strike="noStrike" spc="-1" dirty="0">
+              <a:latin typeface="Arial"/>
+            </a:endParaRPr>
+          </a:p>
+          <a:p>
+            <a:pPr>
+              <a:lnSpc>
+                <a:spcPct val="90000"/>
+              </a:lnSpc>
+              <a:spcBef>
+                <a:spcPts val="1001"/>
+              </a:spcBef>
+            </a:pPr>
+            <a:endParaRPr lang="fr-FR" sz="2800" b="0" strike="noStrike" spc="-1" dirty="0">
+              <a:latin typeface="Arial"/>
+            </a:endParaRPr>
+          </a:p>
+          <a:p>
+            <a:pPr>
+              <a:lnSpc>
+                <a:spcPct val="90000"/>
+              </a:lnSpc>
+              <a:spcBef>
+                <a:spcPts val="1001"/>
+              </a:spcBef>
+            </a:pPr>
+            <a:endParaRPr lang="fr-FR" sz="2800" b="0" strike="noStrike" spc="-1" dirty="0">
+              <a:latin typeface="Arial"/>
+            </a:endParaRPr>
+          </a:p>
+          <a:p>
+            <a:pPr>
+              <a:lnSpc>
+                <a:spcPct val="90000"/>
+              </a:lnSpc>
+              <a:spcBef>
+                <a:spcPts val="1001"/>
+              </a:spcBef>
+            </a:pPr>
+            <a:endParaRPr lang="fr-FR" sz="2800" b="0" strike="noStrike" spc="-1" dirty="0">
+              <a:latin typeface="Arial"/>
+            </a:endParaRPr>
+          </a:p>
+          <a:p>
+            <a:pPr marL="432000" lvl="1" indent="-215280">
+              <a:lnSpc>
+                <a:spcPct val="90000"/>
+              </a:lnSpc>
+              <a:spcBef>
+                <a:spcPts val="1001"/>
+              </a:spcBef>
+              <a:buClr>
+                <a:srgbClr val="000000"/>
+              </a:buClr>
+              <a:buSzPct val="45000"/>
+              <a:buFont typeface="Wingdings" charset="2"/>
+              <a:buChar char=""/>
+            </a:pPr>
+            <a:r>
+              <a:rPr lang="fr-FR" sz="2800" b="0" strike="noStrike" spc="-1" dirty="0" smtClean="0">
+                <a:solidFill>
+                  <a:srgbClr val="000000"/>
+                </a:solidFill>
+                <a:latin typeface="Ubuntu"/>
+                <a:ea typeface="DejaVu Sans"/>
+              </a:rPr>
+              <a:t>Attention </a:t>
+            </a:r>
+            <a:r>
+              <a:rPr lang="fr-FR" sz="2800" b="0" strike="noStrike" spc="-1" dirty="0">
+                <a:solidFill>
+                  <a:srgbClr val="000000"/>
+                </a:solidFill>
+                <a:latin typeface="Ubuntu"/>
+                <a:ea typeface="DejaVu Sans"/>
+              </a:rPr>
+              <a:t>à la charge sur le </a:t>
+            </a:r>
+            <a:r>
+              <a:rPr lang="fr-FR" sz="2800" b="0" strike="noStrike" spc="-1" dirty="0" err="1">
+                <a:solidFill>
+                  <a:srgbClr val="000000"/>
+                </a:solidFill>
+                <a:latin typeface="Ubuntu"/>
+                <a:ea typeface="DejaVu Sans"/>
+              </a:rPr>
+              <a:t>Prometheus</a:t>
+            </a:r>
+            <a:r>
+              <a:rPr lang="fr-FR" sz="2800" b="0" strike="noStrike" spc="-1" dirty="0">
+                <a:solidFill>
+                  <a:srgbClr val="000000"/>
+                </a:solidFill>
+                <a:latin typeface="Ubuntu"/>
+                <a:ea typeface="DejaVu Sans"/>
+              </a:rPr>
+              <a:t> </a:t>
+            </a:r>
+            <a:r>
+              <a:rPr lang="fr-FR" sz="2800" b="0" strike="noStrike" spc="-1" dirty="0" smtClean="0">
+                <a:solidFill>
+                  <a:srgbClr val="000000"/>
+                </a:solidFill>
+                <a:latin typeface="Ubuntu"/>
+                <a:ea typeface="DejaVu Sans"/>
+              </a:rPr>
+              <a:t>« racine »</a:t>
+            </a:r>
+            <a:r>
+              <a:rPr lang="fr-FR" sz="2800" b="0" strike="noStrike" spc="-1" dirty="0">
+                <a:solidFill>
+                  <a:srgbClr val="000000"/>
+                </a:solidFill>
+                <a:latin typeface="Ubuntu"/>
+                <a:ea typeface="DejaVu Sans"/>
+              </a:rPr>
+              <a:t> </a:t>
+            </a:r>
+            <a:r>
+              <a:rPr lang="fr-FR" sz="2800" b="0" strike="noStrike" spc="-1" dirty="0" smtClean="0">
+                <a:solidFill>
+                  <a:srgbClr val="000000"/>
+                </a:solidFill>
+                <a:latin typeface="Ubuntu"/>
+                <a:ea typeface="DejaVu Sans"/>
+              </a:rPr>
+              <a:t>!</a:t>
+            </a:r>
+            <a:endParaRPr lang="fr-FR" sz="2800" b="0" strike="noStrike" spc="-1" dirty="0">
+              <a:latin typeface="Arial"/>
+            </a:endParaRPr>
+          </a:p>
+        </p:txBody>
+      </p:sp>
+      <p:pic>
+        <p:nvPicPr>
+          <p:cNvPr id="310" name="Image 309"/>
+          <p:cNvPicPr/>
+          <p:nvPr/>
+        </p:nvPicPr>
+        <p:blipFill>
+          <a:blip r:embed="rId3"/>
+          <a:stretch/>
+        </p:blipFill>
+        <p:spPr>
+          <a:xfrm>
+            <a:off x="1440000" y="2664000"/>
+            <a:ext cx="1079640" cy="1077480"/>
+          </a:xfrm>
+          <a:prstGeom prst="rect">
+            <a:avLst/>
+          </a:prstGeom>
+          <a:ln>
+            <a:noFill/>
+          </a:ln>
+        </p:spPr>
+      </p:pic>
+      <p:pic>
+        <p:nvPicPr>
+          <p:cNvPr id="311" name="Image 310"/>
+          <p:cNvPicPr/>
+          <p:nvPr/>
+        </p:nvPicPr>
+        <p:blipFill>
+          <a:blip r:embed="rId4"/>
+          <a:stretch/>
+        </p:blipFill>
+        <p:spPr>
+          <a:xfrm>
+            <a:off x="3375720" y="4392360"/>
+            <a:ext cx="1015920" cy="1007280"/>
+          </a:xfrm>
+          <a:prstGeom prst="rect">
+            <a:avLst/>
+          </a:prstGeom>
+          <a:ln>
+            <a:noFill/>
+          </a:ln>
+        </p:spPr>
+      </p:pic>
+      <p:pic>
+        <p:nvPicPr>
+          <p:cNvPr id="312" name="Image 311"/>
+          <p:cNvPicPr/>
+          <p:nvPr/>
+        </p:nvPicPr>
+        <p:blipFill>
+          <a:blip r:embed="rId4"/>
+          <a:stretch/>
+        </p:blipFill>
+        <p:spPr>
+          <a:xfrm>
+            <a:off x="6984360" y="4391640"/>
+            <a:ext cx="1015920" cy="1007280"/>
+          </a:xfrm>
+          <a:prstGeom prst="rect">
+            <a:avLst/>
+          </a:prstGeom>
+          <a:ln>
+            <a:noFill/>
+          </a:ln>
+        </p:spPr>
+      </p:pic>
+      <p:sp>
+        <p:nvSpPr>
+          <p:cNvPr id="313" name="CustomShape 3"/>
+          <p:cNvSpPr/>
+          <p:nvPr/>
+        </p:nvSpPr>
+        <p:spPr>
+          <a:xfrm>
+            <a:off x="2520000" y="3202920"/>
+            <a:ext cx="2664000" cy="720"/>
+          </a:xfrm>
+          <a:prstGeom prst="curvedConnector3">
+            <a:avLst>
+              <a:gd name="adj1" fmla="val 50000"/>
+            </a:avLst>
+          </a:prstGeom>
+          <a:noFill/>
+          <a:ln w="57240">
+            <a:solidFill>
+              <a:srgbClr val="000000"/>
+            </a:solidFill>
+            <a:round/>
+            <a:tailEnd type="triangle" w="med" len="med"/>
+          </a:ln>
+        </p:spPr>
+        <p:style>
+          <a:lnRef idx="0">
+            <a:scrgbClr r="0" g="0" b="0"/>
+          </a:lnRef>
+          <a:fillRef idx="0">
+            <a:scrgbClr r="0" g="0" b="0"/>
+          </a:fillRef>
+          <a:effectRef idx="0">
+            <a:scrgbClr r="0" g="0" b="0"/>
+          </a:effectRef>
+          <a:fontRef idx="minor"/>
+        </p:style>
+      </p:sp>
+      <p:pic>
+        <p:nvPicPr>
+          <p:cNvPr id="314" name="Image 313"/>
+          <p:cNvPicPr/>
+          <p:nvPr/>
+        </p:nvPicPr>
+        <p:blipFill>
+          <a:blip r:embed="rId4"/>
+          <a:stretch/>
+        </p:blipFill>
+        <p:spPr>
+          <a:xfrm>
+            <a:off x="5184000" y="2700000"/>
+            <a:ext cx="1015920" cy="1007280"/>
+          </a:xfrm>
+          <a:prstGeom prst="rect">
+            <a:avLst/>
+          </a:prstGeom>
+          <a:ln>
+            <a:noFill/>
+          </a:ln>
+        </p:spPr>
+      </p:pic>
+      <p:sp>
+        <p:nvSpPr>
+          <p:cNvPr id="315" name="CustomShape 4"/>
+          <p:cNvSpPr/>
+          <p:nvPr/>
+        </p:nvSpPr>
+        <p:spPr>
+          <a:xfrm flipH="1">
+            <a:off x="4391280" y="3707640"/>
+            <a:ext cx="1299960" cy="1188360"/>
+          </a:xfrm>
+          <a:prstGeom prst="curvedConnector3">
+            <a:avLst>
+              <a:gd name="adj1" fmla="val 50000"/>
+            </a:avLst>
+          </a:prstGeom>
+          <a:noFill/>
+          <a:ln w="57240">
+            <a:solidFill>
+              <a:srgbClr val="000000"/>
+            </a:solidFill>
+            <a:round/>
+            <a:tailEnd type="triangle" w="med" len="med"/>
+          </a:ln>
+        </p:spPr>
+        <p:style>
+          <a:lnRef idx="0">
+            <a:scrgbClr r="0" g="0" b="0"/>
+          </a:lnRef>
+          <a:fillRef idx="0">
+            <a:scrgbClr r="0" g="0" b="0"/>
+          </a:fillRef>
+          <a:effectRef idx="0">
+            <a:scrgbClr r="0" g="0" b="0"/>
+          </a:effectRef>
+          <a:fontRef idx="minor"/>
+        </p:style>
+      </p:sp>
+      <p:sp>
+        <p:nvSpPr>
+          <p:cNvPr id="316" name="CustomShape 5"/>
+          <p:cNvSpPr/>
+          <p:nvPr/>
+        </p:nvSpPr>
+        <p:spPr>
+          <a:xfrm>
+            <a:off x="5691960" y="3707640"/>
+            <a:ext cx="1292400" cy="1187640"/>
+          </a:xfrm>
+          <a:prstGeom prst="curvedConnector3">
+            <a:avLst>
+              <a:gd name="adj1" fmla="val 50000"/>
+            </a:avLst>
+          </a:prstGeom>
+          <a:noFill/>
+          <a:ln w="57240">
+            <a:solidFill>
+              <a:srgbClr val="000000"/>
+            </a:solidFill>
+            <a:round/>
+            <a:tailEnd type="triangle" w="med" len="med"/>
+          </a:ln>
+        </p:spPr>
+        <p:style>
+          <a:lnRef idx="0">
+            <a:scrgbClr r="0" g="0" b="0"/>
+          </a:lnRef>
+          <a:fillRef idx="0">
+            <a:scrgbClr r="0" g="0" b="0"/>
+          </a:fillRef>
+          <a:effectRef idx="0">
+            <a:scrgbClr r="0" g="0" b="0"/>
+          </a:effectRef>
+          <a:fontRef idx="minor"/>
+        </p:style>
+      </p:sp>
+      <p:pic>
+        <p:nvPicPr>
+          <p:cNvPr id="317" name="Image 316"/>
+          <p:cNvPicPr/>
+          <p:nvPr/>
+        </p:nvPicPr>
+        <p:blipFill>
+          <a:blip r:embed="rId5"/>
+          <a:srcRect l="29694" r="30791" b="30750"/>
+          <a:stretch/>
+        </p:blipFill>
+        <p:spPr>
+          <a:xfrm>
+            <a:off x="1462320" y="4356720"/>
+            <a:ext cx="1201320" cy="1078920"/>
+          </a:xfrm>
+          <a:prstGeom prst="rect">
+            <a:avLst/>
+          </a:prstGeom>
+          <a:ln>
+            <a:noFill/>
+          </a:ln>
+        </p:spPr>
+      </p:pic>
+      <p:pic>
+        <p:nvPicPr>
+          <p:cNvPr id="318" name="Image 317"/>
+          <p:cNvPicPr/>
+          <p:nvPr/>
+        </p:nvPicPr>
+        <p:blipFill>
+          <a:blip r:embed="rId5"/>
+          <a:srcRect l="29694" r="30791" b="30750"/>
+          <a:stretch/>
+        </p:blipFill>
+        <p:spPr>
+          <a:xfrm>
+            <a:off x="8784000" y="4356000"/>
+            <a:ext cx="1201320" cy="1078920"/>
+          </a:xfrm>
+          <a:prstGeom prst="rect">
+            <a:avLst/>
+          </a:prstGeom>
+          <a:ln>
+            <a:noFill/>
+          </a:ln>
+        </p:spPr>
+      </p:pic>
+      <p:sp>
+        <p:nvSpPr>
+          <p:cNvPr id="319" name="CustomShape 6"/>
+          <p:cNvSpPr/>
+          <p:nvPr/>
+        </p:nvSpPr>
+        <p:spPr>
+          <a:xfrm>
+            <a:off x="8000640" y="4895280"/>
+            <a:ext cx="783360" cy="360"/>
+          </a:xfrm>
+          <a:prstGeom prst="curvedConnector3">
+            <a:avLst>
+              <a:gd name="adj1" fmla="val 50000"/>
+            </a:avLst>
+          </a:prstGeom>
+          <a:noFill/>
+          <a:ln w="57240">
+            <a:solidFill>
+              <a:srgbClr val="FF0000"/>
+            </a:solidFill>
+            <a:round/>
+            <a:tailEnd type="triangle" w="med" len="med"/>
+          </a:ln>
+        </p:spPr>
+        <p:style>
+          <a:lnRef idx="0">
+            <a:scrgbClr r="0" g="0" b="0"/>
+          </a:lnRef>
+          <a:fillRef idx="0">
+            <a:scrgbClr r="0" g="0" b="0"/>
+          </a:fillRef>
+          <a:effectRef idx="0">
+            <a:scrgbClr r="0" g="0" b="0"/>
+          </a:effectRef>
+          <a:fontRef idx="minor"/>
+        </p:style>
+      </p:sp>
+      <p:sp>
+        <p:nvSpPr>
+          <p:cNvPr id="320" name="CustomShape 7"/>
+          <p:cNvSpPr/>
+          <p:nvPr/>
+        </p:nvSpPr>
+        <p:spPr>
+          <a:xfrm flipH="1">
+            <a:off x="2663280" y="4896000"/>
+            <a:ext cx="711720" cy="360"/>
+          </a:xfrm>
+          <a:prstGeom prst="curvedConnector3">
+            <a:avLst>
+              <a:gd name="adj1" fmla="val 50000"/>
+            </a:avLst>
+          </a:prstGeom>
+          <a:noFill/>
+          <a:ln w="57240">
+            <a:solidFill>
+              <a:srgbClr val="FF0000"/>
+            </a:solidFill>
+            <a:round/>
+            <a:tailEnd type="triangle" w="med" len="med"/>
+          </a:ln>
+        </p:spPr>
+        <p:style>
+          <a:lnRef idx="0">
+            <a:scrgbClr r="0" g="0" b="0"/>
+          </a:lnRef>
+          <a:fillRef idx="0">
+            <a:scrgbClr r="0" g="0" b="0"/>
+          </a:fillRef>
+          <a:effectRef idx="0">
+            <a:scrgbClr r="0" g="0" b="0"/>
+          </a:effectRef>
+          <a:fontRef idx="minor"/>
+        </p:style>
+      </p:sp>
+    </p:spTree>
+  </p:cSld>
+  <p:clrMapOvr>
+    <a:masterClrMapping/>
+  </p:clrMapOvr>
+  <p:timing>
+    <p:tnLst>
+      <p:par>
+        <p:cTn id="1" dur="indefinite" restart="never" nodeType="tmRoot">
+          <p:childTnLst>
+            <p:seq>
+              <p:cTn id="2" dur="indefinite" nodeType="mainSeq"/>
+              <p:prevCondLst>
+                <p:cond evt="onPrev" delay="0">
+                  <p:tgtEl>
+                    <p:sldTgt/>
+                  </p:tgtEl>
+                </p:cond>
+              </p:prevCondLst>
+              <p:nextCondLst>
+                <p:cond evt="onNext" delay="0">
+                  <p:tgtEl>
+                    <p:sldTgt/>
+                  </p:tgtEl>
+                </p:cond>
+              </p:nextCondLst>
+            </p:seq>
+          </p:childTnLst>
+        </p:cTn>
+      </p:par>
+    </p:tnLst>
+  </p:timing>
+</p:sld>
+</file>
+
 <file path=ppt/slides/slide18.xml><?xml version="1.0" encoding="utf-8"?>
 <p:sld xmlns:a="http://schemas.openxmlformats.org/drawingml/2006/main" xmlns:r="http://schemas.openxmlformats.org/officeDocument/2006/relationships" xmlns:p="http://schemas.openxmlformats.org/presentationml/2006/main">
   <p:cSld>
@@ -17323,7 +17640,7 @@
       </p:grpSpPr>
       <p:sp>
         <p:nvSpPr>
-          <p:cNvPr id="308" name="CustomShape 1"/>
+          <p:cNvPr id="321" name="CustomShape 1"/>
           <p:cNvSpPr/>
           <p:nvPr/>
         </p:nvSpPr>
@@ -17371,7 +17688,7 @@
                 <a:latin typeface="Ubuntu"/>
                 <a:ea typeface="DejaVu Sans"/>
               </a:rPr>
-              <a:t>Workaround 2b : la Fédération</a:t>
+              <a:t>Problème n°3 : SPOF ! </a:t>
             </a:r>
             <a:endParaRPr lang="fr-FR" sz="3200" b="0" strike="noStrike" spc="-1">
               <a:latin typeface="Arial"/>
@@ -17381,14 +17698,14 @@
       </p:sp>
       <p:sp>
         <p:nvSpPr>
-          <p:cNvPr id="309" name="CustomShape 2"/>
+          <p:cNvPr id="322" name="CustomShape 2"/>
           <p:cNvSpPr/>
           <p:nvPr/>
         </p:nvSpPr>
         <p:spPr>
           <a:xfrm>
             <a:off x="838080" y="1310760"/>
-            <a:ext cx="10507320" cy="5240880"/>
+            <a:ext cx="10507320" cy="4964760"/>
           </a:xfrm>
           <a:prstGeom prst="rect">
             <a:avLst/>
@@ -17432,7 +17749,7 @@
                 <a:latin typeface="Ubuntu"/>
                 <a:ea typeface="DejaVu Sans"/>
               </a:rPr>
-              <a:t>Réponse des </a:t>
+              <a:t>Un seul serveur </a:t>
             </a:r>
             <a:r>
               <a:rPr lang="fr-FR" sz="2800" b="0" strike="noStrike" spc="-1" dirty="0" err="1">
@@ -17442,7 +17759,7 @@
                 <a:latin typeface="Ubuntu"/>
                 <a:ea typeface="DejaVu Sans"/>
               </a:rPr>
-              <a:t>Devs</a:t>
+              <a:t>Prometheus</a:t>
             </a:r>
             <a:r>
               <a:rPr lang="fr-FR" sz="2800" b="0" strike="noStrike" spc="-1" dirty="0">
@@ -17455,6 +17772,73 @@
               <a:t> </a:t>
             </a:r>
             <a:r>
+              <a:rPr lang="fr-FR" sz="2800" b="0" strike="noStrike" spc="-1" dirty="0" smtClean="0">
+                <a:solidFill>
+                  <a:srgbClr val="000000"/>
+                </a:solidFill>
+                <a:latin typeface="Ubuntu"/>
+                <a:ea typeface="DejaVu Sans"/>
+                <a:sym typeface="Wingdings" panose="05000000000000000000" pitchFamily="2" charset="2"/>
+              </a:rPr>
+              <a:t> </a:t>
+            </a:r>
+            <a:r>
+              <a:rPr lang="fr-FR" sz="2800" b="0" strike="noStrike" spc="-1" dirty="0" smtClean="0">
+                <a:solidFill>
+                  <a:srgbClr val="000000"/>
+                </a:solidFill>
+                <a:latin typeface="Ubuntu"/>
+                <a:ea typeface="DejaVu Sans"/>
+              </a:rPr>
+              <a:t>on </a:t>
+            </a:r>
+            <a:r>
+              <a:rPr lang="fr-FR" sz="2800" b="0" strike="noStrike" spc="-1" dirty="0">
+                <a:solidFill>
+                  <a:srgbClr val="000000"/>
+                </a:solidFill>
+                <a:latin typeface="Ubuntu"/>
+                <a:ea typeface="DejaVu Sans"/>
+              </a:rPr>
+              <a:t>a un SPOF</a:t>
+            </a:r>
+            <a:endParaRPr lang="fr-FR" sz="2800" b="0" strike="noStrike" spc="-1" dirty="0">
+              <a:latin typeface="Arial"/>
+            </a:endParaRPr>
+          </a:p>
+          <a:p>
+            <a:pPr>
+              <a:lnSpc>
+                <a:spcPct val="90000"/>
+              </a:lnSpc>
+              <a:spcBef>
+                <a:spcPts val="1001"/>
+              </a:spcBef>
+            </a:pPr>
+            <a:endParaRPr lang="fr-FR" sz="2800" b="0" strike="noStrike" spc="-1" dirty="0">
+              <a:latin typeface="Arial"/>
+            </a:endParaRPr>
+          </a:p>
+          <a:p>
+            <a:pPr>
+              <a:lnSpc>
+                <a:spcPct val="90000"/>
+              </a:lnSpc>
+              <a:spcBef>
+                <a:spcPts val="1001"/>
+              </a:spcBef>
+            </a:pPr>
+            <a:r>
+              <a:rPr lang="fr-FR" sz="2800" b="0" strike="noStrike" spc="-1" dirty="0">
+                <a:solidFill>
+                  <a:srgbClr val="000000"/>
+                </a:solidFill>
+                <a:latin typeface="Ubuntu"/>
+                <a:ea typeface="DejaVu Sans"/>
+              </a:rPr>
+              <a:t>Réponse des </a:t>
+            </a:r>
+            <a:r>
               <a:rPr lang="fr-FR" sz="2800" b="0" strike="noStrike" spc="-1" dirty="0" err="1">
                 <a:solidFill>
                   <a:srgbClr val="000000"/>
@@ -17462,7 +17846,7 @@
                 <a:latin typeface="Ubuntu"/>
                 <a:ea typeface="DejaVu Sans"/>
               </a:rPr>
-              <a:t>Prometheus</a:t>
+              <a:t>Devs</a:t>
             </a:r>
             <a:r>
               <a:rPr lang="fr-FR" sz="2800" b="0" strike="noStrike" spc="-1" dirty="0">
@@ -17472,7 +17856,47 @@
                 <a:latin typeface="Ubuntu"/>
                 <a:ea typeface="DejaVu Sans"/>
               </a:rPr>
-              <a:t> : Fédération</a:t>
+              <a:t> </a:t>
+            </a:r>
+            <a:r>
+              <a:rPr lang="fr-FR" sz="2800" b="0" strike="noStrike" spc="-1" dirty="0" err="1">
+                <a:solidFill>
+                  <a:srgbClr val="000000"/>
+                </a:solidFill>
+                <a:latin typeface="Ubuntu"/>
+                <a:ea typeface="DejaVu Sans"/>
+              </a:rPr>
+              <a:t>Prometheus</a:t>
+            </a:r>
+            <a:r>
+              <a:rPr lang="fr-FR" sz="2800" b="0" strike="noStrike" spc="-1" dirty="0">
+                <a:solidFill>
+                  <a:srgbClr val="000000"/>
+                </a:solidFill>
+                <a:latin typeface="Ubuntu"/>
+                <a:ea typeface="DejaVu Sans"/>
+              </a:rPr>
+              <a:t> : « </a:t>
+            </a:r>
+            <a:r>
+              <a:rPr lang="fr-FR" sz="2800" b="0" strike="noStrike" spc="-1" dirty="0" err="1">
+                <a:solidFill>
+                  <a:srgbClr val="000000"/>
+                </a:solidFill>
+                <a:latin typeface="Ubuntu"/>
+                <a:ea typeface="DejaVu Sans"/>
+              </a:rPr>
+              <a:t>easy</a:t>
+            </a:r>
+            <a:r>
+              <a:rPr lang="fr-FR" sz="2800" b="0" strike="noStrike" spc="-1" dirty="0">
+                <a:solidFill>
+                  <a:srgbClr val="000000"/>
+                </a:solidFill>
+                <a:latin typeface="Ubuntu"/>
+                <a:ea typeface="DejaVu Sans"/>
+              </a:rPr>
+              <a:t>, on double tout »</a:t>
             </a:r>
             <a:endParaRPr lang="fr-FR" sz="2800" b="0" strike="noStrike" spc="-1" dirty="0">
               <a:latin typeface="Arial"/>
@@ -17494,6 +17918,26 @@
               <a:buChar char=""/>
             </a:pPr>
             <a:r>
+              <a:rPr lang="fr-FR" sz="2800" b="0" strike="noStrike" spc="-1" dirty="0" smtClean="0">
+                <a:solidFill>
+                  <a:srgbClr val="000000"/>
+                </a:solidFill>
+                <a:latin typeface="Ubuntu"/>
+                <a:ea typeface="DejaVu Sans"/>
+              </a:rPr>
+              <a:t>2 serveurs </a:t>
+            </a:r>
+            <a:r>
+              <a:rPr lang="fr-FR" sz="2800" b="0" strike="noStrike" spc="-1" dirty="0">
+                <a:solidFill>
+                  <a:srgbClr val="000000"/>
+                </a:solidFill>
+                <a:latin typeface="Ubuntu"/>
+                <a:ea typeface="DejaVu Sans"/>
+              </a:rPr>
+              <a:t>identiques par « </a:t>
+            </a:r>
+            <a:r>
               <a:rPr lang="fr-FR" sz="2800" b="0" strike="noStrike" spc="-1" dirty="0" err="1">
                 <a:solidFill>
                   <a:srgbClr val="000000"/>
@@ -17501,7 +17945,7 @@
                 <a:latin typeface="Ubuntu"/>
                 <a:ea typeface="DejaVu Sans"/>
               </a:rPr>
-              <a:t>Prometheus</a:t>
+              <a:t>failure</a:t>
             </a:r>
             <a:r>
               <a:rPr lang="fr-FR" sz="2800" b="0" strike="noStrike" spc="-1" dirty="0">
@@ -17511,105 +17955,34 @@
                 <a:latin typeface="Ubuntu"/>
                 <a:ea typeface="DejaVu Sans"/>
               </a:rPr>
-              <a:t> « racine » collecte les données des « feuilles »</a:t>
+              <a:t> </a:t>
+            </a:r>
+            <a:r>
+              <a:rPr lang="fr-FR" sz="2800" b="0" strike="noStrike" spc="-1" dirty="0" err="1">
+                <a:solidFill>
+                  <a:srgbClr val="000000"/>
+                </a:solidFill>
+                <a:latin typeface="Ubuntu"/>
+                <a:ea typeface="DejaVu Sans"/>
+              </a:rPr>
+              <a:t>domain</a:t>
+            </a:r>
+            <a:r>
+              <a:rPr lang="fr-FR" sz="2800" b="0" strike="noStrike" spc="-1" dirty="0">
+                <a:solidFill>
+                  <a:srgbClr val="000000"/>
+                </a:solidFill>
+                <a:latin typeface="Ubuntu"/>
+                <a:ea typeface="DejaVu Sans"/>
+              </a:rPr>
+              <a:t> »</a:t>
             </a:r>
             <a:endParaRPr lang="fr-FR" sz="2800" b="0" strike="noStrike" spc="-1" dirty="0">
               <a:latin typeface="Arial"/>
             </a:endParaRPr>
           </a:p>
           <a:p>
-            <a:pPr>
-              <a:lnSpc>
-                <a:spcPct val="90000"/>
-              </a:lnSpc>
-              <a:spcBef>
-                <a:spcPts val="1001"/>
-              </a:spcBef>
-            </a:pPr>
-            <a:endParaRPr lang="fr-FR" sz="2800" b="0" strike="noStrike" spc="-1" dirty="0">
-              <a:latin typeface="Arial"/>
-            </a:endParaRPr>
-          </a:p>
-          <a:p>
-            <a:pPr>
-              <a:lnSpc>
-                <a:spcPct val="90000"/>
-              </a:lnSpc>
-              <a:spcBef>
-                <a:spcPts val="1001"/>
-              </a:spcBef>
-            </a:pPr>
-            <a:endParaRPr lang="fr-FR" sz="2800" b="0" strike="noStrike" spc="-1" dirty="0">
-              <a:latin typeface="Arial"/>
-            </a:endParaRPr>
-          </a:p>
-          <a:p>
-            <a:pPr>
-              <a:lnSpc>
-                <a:spcPct val="90000"/>
-              </a:lnSpc>
-              <a:spcBef>
-                <a:spcPts val="1001"/>
-              </a:spcBef>
-            </a:pPr>
-            <a:endParaRPr lang="fr-FR" sz="2800" b="0" strike="noStrike" spc="-1" dirty="0">
-              <a:latin typeface="Arial"/>
-            </a:endParaRPr>
-          </a:p>
-          <a:p>
-            <a:pPr>
-              <a:lnSpc>
-                <a:spcPct val="90000"/>
-              </a:lnSpc>
-              <a:spcBef>
-                <a:spcPts val="1001"/>
-              </a:spcBef>
-            </a:pPr>
-            <a:endParaRPr lang="fr-FR" sz="2800" b="0" strike="noStrike" spc="-1" dirty="0">
-              <a:latin typeface="Arial"/>
-            </a:endParaRPr>
-          </a:p>
-          <a:p>
-            <a:pPr>
-              <a:lnSpc>
-                <a:spcPct val="90000"/>
-              </a:lnSpc>
-              <a:spcBef>
-                <a:spcPts val="1001"/>
-              </a:spcBef>
-            </a:pPr>
-            <a:endParaRPr lang="fr-FR" sz="2800" b="0" strike="noStrike" spc="-1" dirty="0">
-              <a:latin typeface="Arial"/>
-            </a:endParaRPr>
-          </a:p>
-          <a:p>
-            <a:pPr>
-              <a:lnSpc>
-                <a:spcPct val="90000"/>
-              </a:lnSpc>
-              <a:spcBef>
-                <a:spcPts val="1001"/>
-              </a:spcBef>
-            </a:pPr>
-            <a:endParaRPr lang="fr-FR" sz="2800" b="0" strike="noStrike" spc="-1" dirty="0">
-              <a:latin typeface="Arial"/>
-            </a:endParaRPr>
-          </a:p>
-          <a:p>
-            <a:pPr>
-              <a:lnSpc>
-                <a:spcPct val="90000"/>
-              </a:lnSpc>
-              <a:spcBef>
-                <a:spcPts val="1001"/>
-              </a:spcBef>
-            </a:pPr>
-            <a:endParaRPr lang="fr-FR" sz="2800" b="0" strike="noStrike" spc="-1" dirty="0">
-              <a:latin typeface="Arial"/>
-            </a:endParaRPr>
-          </a:p>
-          <a:p>
-            <a:pPr marL="432000" lvl="1" indent="-215280">
+            <a:pPr marL="216720" lvl="1">
               <a:lnSpc>
                 <a:spcPct val="90000"/>
               </a:lnSpc>
@@ -17620,8 +17993,6 @@
                 <a:srgbClr val="000000"/>
               </a:buClr>
               <a:buSzPct val="45000"/>
-              <a:buFont typeface="Wingdings" charset="2"/>
-              <a:buChar char=""/>
             </a:pPr>
             <a:r>
               <a:rPr lang="fr-FR" sz="2800" b="0" strike="noStrike" spc="-1" dirty="0" smtClean="0">
@@ -17631,7 +18002,27 @@
                 <a:latin typeface="Ubuntu"/>
                 <a:ea typeface="DejaVu Sans"/>
               </a:rPr>
-              <a:t>Attention </a:t>
+              <a:t>	⇒ </a:t>
+            </a:r>
+            <a:r>
+              <a:rPr lang="fr-FR" sz="2800" spc="-1" dirty="0">
+                <a:solidFill>
+                  <a:srgbClr val="000000"/>
+                </a:solidFill>
+                <a:latin typeface="Ubuntu"/>
+                <a:ea typeface="DejaVu Sans"/>
+              </a:rPr>
+              <a:t>t</a:t>
+            </a:r>
+            <a:r>
+              <a:rPr lang="fr-FR" sz="2800" b="0" strike="noStrike" spc="-1" dirty="0" smtClean="0">
+                <a:solidFill>
+                  <a:srgbClr val="000000"/>
+                </a:solidFill>
+                <a:latin typeface="Ubuntu"/>
+                <a:ea typeface="DejaVu Sans"/>
+              </a:rPr>
+              <a:t>outes </a:t>
             </a:r>
             <a:r>
               <a:rPr lang="fr-FR" sz="2800" b="0" strike="noStrike" spc="-1" dirty="0">
@@ -17641,7 +18032,7 @@
                 <a:latin typeface="Ubuntu"/>
                 <a:ea typeface="DejaVu Sans"/>
               </a:rPr>
-              <a:t>à la charge sur le </a:t>
+              <a:t>les cibles sont </a:t>
             </a:r>
             <a:r>
               <a:rPr lang="fr-FR" sz="2800" b="0" strike="noStrike" spc="-1" dirty="0" err="1">
@@ -17651,7 +18042,7 @@
                 <a:latin typeface="Ubuntu"/>
                 <a:ea typeface="DejaVu Sans"/>
               </a:rPr>
-              <a:t>Prometheus</a:t>
+              <a:t>scrappées</a:t>
             </a:r>
             <a:r>
               <a:rPr lang="fr-FR" sz="2800" b="0" strike="noStrike" spc="-1" dirty="0">
@@ -17661,8 +18052,25 @@
                 <a:latin typeface="Ubuntu"/>
                 <a:ea typeface="DejaVu Sans"/>
               </a:rPr>
-              <a:t> </a:t>
-            </a:r>
+              <a:t> 2 fois (CPU ++)</a:t>
+            </a:r>
+            <a:endParaRPr lang="fr-FR" sz="2800" b="0" strike="noStrike" spc="-1" dirty="0">
+              <a:latin typeface="Arial"/>
+            </a:endParaRPr>
+          </a:p>
+          <a:p>
+            <a:pPr marL="216720" lvl="1">
+              <a:lnSpc>
+                <a:spcPct val="90000"/>
+              </a:lnSpc>
+              <a:spcBef>
+                <a:spcPts val="1001"/>
+              </a:spcBef>
+              <a:buClr>
+                <a:srgbClr val="000000"/>
+              </a:buClr>
+              <a:buSzPct val="45000"/>
+            </a:pPr>
             <a:r>
               <a:rPr lang="fr-FR" sz="2800" b="0" strike="noStrike" spc="-1" dirty="0" smtClean="0">
                 <a:solidFill>
@@ -17671,7 +18079,7 @@
                 <a:latin typeface="Ubuntu"/>
                 <a:ea typeface="DejaVu Sans"/>
               </a:rPr>
-              <a:t>« racine »</a:t>
+              <a:t>	⇒ </a:t>
             </a:r>
             <a:r>
               <a:rPr lang="fr-FR" sz="2800" b="0" strike="noStrike" spc="-1" dirty="0">
@@ -17681,17 +18089,7 @@
                 <a:latin typeface="Ubuntu"/>
                 <a:ea typeface="DejaVu Sans"/>
               </a:rPr>
-              <a:t> </a:t>
-            </a:r>
-            <a:r>
-              <a:rPr lang="fr-FR" sz="2800" b="0" strike="noStrike" spc="-1" dirty="0" smtClean="0">
-                <a:solidFill>
-                  <a:srgbClr val="000000"/>
-                </a:solidFill>
-                <a:latin typeface="Ubuntu"/>
-                <a:ea typeface="DejaVu Sans"/>
-              </a:rPr>
-              <a:t>!</a:t>
+              <a:t>2 sources de données « théoriquement identiques »</a:t>
             </a:r>
             <a:endParaRPr lang="fr-FR" sz="2800" b="0" strike="noStrike" spc="-1" dirty="0">
               <a:latin typeface="Arial"/>
@@ -17699,335 +18097,45 @@
           </a:p>
         </p:txBody>
       </p:sp>
-      <p:pic>
-        <p:nvPicPr>
-          <p:cNvPr id="310" name="Image 309"/>
-          <p:cNvPicPr/>
-          <p:nvPr/>
-        </p:nvPicPr>
-        <p:blipFill>
-          <a:blip r:embed="rId3"/>
-          <a:stretch/>
-        </p:blipFill>
-        <p:spPr>
-          <a:xfrm>
-            <a:off x="1440000" y="2664000"/>
-            <a:ext cx="1079640" cy="1077480"/>
-          </a:xfrm>
-          <a:prstGeom prst="rect">
-            <a:avLst/>
-          </a:prstGeom>
-          <a:ln>
-            <a:noFill/>
-          </a:ln>
-        </p:spPr>
-      </p:pic>
-      <p:pic>
-        <p:nvPicPr>
-          <p:cNvPr id="311" name="Image 310"/>
-          <p:cNvPicPr/>
-          <p:nvPr/>
-        </p:nvPicPr>
-        <p:blipFill>
-          <a:blip r:embed="rId4"/>
-          <a:stretch/>
-        </p:blipFill>
-        <p:spPr>
-          <a:xfrm>
-            <a:off x="3375720" y="4392360"/>
-            <a:ext cx="1015920" cy="1007280"/>
-          </a:xfrm>
-          <a:prstGeom prst="rect">
-            <a:avLst/>
-          </a:prstGeom>
-          <a:ln>
-            <a:noFill/>
-          </a:ln>
-        </p:spPr>
-      </p:pic>
-      <p:pic>
-        <p:nvPicPr>
-          <p:cNvPr id="312" name="Image 311"/>
-          <p:cNvPicPr/>
-          <p:nvPr/>
-        </p:nvPicPr>
-        <p:blipFill>
-          <a:blip r:embed="rId4"/>
-          <a:stretch/>
-        </p:blipFill>
-        <p:spPr>
-          <a:xfrm>
-            <a:off x="6984360" y="4391640"/>
-            <a:ext cx="1015920" cy="1007280"/>
-          </a:xfrm>
-          <a:prstGeom prst="rect">
-            <a:avLst/>
-          </a:prstGeom>
-          <a:ln>
-            <a:noFill/>
-          </a:ln>
-        </p:spPr>
-      </p:pic>
-      <p:sp>
-        <p:nvSpPr>
-          <p:cNvPr id="313" name="CustomShape 3"/>
+      <p:sp>
+        <p:nvSpPr>
+          <p:cNvPr id="2" name="Rectangle 1"/>
           <p:cNvSpPr/>
           <p:nvPr/>
         </p:nvSpPr>
         <p:spPr>
           <a:xfrm>
-            <a:off x="2520000" y="3202920"/>
-            <a:ext cx="2664000" cy="720"/>
-          </a:xfrm>
-          <a:prstGeom prst="curvedConnector3">
-            <a:avLst>
-              <a:gd name="adj1" fmla="val 50000"/>
-            </a:avLst>
-          </a:prstGeom>
-          <a:noFill/>
-          <a:ln w="57240">
-            <a:solidFill>
-              <a:srgbClr val="000000"/>
-            </a:solidFill>
-            <a:round/>
-            <a:tailEnd type="triangle" w="med" len="med"/>
-          </a:ln>
-        </p:spPr>
-        <p:style>
-          <a:lnRef idx="0">
-            <a:scrgbClr r="0" g="0" b="0"/>
-          </a:lnRef>
-          <a:fillRef idx="0">
-            <a:scrgbClr r="0" g="0" b="0"/>
-          </a:fillRef>
-          <a:effectRef idx="0">
-            <a:scrgbClr r="0" g="0" b="0"/>
-          </a:effectRef>
-          <a:fontRef idx="minor"/>
-        </p:style>
-      </p:sp>
-      <p:pic>
-        <p:nvPicPr>
-          <p:cNvPr id="314" name="Image 313"/>
-          <p:cNvPicPr/>
-          <p:nvPr/>
-        </p:nvPicPr>
-        <p:blipFill>
-          <a:blip r:embed="rId4"/>
-          <a:stretch/>
-        </p:blipFill>
-        <p:spPr>
-          <a:xfrm>
-            <a:off x="5184000" y="2700000"/>
-            <a:ext cx="1015920" cy="1007280"/>
-          </a:xfrm>
-          <a:prstGeom prst="rect">
-            <a:avLst/>
-          </a:prstGeom>
-          <a:ln>
-            <a:noFill/>
-          </a:ln>
-        </p:spPr>
-      </p:pic>
-      <p:sp>
-        <p:nvSpPr>
-          <p:cNvPr id="315" name="CustomShape 4"/>
-          <p:cNvSpPr/>
-          <p:nvPr/>
-        </p:nvSpPr>
-        <p:spPr>
-          <a:xfrm flipH="1">
-            <a:off x="4391280" y="3707640"/>
-            <a:ext cx="1299960" cy="1188360"/>
-          </a:xfrm>
-          <a:prstGeom prst="curvedConnector3">
-            <a:avLst>
-              <a:gd name="adj1" fmla="val 50000"/>
-            </a:avLst>
-          </a:prstGeom>
-          <a:noFill/>
-          <a:ln w="57240">
-            <a:solidFill>
-              <a:srgbClr val="000000"/>
-            </a:solidFill>
-            <a:round/>
-            <a:tailEnd type="triangle" w="med" len="med"/>
-          </a:ln>
-        </p:spPr>
-        <p:style>
-          <a:lnRef idx="0">
-            <a:scrgbClr r="0" g="0" b="0"/>
-          </a:lnRef>
-          <a:fillRef idx="0">
-            <a:scrgbClr r="0" g="0" b="0"/>
-          </a:fillRef>
-          <a:effectRef idx="0">
-            <a:scrgbClr r="0" g="0" b="0"/>
-          </a:effectRef>
-          <a:fontRef idx="minor"/>
-        </p:style>
-      </p:sp>
-      <p:sp>
-        <p:nvSpPr>
-          <p:cNvPr id="316" name="CustomShape 5"/>
-          <p:cNvSpPr/>
-          <p:nvPr/>
-        </p:nvSpPr>
-        <p:spPr>
-          <a:xfrm>
-            <a:off x="5691960" y="3707640"/>
-            <a:ext cx="1292400" cy="1187640"/>
-          </a:xfrm>
-          <a:prstGeom prst="curvedConnector3">
-            <a:avLst>
-              <a:gd name="adj1" fmla="val 50000"/>
-            </a:avLst>
-          </a:prstGeom>
-          <a:noFill/>
-          <a:ln w="57240">
-            <a:solidFill>
-              <a:srgbClr val="000000"/>
-            </a:solidFill>
-            <a:round/>
-            <a:tailEnd type="triangle" w="med" len="med"/>
-          </a:ln>
-        </p:spPr>
-        <p:style>
-          <a:lnRef idx="0">
-            <a:scrgbClr r="0" g="0" b="0"/>
-          </a:lnRef>
-          <a:fillRef idx="0">
-            <a:scrgbClr r="0" g="0" b="0"/>
-          </a:fillRef>
-          <a:effectRef idx="0">
-            <a:scrgbClr r="0" g="0" b="0"/>
-          </a:effectRef>
-          <a:fontRef idx="minor"/>
-        </p:style>
-      </p:sp>
-      <p:pic>
-        <p:nvPicPr>
-          <p:cNvPr id="317" name="Image 316"/>
-          <p:cNvPicPr/>
-          <p:nvPr/>
-        </p:nvPicPr>
-        <p:blipFill>
-          <a:blip r:embed="rId5"/>
-          <a:srcRect l="29694" r="30791" b="30750"/>
-          <a:stretch/>
-        </p:blipFill>
-        <p:spPr>
-          <a:xfrm>
-            <a:off x="1462320" y="4356720"/>
-            <a:ext cx="1201320" cy="1078920"/>
-          </a:xfrm>
-          <a:prstGeom prst="rect">
-            <a:avLst/>
-          </a:prstGeom>
-          <a:ln>
-            <a:noFill/>
-          </a:ln>
-        </p:spPr>
-      </p:pic>
-      <p:pic>
-        <p:nvPicPr>
-          <p:cNvPr id="318" name="Image 317"/>
-          <p:cNvPicPr/>
-          <p:nvPr/>
-        </p:nvPicPr>
-        <p:blipFill>
-          <a:blip r:embed="rId5"/>
-          <a:srcRect l="29694" r="30791" b="30750"/>
-          <a:stretch/>
-        </p:blipFill>
-        <p:spPr>
-          <a:xfrm>
-            <a:off x="8784000" y="4356000"/>
-            <a:ext cx="1201320" cy="1078920"/>
-          </a:xfrm>
-          <a:prstGeom prst="rect">
-            <a:avLst/>
-          </a:prstGeom>
-          <a:ln>
-            <a:noFill/>
-          </a:ln>
-        </p:spPr>
-      </p:pic>
-      <p:sp>
-        <p:nvSpPr>
-          <p:cNvPr id="319" name="CustomShape 6"/>
-          <p:cNvSpPr/>
-          <p:nvPr/>
-        </p:nvSpPr>
-        <p:spPr>
-          <a:xfrm>
-            <a:off x="8000640" y="4895280"/>
-            <a:ext cx="783360" cy="360"/>
-          </a:xfrm>
-          <a:prstGeom prst="curvedConnector3">
-            <a:avLst>
-              <a:gd name="adj1" fmla="val 50000"/>
-            </a:avLst>
-          </a:prstGeom>
-          <a:noFill/>
-          <a:ln w="57240">
-            <a:solidFill>
-              <a:srgbClr val="FF0000"/>
-            </a:solidFill>
-            <a:round/>
-            <a:tailEnd type="triangle" w="med" len="med"/>
-          </a:ln>
-        </p:spPr>
-        <p:style>
-          <a:lnRef idx="0">
-            <a:scrgbClr r="0" g="0" b="0"/>
-          </a:lnRef>
-          <a:fillRef idx="0">
-            <a:scrgbClr r="0" g="0" b="0"/>
-          </a:fillRef>
-          <a:effectRef idx="0">
-            <a:scrgbClr r="0" g="0" b="0"/>
-          </a:effectRef>
-          <a:fontRef idx="minor"/>
-        </p:style>
-      </p:sp>
-      <p:sp>
-        <p:nvSpPr>
-          <p:cNvPr id="320" name="CustomShape 7"/>
-          <p:cNvSpPr/>
-          <p:nvPr/>
-        </p:nvSpPr>
-        <p:spPr>
-          <a:xfrm flipH="1">
-            <a:off x="2663280" y="4896000"/>
-            <a:ext cx="711720" cy="360"/>
-          </a:xfrm>
-          <a:prstGeom prst="curvedConnector3">
-            <a:avLst>
-              <a:gd name="adj1" fmla="val 50000"/>
-            </a:avLst>
-          </a:prstGeom>
-          <a:noFill/>
-          <a:ln w="57240">
-            <a:solidFill>
-              <a:srgbClr val="FF0000"/>
-            </a:solidFill>
-            <a:round/>
-            <a:tailEnd type="triangle" w="med" len="med"/>
-          </a:ln>
-        </p:spPr>
-        <p:style>
-          <a:lnRef idx="0">
-            <a:scrgbClr r="0" g="0" b="0"/>
-          </a:lnRef>
-          <a:fillRef idx="0">
-            <a:scrgbClr r="0" g="0" b="0"/>
-          </a:fillRef>
-          <a:effectRef idx="0">
-            <a:scrgbClr r="0" g="0" b="0"/>
-          </a:effectRef>
-          <a:fontRef idx="minor"/>
-        </p:style>
+            <a:off x="432158" y="6075465"/>
+            <a:ext cx="11319163" cy="707886"/>
+          </a:xfrm>
+          <a:prstGeom prst="rect">
+            <a:avLst/>
+          </a:prstGeom>
+        </p:spPr>
+        <p:txBody>
+          <a:bodyPr wrap="square">
+            <a:spAutoFit/>
+          </a:bodyPr>
+          <a:lstStyle/>
+          <a:p>
+            <a:r>
+              <a:rPr lang="fr-FR" sz="2000" dirty="0">
+                <a:hlinkClick r:id="rId3"/>
+              </a:rPr>
+              <a:t>https://prometheus.io/docs/introduction/faq/#</a:t>
+            </a:r>
+            <a:r>
+              <a:rPr lang="fr-FR" sz="2000" dirty="0" smtClean="0">
+                <a:hlinkClick r:id="rId3"/>
+              </a:rPr>
+              <a:t>can-prometheus-be-made-highly-available</a:t>
+            </a:r>
+            <a:endParaRPr lang="fr-FR" sz="2000" dirty="0" smtClean="0"/>
+          </a:p>
+          <a:p>
+            <a:endParaRPr lang="fr-FR" sz="2000" dirty="0" smtClean="0"/>
+          </a:p>
+        </p:txBody>
       </p:sp>
     </p:spTree>
   </p:cSld>
@@ -18083,7 +18191,7 @@
       </p:grpSpPr>
       <p:sp>
         <p:nvSpPr>
-          <p:cNvPr id="321" name="CustomShape 1"/>
+          <p:cNvPr id="328" name="CustomShape 1"/>
           <p:cNvSpPr/>
           <p:nvPr/>
         </p:nvSpPr>
@@ -18124,16 +18232,46 @@
               </a:lnSpc>
             </a:pPr>
             <a:r>
-              <a:rPr lang="fr-FR" sz="3200" b="0" strike="noStrike" spc="-1">
+              <a:rPr lang="fr-FR" sz="3200" b="0" strike="noStrike" spc="-1" dirty="0" err="1" smtClean="0">
                 <a:solidFill>
                   <a:srgbClr val="000000"/>
                 </a:solidFill>
                 <a:latin typeface="Ubuntu"/>
                 <a:ea typeface="DejaVu Sans"/>
               </a:rPr>
-              <a:t>Problème n°3 : SPOF ! </a:t>
-            </a:r>
-            <a:endParaRPr lang="fr-FR" sz="3200" b="0" strike="noStrike" spc="-1">
+              <a:t>Workaround</a:t>
+            </a:r>
+            <a:r>
+              <a:rPr lang="fr-FR" sz="3200" b="0" strike="noStrike" spc="-1" dirty="0" smtClean="0">
+                <a:solidFill>
+                  <a:srgbClr val="000000"/>
+                </a:solidFill>
+                <a:latin typeface="Ubuntu"/>
+                <a:ea typeface="DejaVu Sans"/>
+              </a:rPr>
+              <a:t> 3a</a:t>
+            </a:r>
+            <a:r>
+              <a:rPr lang="fr-FR" sz="3200" b="0" strike="noStrike" spc="-1" dirty="0">
+                <a:solidFill>
+                  <a:srgbClr val="000000"/>
+                </a:solidFill>
+                <a:latin typeface="Ubuntu"/>
+                <a:ea typeface="DejaVu Sans"/>
+              </a:rPr>
+              <a:t> : </a:t>
+            </a:r>
+            <a:r>
+              <a:rPr lang="fr-FR" sz="3200" b="0" strike="noStrike" spc="-1" dirty="0" err="1">
+                <a:solidFill>
+                  <a:srgbClr val="000000"/>
+                </a:solidFill>
+                <a:latin typeface="Ubuntu"/>
+                <a:ea typeface="DejaVu Sans"/>
+              </a:rPr>
+              <a:t>Loadbalancer</a:t>
+            </a:r>
+            <a:endParaRPr lang="fr-FR" sz="3200" b="0" strike="noStrike" spc="-1" dirty="0">
               <a:latin typeface="Arial"/>
             </a:endParaRPr>
           </a:p>
@@ -18141,7 +18279,7 @@
       </p:sp>
       <p:sp>
         <p:nvSpPr>
-          <p:cNvPr id="322" name="CustomShape 2"/>
+          <p:cNvPr id="329" name="CustomShape 2"/>
           <p:cNvSpPr/>
           <p:nvPr/>
         </p:nvSpPr>
@@ -18192,17 +18330,17 @@
                 <a:latin typeface="Ubuntu"/>
                 <a:ea typeface="DejaVu Sans"/>
               </a:rPr>
-              <a:t>Un seul serveur </a:t>
-            </a:r>
-            <a:r>
-              <a:rPr lang="fr-FR" sz="2800" b="0" strike="noStrike" spc="-1" dirty="0" err="1">
+              <a:t>Postulat : les </a:t>
+            </a:r>
+            <a:r>
+              <a:rPr lang="fr-FR" sz="2800" b="0" strike="noStrike" spc="-1" dirty="0" smtClean="0">
                 <a:solidFill>
                   <a:srgbClr val="000000"/>
                 </a:solidFill>
                 <a:latin typeface="Ubuntu"/>
                 <a:ea typeface="DejaVu Sans"/>
               </a:rPr>
-              <a:t>Prometheus</a:t>
+              <a:t>données sont </a:t>
             </a:r>
             <a:r>
               <a:rPr lang="fr-FR" sz="2800" b="0" strike="noStrike" spc="-1" dirty="0">
@@ -18212,38 +18350,7 @@
                 <a:latin typeface="Ubuntu"/>
                 <a:ea typeface="DejaVu Sans"/>
               </a:rPr>
-              <a:t> </a:t>
-            </a:r>
-            <a:r>
-              <a:rPr lang="fr-FR" sz="2800" b="0" strike="noStrike" spc="-1" dirty="0" smtClean="0">
-                <a:solidFill>
-                  <a:srgbClr val="000000"/>
-                </a:solidFill>
-                <a:latin typeface="Ubuntu"/>
-                <a:ea typeface="DejaVu Sans"/>
-                <a:sym typeface="Wingdings" panose="05000000000000000000" pitchFamily="2" charset="2"/>
-              </a:rPr>
-              <a:t> </a:t>
-            </a:r>
-            <a:r>
-              <a:rPr lang="fr-FR" sz="2800" b="0" strike="noStrike" spc="-1" dirty="0" smtClean="0">
-                <a:solidFill>
-                  <a:srgbClr val="000000"/>
-                </a:solidFill>
-                <a:latin typeface="Ubuntu"/>
-                <a:ea typeface="DejaVu Sans"/>
-              </a:rPr>
-              <a:t>on </a:t>
-            </a:r>
-            <a:r>
-              <a:rPr lang="fr-FR" sz="2800" b="0" strike="noStrike" spc="-1" dirty="0">
-                <a:solidFill>
-                  <a:srgbClr val="000000"/>
-                </a:solidFill>
-                <a:latin typeface="Ubuntu"/>
-                <a:ea typeface="DejaVu Sans"/>
-              </a:rPr>
-              <a:t>a un SPOF</a:t>
+              <a:t>identiques</a:t>
             </a:r>
             <a:endParaRPr lang="fr-FR" sz="2800" b="0" strike="noStrike" spc="-1" dirty="0">
               <a:latin typeface="Arial"/>
@@ -18279,7 +18386,7 @@
                 <a:latin typeface="Ubuntu"/>
                 <a:ea typeface="DejaVu Sans"/>
               </a:rPr>
-              <a:t>Réponse des </a:t>
+              <a:t>Si on met un </a:t>
             </a:r>
             <a:r>
               <a:rPr lang="fr-FR" sz="2800" b="0" strike="noStrike" spc="-1" dirty="0" err="1">
@@ -18289,7 +18396,7 @@
                 <a:latin typeface="Ubuntu"/>
                 <a:ea typeface="DejaVu Sans"/>
               </a:rPr>
-              <a:t>Devs</a:t>
+              <a:t>loadbalancer</a:t>
             </a:r>
             <a:r>
               <a:rPr lang="fr-FR" sz="2800" b="0" strike="noStrike" spc="-1" dirty="0">
@@ -18299,54 +18406,14 @@
                 <a:latin typeface="Ubuntu"/>
                 <a:ea typeface="DejaVu Sans"/>
               </a:rPr>
-              <a:t> </a:t>
-            </a:r>
-            <a:r>
-              <a:rPr lang="fr-FR" sz="2800" b="0" strike="noStrike" spc="-1" dirty="0" err="1">
-                <a:solidFill>
-                  <a:srgbClr val="000000"/>
-                </a:solidFill>
-                <a:latin typeface="Ubuntu"/>
-                <a:ea typeface="DejaVu Sans"/>
-              </a:rPr>
-              <a:t>Prometheus</a:t>
-            </a:r>
-            <a:r>
-              <a:rPr lang="fr-FR" sz="2800" b="0" strike="noStrike" spc="-1" dirty="0">
-                <a:solidFill>
-                  <a:srgbClr val="000000"/>
-                </a:solidFill>
-                <a:latin typeface="Ubuntu"/>
-                <a:ea typeface="DejaVu Sans"/>
-              </a:rPr>
-              <a:t> : « </a:t>
-            </a:r>
-            <a:r>
-              <a:rPr lang="fr-FR" sz="2800" b="0" strike="noStrike" spc="-1" dirty="0" err="1">
-                <a:solidFill>
-                  <a:srgbClr val="000000"/>
-                </a:solidFill>
-                <a:latin typeface="Ubuntu"/>
-                <a:ea typeface="DejaVu Sans"/>
-              </a:rPr>
-              <a:t>easy</a:t>
-            </a:r>
-            <a:r>
-              <a:rPr lang="fr-FR" sz="2800" b="0" strike="noStrike" spc="-1" dirty="0">
-                <a:solidFill>
-                  <a:srgbClr val="000000"/>
-                </a:solidFill>
-                <a:latin typeface="Ubuntu"/>
-                <a:ea typeface="DejaVu Sans"/>
-              </a:rPr>
-              <a:t>, on double tout »</a:t>
+              <a:t> L7 devant les</a:t>
             </a:r>
             <a:endParaRPr lang="fr-FR" sz="2800" b="0" strike="noStrike" spc="-1" dirty="0">
               <a:latin typeface="Arial"/>
             </a:endParaRPr>
           </a:p>
           <a:p>
-            <a:pPr marL="432000" lvl="1" indent="-215280">
+            <a:pPr marL="648000" lvl="2" indent="-215640">
               <a:lnSpc>
                 <a:spcPct val="90000"/>
               </a:lnSpc>
@@ -18361,16 +18428,6 @@
               <a:buChar char=""/>
             </a:pPr>
             <a:r>
-              <a:rPr lang="fr-FR" sz="2800" b="0" strike="noStrike" spc="-1" dirty="0" smtClean="0">
-                <a:solidFill>
-                  <a:srgbClr val="000000"/>
-                </a:solidFill>
-                <a:latin typeface="Ubuntu"/>
-                <a:ea typeface="DejaVu Sans"/>
-              </a:rPr>
-              <a:t>2 serveurs </a:t>
-            </a:r>
-            <a:r>
               <a:rPr lang="fr-FR" sz="2800" b="0" strike="noStrike" spc="-1" dirty="0">
                 <a:solidFill>
                   <a:srgbClr val="000000"/>
@@ -18378,54 +18435,14 @@
                 <a:latin typeface="Ubuntu"/>
                 <a:ea typeface="DejaVu Sans"/>
               </a:rPr>
-              <a:t>identiques par « </a:t>
-            </a:r>
-            <a:r>
-              <a:rPr lang="fr-FR" sz="2800" b="0" strike="noStrike" spc="-1" dirty="0" err="1">
-                <a:solidFill>
-                  <a:srgbClr val="000000"/>
-                </a:solidFill>
-                <a:latin typeface="Ubuntu"/>
-                <a:ea typeface="DejaVu Sans"/>
-              </a:rPr>
-              <a:t>failure</a:t>
-            </a:r>
-            <a:r>
-              <a:rPr lang="fr-FR" sz="2800" b="0" strike="noStrike" spc="-1" dirty="0">
-                <a:solidFill>
-                  <a:srgbClr val="000000"/>
-                </a:solidFill>
-                <a:latin typeface="Ubuntu"/>
-                <a:ea typeface="DejaVu Sans"/>
-              </a:rPr>
-              <a:t> </a:t>
-            </a:r>
-            <a:r>
-              <a:rPr lang="fr-FR" sz="2800" b="0" strike="noStrike" spc="-1" dirty="0" err="1">
-                <a:solidFill>
-                  <a:srgbClr val="000000"/>
-                </a:solidFill>
-                <a:latin typeface="Ubuntu"/>
-                <a:ea typeface="DejaVu Sans"/>
-              </a:rPr>
-              <a:t>domain</a:t>
-            </a:r>
-            <a:r>
-              <a:rPr lang="fr-FR" sz="2800" b="0" strike="noStrike" spc="-1" dirty="0">
-                <a:solidFill>
-                  <a:srgbClr val="000000"/>
-                </a:solidFill>
-                <a:latin typeface="Ubuntu"/>
-                <a:ea typeface="DejaVu Sans"/>
-              </a:rPr>
-              <a:t> »</a:t>
+              <a:t>HA en cas de panne</a:t>
             </a:r>
             <a:endParaRPr lang="fr-FR" sz="2800" b="0" strike="noStrike" spc="-1" dirty="0">
               <a:latin typeface="Arial"/>
             </a:endParaRPr>
           </a:p>
           <a:p>
-            <a:pPr marL="216720" lvl="1">
+            <a:pPr marL="648000" lvl="2" indent="-215640">
               <a:lnSpc>
                 <a:spcPct val="90000"/>
               </a:lnSpc>
@@ -18436,37 +18453,9 @@
                 <a:srgbClr val="000000"/>
               </a:buClr>
               <a:buSzPct val="45000"/>
+              <a:buFont typeface="Wingdings" charset="2"/>
+              <a:buChar char=""/>
             </a:pPr>
-            <a:r>
-              <a:rPr lang="fr-FR" sz="2800" b="0" strike="noStrike" spc="-1" dirty="0" smtClean="0">
-                <a:solidFill>
-                  <a:srgbClr val="000000"/>
-                </a:solidFill>
-                <a:latin typeface="Ubuntu"/>
-                <a:ea typeface="DejaVu Sans"/>
-              </a:rPr>
-              <a:t>	⇒ </a:t>
-            </a:r>
-            <a:r>
-              <a:rPr lang="fr-FR" sz="2800" spc="-1" dirty="0">
-                <a:solidFill>
-                  <a:srgbClr val="000000"/>
-                </a:solidFill>
-                <a:latin typeface="Ubuntu"/>
-                <a:ea typeface="DejaVu Sans"/>
-              </a:rPr>
-              <a:t>t</a:t>
-            </a:r>
-            <a:r>
-              <a:rPr lang="fr-FR" sz="2800" b="0" strike="noStrike" spc="-1" dirty="0" smtClean="0">
-                <a:solidFill>
-                  <a:srgbClr val="000000"/>
-                </a:solidFill>
-                <a:latin typeface="Ubuntu"/>
-                <a:ea typeface="DejaVu Sans"/>
-              </a:rPr>
-              <a:t>outes </a:t>
-            </a:r>
             <a:r>
               <a:rPr lang="fr-FR" sz="2800" b="0" strike="noStrike" spc="-1" dirty="0">
                 <a:solidFill>
@@ -18475,7 +18464,7 @@
                 <a:latin typeface="Ubuntu"/>
                 <a:ea typeface="DejaVu Sans"/>
               </a:rPr>
-              <a:t>les cibles sont </a:t>
+              <a:t>Distribue la charge </a:t>
             </a:r>
             <a:r>
               <a:rPr lang="fr-FR" sz="2800" b="0" strike="noStrike" spc="-1" dirty="0" err="1">
@@ -18485,8 +18474,34 @@
                 <a:latin typeface="Ubuntu"/>
                 <a:ea typeface="DejaVu Sans"/>
               </a:rPr>
-              <a:t>scrappées</a:t>
-            </a:r>
+              <a:t>PromQL</a:t>
+            </a:r>
+            <a:endParaRPr lang="fr-FR" sz="2800" b="0" strike="noStrike" spc="-1" dirty="0">
+              <a:latin typeface="Arial"/>
+            </a:endParaRPr>
+          </a:p>
+          <a:p>
+            <a:pPr>
+              <a:lnSpc>
+                <a:spcPct val="90000"/>
+              </a:lnSpc>
+              <a:spcBef>
+                <a:spcPts val="1001"/>
+              </a:spcBef>
+            </a:pPr>
+            <a:endParaRPr lang="fr-FR" sz="2800" b="0" strike="noStrike" spc="-1" dirty="0">
+              <a:latin typeface="Arial"/>
+            </a:endParaRPr>
+          </a:p>
+          <a:p>
+            <a:pPr>
+              <a:lnSpc>
+                <a:spcPct val="90000"/>
+              </a:lnSpc>
+              <a:spcBef>
+                <a:spcPts val="1001"/>
+              </a:spcBef>
+            </a:pPr>
             <a:r>
               <a:rPr lang="fr-FR" sz="2800" b="0" strike="noStrike" spc="-1" dirty="0">
                 <a:solidFill>
@@ -18495,14 +18510,14 @@
                 <a:latin typeface="Ubuntu"/>
                 <a:ea typeface="DejaVu Sans"/>
               </a:rPr>
-              <a:t> 2 fois (CPU ++)</a:t>
+              <a:t>FBI : Fausse Bonne Idée !</a:t>
             </a:r>
             <a:endParaRPr lang="fr-FR" sz="2800" b="0" strike="noStrike" spc="-1" dirty="0">
               <a:latin typeface="Arial"/>
             </a:endParaRPr>
           </a:p>
           <a:p>
-            <a:pPr marL="216720" lvl="1">
+            <a:pPr marL="648000" lvl="2" indent="-215640">
               <a:lnSpc>
                 <a:spcPct val="90000"/>
               </a:lnSpc>
@@ -18513,6 +18528,37 @@
                 <a:srgbClr val="000000"/>
               </a:buClr>
               <a:buSzPct val="45000"/>
+              <a:buFont typeface="Wingdings" charset="2"/>
+              <a:buChar char=""/>
+            </a:pPr>
+            <a:r>
+              <a:rPr lang="fr-FR" sz="2800" b="0" strike="noStrike" spc="-1" dirty="0">
+                <a:solidFill>
+                  <a:srgbClr val="000000"/>
+                </a:solidFill>
+                <a:latin typeface="Ubuntu"/>
+                <a:ea typeface="DejaVu Sans"/>
+              </a:rPr>
+              <a:t>IRL ⇒ Les données ne sont pas identiques </a:t>
+            </a:r>
+            <a:endParaRPr lang="fr-FR" sz="2800" spc="-1" dirty="0">
+              <a:latin typeface="Arial"/>
+            </a:endParaRPr>
+          </a:p>
+          <a:p>
+            <a:pPr marL="648000" lvl="2" indent="-215640">
+              <a:lnSpc>
+                <a:spcPct val="90000"/>
+              </a:lnSpc>
+              <a:spcBef>
+                <a:spcPts val="1001"/>
+              </a:spcBef>
+              <a:buClr>
+                <a:srgbClr val="000000"/>
+              </a:buClr>
+              <a:buSzPct val="45000"/>
+              <a:buFont typeface="Wingdings" charset="2"/>
+              <a:buChar char=""/>
             </a:pPr>
             <a:r>
               <a:rPr lang="fr-FR" sz="2800" b="0" strike="noStrike" spc="-1" dirty="0" smtClean="0">
@@ -18522,7 +18568,7 @@
                 <a:latin typeface="Ubuntu"/>
                 <a:ea typeface="DejaVu Sans"/>
               </a:rPr>
-              <a:t>	⇒ </a:t>
+              <a:t>(</a:t>
             </a:r>
             <a:r>
               <a:rPr lang="fr-FR" sz="2800" b="0" strike="noStrike" spc="-1" dirty="0">
@@ -18532,14 +18578,50 @@
                 <a:latin typeface="Ubuntu"/>
                 <a:ea typeface="DejaVu Sans"/>
               </a:rPr>
-              <a:t>2 sources de données « théoriquement identiques »</a:t>
+              <a:t>en cas de panne par exemple, on aura un « trou »)</a:t>
             </a:r>
             <a:endParaRPr lang="fr-FR" sz="2800" b="0" strike="noStrike" spc="-1" dirty="0">
               <a:latin typeface="Arial"/>
             </a:endParaRPr>
           </a:p>
+          <a:p>
+            <a:pPr>
+              <a:lnSpc>
+                <a:spcPct val="90000"/>
+              </a:lnSpc>
+              <a:spcBef>
+                <a:spcPts val="1001"/>
+              </a:spcBef>
+            </a:pPr>
+            <a:endParaRPr lang="fr-FR" sz="2800" b="0" strike="noStrike" spc="-1" dirty="0">
+              <a:latin typeface="Arial"/>
+            </a:endParaRPr>
+          </a:p>
         </p:txBody>
       </p:sp>
+      <p:pic>
+        <p:nvPicPr>
+          <p:cNvPr id="331" name="Image 330"/>
+          <p:cNvPicPr/>
+          <p:nvPr/>
+        </p:nvPicPr>
+        <p:blipFill>
+          <a:blip r:embed="rId3"/>
+          <a:stretch/>
+        </p:blipFill>
+        <p:spPr>
+          <a:xfrm>
+            <a:off x="7410240" y="2160360"/>
+            <a:ext cx="725400" cy="719280"/>
+          </a:xfrm>
+          <a:prstGeom prst="rect">
+            <a:avLst/>
+          </a:prstGeom>
+          <a:ln>
+            <a:noFill/>
+          </a:ln>
+        </p:spPr>
+      </p:pic>
     </p:spTree>
   </p:cSld>
   <p:clrMapOvr>
@@ -18712,501 +18794,6 @@
             </a:pPr>
             <a:r>
               <a:rPr lang="fr-FR" sz="3200" b="0" strike="noStrike" spc="-1" dirty="0" err="1" smtClean="0">
-                <a:solidFill>
-                  <a:srgbClr val="000000"/>
-                </a:solidFill>
-                <a:latin typeface="Ubuntu"/>
-                <a:ea typeface="DejaVu Sans"/>
-              </a:rPr>
-              <a:t>Workaround</a:t>
-            </a:r>
-            <a:r>
-              <a:rPr lang="fr-FR" sz="3200" b="0" strike="noStrike" spc="-1" dirty="0" smtClean="0">
-                <a:solidFill>
-                  <a:srgbClr val="000000"/>
-                </a:solidFill>
-                <a:latin typeface="Ubuntu"/>
-                <a:ea typeface="DejaVu Sans"/>
-              </a:rPr>
-              <a:t> </a:t>
-            </a:r>
-            <a:r>
-              <a:rPr lang="fr-FR" sz="3200" b="0" strike="noStrike" spc="-1" dirty="0" smtClean="0">
-                <a:solidFill>
-                  <a:srgbClr val="000000"/>
-                </a:solidFill>
-                <a:latin typeface="Ubuntu"/>
-                <a:ea typeface="DejaVu Sans"/>
-              </a:rPr>
-              <a:t>3a</a:t>
-            </a:r>
-            <a:r>
-              <a:rPr lang="fr-FR" sz="3200" b="0" strike="noStrike" spc="-1" dirty="0">
-                <a:solidFill>
-                  <a:srgbClr val="000000"/>
-                </a:solidFill>
-                <a:latin typeface="Ubuntu"/>
-                <a:ea typeface="DejaVu Sans"/>
-              </a:rPr>
-              <a:t> : </a:t>
-            </a:r>
-            <a:r>
-              <a:rPr lang="fr-FR" sz="3200" b="0" strike="noStrike" spc="-1" dirty="0" err="1">
-                <a:solidFill>
-                  <a:srgbClr val="000000"/>
-                </a:solidFill>
-                <a:latin typeface="Ubuntu"/>
-                <a:ea typeface="DejaVu Sans"/>
-              </a:rPr>
-              <a:t>Loadbalancer</a:t>
-            </a:r>
-            <a:endParaRPr lang="fr-FR" sz="3200" b="0" strike="noStrike" spc="-1" dirty="0">
-              <a:latin typeface="Arial"/>
-            </a:endParaRPr>
-          </a:p>
-        </p:txBody>
-      </p:sp>
-      <p:sp>
-        <p:nvSpPr>
-          <p:cNvPr id="329" name="CustomShape 2"/>
-          <p:cNvSpPr/>
-          <p:nvPr/>
-        </p:nvSpPr>
-        <p:spPr>
-          <a:xfrm>
-            <a:off x="838080" y="1310760"/>
-            <a:ext cx="10507320" cy="4964760"/>
-          </a:xfrm>
-          <a:prstGeom prst="rect">
-            <a:avLst/>
-          </a:prstGeom>
-          <a:noFill/>
-          <a:ln>
-            <a:noFill/>
-          </a:ln>
-        </p:spPr>
-        <p:style>
-          <a:lnRef idx="0">
-            <a:scrgbClr r="0" g="0" b="0"/>
-          </a:lnRef>
-          <a:fillRef idx="0">
-            <a:scrgbClr r="0" g="0" b="0"/>
-          </a:fillRef>
-          <a:effectRef idx="0">
-            <a:scrgbClr r="0" g="0" b="0"/>
-          </a:effectRef>
-          <a:fontRef idx="minor"/>
-        </p:style>
-        <p:txBody>
-          <a:bodyPr lIns="90000" tIns="45000" rIns="90000" bIns="45000">
-            <a:normAutofit/>
-          </a:bodyPr>
-          <a:lstStyle/>
-          <a:p>
-            <a:pPr>
-              <a:lnSpc>
-                <a:spcPct val="90000"/>
-              </a:lnSpc>
-              <a:spcBef>
-                <a:spcPts val="1001"/>
-              </a:spcBef>
-            </a:pPr>
-            <a:r>
-              <a:rPr lang="fr-FR" sz="2800" b="0" strike="noStrike" spc="-1" dirty="0">
-                <a:solidFill>
-                  <a:srgbClr val="000000"/>
-                </a:solidFill>
-                <a:latin typeface="Ubuntu"/>
-                <a:ea typeface="DejaVu Sans"/>
-              </a:rPr>
-              <a:t>Postulat : les </a:t>
-            </a:r>
-            <a:r>
-              <a:rPr lang="fr-FR" sz="2800" b="0" strike="noStrike" spc="-1" dirty="0" smtClean="0">
-                <a:solidFill>
-                  <a:srgbClr val="000000"/>
-                </a:solidFill>
-                <a:latin typeface="Ubuntu"/>
-                <a:ea typeface="DejaVu Sans"/>
-              </a:rPr>
-              <a:t>données sont </a:t>
-            </a:r>
-            <a:r>
-              <a:rPr lang="fr-FR" sz="2800" b="0" strike="noStrike" spc="-1" dirty="0">
-                <a:solidFill>
-                  <a:srgbClr val="000000"/>
-                </a:solidFill>
-                <a:latin typeface="Ubuntu"/>
-                <a:ea typeface="DejaVu Sans"/>
-              </a:rPr>
-              <a:t>identiques</a:t>
-            </a:r>
-            <a:endParaRPr lang="fr-FR" sz="2800" b="0" strike="noStrike" spc="-1" dirty="0">
-              <a:latin typeface="Arial"/>
-            </a:endParaRPr>
-          </a:p>
-          <a:p>
-            <a:pPr>
-              <a:lnSpc>
-                <a:spcPct val="90000"/>
-              </a:lnSpc>
-              <a:spcBef>
-                <a:spcPts val="1001"/>
-              </a:spcBef>
-            </a:pPr>
-            <a:endParaRPr lang="fr-FR" sz="2800" b="0" strike="noStrike" spc="-1" dirty="0">
-              <a:latin typeface="Arial"/>
-            </a:endParaRPr>
-          </a:p>
-          <a:p>
-            <a:pPr>
-              <a:lnSpc>
-                <a:spcPct val="90000"/>
-              </a:lnSpc>
-              <a:spcBef>
-                <a:spcPts val="1001"/>
-              </a:spcBef>
-            </a:pPr>
-            <a:r>
-              <a:rPr lang="fr-FR" sz="2800" b="0" strike="noStrike" spc="-1" dirty="0">
-                <a:solidFill>
-                  <a:srgbClr val="000000"/>
-                </a:solidFill>
-                <a:latin typeface="Ubuntu"/>
-                <a:ea typeface="DejaVu Sans"/>
-              </a:rPr>
-              <a:t>Si on met un </a:t>
-            </a:r>
-            <a:r>
-              <a:rPr lang="fr-FR" sz="2800" b="0" strike="noStrike" spc="-1" dirty="0" err="1">
-                <a:solidFill>
-                  <a:srgbClr val="000000"/>
-                </a:solidFill>
-                <a:latin typeface="Ubuntu"/>
-                <a:ea typeface="DejaVu Sans"/>
-              </a:rPr>
-              <a:t>loadbalancer</a:t>
-            </a:r>
-            <a:r>
-              <a:rPr lang="fr-FR" sz="2800" b="0" strike="noStrike" spc="-1" dirty="0">
-                <a:solidFill>
-                  <a:srgbClr val="000000"/>
-                </a:solidFill>
-                <a:latin typeface="Ubuntu"/>
-                <a:ea typeface="DejaVu Sans"/>
-              </a:rPr>
-              <a:t> L7 devant les</a:t>
-            </a:r>
-            <a:endParaRPr lang="fr-FR" sz="2800" b="0" strike="noStrike" spc="-1" dirty="0">
-              <a:latin typeface="Arial"/>
-            </a:endParaRPr>
-          </a:p>
-          <a:p>
-            <a:pPr marL="648000" lvl="2" indent="-215640">
-              <a:lnSpc>
-                <a:spcPct val="90000"/>
-              </a:lnSpc>
-              <a:spcBef>
-                <a:spcPts val="1001"/>
-              </a:spcBef>
-              <a:buClr>
-                <a:srgbClr val="000000"/>
-              </a:buClr>
-              <a:buSzPct val="45000"/>
-              <a:buFont typeface="Wingdings" charset="2"/>
-              <a:buChar char=""/>
-            </a:pPr>
-            <a:r>
-              <a:rPr lang="fr-FR" sz="2800" b="0" strike="noStrike" spc="-1" dirty="0">
-                <a:solidFill>
-                  <a:srgbClr val="000000"/>
-                </a:solidFill>
-                <a:latin typeface="Ubuntu"/>
-                <a:ea typeface="DejaVu Sans"/>
-              </a:rPr>
-              <a:t>HA en cas de panne</a:t>
-            </a:r>
-            <a:endParaRPr lang="fr-FR" sz="2800" b="0" strike="noStrike" spc="-1" dirty="0">
-              <a:latin typeface="Arial"/>
-            </a:endParaRPr>
-          </a:p>
-          <a:p>
-            <a:pPr marL="648000" lvl="2" indent="-215640">
-              <a:lnSpc>
-                <a:spcPct val="90000"/>
-              </a:lnSpc>
-              <a:spcBef>
-                <a:spcPts val="1001"/>
-              </a:spcBef>
-              <a:buClr>
-                <a:srgbClr val="000000"/>
-              </a:buClr>
-              <a:buSzPct val="45000"/>
-              <a:buFont typeface="Wingdings" charset="2"/>
-              <a:buChar char=""/>
-            </a:pPr>
-            <a:r>
-              <a:rPr lang="fr-FR" sz="2800" b="0" strike="noStrike" spc="-1" dirty="0">
-                <a:solidFill>
-                  <a:srgbClr val="000000"/>
-                </a:solidFill>
-                <a:latin typeface="Ubuntu"/>
-                <a:ea typeface="DejaVu Sans"/>
-              </a:rPr>
-              <a:t>Distribue la charge </a:t>
-            </a:r>
-            <a:r>
-              <a:rPr lang="fr-FR" sz="2800" b="0" strike="noStrike" spc="-1" dirty="0" err="1">
-                <a:solidFill>
-                  <a:srgbClr val="000000"/>
-                </a:solidFill>
-                <a:latin typeface="Ubuntu"/>
-                <a:ea typeface="DejaVu Sans"/>
-              </a:rPr>
-              <a:t>PromQL</a:t>
-            </a:r>
-            <a:endParaRPr lang="fr-FR" sz="2800" b="0" strike="noStrike" spc="-1" dirty="0">
-              <a:latin typeface="Arial"/>
-            </a:endParaRPr>
-          </a:p>
-          <a:p>
-            <a:pPr>
-              <a:lnSpc>
-                <a:spcPct val="90000"/>
-              </a:lnSpc>
-              <a:spcBef>
-                <a:spcPts val="1001"/>
-              </a:spcBef>
-            </a:pPr>
-            <a:endParaRPr lang="fr-FR" sz="2800" b="0" strike="noStrike" spc="-1" dirty="0">
-              <a:latin typeface="Arial"/>
-            </a:endParaRPr>
-          </a:p>
-          <a:p>
-            <a:pPr>
-              <a:lnSpc>
-                <a:spcPct val="90000"/>
-              </a:lnSpc>
-              <a:spcBef>
-                <a:spcPts val="1001"/>
-              </a:spcBef>
-            </a:pPr>
-            <a:r>
-              <a:rPr lang="fr-FR" sz="2800" b="0" strike="noStrike" spc="-1" dirty="0">
-                <a:solidFill>
-                  <a:srgbClr val="000000"/>
-                </a:solidFill>
-                <a:latin typeface="Ubuntu"/>
-                <a:ea typeface="DejaVu Sans"/>
-              </a:rPr>
-              <a:t>FBI : Fausse Bonne Idée !</a:t>
-            </a:r>
-            <a:endParaRPr lang="fr-FR" sz="2800" b="0" strike="noStrike" spc="-1" dirty="0">
-              <a:latin typeface="Arial"/>
-            </a:endParaRPr>
-          </a:p>
-          <a:p>
-            <a:pPr marL="648000" lvl="2" indent="-215640">
-              <a:lnSpc>
-                <a:spcPct val="90000"/>
-              </a:lnSpc>
-              <a:spcBef>
-                <a:spcPts val="1001"/>
-              </a:spcBef>
-              <a:buClr>
-                <a:srgbClr val="000000"/>
-              </a:buClr>
-              <a:buSzPct val="45000"/>
-              <a:buFont typeface="Wingdings" charset="2"/>
-              <a:buChar char=""/>
-            </a:pPr>
-            <a:r>
-              <a:rPr lang="fr-FR" sz="2800" b="0" strike="noStrike" spc="-1" dirty="0">
-                <a:solidFill>
-                  <a:srgbClr val="000000"/>
-                </a:solidFill>
-                <a:latin typeface="Ubuntu"/>
-                <a:ea typeface="DejaVu Sans"/>
-              </a:rPr>
-              <a:t>IRL ⇒ Les données ne sont pas identiques </a:t>
-            </a:r>
-            <a:endParaRPr lang="fr-FR" sz="2800" spc="-1" dirty="0">
-              <a:latin typeface="Arial"/>
-            </a:endParaRPr>
-          </a:p>
-          <a:p>
-            <a:pPr marL="648000" lvl="2" indent="-215640">
-              <a:lnSpc>
-                <a:spcPct val="90000"/>
-              </a:lnSpc>
-              <a:spcBef>
-                <a:spcPts val="1001"/>
-              </a:spcBef>
-              <a:buClr>
-                <a:srgbClr val="000000"/>
-              </a:buClr>
-              <a:buSzPct val="45000"/>
-              <a:buFont typeface="Wingdings" charset="2"/>
-              <a:buChar char=""/>
-            </a:pPr>
-            <a:r>
-              <a:rPr lang="fr-FR" sz="2800" b="0" strike="noStrike" spc="-1" dirty="0" smtClean="0">
-                <a:solidFill>
-                  <a:srgbClr val="000000"/>
-                </a:solidFill>
-                <a:latin typeface="Ubuntu"/>
-                <a:ea typeface="DejaVu Sans"/>
-              </a:rPr>
-              <a:t>(</a:t>
-            </a:r>
-            <a:r>
-              <a:rPr lang="fr-FR" sz="2800" b="0" strike="noStrike" spc="-1" dirty="0">
-                <a:solidFill>
-                  <a:srgbClr val="000000"/>
-                </a:solidFill>
-                <a:latin typeface="Ubuntu"/>
-                <a:ea typeface="DejaVu Sans"/>
-              </a:rPr>
-              <a:t>en cas de panne par exemple, on aura un « trou »)</a:t>
-            </a:r>
-            <a:endParaRPr lang="fr-FR" sz="2800" b="0" strike="noStrike" spc="-1" dirty="0">
-              <a:latin typeface="Arial"/>
-            </a:endParaRPr>
-          </a:p>
-          <a:p>
-            <a:pPr>
-              <a:lnSpc>
-                <a:spcPct val="90000"/>
-              </a:lnSpc>
-              <a:spcBef>
-                <a:spcPts val="1001"/>
-              </a:spcBef>
-            </a:pPr>
-            <a:endParaRPr lang="fr-FR" sz="2800" b="0" strike="noStrike" spc="-1" dirty="0">
-              <a:latin typeface="Arial"/>
-            </a:endParaRPr>
-          </a:p>
-        </p:txBody>
-      </p:sp>
-      <p:pic>
-        <p:nvPicPr>
-          <p:cNvPr id="331" name="Image 330"/>
-          <p:cNvPicPr/>
-          <p:nvPr/>
-        </p:nvPicPr>
-        <p:blipFill>
-          <a:blip r:embed="rId3"/>
-          <a:stretch/>
-        </p:blipFill>
-        <p:spPr>
-          <a:xfrm>
-            <a:off x="7410240" y="2160360"/>
-            <a:ext cx="725400" cy="719280"/>
-          </a:xfrm>
-          <a:prstGeom prst="rect">
-            <a:avLst/>
-          </a:prstGeom>
-          <a:ln>
-            <a:noFill/>
-          </a:ln>
-        </p:spPr>
-      </p:pic>
-    </p:spTree>
-  </p:cSld>
-  <p:clrMapOvr>
-    <a:masterClrMapping/>
-  </p:clrMapOvr>
-  <p:timing>
-    <p:tnLst>
-      <p:par>
-        <p:cTn id="1" dur="indefinite" restart="never" nodeType="tmRoot">
-          <p:childTnLst>
-            <p:seq>
-              <p:cTn id="2" dur="indefinite" nodeType="mainSeq"/>
-              <p:prevCondLst>
-                <p:cond evt="onPrev" delay="0">
-                  <p:tgtEl>
-                    <p:sldTgt/>
-                  </p:tgtEl>
-                </p:cond>
-              </p:prevCondLst>
-              <p:nextCondLst>
-                <p:cond evt="onNext" delay="0">
-                  <p:tgtEl>
-                    <p:sldTgt/>
-                  </p:tgtEl>
-                </p:cond>
-              </p:nextCondLst>
-            </p:seq>
-          </p:childTnLst>
-        </p:cTn>
-      </p:par>
-    </p:tnLst>
-  </p:timing>
-</p:sld>
-</file>
-
-<file path=ppt/slides/slide21.xml><?xml version="1.0" encoding="utf-8"?>
-<p:sld xmlns:a="http://schemas.openxmlformats.org/drawingml/2006/main" xmlns:r="http://schemas.openxmlformats.org/officeDocument/2006/relationships" xmlns:p="http://schemas.openxmlformats.org/presentationml/2006/main">
-  <p:cSld>
-    <p:spTree>
-      <p:nvGrpSpPr>
-        <p:cNvPr id="1" name=""/>
-        <p:cNvGrpSpPr/>
-        <p:nvPr/>
-      </p:nvGrpSpPr>
-      <p:grpSpPr>
-        <a:xfrm>
-          <a:off x="0" y="0"/>
-          <a:ext cx="0" cy="0"/>
-          <a:chOff x="0" y="0"/>
-          <a:chExt cx="0" cy="0"/>
-        </a:xfrm>
-      </p:grpSpPr>
-      <p:sp>
-        <p:nvSpPr>
-          <p:cNvPr id="328" name="CustomShape 1"/>
-          <p:cNvSpPr/>
-          <p:nvPr/>
-        </p:nvSpPr>
-        <p:spPr>
-          <a:xfrm>
-            <a:off x="838080" y="365040"/>
-            <a:ext cx="10507320" cy="630360"/>
-          </a:xfrm>
-          <a:prstGeom prst="rect">
-            <a:avLst/>
-          </a:prstGeom>
-          <a:noFill/>
-          <a:ln>
-            <a:noFill/>
-          </a:ln>
-        </p:spPr>
-        <p:style>
-          <a:lnRef idx="0">
-            <a:scrgbClr r="0" g="0" b="0"/>
-          </a:lnRef>
-          <a:fillRef idx="0">
-            <a:scrgbClr r="0" g="0" b="0"/>
-          </a:fillRef>
-          <a:effectRef idx="0">
-            <a:scrgbClr r="0" g="0" b="0"/>
-          </a:effectRef>
-          <a:fontRef idx="minor"/>
-        </p:style>
-        <p:txBody>
-          <a:bodyPr lIns="90000" tIns="45000" rIns="90000" bIns="45000" anchor="ctr">
-            <a:normAutofit/>
-          </a:bodyPr>
-          <a:lstStyle/>
-          <a:p>
-            <a:pPr>
-              <a:lnSpc>
-                <a:spcPct val="90000"/>
-              </a:lnSpc>
-            </a:pPr>
-            <a:r>
-              <a:rPr lang="fr-FR" sz="3200" b="0" strike="noStrike" spc="-1" dirty="0" err="1" smtClean="0">
                 <a:latin typeface="Ubuntu"/>
                 <a:ea typeface="DejaVu Sans"/>
               </a:rPr>
@@ -19217,14 +18804,7 @@
                 <a:latin typeface="Ubuntu"/>
                 <a:ea typeface="DejaVu Sans"/>
               </a:rPr>
-              <a:t> </a:t>
-            </a:r>
-            <a:r>
-              <a:rPr lang="fr-FR" sz="3200" b="0" strike="noStrike" spc="-1" dirty="0" smtClean="0">
-                <a:latin typeface="Ubuntu"/>
-                <a:ea typeface="DejaVu Sans"/>
-              </a:rPr>
-              <a:t>3a</a:t>
+              <a:t> 3a</a:t>
             </a:r>
             <a:r>
               <a:rPr lang="fr-FR" sz="3200" b="0" strike="noStrike" spc="-1" dirty="0">
@@ -19367,7 +18947,7 @@
 </p:sld>
 </file>
 
-<file path=ppt/slides/slide22.xml><?xml version="1.0" encoding="utf-8"?>
+<file path=ppt/slides/slide21.xml><?xml version="1.0" encoding="utf-8"?>
 <p:sld xmlns:a="http://schemas.openxmlformats.org/drawingml/2006/main" xmlns:r="http://schemas.openxmlformats.org/officeDocument/2006/relationships" xmlns:p="http://schemas.openxmlformats.org/presentationml/2006/main">
   <p:cSld>
     <p:spTree>
@@ -19857,7 +19437,7 @@
 </p:sld>
 </file>
 
-<file path=ppt/slides/slide23.xml><?xml version="1.0" encoding="utf-8"?>
+<file path=ppt/slides/slide22.xml><?xml version="1.0" encoding="utf-8"?>
 <p:sld xmlns:a="http://schemas.openxmlformats.org/drawingml/2006/main" xmlns:r="http://schemas.openxmlformats.org/officeDocument/2006/relationships" xmlns:p="http://schemas.openxmlformats.org/presentationml/2006/main">
   <p:cSld>
     <p:bg>
@@ -20009,6 +19589,609 @@
               </a:lnSpc>
             </a:pPr>
             <a:endParaRPr lang="fr-FR" sz="5400" b="0" strike="noStrike" spc="-1" dirty="0">
+              <a:latin typeface="Arial"/>
+            </a:endParaRPr>
+          </a:p>
+        </p:txBody>
+      </p:sp>
+    </p:spTree>
+  </p:cSld>
+  <p:clrMapOvr>
+    <a:masterClrMapping/>
+  </p:clrMapOvr>
+  <p:timing>
+    <p:tnLst>
+      <p:par>
+        <p:cTn id="1" dur="indefinite" restart="never" nodeType="tmRoot">
+          <p:childTnLst>
+            <p:seq>
+              <p:cTn id="2" dur="indefinite" nodeType="mainSeq"/>
+              <p:prevCondLst>
+                <p:cond evt="onPrev" delay="0">
+                  <p:tgtEl>
+                    <p:sldTgt/>
+                  </p:tgtEl>
+                </p:cond>
+              </p:prevCondLst>
+              <p:nextCondLst>
+                <p:cond evt="onNext" delay="0">
+                  <p:tgtEl>
+                    <p:sldTgt/>
+                  </p:tgtEl>
+                </p:cond>
+              </p:nextCondLst>
+            </p:seq>
+          </p:childTnLst>
+        </p:cTn>
+      </p:par>
+    </p:tnLst>
+  </p:timing>
+</p:sld>
+</file>
+
+<file path=ppt/slides/slide23.xml><?xml version="1.0" encoding="utf-8"?>
+<p:sld xmlns:a="http://schemas.openxmlformats.org/drawingml/2006/main" xmlns:r="http://schemas.openxmlformats.org/officeDocument/2006/relationships" xmlns:p="http://schemas.openxmlformats.org/presentationml/2006/main">
+  <p:cSld>
+    <p:spTree>
+      <p:nvGrpSpPr>
+        <p:cNvPr id="1" name=""/>
+        <p:cNvGrpSpPr/>
+        <p:nvPr/>
+      </p:nvGrpSpPr>
+      <p:grpSpPr>
+        <a:xfrm>
+          <a:off x="0" y="0"/>
+          <a:ext cx="0" cy="0"/>
+          <a:chOff x="0" y="0"/>
+          <a:chExt cx="0" cy="0"/>
+        </a:xfrm>
+      </p:grpSpPr>
+      <p:sp>
+        <p:nvSpPr>
+          <p:cNvPr id="335" name="CustomShape 1"/>
+          <p:cNvSpPr/>
+          <p:nvPr/>
+        </p:nvSpPr>
+        <p:spPr>
+          <a:xfrm>
+            <a:off x="838080" y="365040"/>
+            <a:ext cx="10507320" cy="630360"/>
+          </a:xfrm>
+          <a:prstGeom prst="rect">
+            <a:avLst/>
+          </a:prstGeom>
+          <a:noFill/>
+          <a:ln>
+            <a:noFill/>
+          </a:ln>
+        </p:spPr>
+        <p:style>
+          <a:lnRef idx="0">
+            <a:scrgbClr r="0" g="0" b="0"/>
+          </a:lnRef>
+          <a:fillRef idx="0">
+            <a:scrgbClr r="0" g="0" b="0"/>
+          </a:fillRef>
+          <a:effectRef idx="0">
+            <a:scrgbClr r="0" g="0" b="0"/>
+          </a:effectRef>
+          <a:fontRef idx="minor"/>
+        </p:style>
+        <p:txBody>
+          <a:bodyPr lIns="90000" tIns="45000" rIns="90000" bIns="45000" anchor="ctr">
+            <a:normAutofit/>
+          </a:bodyPr>
+          <a:lstStyle/>
+          <a:p>
+            <a:pPr>
+              <a:lnSpc>
+                <a:spcPct val="90000"/>
+              </a:lnSpc>
+            </a:pPr>
+            <a:r>
+              <a:rPr lang="fr-FR" sz="3200" b="0" strike="noStrike" spc="-1">
+                <a:solidFill>
+                  <a:srgbClr val="000000"/>
+                </a:solidFill>
+                <a:latin typeface="Ubuntu"/>
+                <a:ea typeface="DejaVu Sans"/>
+              </a:rPr>
+              <a:t>Thanos</a:t>
+            </a:r>
+            <a:endParaRPr lang="fr-FR" sz="3200" b="0" strike="noStrike" spc="-1">
+              <a:latin typeface="Arial"/>
+            </a:endParaRPr>
+          </a:p>
+        </p:txBody>
+      </p:sp>
+      <p:sp>
+        <p:nvSpPr>
+          <p:cNvPr id="336" name="CustomShape 2"/>
+          <p:cNvSpPr/>
+          <p:nvPr/>
+        </p:nvSpPr>
+        <p:spPr>
+          <a:xfrm>
+            <a:off x="838080" y="1310760"/>
+            <a:ext cx="10507320" cy="4964760"/>
+          </a:xfrm>
+          <a:prstGeom prst="rect">
+            <a:avLst/>
+          </a:prstGeom>
+          <a:noFill/>
+          <a:ln>
+            <a:noFill/>
+          </a:ln>
+        </p:spPr>
+        <p:style>
+          <a:lnRef idx="0">
+            <a:scrgbClr r="0" g="0" b="0"/>
+          </a:lnRef>
+          <a:fillRef idx="0">
+            <a:scrgbClr r="0" g="0" b="0"/>
+          </a:fillRef>
+          <a:effectRef idx="0">
+            <a:scrgbClr r="0" g="0" b="0"/>
+          </a:effectRef>
+          <a:fontRef idx="minor"/>
+        </p:style>
+        <p:txBody>
+          <a:bodyPr lIns="90000" tIns="45000" rIns="90000" bIns="45000">
+            <a:normAutofit fontScale="92500" lnSpcReduction="20000"/>
+          </a:bodyPr>
+          <a:lstStyle/>
+          <a:p>
+            <a:pPr>
+              <a:lnSpc>
+                <a:spcPct val="90000"/>
+              </a:lnSpc>
+              <a:spcBef>
+                <a:spcPts val="1001"/>
+              </a:spcBef>
+            </a:pPr>
+            <a:r>
+              <a:rPr lang="fr-FR" sz="2800" b="0" strike="noStrike" spc="-1" dirty="0">
+                <a:solidFill>
+                  <a:srgbClr val="000000"/>
+                </a:solidFill>
+                <a:latin typeface="Ubuntu"/>
+                <a:ea typeface="DejaVu Sans"/>
+              </a:rPr>
+              <a:t>Outil open source</a:t>
+            </a:r>
+            <a:endParaRPr lang="fr-FR" sz="2800" b="0" strike="noStrike" spc="-1" dirty="0">
+              <a:latin typeface="Arial"/>
+            </a:endParaRPr>
+          </a:p>
+          <a:p>
+            <a:pPr marL="648000" lvl="2" indent="-215640">
+              <a:lnSpc>
+                <a:spcPct val="150000"/>
+              </a:lnSpc>
+              <a:spcBef>
+                <a:spcPts val="1001"/>
+              </a:spcBef>
+              <a:buClr>
+                <a:srgbClr val="000000"/>
+              </a:buClr>
+              <a:buSzPct val="45000"/>
+              <a:buFont typeface="Wingdings" charset="2"/>
+              <a:buChar char=""/>
+            </a:pPr>
+            <a:r>
+              <a:rPr lang="fr-FR" sz="2400" b="0" strike="noStrike" spc="-1" dirty="0">
+                <a:solidFill>
+                  <a:srgbClr val="000000"/>
+                </a:solidFill>
+                <a:latin typeface="Ubuntu"/>
+                <a:ea typeface="DejaVu Sans"/>
+              </a:rPr>
+              <a:t>Développé par Improbable depuis nov. 2017</a:t>
+            </a:r>
+            <a:endParaRPr lang="fr-FR" sz="2400" b="0" strike="noStrike" spc="-1" dirty="0">
+              <a:latin typeface="Arial"/>
+            </a:endParaRPr>
+          </a:p>
+          <a:p>
+            <a:pPr marL="648000" lvl="2" indent="-215640">
+              <a:lnSpc>
+                <a:spcPct val="150000"/>
+              </a:lnSpc>
+              <a:spcBef>
+                <a:spcPts val="1001"/>
+              </a:spcBef>
+              <a:buClr>
+                <a:srgbClr val="000000"/>
+              </a:buClr>
+              <a:buSzPct val="45000"/>
+              <a:buFont typeface="Wingdings" charset="2"/>
+              <a:buChar char=""/>
+            </a:pPr>
+            <a:r>
+              <a:rPr lang="fr-FR" sz="2400" b="0" strike="noStrike" spc="-1" dirty="0">
+                <a:solidFill>
+                  <a:srgbClr val="000000"/>
+                </a:solidFill>
+                <a:latin typeface="Ubuntu"/>
+                <a:ea typeface="DejaVu Sans"/>
+              </a:rPr>
+              <a:t>Intégré à la CNCF en août </a:t>
+            </a:r>
+            <a:r>
+              <a:rPr lang="fr-FR" sz="2400" b="0" strike="noStrike" spc="-1" dirty="0" smtClean="0">
+                <a:solidFill>
+                  <a:srgbClr val="000000"/>
+                </a:solidFill>
+                <a:latin typeface="Ubuntu"/>
+                <a:ea typeface="DejaVu Sans"/>
+              </a:rPr>
+              <a:t>2019 *</a:t>
+            </a:r>
+            <a:endParaRPr lang="fr-FR" sz="2400" b="0" strike="noStrike" spc="-1" dirty="0">
+              <a:latin typeface="Arial"/>
+            </a:endParaRPr>
+          </a:p>
+          <a:p>
+            <a:pPr>
+              <a:lnSpc>
+                <a:spcPct val="150000"/>
+              </a:lnSpc>
+              <a:spcBef>
+                <a:spcPts val="1001"/>
+              </a:spcBef>
+            </a:pPr>
+            <a:r>
+              <a:rPr lang="fr-FR" sz="2600" b="0" strike="noStrike" spc="-1" dirty="0">
+                <a:solidFill>
+                  <a:srgbClr val="000000"/>
+                </a:solidFill>
+                <a:latin typeface="Ubuntu"/>
+                <a:ea typeface="DejaVu Sans"/>
+              </a:rPr>
+              <a:t>« </a:t>
+            </a:r>
+            <a:r>
+              <a:rPr lang="fr-FR" sz="2600" b="0" strike="noStrike" spc="-1" dirty="0" err="1">
+                <a:solidFill>
+                  <a:srgbClr val="000000"/>
+                </a:solidFill>
+                <a:latin typeface="Ubuntu"/>
+                <a:ea typeface="DejaVu Sans"/>
+              </a:rPr>
+              <a:t>Prometheus</a:t>
+            </a:r>
+            <a:r>
+              <a:rPr lang="fr-FR" sz="2600" b="0" strike="noStrike" spc="-1" dirty="0">
+                <a:solidFill>
+                  <a:srgbClr val="000000"/>
+                </a:solidFill>
+                <a:latin typeface="Ubuntu"/>
+                <a:ea typeface="DejaVu Sans"/>
+              </a:rPr>
+              <a:t> at </a:t>
+            </a:r>
+            <a:r>
+              <a:rPr lang="fr-FR" sz="2600" b="0" strike="noStrike" spc="-1" dirty="0" err="1">
+                <a:solidFill>
+                  <a:srgbClr val="000000"/>
+                </a:solidFill>
+                <a:latin typeface="Ubuntu"/>
+                <a:ea typeface="DejaVu Sans"/>
+              </a:rPr>
+              <a:t>scale</a:t>
+            </a:r>
+            <a:r>
+              <a:rPr lang="fr-FR" sz="2600" b="0" strike="noStrike" spc="-1" dirty="0">
+                <a:solidFill>
+                  <a:srgbClr val="000000"/>
+                </a:solidFill>
+                <a:latin typeface="Ubuntu"/>
+                <a:ea typeface="DejaVu Sans"/>
+              </a:rPr>
+              <a:t> » </a:t>
+            </a:r>
+            <a:endParaRPr lang="fr-FR" sz="2600" b="0" strike="noStrike" spc="-1" dirty="0">
+              <a:latin typeface="Arial"/>
+            </a:endParaRPr>
+          </a:p>
+          <a:p>
+            <a:pPr marL="648000" lvl="2" indent="-215640">
+              <a:lnSpc>
+                <a:spcPct val="150000"/>
+              </a:lnSpc>
+              <a:spcBef>
+                <a:spcPts val="1001"/>
+              </a:spcBef>
+              <a:buClr>
+                <a:srgbClr val="000000"/>
+              </a:buClr>
+              <a:buSzPct val="45000"/>
+              <a:buFont typeface="Wingdings" charset="2"/>
+              <a:buChar char=""/>
+            </a:pPr>
+            <a:r>
+              <a:rPr lang="fr-FR" sz="2400" b="0" strike="noStrike" spc="-1" dirty="0">
+                <a:solidFill>
+                  <a:srgbClr val="000000"/>
+                </a:solidFill>
+                <a:latin typeface="Ubuntu"/>
+                <a:ea typeface="DejaVu Sans"/>
+              </a:rPr>
+              <a:t>100 % compatible avec </a:t>
+            </a:r>
+            <a:r>
+              <a:rPr lang="fr-FR" sz="2400" b="0" strike="noStrike" spc="-1" dirty="0" err="1">
+                <a:solidFill>
+                  <a:srgbClr val="000000"/>
+                </a:solidFill>
+                <a:latin typeface="Ubuntu"/>
+                <a:ea typeface="DejaVu Sans"/>
+              </a:rPr>
+              <a:t>Prometheus</a:t>
+            </a:r>
+            <a:r>
+              <a:rPr lang="fr-FR" sz="2400" b="0" strike="noStrike" spc="-1" dirty="0">
+                <a:solidFill>
+                  <a:srgbClr val="000000"/>
+                </a:solidFill>
+                <a:latin typeface="Ubuntu"/>
+                <a:ea typeface="DejaVu Sans"/>
+              </a:rPr>
+              <a:t> + écosystème</a:t>
+            </a:r>
+            <a:endParaRPr lang="fr-FR" sz="2400" b="0" strike="noStrike" spc="-1" dirty="0">
+              <a:latin typeface="Arial"/>
+            </a:endParaRPr>
+          </a:p>
+          <a:p>
+            <a:pPr marL="648000" lvl="2" indent="-215640">
+              <a:lnSpc>
+                <a:spcPct val="150000"/>
+              </a:lnSpc>
+              <a:spcBef>
+                <a:spcPts val="1001"/>
+              </a:spcBef>
+              <a:buClr>
+                <a:srgbClr val="000000"/>
+              </a:buClr>
+              <a:buSzPct val="45000"/>
+              <a:buFont typeface="Wingdings" charset="2"/>
+              <a:buChar char=""/>
+            </a:pPr>
+            <a:r>
+              <a:rPr lang="fr-FR" sz="2400" b="0" strike="noStrike" spc="-1" dirty="0">
+                <a:solidFill>
+                  <a:srgbClr val="000000"/>
+                </a:solidFill>
+                <a:latin typeface="Ubuntu"/>
+                <a:ea typeface="DejaVu Sans"/>
+              </a:rPr>
+              <a:t>Rétention « infinie » (externalisation S3)</a:t>
+            </a:r>
+            <a:endParaRPr lang="fr-FR" sz="2400" b="0" strike="noStrike" spc="-1" dirty="0">
+              <a:latin typeface="Arial"/>
+            </a:endParaRPr>
+          </a:p>
+          <a:p>
+            <a:pPr marL="648000" lvl="2" indent="-215640">
+              <a:lnSpc>
+                <a:spcPct val="150000"/>
+              </a:lnSpc>
+              <a:spcBef>
+                <a:spcPts val="1001"/>
+              </a:spcBef>
+              <a:buClr>
+                <a:srgbClr val="000000"/>
+              </a:buClr>
+              <a:buSzPct val="45000"/>
+              <a:buFont typeface="Wingdings" charset="2"/>
+              <a:buChar char=""/>
+            </a:pPr>
+            <a:r>
+              <a:rPr lang="fr-FR" sz="2400" b="0" strike="noStrike" spc="-1" dirty="0">
+                <a:solidFill>
+                  <a:srgbClr val="000000"/>
+                </a:solidFill>
+                <a:latin typeface="Ubuntu"/>
+                <a:ea typeface="DejaVu Sans"/>
+              </a:rPr>
+              <a:t>Corrélation de plusieurs </a:t>
+            </a:r>
+            <a:r>
+              <a:rPr lang="fr-FR" sz="2400" b="0" strike="noStrike" spc="-1" dirty="0" err="1">
+                <a:solidFill>
+                  <a:srgbClr val="000000"/>
+                </a:solidFill>
+                <a:latin typeface="Ubuntu"/>
+                <a:ea typeface="DejaVu Sans"/>
+              </a:rPr>
+              <a:t>Prometheus</a:t>
+            </a:r>
+            <a:r>
+              <a:rPr lang="fr-FR" sz="2400" b="0" strike="noStrike" spc="-1" dirty="0">
+                <a:solidFill>
+                  <a:srgbClr val="000000"/>
+                </a:solidFill>
+                <a:latin typeface="Ubuntu"/>
+                <a:ea typeface="DejaVu Sans"/>
+              </a:rPr>
+              <a:t> + gestion des </a:t>
+            </a:r>
+            <a:r>
+              <a:rPr lang="fr-FR" sz="2400" b="0" strike="noStrike" spc="-1" dirty="0" err="1" smtClean="0">
+                <a:solidFill>
+                  <a:srgbClr val="000000"/>
+                </a:solidFill>
+                <a:latin typeface="Ubuntu"/>
+                <a:ea typeface="DejaVu Sans"/>
+              </a:rPr>
+              <a:t>replicas</a:t>
+            </a:r>
+            <a:endParaRPr lang="fr-FR" sz="2400" b="0" strike="noStrike" spc="-1" dirty="0" smtClean="0">
+              <a:solidFill>
+                <a:srgbClr val="000000"/>
+              </a:solidFill>
+              <a:latin typeface="Ubuntu"/>
+              <a:ea typeface="DejaVu Sans"/>
+            </a:endParaRPr>
+          </a:p>
+          <a:p>
+            <a:pPr marL="648000" lvl="2" indent="-215640">
+              <a:lnSpc>
+                <a:spcPct val="150000"/>
+              </a:lnSpc>
+              <a:spcBef>
+                <a:spcPts val="1001"/>
+              </a:spcBef>
+              <a:buClr>
+                <a:srgbClr val="000000"/>
+              </a:buClr>
+              <a:buSzPct val="45000"/>
+              <a:buFont typeface="Wingdings" charset="2"/>
+              <a:buChar char=""/>
+            </a:pPr>
+            <a:r>
+              <a:rPr lang="fr-FR" sz="2400" spc="-1" dirty="0" smtClean="0">
+                <a:solidFill>
+                  <a:srgbClr val="000000"/>
+                </a:solidFill>
+                <a:latin typeface="Ubuntu"/>
+                <a:ea typeface="DejaVu Sans"/>
+              </a:rPr>
+              <a:t>Meilleure compaction</a:t>
+            </a:r>
+          </a:p>
+          <a:p>
+            <a:pPr marL="648000" lvl="2" indent="-215640">
+              <a:lnSpc>
+                <a:spcPct val="150000"/>
+              </a:lnSpc>
+              <a:spcBef>
+                <a:spcPts val="1001"/>
+              </a:spcBef>
+              <a:buClr>
+                <a:srgbClr val="000000"/>
+              </a:buClr>
+              <a:buSzPct val="45000"/>
+              <a:buFont typeface="Wingdings" charset="2"/>
+              <a:buChar char=""/>
+            </a:pPr>
+            <a:r>
+              <a:rPr lang="fr-FR" sz="2400" spc="-1" dirty="0" err="1" smtClean="0">
+                <a:solidFill>
+                  <a:srgbClr val="000000"/>
+                </a:solidFill>
+                <a:latin typeface="Ubuntu"/>
+                <a:ea typeface="DejaVu Sans"/>
+              </a:rPr>
+              <a:t>Downsampling</a:t>
+            </a:r>
+            <a:r>
+              <a:rPr lang="fr-FR" sz="2400" b="0" strike="noStrike" spc="-1" dirty="0" smtClean="0">
+                <a:solidFill>
+                  <a:srgbClr val="000000"/>
+                </a:solidFill>
+                <a:latin typeface="Ubuntu"/>
+                <a:ea typeface="DejaVu Sans"/>
+              </a:rPr>
+              <a:t> </a:t>
+            </a:r>
+            <a:endParaRPr lang="fr-FR" sz="2400" b="0" strike="noStrike" spc="-1" dirty="0">
+              <a:solidFill>
+                <a:srgbClr val="000000"/>
+              </a:solidFill>
+              <a:latin typeface="Ubuntu"/>
+              <a:ea typeface="DejaVu Sans"/>
+            </a:endParaRPr>
+          </a:p>
+        </p:txBody>
+      </p:sp>
+      <p:pic>
+        <p:nvPicPr>
+          <p:cNvPr id="337" name="Image 336"/>
+          <p:cNvPicPr/>
+          <p:nvPr/>
+        </p:nvPicPr>
+        <p:blipFill>
+          <a:blip r:embed="rId3"/>
+          <a:stretch/>
+        </p:blipFill>
+        <p:spPr>
+          <a:xfrm>
+            <a:off x="9864000" y="1152000"/>
+            <a:ext cx="2159640" cy="2159640"/>
+          </a:xfrm>
+          <a:prstGeom prst="rect">
+            <a:avLst/>
+          </a:prstGeom>
+          <a:ln>
+            <a:noFill/>
+          </a:ln>
+        </p:spPr>
+      </p:pic>
+      <p:sp>
+        <p:nvSpPr>
+          <p:cNvPr id="338" name="CustomShape 3"/>
+          <p:cNvSpPr/>
+          <p:nvPr/>
+        </p:nvSpPr>
+        <p:spPr>
+          <a:xfrm>
+            <a:off x="647999" y="6275520"/>
+            <a:ext cx="10962109" cy="436680"/>
+          </a:xfrm>
+          <a:prstGeom prst="rect">
+            <a:avLst/>
+          </a:prstGeom>
+          <a:noFill/>
+          <a:ln>
+            <a:noFill/>
+          </a:ln>
+        </p:spPr>
+        <p:style>
+          <a:lnRef idx="0">
+            <a:scrgbClr r="0" g="0" b="0"/>
+          </a:lnRef>
+          <a:fillRef idx="0">
+            <a:scrgbClr r="0" g="0" b="0"/>
+          </a:fillRef>
+          <a:effectRef idx="0">
+            <a:scrgbClr r="0" g="0" b="0"/>
+          </a:effectRef>
+          <a:fontRef idx="minor"/>
+        </p:style>
+        <p:txBody>
+          <a:bodyPr lIns="90000" tIns="45000" rIns="90000" bIns="45000"/>
+          <a:lstStyle/>
+          <a:p>
+            <a:pPr>
+              <a:lnSpc>
+                <a:spcPct val="100000"/>
+              </a:lnSpc>
+            </a:pPr>
+            <a:r>
+              <a:rPr lang="fr-FR" sz="2000" b="0" u="sng" strike="noStrike" spc="-1" dirty="0" smtClean="0">
+                <a:solidFill>
+                  <a:srgbClr val="0000FF"/>
+                </a:solidFill>
+                <a:uFillTx/>
+                <a:latin typeface="Arial"/>
+                <a:hlinkClick r:id="rId4"/>
+              </a:rPr>
+              <a:t>* https</a:t>
+            </a:r>
+            <a:r>
+              <a:rPr lang="fr-FR" sz="2000" b="0" u="sng" strike="noStrike" spc="-1" dirty="0">
+                <a:solidFill>
+                  <a:srgbClr val="0000FF"/>
+                </a:solidFill>
+                <a:uFillTx/>
+                <a:latin typeface="Arial"/>
+                <a:hlinkClick r:id="rId4"/>
+              </a:rPr>
+              <a:t>://improbable.io/blog/improbable-donates-thanos-to-cloud-native-computing-foundation</a:t>
+            </a:r>
+            <a:endParaRPr lang="fr-FR" sz="2000" b="0" strike="noStrike" spc="-1" dirty="0">
               <a:latin typeface="Arial"/>
             </a:endParaRPr>
           </a:p>
@@ -20068,7 +20251,7 @@
       </p:grpSpPr>
       <p:sp>
         <p:nvSpPr>
-          <p:cNvPr id="335" name="CustomShape 1"/>
+          <p:cNvPr id="339" name="CustomShape 1"/>
           <p:cNvSpPr/>
           <p:nvPr/>
         </p:nvSpPr>
@@ -20116,7 +20299,7 @@
                 <a:latin typeface="Ubuntu"/>
                 <a:ea typeface="DejaVu Sans"/>
               </a:rPr>
-              <a:t>Thanos</a:t>
+              <a:t>Principe de Thanos</a:t>
             </a:r>
             <a:endParaRPr lang="fr-FR" sz="3200" b="0" strike="noStrike" spc="-1">
               <a:latin typeface="Arial"/>
@@ -20126,7 +20309,7 @@
       </p:sp>
       <p:sp>
         <p:nvSpPr>
-          <p:cNvPr id="336" name="CustomShape 2"/>
+          <p:cNvPr id="340" name="CustomShape 2"/>
           <p:cNvSpPr/>
           <p:nvPr/>
         </p:nvSpPr>
@@ -20155,600 +20338,6 @@
           </a:effectRef>
           <a:fontRef idx="minor"/>
         </p:style>
-        <p:txBody>
-          <a:bodyPr lIns="90000" tIns="45000" rIns="90000" bIns="45000">
-            <a:normAutofit/>
-          </a:bodyPr>
-          <a:lstStyle/>
-          <a:p>
-            <a:pPr>
-              <a:lnSpc>
-                <a:spcPct val="90000"/>
-              </a:lnSpc>
-              <a:spcBef>
-                <a:spcPts val="1001"/>
-              </a:spcBef>
-            </a:pPr>
-            <a:r>
-              <a:rPr lang="fr-FR" sz="2800" b="0" strike="noStrike" spc="-1" dirty="0">
-                <a:solidFill>
-                  <a:srgbClr val="000000"/>
-                </a:solidFill>
-                <a:latin typeface="Ubuntu"/>
-                <a:ea typeface="DejaVu Sans"/>
-              </a:rPr>
-              <a:t>Outil open source</a:t>
-            </a:r>
-            <a:endParaRPr lang="fr-FR" sz="2800" b="0" strike="noStrike" spc="-1" dirty="0">
-              <a:latin typeface="Arial"/>
-            </a:endParaRPr>
-          </a:p>
-          <a:p>
-            <a:pPr marL="648000" lvl="2" indent="-215640">
-              <a:lnSpc>
-                <a:spcPct val="150000"/>
-              </a:lnSpc>
-              <a:spcBef>
-                <a:spcPts val="1001"/>
-              </a:spcBef>
-              <a:buClr>
-                <a:srgbClr val="000000"/>
-              </a:buClr>
-              <a:buSzPct val="45000"/>
-              <a:buFont typeface="Wingdings" charset="2"/>
-              <a:buChar char=""/>
-            </a:pPr>
-            <a:r>
-              <a:rPr lang="fr-FR" sz="2400" b="0" strike="noStrike" spc="-1" dirty="0">
-                <a:solidFill>
-                  <a:srgbClr val="000000"/>
-                </a:solidFill>
-                <a:latin typeface="Ubuntu"/>
-                <a:ea typeface="DejaVu Sans"/>
-              </a:rPr>
-              <a:t>Développé par Improbable depuis nov. 2017</a:t>
-            </a:r>
-            <a:endParaRPr lang="fr-FR" sz="2400" b="0" strike="noStrike" spc="-1" dirty="0">
-              <a:latin typeface="Arial"/>
-            </a:endParaRPr>
-          </a:p>
-          <a:p>
-            <a:pPr marL="648000" lvl="2" indent="-215640">
-              <a:lnSpc>
-                <a:spcPct val="150000"/>
-              </a:lnSpc>
-              <a:spcBef>
-                <a:spcPts val="1001"/>
-              </a:spcBef>
-              <a:buClr>
-                <a:srgbClr val="000000"/>
-              </a:buClr>
-              <a:buSzPct val="45000"/>
-              <a:buFont typeface="Wingdings" charset="2"/>
-              <a:buChar char=""/>
-            </a:pPr>
-            <a:r>
-              <a:rPr lang="fr-FR" sz="2400" b="0" strike="noStrike" spc="-1" dirty="0">
-                <a:solidFill>
-                  <a:srgbClr val="000000"/>
-                </a:solidFill>
-                <a:latin typeface="Ubuntu"/>
-                <a:ea typeface="DejaVu Sans"/>
-              </a:rPr>
-              <a:t>Intégré à la CNCF en août </a:t>
-            </a:r>
-            <a:r>
-              <a:rPr lang="fr-FR" sz="2400" b="0" strike="noStrike" spc="-1" dirty="0" smtClean="0">
-                <a:solidFill>
-                  <a:srgbClr val="000000"/>
-                </a:solidFill>
-                <a:latin typeface="Ubuntu"/>
-                <a:ea typeface="DejaVu Sans"/>
-              </a:rPr>
-              <a:t>2019 *</a:t>
-            </a:r>
-            <a:endParaRPr lang="fr-FR" sz="2400" b="0" strike="noStrike" spc="-1" dirty="0">
-              <a:latin typeface="Arial"/>
-            </a:endParaRPr>
-          </a:p>
-          <a:p>
-            <a:pPr>
-              <a:lnSpc>
-                <a:spcPct val="150000"/>
-              </a:lnSpc>
-              <a:spcBef>
-                <a:spcPts val="1001"/>
-              </a:spcBef>
-            </a:pPr>
-            <a:r>
-              <a:rPr lang="fr-FR" sz="2600" b="0" strike="noStrike" spc="-1" dirty="0">
-                <a:solidFill>
-                  <a:srgbClr val="000000"/>
-                </a:solidFill>
-                <a:latin typeface="Ubuntu"/>
-                <a:ea typeface="DejaVu Sans"/>
-              </a:rPr>
-              <a:t>« </a:t>
-            </a:r>
-            <a:r>
-              <a:rPr lang="fr-FR" sz="2600" b="0" strike="noStrike" spc="-1" dirty="0" err="1">
-                <a:solidFill>
-                  <a:srgbClr val="000000"/>
-                </a:solidFill>
-                <a:latin typeface="Ubuntu"/>
-                <a:ea typeface="DejaVu Sans"/>
-              </a:rPr>
-              <a:t>Prometheus</a:t>
-            </a:r>
-            <a:r>
-              <a:rPr lang="fr-FR" sz="2600" b="0" strike="noStrike" spc="-1" dirty="0">
-                <a:solidFill>
-                  <a:srgbClr val="000000"/>
-                </a:solidFill>
-                <a:latin typeface="Ubuntu"/>
-                <a:ea typeface="DejaVu Sans"/>
-              </a:rPr>
-              <a:t> at </a:t>
-            </a:r>
-            <a:r>
-              <a:rPr lang="fr-FR" sz="2600" b="0" strike="noStrike" spc="-1" dirty="0" err="1">
-                <a:solidFill>
-                  <a:srgbClr val="000000"/>
-                </a:solidFill>
-                <a:latin typeface="Ubuntu"/>
-                <a:ea typeface="DejaVu Sans"/>
-              </a:rPr>
-              <a:t>scale</a:t>
-            </a:r>
-            <a:r>
-              <a:rPr lang="fr-FR" sz="2600" b="0" strike="noStrike" spc="-1" dirty="0">
-                <a:solidFill>
-                  <a:srgbClr val="000000"/>
-                </a:solidFill>
-                <a:latin typeface="Ubuntu"/>
-                <a:ea typeface="DejaVu Sans"/>
-              </a:rPr>
-              <a:t> » </a:t>
-            </a:r>
-            <a:endParaRPr lang="fr-FR" sz="2600" b="0" strike="noStrike" spc="-1" dirty="0">
-              <a:latin typeface="Arial"/>
-            </a:endParaRPr>
-          </a:p>
-          <a:p>
-            <a:pPr marL="648000" lvl="2" indent="-215640">
-              <a:lnSpc>
-                <a:spcPct val="150000"/>
-              </a:lnSpc>
-              <a:spcBef>
-                <a:spcPts val="1001"/>
-              </a:spcBef>
-              <a:buClr>
-                <a:srgbClr val="000000"/>
-              </a:buClr>
-              <a:buSzPct val="45000"/>
-              <a:buFont typeface="Wingdings" charset="2"/>
-              <a:buChar char=""/>
-            </a:pPr>
-            <a:r>
-              <a:rPr lang="fr-FR" sz="2400" b="0" strike="noStrike" spc="-1" dirty="0">
-                <a:solidFill>
-                  <a:srgbClr val="000000"/>
-                </a:solidFill>
-                <a:latin typeface="Ubuntu"/>
-                <a:ea typeface="DejaVu Sans"/>
-              </a:rPr>
-              <a:t>100 % compatible avec </a:t>
-            </a:r>
-            <a:r>
-              <a:rPr lang="fr-FR" sz="2400" b="0" strike="noStrike" spc="-1" dirty="0" err="1">
-                <a:solidFill>
-                  <a:srgbClr val="000000"/>
-                </a:solidFill>
-                <a:latin typeface="Ubuntu"/>
-                <a:ea typeface="DejaVu Sans"/>
-              </a:rPr>
-              <a:t>Prometheus</a:t>
-            </a:r>
-            <a:r>
-              <a:rPr lang="fr-FR" sz="2400" b="0" strike="noStrike" spc="-1" dirty="0">
-                <a:solidFill>
-                  <a:srgbClr val="000000"/>
-                </a:solidFill>
-                <a:latin typeface="Ubuntu"/>
-                <a:ea typeface="DejaVu Sans"/>
-              </a:rPr>
-              <a:t> + écosystème</a:t>
-            </a:r>
-            <a:endParaRPr lang="fr-FR" sz="2400" b="0" strike="noStrike" spc="-1" dirty="0">
-              <a:latin typeface="Arial"/>
-            </a:endParaRPr>
-          </a:p>
-          <a:p>
-            <a:pPr marL="648000" lvl="2" indent="-215640">
-              <a:lnSpc>
-                <a:spcPct val="150000"/>
-              </a:lnSpc>
-              <a:spcBef>
-                <a:spcPts val="1001"/>
-              </a:spcBef>
-              <a:buClr>
-                <a:srgbClr val="000000"/>
-              </a:buClr>
-              <a:buSzPct val="45000"/>
-              <a:buFont typeface="Wingdings" charset="2"/>
-              <a:buChar char=""/>
-            </a:pPr>
-            <a:r>
-              <a:rPr lang="fr-FR" sz="2400" b="0" strike="noStrike" spc="-1" dirty="0">
-                <a:solidFill>
-                  <a:srgbClr val="000000"/>
-                </a:solidFill>
-                <a:latin typeface="Ubuntu"/>
-                <a:ea typeface="DejaVu Sans"/>
-              </a:rPr>
-              <a:t>Rétention « infinie » (externalisation S3)</a:t>
-            </a:r>
-            <a:endParaRPr lang="fr-FR" sz="2400" b="0" strike="noStrike" spc="-1" dirty="0">
-              <a:latin typeface="Arial"/>
-            </a:endParaRPr>
-          </a:p>
-          <a:p>
-            <a:pPr marL="648000" lvl="2" indent="-215640">
-              <a:lnSpc>
-                <a:spcPct val="150000"/>
-              </a:lnSpc>
-              <a:spcBef>
-                <a:spcPts val="1001"/>
-              </a:spcBef>
-              <a:buClr>
-                <a:srgbClr val="000000"/>
-              </a:buClr>
-              <a:buSzPct val="45000"/>
-              <a:buFont typeface="Wingdings" charset="2"/>
-              <a:buChar char=""/>
-            </a:pPr>
-            <a:r>
-              <a:rPr lang="fr-FR" sz="2400" b="0" strike="noStrike" spc="-1" dirty="0">
-                <a:solidFill>
-                  <a:srgbClr val="000000"/>
-                </a:solidFill>
-                <a:latin typeface="Ubuntu"/>
-                <a:ea typeface="DejaVu Sans"/>
-              </a:rPr>
-              <a:t>Corrélation de plusieurs </a:t>
-            </a:r>
-            <a:r>
-              <a:rPr lang="fr-FR" sz="2400" b="0" strike="noStrike" spc="-1" dirty="0" err="1">
-                <a:solidFill>
-                  <a:srgbClr val="000000"/>
-                </a:solidFill>
-                <a:latin typeface="Ubuntu"/>
-                <a:ea typeface="DejaVu Sans"/>
-              </a:rPr>
-              <a:t>Prometheus</a:t>
-            </a:r>
-            <a:r>
-              <a:rPr lang="fr-FR" sz="2400" b="0" strike="noStrike" spc="-1" dirty="0">
-                <a:solidFill>
-                  <a:srgbClr val="000000"/>
-                </a:solidFill>
-                <a:latin typeface="Ubuntu"/>
-                <a:ea typeface="DejaVu Sans"/>
-              </a:rPr>
-              <a:t> + gestion des </a:t>
-            </a:r>
-            <a:r>
-              <a:rPr lang="fr-FR" sz="2400" b="0" strike="noStrike" spc="-1" dirty="0" err="1">
-                <a:solidFill>
-                  <a:srgbClr val="000000"/>
-                </a:solidFill>
-                <a:latin typeface="Ubuntu"/>
-                <a:ea typeface="DejaVu Sans"/>
-              </a:rPr>
-              <a:t>replicas</a:t>
-            </a:r>
-            <a:r>
-              <a:rPr lang="fr-FR" sz="2400" b="0" strike="noStrike" spc="-1" dirty="0">
-                <a:solidFill>
-                  <a:srgbClr val="000000"/>
-                </a:solidFill>
-                <a:latin typeface="Ubuntu"/>
-                <a:ea typeface="DejaVu Sans"/>
-              </a:rPr>
-              <a:t> </a:t>
-            </a:r>
-          </a:p>
-        </p:txBody>
-      </p:sp>
-      <p:pic>
-        <p:nvPicPr>
-          <p:cNvPr id="337" name="Image 336"/>
-          <p:cNvPicPr/>
-          <p:nvPr/>
-        </p:nvPicPr>
-        <p:blipFill>
-          <a:blip r:embed="rId3"/>
-          <a:stretch/>
-        </p:blipFill>
-        <p:spPr>
-          <a:xfrm>
-            <a:off x="9864000" y="1152000"/>
-            <a:ext cx="2159640" cy="2159640"/>
-          </a:xfrm>
-          <a:prstGeom prst="rect">
-            <a:avLst/>
-          </a:prstGeom>
-          <a:ln>
-            <a:noFill/>
-          </a:ln>
-        </p:spPr>
-      </p:pic>
-      <p:sp>
-        <p:nvSpPr>
-          <p:cNvPr id="338" name="CustomShape 3"/>
-          <p:cNvSpPr/>
-          <p:nvPr/>
-        </p:nvSpPr>
-        <p:spPr>
-          <a:xfrm>
-            <a:off x="647999" y="6275520"/>
-            <a:ext cx="10962109" cy="436680"/>
-          </a:xfrm>
-          <a:prstGeom prst="rect">
-            <a:avLst/>
-          </a:prstGeom>
-          <a:noFill/>
-          <a:ln>
-            <a:noFill/>
-          </a:ln>
-        </p:spPr>
-        <p:style>
-          <a:lnRef idx="0">
-            <a:scrgbClr r="0" g="0" b="0"/>
-          </a:lnRef>
-          <a:fillRef idx="0">
-            <a:scrgbClr r="0" g="0" b="0"/>
-          </a:fillRef>
-          <a:effectRef idx="0">
-            <a:scrgbClr r="0" g="0" b="0"/>
-          </a:effectRef>
-          <a:fontRef idx="minor"/>
-        </p:style>
-        <p:txBody>
-          <a:bodyPr lIns="90000" tIns="45000" rIns="90000" bIns="45000"/>
-          <a:lstStyle/>
-          <a:p>
-            <a:pPr>
-              <a:lnSpc>
-                <a:spcPct val="100000"/>
-              </a:lnSpc>
-            </a:pPr>
-            <a:r>
-              <a:rPr lang="fr-FR" sz="2000" b="0" u="sng" strike="noStrike" spc="-1" dirty="0" smtClean="0">
-                <a:solidFill>
-                  <a:srgbClr val="0000FF"/>
-                </a:solidFill>
-                <a:uFillTx/>
-                <a:latin typeface="Arial"/>
-                <a:hlinkClick r:id="rId4"/>
-              </a:rPr>
-              <a:t>* https</a:t>
-            </a:r>
-            <a:r>
-              <a:rPr lang="fr-FR" sz="2000" b="0" u="sng" strike="noStrike" spc="-1" dirty="0">
-                <a:solidFill>
-                  <a:srgbClr val="0000FF"/>
-                </a:solidFill>
-                <a:uFillTx/>
-                <a:latin typeface="Arial"/>
-                <a:hlinkClick r:id="rId4"/>
-              </a:rPr>
-              <a:t>://improbable.io/blog/improbable-donates-thanos-to-cloud-native-computing-foundation</a:t>
-            </a:r>
-            <a:endParaRPr lang="fr-FR" sz="2000" b="0" strike="noStrike" spc="-1" dirty="0">
-              <a:latin typeface="Arial"/>
-            </a:endParaRPr>
-          </a:p>
-        </p:txBody>
-      </p:sp>
-    </p:spTree>
-  </p:cSld>
-  <p:clrMapOvr>
-    <a:masterClrMapping/>
-  </p:clrMapOvr>
-  <p:timing>
-    <p:tnLst>
-      <p:par>
-        <p:cTn id="1" dur="indefinite" restart="never" nodeType="tmRoot">
-          <p:childTnLst>
-            <p:seq>
-              <p:cTn id="2" dur="indefinite" nodeType="mainSeq"/>
-              <p:prevCondLst>
-                <p:cond evt="onPrev" delay="0">
-                  <p:tgtEl>
-                    <p:sldTgt/>
-                  </p:tgtEl>
-                </p:cond>
-              </p:prevCondLst>
-              <p:nextCondLst>
-                <p:cond evt="onNext" delay="0">
-                  <p:tgtEl>
-                    <p:sldTgt/>
-                  </p:tgtEl>
-                </p:cond>
-              </p:nextCondLst>
-            </p:seq>
-          </p:childTnLst>
-        </p:cTn>
-      </p:par>
-    </p:tnLst>
-  </p:timing>
-</p:sld>
-</file>
-
-<file path=ppt/slides/slide25.xml><?xml version="1.0" encoding="utf-8"?>
-<p:sld xmlns:a="http://schemas.openxmlformats.org/drawingml/2006/main" xmlns:r="http://schemas.openxmlformats.org/officeDocument/2006/relationships" xmlns:p="http://schemas.openxmlformats.org/presentationml/2006/main">
-  <p:cSld>
-    <p:spTree>
-      <p:nvGrpSpPr>
-        <p:cNvPr id="1" name=""/>
-        <p:cNvGrpSpPr/>
-        <p:nvPr/>
-      </p:nvGrpSpPr>
-      <p:grpSpPr>
-        <a:xfrm>
-          <a:off x="0" y="0"/>
-          <a:ext cx="0" cy="0"/>
-          <a:chOff x="0" y="0"/>
-          <a:chExt cx="0" cy="0"/>
-        </a:xfrm>
-      </p:grpSpPr>
-      <p:sp>
-        <p:nvSpPr>
-          <p:cNvPr id="339" name="CustomShape 1"/>
-          <p:cNvSpPr/>
-          <p:nvPr/>
-        </p:nvSpPr>
-        <p:spPr>
-          <a:xfrm>
-            <a:off x="838080" y="365040"/>
-            <a:ext cx="10507320" cy="630360"/>
-          </a:xfrm>
-          <a:prstGeom prst="rect">
-            <a:avLst/>
-          </a:prstGeom>
-          <a:noFill/>
-          <a:ln>
-            <a:noFill/>
-          </a:ln>
-        </p:spPr>
-        <p:style>
-          <a:lnRef idx="0">
-            <a:scrgbClr r="0" g="0" b="0"/>
-          </a:lnRef>
-          <a:fillRef idx="0">
-            <a:scrgbClr r="0" g="0" b="0"/>
-          </a:fillRef>
-          <a:effectRef idx="0">
-            <a:scrgbClr r="0" g="0" b="0"/>
-          </a:effectRef>
-          <a:fontRef idx="minor"/>
-        </p:style>
-        <p:txBody>
-          <a:bodyPr lIns="90000" tIns="45000" rIns="90000" bIns="45000" anchor="ctr">
-            <a:normAutofit/>
-          </a:bodyPr>
-          <a:lstStyle/>
-          <a:p>
-            <a:pPr>
-              <a:lnSpc>
-                <a:spcPct val="90000"/>
-              </a:lnSpc>
-            </a:pPr>
-            <a:r>
-              <a:rPr lang="fr-FR" sz="3200" b="0" strike="noStrike" spc="-1">
-                <a:solidFill>
-                  <a:srgbClr val="000000"/>
-                </a:solidFill>
-                <a:latin typeface="Ubuntu"/>
-                <a:ea typeface="DejaVu Sans"/>
-              </a:rPr>
-              <a:t>Principe de Thanos</a:t>
-            </a:r>
-            <a:endParaRPr lang="fr-FR" sz="3200" b="0" strike="noStrike" spc="-1">
-              <a:latin typeface="Arial"/>
-            </a:endParaRPr>
-          </a:p>
-        </p:txBody>
-      </p:sp>
-      <p:sp>
-        <p:nvSpPr>
-          <p:cNvPr id="340" name="CustomShape 2"/>
-          <p:cNvSpPr/>
-          <p:nvPr/>
-        </p:nvSpPr>
-        <p:spPr>
-          <a:xfrm>
-            <a:off x="838080" y="1310760"/>
-            <a:ext cx="10507320" cy="4964760"/>
-          </a:xfrm>
-          <a:prstGeom prst="rect">
-            <a:avLst/>
-          </a:prstGeom>
-          <a:noFill/>
-          <a:ln>
-            <a:noFill/>
-          </a:ln>
-        </p:spPr>
-        <p:style>
-          <a:lnRef idx="0">
-            <a:scrgbClr r="0" g="0" b="0"/>
-          </a:lnRef>
-          <a:fillRef idx="0">
-            <a:scrgbClr r="0" g="0" b="0"/>
-          </a:fillRef>
-          <a:effectRef idx="0">
-            <a:scrgbClr r="0" g="0" b="0"/>
-          </a:effectRef>
-          <a:fontRef idx="minor"/>
-        </p:style>
-      </p:sp>
-      <p:sp>
-        <p:nvSpPr>
-          <p:cNvPr id="341" name="CustomShape 3"/>
-          <p:cNvSpPr/>
-          <p:nvPr/>
-        </p:nvSpPr>
-        <p:spPr>
-          <a:xfrm>
-            <a:off x="288000" y="6463440"/>
-            <a:ext cx="3199320" cy="232200"/>
-          </a:xfrm>
-          <a:prstGeom prst="rect">
-            <a:avLst/>
-          </a:prstGeom>
-          <a:noFill/>
-          <a:ln>
-            <a:noFill/>
-          </a:ln>
-        </p:spPr>
-        <p:style>
-          <a:lnRef idx="0">
-            <a:scrgbClr r="0" g="0" b="0"/>
-          </a:lnRef>
-          <a:fillRef idx="0">
-            <a:scrgbClr r="0" g="0" b="0"/>
-          </a:fillRef>
-          <a:effectRef idx="0">
-            <a:scrgbClr r="0" g="0" b="0"/>
-          </a:effectRef>
-          <a:fontRef idx="minor"/>
-        </p:style>
-        <p:txBody>
-          <a:bodyPr lIns="90000" tIns="45000" rIns="90000" bIns="45000"/>
-          <a:lstStyle/>
-          <a:p>
-            <a:pPr>
-              <a:lnSpc>
-                <a:spcPct val="100000"/>
-              </a:lnSpc>
-            </a:pPr>
-            <a:r>
-              <a:rPr lang="fr-FR" sz="1000" b="0" u="sng" strike="noStrike" spc="-1">
-                <a:solidFill>
-                  <a:srgbClr val="0000FF"/>
-                </a:solidFill>
-                <a:uFillTx/>
-                <a:latin typeface="Arial"/>
-                <a:hlinkClick r:id="rId3"/>
-              </a:rPr>
-              <a:t>https://improbable.io/blog/thanos-prometheus-at-scale</a:t>
-            </a:r>
-            <a:endParaRPr lang="fr-FR" sz="1000" b="0" strike="noStrike" spc="-1">
-              <a:latin typeface="Arial"/>
-            </a:endParaRPr>
-          </a:p>
-        </p:txBody>
       </p:sp>
       <p:grpSp>
         <p:nvGrpSpPr>
@@ -20807,7 +20396,7 @@
             <p:nvPr/>
           </p:nvPicPr>
           <p:blipFill>
-            <a:blip r:embed="rId4"/>
+            <a:blip r:embed="rId3"/>
             <a:stretch/>
           </p:blipFill>
           <p:spPr>
@@ -20989,7 +20578,7 @@
             <p:nvPr/>
           </p:nvPicPr>
           <p:blipFill>
-            <a:blip r:embed="rId4"/>
+            <a:blip r:embed="rId3"/>
             <a:stretch/>
           </p:blipFill>
           <p:spPr>
@@ -21235,7 +20824,7 @@
             <p:nvPr/>
           </p:nvPicPr>
           <p:blipFill>
-            <a:blip r:embed="rId4"/>
+            <a:blip r:embed="rId3"/>
             <a:stretch/>
           </p:blipFill>
           <p:spPr>
@@ -21417,7 +21006,7 @@
             <p:nvPr/>
           </p:nvPicPr>
           <p:blipFill>
-            <a:blip r:embed="rId4"/>
+            <a:blip r:embed="rId3"/>
             <a:stretch/>
           </p:blipFill>
           <p:spPr>
@@ -21613,7 +21202,7 @@
           <p:nvPr/>
         </p:nvPicPr>
         <p:blipFill>
-          <a:blip r:embed="rId5"/>
+          <a:blip r:embed="rId4"/>
           <a:stretch/>
         </p:blipFill>
         <p:spPr>
@@ -21740,7 +21329,7 @@
 </p:sld>
 </file>
 
-<file path=ppt/slides/slide26.xml><?xml version="1.0" encoding="utf-8"?>
+<file path=ppt/slides/slide25.xml><?xml version="1.0" encoding="utf-8"?>
 <p:sld xmlns:a="http://schemas.openxmlformats.org/drawingml/2006/main" xmlns:r="http://schemas.openxmlformats.org/officeDocument/2006/relationships" xmlns:p="http://schemas.openxmlformats.org/presentationml/2006/main">
   <p:cSld>
     <p:spTree>
@@ -21846,63 +21435,6 @@
           </a:effectRef>
           <a:fontRef idx="minor"/>
         </p:style>
-      </p:sp>
-      <p:sp>
-        <p:nvSpPr>
-          <p:cNvPr id="367" name="CustomShape 3"/>
-          <p:cNvSpPr/>
-          <p:nvPr/>
-        </p:nvSpPr>
-        <p:spPr>
-          <a:xfrm>
-            <a:off x="288000" y="6463440"/>
-            <a:ext cx="3199320" cy="232200"/>
-          </a:xfrm>
-          <a:prstGeom prst="rect">
-            <a:avLst/>
-          </a:prstGeom>
-          <a:noFill/>
-          <a:ln>
-            <a:noFill/>
-          </a:ln>
-        </p:spPr>
-        <p:style>
-          <a:lnRef idx="0">
-            <a:scrgbClr r="0" g="0" b="0"/>
-          </a:lnRef>
-          <a:fillRef idx="0">
-            <a:scrgbClr r="0" g="0" b="0"/>
-          </a:fillRef>
-          <a:effectRef idx="0">
-            <a:scrgbClr r="0" g="0" b="0"/>
-          </a:effectRef>
-          <a:fontRef idx="minor"/>
-        </p:style>
-        <p:txBody>
-          <a:bodyPr lIns="90000" tIns="45000" rIns="90000" bIns="45000"/>
-          <a:lstStyle/>
-          <a:p>
-            <a:pPr>
-              <a:lnSpc>
-                <a:spcPct val="100000"/>
-              </a:lnSpc>
-            </a:pPr>
-            <a:r>
-              <a:rPr lang="fr-FR" sz="1000" b="0" u="sng" strike="noStrike" spc="-1">
-                <a:solidFill>
-                  <a:srgbClr val="0000FF"/>
-                </a:solidFill>
-                <a:uFillTx/>
-                <a:latin typeface="Arial"/>
-                <a:hlinkClick r:id="rId3"/>
-              </a:rPr>
-              <a:t>https://improbable.io/blog/thanos-prometheus-at-scale</a:t>
-            </a:r>
-            <a:endParaRPr lang="fr-FR" sz="1000" b="0" strike="noStrike" spc="-1">
-              <a:latin typeface="Arial"/>
-            </a:endParaRPr>
-          </a:p>
-        </p:txBody>
       </p:sp>
       <p:grpSp>
         <p:nvGrpSpPr>
@@ -21961,7 +21493,7 @@
             <p:nvPr/>
           </p:nvPicPr>
           <p:blipFill>
-            <a:blip r:embed="rId4"/>
+            <a:blip r:embed="rId3"/>
             <a:stretch/>
           </p:blipFill>
           <p:spPr>
@@ -22143,7 +21675,7 @@
             <p:nvPr/>
           </p:nvPicPr>
           <p:blipFill>
-            <a:blip r:embed="rId4"/>
+            <a:blip r:embed="rId3"/>
             <a:stretch/>
           </p:blipFill>
           <p:spPr>
@@ -22395,7 +21927,7 @@
             <p:nvPr/>
           </p:nvPicPr>
           <p:blipFill>
-            <a:blip r:embed="rId4"/>
+            <a:blip r:embed="rId3"/>
             <a:stretch/>
           </p:blipFill>
           <p:spPr>
@@ -22577,7 +22109,7 @@
             <p:nvPr/>
           </p:nvPicPr>
           <p:blipFill>
-            <a:blip r:embed="rId4"/>
+            <a:blip r:embed="rId3"/>
             <a:stretch/>
           </p:blipFill>
           <p:spPr>
@@ -22779,7 +22311,7 @@
           <p:nvPr/>
         </p:nvPicPr>
         <p:blipFill>
-          <a:blip r:embed="rId5"/>
+          <a:blip r:embed="rId4"/>
           <a:stretch/>
         </p:blipFill>
         <p:spPr>
@@ -22802,7 +22334,7 @@
           <p:nvPr/>
         </p:nvPicPr>
         <p:blipFill>
-          <a:blip r:embed="rId6"/>
+          <a:blip r:embed="rId5"/>
           <a:stretch/>
         </p:blipFill>
         <p:spPr>
@@ -22825,7 +22357,7 @@
           <p:nvPr/>
         </p:nvPicPr>
         <p:blipFill>
-          <a:blip r:embed="rId6"/>
+          <a:blip r:embed="rId5"/>
           <a:stretch/>
         </p:blipFill>
         <p:spPr>
@@ -23179,7 +22711,7 @@
 </p:sld>
 </file>
 
-<file path=ppt/slides/slide27.xml><?xml version="1.0" encoding="utf-8"?>
+<file path=ppt/slides/slide26.xml><?xml version="1.0" encoding="utf-8"?>
 <p:sld xmlns:a="http://schemas.openxmlformats.org/drawingml/2006/main" xmlns:r="http://schemas.openxmlformats.org/officeDocument/2006/relationships" xmlns:p="http://schemas.openxmlformats.org/presentationml/2006/main">
   <p:cSld>
     <p:spTree>
@@ -23285,63 +22817,6 @@
           </a:effectRef>
           <a:fontRef idx="minor"/>
         </p:style>
-      </p:sp>
-      <p:sp>
-        <p:nvSpPr>
-          <p:cNvPr id="399" name="CustomShape 3"/>
-          <p:cNvSpPr/>
-          <p:nvPr/>
-        </p:nvSpPr>
-        <p:spPr>
-          <a:xfrm>
-            <a:off x="288000" y="6463440"/>
-            <a:ext cx="3199320" cy="232200"/>
-          </a:xfrm>
-          <a:prstGeom prst="rect">
-            <a:avLst/>
-          </a:prstGeom>
-          <a:noFill/>
-          <a:ln>
-            <a:noFill/>
-          </a:ln>
-        </p:spPr>
-        <p:style>
-          <a:lnRef idx="0">
-            <a:scrgbClr r="0" g="0" b="0"/>
-          </a:lnRef>
-          <a:fillRef idx="0">
-            <a:scrgbClr r="0" g="0" b="0"/>
-          </a:fillRef>
-          <a:effectRef idx="0">
-            <a:scrgbClr r="0" g="0" b="0"/>
-          </a:effectRef>
-          <a:fontRef idx="minor"/>
-        </p:style>
-        <p:txBody>
-          <a:bodyPr lIns="90000" tIns="45000" rIns="90000" bIns="45000"/>
-          <a:lstStyle/>
-          <a:p>
-            <a:pPr>
-              <a:lnSpc>
-                <a:spcPct val="100000"/>
-              </a:lnSpc>
-            </a:pPr>
-            <a:r>
-              <a:rPr lang="fr-FR" sz="1000" b="0" u="sng" strike="noStrike" spc="-1">
-                <a:solidFill>
-                  <a:srgbClr val="0000FF"/>
-                </a:solidFill>
-                <a:uFillTx/>
-                <a:latin typeface="Arial"/>
-                <a:hlinkClick r:id="rId3"/>
-              </a:rPr>
-              <a:t>https://improbable.io/blog/thanos-prometheus-at-scale</a:t>
-            </a:r>
-            <a:endParaRPr lang="fr-FR" sz="1000" b="0" strike="noStrike" spc="-1">
-              <a:latin typeface="Arial"/>
-            </a:endParaRPr>
-          </a:p>
-        </p:txBody>
       </p:sp>
       <p:grpSp>
         <p:nvGrpSpPr>
@@ -23400,7 +22875,7 @@
             <p:nvPr/>
           </p:nvPicPr>
           <p:blipFill>
-            <a:blip r:embed="rId4"/>
+            <a:blip r:embed="rId3"/>
             <a:stretch/>
           </p:blipFill>
           <p:spPr>
@@ -23582,7 +23057,7 @@
             <p:nvPr/>
           </p:nvPicPr>
           <p:blipFill>
-            <a:blip r:embed="rId4"/>
+            <a:blip r:embed="rId3"/>
             <a:stretch/>
           </p:blipFill>
           <p:spPr>
@@ -23834,7 +23309,7 @@
             <p:nvPr/>
           </p:nvPicPr>
           <p:blipFill>
-            <a:blip r:embed="rId4"/>
+            <a:blip r:embed="rId3"/>
             <a:stretch/>
           </p:blipFill>
           <p:spPr>
@@ -24016,7 +23491,7 @@
             <p:nvPr/>
           </p:nvPicPr>
           <p:blipFill>
-            <a:blip r:embed="rId4"/>
+            <a:blip r:embed="rId3"/>
             <a:stretch/>
           </p:blipFill>
           <p:spPr>
@@ -24218,7 +23693,7 @@
           <p:nvPr/>
         </p:nvPicPr>
         <p:blipFill>
-          <a:blip r:embed="rId5"/>
+          <a:blip r:embed="rId4"/>
           <a:stretch/>
         </p:blipFill>
         <p:spPr>
@@ -24241,7 +23716,7 @@
           <p:nvPr/>
         </p:nvPicPr>
         <p:blipFill>
-          <a:blip r:embed="rId6"/>
+          <a:blip r:embed="rId5"/>
           <a:stretch/>
         </p:blipFill>
         <p:spPr>
@@ -24264,7 +23739,7 @@
           <p:nvPr/>
         </p:nvPicPr>
         <p:blipFill>
-          <a:blip r:embed="rId6"/>
+          <a:blip r:embed="rId5"/>
           <a:stretch/>
         </p:blipFill>
         <p:spPr>
@@ -24287,7 +23762,7 @@
           <p:nvPr/>
         </p:nvPicPr>
         <p:blipFill>
-          <a:blip r:embed="rId6"/>
+          <a:blip r:embed="rId5"/>
           <a:stretch/>
         </p:blipFill>
         <p:spPr>
@@ -24673,7 +24148,7 @@
 </p:sld>
 </file>
 
-<file path=ppt/slides/slide28.xml><?xml version="1.0" encoding="utf-8"?>
+<file path=ppt/slides/slide27.xml><?xml version="1.0" encoding="utf-8"?>
 <p:sld xmlns:a="http://schemas.openxmlformats.org/drawingml/2006/main" xmlns:r="http://schemas.openxmlformats.org/officeDocument/2006/relationships" xmlns:p="http://schemas.openxmlformats.org/presentationml/2006/main">
   <p:cSld>
     <p:spTree>
@@ -24779,63 +24254,6 @@
           </a:effectRef>
           <a:fontRef idx="minor"/>
         </p:style>
-      </p:sp>
-      <p:sp>
-        <p:nvSpPr>
-          <p:cNvPr id="433" name="CustomShape 3"/>
-          <p:cNvSpPr/>
-          <p:nvPr/>
-        </p:nvSpPr>
-        <p:spPr>
-          <a:xfrm>
-            <a:off x="288000" y="6463440"/>
-            <a:ext cx="3199320" cy="232200"/>
-          </a:xfrm>
-          <a:prstGeom prst="rect">
-            <a:avLst/>
-          </a:prstGeom>
-          <a:noFill/>
-          <a:ln>
-            <a:noFill/>
-          </a:ln>
-        </p:spPr>
-        <p:style>
-          <a:lnRef idx="0">
-            <a:scrgbClr r="0" g="0" b="0"/>
-          </a:lnRef>
-          <a:fillRef idx="0">
-            <a:scrgbClr r="0" g="0" b="0"/>
-          </a:fillRef>
-          <a:effectRef idx="0">
-            <a:scrgbClr r="0" g="0" b="0"/>
-          </a:effectRef>
-          <a:fontRef idx="minor"/>
-        </p:style>
-        <p:txBody>
-          <a:bodyPr lIns="90000" tIns="45000" rIns="90000" bIns="45000"/>
-          <a:lstStyle/>
-          <a:p>
-            <a:pPr>
-              <a:lnSpc>
-                <a:spcPct val="100000"/>
-              </a:lnSpc>
-            </a:pPr>
-            <a:r>
-              <a:rPr lang="fr-FR" sz="1000" b="0" u="sng" strike="noStrike" spc="-1">
-                <a:solidFill>
-                  <a:srgbClr val="0000FF"/>
-                </a:solidFill>
-                <a:uFillTx/>
-                <a:latin typeface="Arial"/>
-                <a:hlinkClick r:id="rId3"/>
-              </a:rPr>
-              <a:t>https://improbable.io/blog/thanos-prometheus-at-scale</a:t>
-            </a:r>
-            <a:endParaRPr lang="fr-FR" sz="1000" b="0" strike="noStrike" spc="-1">
-              <a:latin typeface="Arial"/>
-            </a:endParaRPr>
-          </a:p>
-        </p:txBody>
       </p:sp>
       <p:grpSp>
         <p:nvGrpSpPr>
@@ -24894,7 +24312,7 @@
             <p:nvPr/>
           </p:nvPicPr>
           <p:blipFill>
-            <a:blip r:embed="rId4"/>
+            <a:blip r:embed="rId3"/>
             <a:stretch/>
           </p:blipFill>
           <p:spPr>
@@ -25076,7 +24494,7 @@
             <p:nvPr/>
           </p:nvPicPr>
           <p:blipFill>
-            <a:blip r:embed="rId4"/>
+            <a:blip r:embed="rId3"/>
             <a:stretch/>
           </p:blipFill>
           <p:spPr>
@@ -25328,7 +24746,7 @@
             <p:nvPr/>
           </p:nvPicPr>
           <p:blipFill>
-            <a:blip r:embed="rId4"/>
+            <a:blip r:embed="rId3"/>
             <a:stretch/>
           </p:blipFill>
           <p:spPr>
@@ -25510,7 +24928,7 @@
             <p:nvPr/>
           </p:nvPicPr>
           <p:blipFill>
-            <a:blip r:embed="rId4"/>
+            <a:blip r:embed="rId3"/>
             <a:stretch/>
           </p:blipFill>
           <p:spPr>
@@ -25712,7 +25130,7 @@
           <p:nvPr/>
         </p:nvPicPr>
         <p:blipFill>
-          <a:blip r:embed="rId5"/>
+          <a:blip r:embed="rId4"/>
           <a:stretch/>
         </p:blipFill>
         <p:spPr>
@@ -25735,7 +25153,7 @@
           <p:nvPr/>
         </p:nvPicPr>
         <p:blipFill>
-          <a:blip r:embed="rId6"/>
+          <a:blip r:embed="rId5"/>
           <a:stretch/>
         </p:blipFill>
         <p:spPr>
@@ -25758,7 +25176,7 @@
           <p:nvPr/>
         </p:nvPicPr>
         <p:blipFill>
-          <a:blip r:embed="rId6"/>
+          <a:blip r:embed="rId5"/>
           <a:stretch/>
         </p:blipFill>
         <p:spPr>
@@ -25781,7 +25199,7 @@
           <p:nvPr/>
         </p:nvPicPr>
         <p:blipFill>
-          <a:blip r:embed="rId6"/>
+          <a:blip r:embed="rId5"/>
           <a:stretch/>
         </p:blipFill>
         <p:spPr>
@@ -25804,7 +25222,7 @@
           <p:nvPr/>
         </p:nvPicPr>
         <p:blipFill>
-          <a:blip r:embed="rId6"/>
+          <a:blip r:embed="rId5"/>
           <a:stretch/>
         </p:blipFill>
         <p:spPr>
@@ -26469,6 +25887,171 @@
           </a:p>
         </p:txBody>
       </p:sp>
+    </p:spTree>
+  </p:cSld>
+  <p:clrMapOvr>
+    <a:masterClrMapping/>
+  </p:clrMapOvr>
+  <p:timing>
+    <p:tnLst>
+      <p:par>
+        <p:cTn id="1" dur="indefinite" restart="never" nodeType="tmRoot">
+          <p:childTnLst>
+            <p:seq>
+              <p:cTn id="2" dur="indefinite" nodeType="mainSeq"/>
+              <p:prevCondLst>
+                <p:cond evt="onPrev" delay="0">
+                  <p:tgtEl>
+                    <p:sldTgt/>
+                  </p:tgtEl>
+                </p:cond>
+              </p:prevCondLst>
+              <p:nextCondLst>
+                <p:cond evt="onNext" delay="0">
+                  <p:tgtEl>
+                    <p:sldTgt/>
+                  </p:tgtEl>
+                </p:cond>
+              </p:nextCondLst>
+            </p:seq>
+          </p:childTnLst>
+        </p:cTn>
+      </p:par>
+    </p:tnLst>
+  </p:timing>
+</p:sld>
+</file>
+
+<file path=ppt/slides/slide28.xml><?xml version="1.0" encoding="utf-8"?>
+<p:sld xmlns:a="http://schemas.openxmlformats.org/drawingml/2006/main" xmlns:r="http://schemas.openxmlformats.org/officeDocument/2006/relationships" xmlns:p="http://schemas.openxmlformats.org/presentationml/2006/main">
+  <p:cSld>
+    <p:spTree>
+      <p:nvGrpSpPr>
+        <p:cNvPr id="1" name=""/>
+        <p:cNvGrpSpPr/>
+        <p:nvPr/>
+      </p:nvGrpSpPr>
+      <p:grpSpPr>
+        <a:xfrm>
+          <a:off x="0" y="0"/>
+          <a:ext cx="0" cy="0"/>
+          <a:chOff x="0" y="0"/>
+          <a:chExt cx="0" cy="0"/>
+        </a:xfrm>
+      </p:grpSpPr>
+      <p:sp>
+        <p:nvSpPr>
+          <p:cNvPr id="473" name="CustomShape 1"/>
+          <p:cNvSpPr/>
+          <p:nvPr/>
+        </p:nvSpPr>
+        <p:spPr>
+          <a:xfrm>
+            <a:off x="838080" y="365040"/>
+            <a:ext cx="10507320" cy="630360"/>
+          </a:xfrm>
+          <a:prstGeom prst="rect">
+            <a:avLst/>
+          </a:prstGeom>
+          <a:noFill/>
+          <a:ln>
+            <a:noFill/>
+          </a:ln>
+        </p:spPr>
+        <p:style>
+          <a:lnRef idx="0">
+            <a:scrgbClr r="0" g="0" b="0"/>
+          </a:lnRef>
+          <a:fillRef idx="0">
+            <a:scrgbClr r="0" g="0" b="0"/>
+          </a:fillRef>
+          <a:effectRef idx="0">
+            <a:scrgbClr r="0" g="0" b="0"/>
+          </a:effectRef>
+          <a:fontRef idx="minor"/>
+        </p:style>
+        <p:txBody>
+          <a:bodyPr lIns="90000" tIns="45000" rIns="90000" bIns="45000" anchor="ctr">
+            <a:normAutofit/>
+          </a:bodyPr>
+          <a:lstStyle/>
+          <a:p>
+            <a:pPr>
+              <a:lnSpc>
+                <a:spcPct val="90000"/>
+              </a:lnSpc>
+            </a:pPr>
+            <a:r>
+              <a:rPr lang="fr-FR" sz="3200" b="0" strike="noStrike" spc="-1">
+                <a:solidFill>
+                  <a:srgbClr val="000000"/>
+                </a:solidFill>
+                <a:latin typeface="Ubuntu"/>
+                <a:ea typeface="DejaVu Sans"/>
+              </a:rPr>
+              <a:t>Thanos (en vrai)</a:t>
+            </a:r>
+            <a:endParaRPr lang="fr-FR" sz="3200" b="0" strike="noStrike" spc="-1">
+              <a:latin typeface="Arial"/>
+            </a:endParaRPr>
+          </a:p>
+        </p:txBody>
+      </p:sp>
+      <p:sp>
+        <p:nvSpPr>
+          <p:cNvPr id="474" name="CustomShape 2"/>
+          <p:cNvSpPr/>
+          <p:nvPr/>
+        </p:nvSpPr>
+        <p:spPr>
+          <a:xfrm>
+            <a:off x="838080" y="1310760"/>
+            <a:ext cx="10507320" cy="4964760"/>
+          </a:xfrm>
+          <a:prstGeom prst="rect">
+            <a:avLst/>
+          </a:prstGeom>
+          <a:noFill/>
+          <a:ln>
+            <a:noFill/>
+          </a:ln>
+        </p:spPr>
+        <p:style>
+          <a:lnRef idx="0">
+            <a:scrgbClr r="0" g="0" b="0"/>
+          </a:lnRef>
+          <a:fillRef idx="0">
+            <a:scrgbClr r="0" g="0" b="0"/>
+          </a:fillRef>
+          <a:effectRef idx="0">
+            <a:scrgbClr r="0" g="0" b="0"/>
+          </a:effectRef>
+          <a:fontRef idx="minor"/>
+        </p:style>
+      </p:sp>
+      <p:pic>
+        <p:nvPicPr>
+          <p:cNvPr id="475" name="Image 474"/>
+          <p:cNvPicPr/>
+          <p:nvPr/>
+        </p:nvPicPr>
+        <p:blipFill>
+          <a:blip r:embed="rId3"/>
+          <a:stretch/>
+        </p:blipFill>
+        <p:spPr>
+          <a:xfrm>
+            <a:off x="2784600" y="1296000"/>
+            <a:ext cx="6623640" cy="4946040"/>
+          </a:xfrm>
+          <a:prstGeom prst="rect">
+            <a:avLst/>
+          </a:prstGeom>
+          <a:ln>
+            <a:noFill/>
+          </a:ln>
+        </p:spPr>
+      </p:pic>
     </p:spTree>
   </p:cSld>
   <p:clrMapOvr>
@@ -26523,7 +26106,7 @@
       </p:grpSpPr>
       <p:sp>
         <p:nvSpPr>
-          <p:cNvPr id="473" name="CustomShape 1"/>
+          <p:cNvPr id="476" name="CustomShape 1"/>
           <p:cNvSpPr/>
           <p:nvPr/>
         </p:nvSpPr>
@@ -26571,7 +26154,7 @@
                 <a:latin typeface="Ubuntu"/>
                 <a:ea typeface="DejaVu Sans"/>
               </a:rPr>
-              <a:t>Thanos (en vrai)</a:t>
+              <a:t>Thanos = « Prometheus at scale » ?</a:t>
             </a:r>
             <a:endParaRPr lang="fr-FR" sz="3200" b="0" strike="noStrike" spc="-1">
               <a:latin typeface="Arial"/>
@@ -26581,7 +26164,7 @@
       </p:sp>
       <p:sp>
         <p:nvSpPr>
-          <p:cNvPr id="474" name="CustomShape 2"/>
+          <p:cNvPr id="477" name="CustomShape 2"/>
           <p:cNvSpPr/>
           <p:nvPr/>
         </p:nvSpPr>
@@ -26610,10 +26193,271 @@
           </a:effectRef>
           <a:fontRef idx="minor"/>
         </p:style>
+        <p:txBody>
+          <a:bodyPr lIns="90000" tIns="45000" rIns="90000" bIns="45000">
+            <a:normAutofit/>
+          </a:bodyPr>
+          <a:lstStyle/>
+          <a:p>
+            <a:pPr>
+              <a:lnSpc>
+                <a:spcPct val="150000"/>
+              </a:lnSpc>
+              <a:spcBef>
+                <a:spcPts val="1001"/>
+              </a:spcBef>
+            </a:pPr>
+            <a:r>
+              <a:rPr lang="fr-FR" sz="2400" b="0" strike="noStrike" spc="-1" dirty="0">
+                <a:solidFill>
+                  <a:srgbClr val="000000"/>
+                </a:solidFill>
+                <a:latin typeface="Ubuntu"/>
+                <a:ea typeface="DejaVu Sans"/>
+              </a:rPr>
+              <a:t>100 % compatible avec </a:t>
+            </a:r>
+            <a:r>
+              <a:rPr lang="fr-FR" sz="2400" b="0" strike="noStrike" spc="-1" dirty="0" err="1">
+                <a:solidFill>
+                  <a:srgbClr val="000000"/>
+                </a:solidFill>
+                <a:latin typeface="Ubuntu"/>
+                <a:ea typeface="DejaVu Sans"/>
+              </a:rPr>
+              <a:t>Prometheus</a:t>
+            </a:r>
+            <a:r>
+              <a:rPr lang="fr-FR" sz="2400" b="0" strike="noStrike" spc="-1" dirty="0">
+                <a:solidFill>
+                  <a:srgbClr val="000000"/>
+                </a:solidFill>
+                <a:latin typeface="Ubuntu"/>
+                <a:ea typeface="DejaVu Sans"/>
+              </a:rPr>
+              <a:t> + écosystème</a:t>
+            </a:r>
+            <a:endParaRPr lang="fr-FR" sz="2400" b="0" strike="noStrike" spc="-1" dirty="0">
+              <a:latin typeface="Arial"/>
+            </a:endParaRPr>
+          </a:p>
+          <a:p>
+            <a:pPr>
+              <a:lnSpc>
+                <a:spcPct val="150000"/>
+              </a:lnSpc>
+              <a:spcBef>
+                <a:spcPts val="1001"/>
+              </a:spcBef>
+            </a:pPr>
+            <a:r>
+              <a:rPr lang="fr-FR" sz="2400" b="0" strike="noStrike" spc="-1" dirty="0">
+                <a:solidFill>
+                  <a:srgbClr val="000000"/>
+                </a:solidFill>
+                <a:latin typeface="Ubuntu"/>
+                <a:ea typeface="DejaVu Sans"/>
+              </a:rPr>
+              <a:t>Rétention « infinie » (externalisation S3)</a:t>
+            </a:r>
+            <a:endParaRPr lang="fr-FR" sz="2400" b="0" strike="noStrike" spc="-1" dirty="0">
+              <a:latin typeface="Arial"/>
+            </a:endParaRPr>
+          </a:p>
+          <a:p>
+            <a:pPr>
+              <a:lnSpc>
+                <a:spcPct val="150000"/>
+              </a:lnSpc>
+              <a:spcBef>
+                <a:spcPts val="1001"/>
+              </a:spcBef>
+            </a:pPr>
+            <a:r>
+              <a:rPr lang="fr-FR" sz="2400" b="0" strike="noStrike" spc="-1" dirty="0">
+                <a:solidFill>
+                  <a:srgbClr val="000000"/>
+                </a:solidFill>
+                <a:latin typeface="Ubuntu"/>
+                <a:ea typeface="DejaVu Sans"/>
+              </a:rPr>
+              <a:t>Corrélation de plusieurs </a:t>
+            </a:r>
+            <a:r>
+              <a:rPr lang="fr-FR" sz="2400" b="0" strike="noStrike" spc="-1" dirty="0" err="1">
+                <a:solidFill>
+                  <a:srgbClr val="000000"/>
+                </a:solidFill>
+                <a:latin typeface="Ubuntu"/>
+                <a:ea typeface="DejaVu Sans"/>
+              </a:rPr>
+              <a:t>Prometheus</a:t>
+            </a:r>
+            <a:endParaRPr lang="fr-FR" sz="2400" b="0" strike="noStrike" spc="-1" dirty="0">
+              <a:latin typeface="Arial"/>
+            </a:endParaRPr>
+          </a:p>
+          <a:p>
+            <a:pPr marL="648000" lvl="2" indent="-215640">
+              <a:lnSpc>
+                <a:spcPct val="150000"/>
+              </a:lnSpc>
+              <a:spcBef>
+                <a:spcPts val="1001"/>
+              </a:spcBef>
+              <a:buClr>
+                <a:srgbClr val="000000"/>
+              </a:buClr>
+              <a:buSzPct val="45000"/>
+              <a:buFont typeface="Wingdings" charset="2"/>
+              <a:buChar char=""/>
+            </a:pPr>
+            <a:r>
+              <a:rPr lang="fr-FR" sz="2400" b="0" strike="noStrike" spc="-1" dirty="0">
+                <a:solidFill>
+                  <a:srgbClr val="000000"/>
+                </a:solidFill>
+                <a:latin typeface="Ubuntu"/>
+                <a:ea typeface="DejaVu Sans"/>
+              </a:rPr>
+              <a:t>Gestion centralisées de plusieurs DC</a:t>
+            </a:r>
+            <a:endParaRPr lang="fr-FR" sz="2400" b="0" strike="noStrike" spc="-1" dirty="0">
+              <a:latin typeface="Arial"/>
+            </a:endParaRPr>
+          </a:p>
+          <a:p>
+            <a:pPr marL="648000" lvl="2" indent="-215640">
+              <a:lnSpc>
+                <a:spcPct val="150000"/>
+              </a:lnSpc>
+              <a:spcBef>
+                <a:spcPts val="1001"/>
+              </a:spcBef>
+              <a:buClr>
+                <a:srgbClr val="000000"/>
+              </a:buClr>
+              <a:buSzPct val="45000"/>
+              <a:buFont typeface="Wingdings" charset="2"/>
+              <a:buChar char=""/>
+            </a:pPr>
+            <a:r>
+              <a:rPr lang="fr-FR" sz="2400" b="0" strike="noStrike" spc="-1" dirty="0">
+                <a:solidFill>
+                  <a:srgbClr val="000000"/>
+                </a:solidFill>
+                <a:latin typeface="Ubuntu"/>
+                <a:ea typeface="DejaVu Sans"/>
+              </a:rPr>
+              <a:t>Gestion des </a:t>
+            </a:r>
+            <a:r>
+              <a:rPr lang="fr-FR" sz="2400" b="0" strike="noStrike" spc="-1" dirty="0" err="1" smtClean="0">
+                <a:solidFill>
+                  <a:srgbClr val="000000"/>
+                </a:solidFill>
+                <a:latin typeface="Ubuntu"/>
+                <a:ea typeface="DejaVu Sans"/>
+              </a:rPr>
+              <a:t>replicas</a:t>
+            </a:r>
+            <a:endParaRPr lang="fr-FR" sz="2400" b="0" strike="noStrike" spc="-1" dirty="0" smtClean="0">
+              <a:solidFill>
+                <a:srgbClr val="000000"/>
+              </a:solidFill>
+              <a:latin typeface="Ubuntu"/>
+              <a:ea typeface="DejaVu Sans"/>
+            </a:endParaRPr>
+          </a:p>
+          <a:p>
+            <a:pPr marL="190800" lvl="1" indent="-215640">
+              <a:lnSpc>
+                <a:spcPct val="150000"/>
+              </a:lnSpc>
+              <a:spcBef>
+                <a:spcPts val="1001"/>
+              </a:spcBef>
+              <a:buClr>
+                <a:srgbClr val="000000"/>
+              </a:buClr>
+              <a:buSzPct val="45000"/>
+              <a:buFont typeface="Wingdings" charset="2"/>
+              <a:buChar char=""/>
+            </a:pPr>
+            <a:r>
+              <a:rPr lang="fr-FR" sz="2400" spc="-1" dirty="0">
+                <a:solidFill>
+                  <a:schemeClr val="bg1">
+                    <a:lumMod val="65000"/>
+                  </a:schemeClr>
+                </a:solidFill>
+                <a:latin typeface="Ubuntu"/>
+              </a:rPr>
+              <a:t>Meilleure compaction</a:t>
+            </a:r>
+          </a:p>
+          <a:p>
+            <a:pPr marL="190800" lvl="1" indent="-215640">
+              <a:lnSpc>
+                <a:spcPct val="150000"/>
+              </a:lnSpc>
+              <a:spcBef>
+                <a:spcPts val="1001"/>
+              </a:spcBef>
+              <a:buClr>
+                <a:srgbClr val="000000"/>
+              </a:buClr>
+              <a:buSzPct val="45000"/>
+              <a:buFont typeface="Wingdings" charset="2"/>
+              <a:buChar char=""/>
+            </a:pPr>
+            <a:r>
+              <a:rPr lang="fr-FR" sz="2400" spc="-1" dirty="0" err="1">
+                <a:solidFill>
+                  <a:schemeClr val="bg1">
+                    <a:lumMod val="65000"/>
+                  </a:schemeClr>
+                </a:solidFill>
+                <a:latin typeface="Ubuntu"/>
+              </a:rPr>
+              <a:t>Downsampling</a:t>
+            </a:r>
+            <a:r>
+              <a:rPr lang="fr-FR" sz="2400" spc="-1" dirty="0">
+                <a:solidFill>
+                  <a:schemeClr val="bg1">
+                    <a:lumMod val="65000"/>
+                  </a:schemeClr>
+                </a:solidFill>
+                <a:latin typeface="Ubuntu"/>
+              </a:rPr>
+              <a:t> </a:t>
+            </a:r>
+          </a:p>
+          <a:p>
+            <a:pPr marL="190800" lvl="1" indent="-215640">
+              <a:lnSpc>
+                <a:spcPct val="150000"/>
+              </a:lnSpc>
+              <a:spcBef>
+                <a:spcPts val="1001"/>
+              </a:spcBef>
+              <a:buClr>
+                <a:srgbClr val="000000"/>
+              </a:buClr>
+              <a:buSzPct val="45000"/>
+              <a:buFont typeface="Wingdings" charset="2"/>
+              <a:buChar char=""/>
+            </a:pPr>
+            <a:endParaRPr lang="fr-FR" sz="2400" b="0" strike="noStrike" spc="-1" dirty="0">
+              <a:latin typeface="Arial"/>
+            </a:endParaRPr>
+          </a:p>
+        </p:txBody>
       </p:sp>
       <p:pic>
         <p:nvPicPr>
-          <p:cNvPr id="475" name="Image 474"/>
+          <p:cNvPr id="478" name="Image 477"/>
           <p:cNvPicPr/>
           <p:nvPr/>
         </p:nvPicPr>
@@ -26623,8 +26467,8 @@
         </p:blipFill>
         <p:spPr>
           <a:xfrm>
-            <a:off x="2784600" y="1296000"/>
-            <a:ext cx="6623640" cy="4946040"/>
+            <a:off x="9864000" y="1152000"/>
+            <a:ext cx="2159640" cy="2159640"/>
           </a:xfrm>
           <a:prstGeom prst="rect">
             <a:avLst/>
@@ -26632,6 +26476,186 @@
           <a:ln>
             <a:noFill/>
           </a:ln>
+        </p:spPr>
+      </p:pic>
+      <p:pic>
+        <p:nvPicPr>
+          <p:cNvPr id="2" name="Image 1"/>
+          <p:cNvPicPr>
+            <a:picLocks noChangeAspect="1"/>
+          </p:cNvPicPr>
+          <p:nvPr/>
+        </p:nvPicPr>
+        <p:blipFill>
+          <a:blip r:embed="rId4" cstate="print">
+            <a:extLst>
+              <a:ext uri="{28A0092B-C50C-407E-A947-70E740481C1C}">
+                <a14:useLocalDpi xmlns:a14="http://schemas.microsoft.com/office/drawing/2010/main" val="0"/>
+              </a:ext>
+            </a:extLst>
+          </a:blip>
+          <a:stretch>
+            <a:fillRect/>
+          </a:stretch>
+        </p:blipFill>
+        <p:spPr>
+          <a:xfrm>
+            <a:off x="8043359" y="1152000"/>
+            <a:ext cx="845126" cy="845126"/>
+          </a:xfrm>
+          <a:prstGeom prst="rect">
+            <a:avLst/>
+          </a:prstGeom>
+        </p:spPr>
+      </p:pic>
+      <p:pic>
+        <p:nvPicPr>
+          <p:cNvPr id="6" name="Image 5"/>
+          <p:cNvPicPr>
+            <a:picLocks noChangeAspect="1"/>
+          </p:cNvPicPr>
+          <p:nvPr/>
+        </p:nvPicPr>
+        <p:blipFill>
+          <a:blip r:embed="rId4" cstate="print">
+            <a:extLst>
+              <a:ext uri="{28A0092B-C50C-407E-A947-70E740481C1C}">
+                <a14:useLocalDpi xmlns:a14="http://schemas.microsoft.com/office/drawing/2010/main" val="0"/>
+              </a:ext>
+            </a:extLst>
+          </a:blip>
+          <a:stretch>
+            <a:fillRect/>
+          </a:stretch>
+        </p:blipFill>
+        <p:spPr>
+          <a:xfrm>
+            <a:off x="6668911" y="1809257"/>
+            <a:ext cx="845126" cy="845126"/>
+          </a:xfrm>
+          <a:prstGeom prst="rect">
+            <a:avLst/>
+          </a:prstGeom>
+        </p:spPr>
+      </p:pic>
+      <p:pic>
+        <p:nvPicPr>
+          <p:cNvPr id="7" name="Image 6"/>
+          <p:cNvPicPr>
+            <a:picLocks noChangeAspect="1"/>
+          </p:cNvPicPr>
+          <p:nvPr/>
+        </p:nvPicPr>
+        <p:blipFill>
+          <a:blip r:embed="rId4" cstate="print">
+            <a:extLst>
+              <a:ext uri="{28A0092B-C50C-407E-A947-70E740481C1C}">
+                <a14:useLocalDpi xmlns:a14="http://schemas.microsoft.com/office/drawing/2010/main" val="0"/>
+              </a:ext>
+            </a:extLst>
+          </a:blip>
+          <a:stretch>
+            <a:fillRect/>
+          </a:stretch>
+        </p:blipFill>
+        <p:spPr>
+          <a:xfrm>
+            <a:off x="6862875" y="3152880"/>
+            <a:ext cx="845126" cy="845126"/>
+          </a:xfrm>
+          <a:prstGeom prst="rect">
+            <a:avLst/>
+          </a:prstGeom>
+        </p:spPr>
+      </p:pic>
+      <p:pic>
+        <p:nvPicPr>
+          <p:cNvPr id="8" name="Image 7"/>
+          <p:cNvPicPr>
+            <a:picLocks noChangeAspect="1"/>
+          </p:cNvPicPr>
+          <p:nvPr/>
+        </p:nvPicPr>
+        <p:blipFill>
+          <a:blip r:embed="rId4" cstate="print">
+            <a:extLst>
+              <a:ext uri="{28A0092B-C50C-407E-A947-70E740481C1C}">
+                <a14:useLocalDpi xmlns:a14="http://schemas.microsoft.com/office/drawing/2010/main" val="0"/>
+              </a:ext>
+            </a:extLst>
+          </a:blip>
+          <a:stretch>
+            <a:fillRect/>
+          </a:stretch>
+        </p:blipFill>
+        <p:spPr>
+          <a:xfrm>
+            <a:off x="6867748" y="3793140"/>
+            <a:ext cx="845126" cy="845126"/>
+          </a:xfrm>
+          <a:prstGeom prst="rect">
+            <a:avLst/>
+          </a:prstGeom>
+        </p:spPr>
+      </p:pic>
+      <p:pic>
+        <p:nvPicPr>
+          <p:cNvPr id="9" name="Image 8"/>
+          <p:cNvPicPr>
+            <a:picLocks noChangeAspect="1"/>
+          </p:cNvPicPr>
+          <p:nvPr/>
+        </p:nvPicPr>
+        <p:blipFill>
+          <a:blip r:embed="rId4" cstate="print">
+            <a:extLst>
+              <a:ext uri="{28A0092B-C50C-407E-A947-70E740481C1C}">
+                <a14:useLocalDpi xmlns:a14="http://schemas.microsoft.com/office/drawing/2010/main" val="0"/>
+              </a:ext>
+            </a:extLst>
+          </a:blip>
+          <a:stretch>
+            <a:fillRect/>
+          </a:stretch>
+        </p:blipFill>
+        <p:spPr>
+          <a:xfrm>
+            <a:off x="4803421" y="4638266"/>
+            <a:ext cx="845126" cy="845126"/>
+          </a:xfrm>
+          <a:prstGeom prst="rect">
+            <a:avLst/>
+          </a:prstGeom>
+        </p:spPr>
+      </p:pic>
+      <p:pic>
+        <p:nvPicPr>
+          <p:cNvPr id="10" name="Image 9"/>
+          <p:cNvPicPr>
+            <a:picLocks noChangeAspect="1"/>
+          </p:cNvPicPr>
+          <p:nvPr/>
+        </p:nvPicPr>
+        <p:blipFill>
+          <a:blip r:embed="rId4" cstate="print">
+            <a:extLst>
+              <a:ext uri="{28A0092B-C50C-407E-A947-70E740481C1C}">
+                <a14:useLocalDpi xmlns:a14="http://schemas.microsoft.com/office/drawing/2010/main" val="0"/>
+              </a:ext>
+            </a:extLst>
+          </a:blip>
+          <a:stretch>
+            <a:fillRect/>
+          </a:stretch>
+        </p:blipFill>
+        <p:spPr>
+          <a:xfrm>
+            <a:off x="4803421" y="5219589"/>
+            <a:ext cx="845126" cy="845126"/>
+          </a:xfrm>
+          <a:prstGeom prst="rect">
+            <a:avLst/>
+          </a:prstGeom>
         </p:spPr>
       </p:pic>
     </p:spTree>
@@ -26644,8 +26668,281 @@
       <p:par>
         <p:cTn id="1" dur="indefinite" restart="never" nodeType="tmRoot">
           <p:childTnLst>
-            <p:seq>
-              <p:cTn id="2" dur="indefinite" nodeType="mainSeq"/>
+            <p:seq concurrent="1" nextAc="seek">
+              <p:cTn id="2" dur="indefinite" nodeType="mainSeq">
+                <p:childTnLst>
+                  <p:par>
+                    <p:cTn id="3" fill="hold">
+                      <p:stCondLst>
+                        <p:cond delay="indefinite"/>
+                      </p:stCondLst>
+                      <p:childTnLst>
+                        <p:par>
+                          <p:cTn id="4" fill="hold">
+                            <p:stCondLst>
+                              <p:cond delay="0"/>
+                            </p:stCondLst>
+                            <p:childTnLst>
+                              <p:par>
+                                <p:cTn id="5" presetID="1" presetClass="entr" presetSubtype="0" fill="hold" nodeType="clickEffect">
+                                  <p:stCondLst>
+                                    <p:cond delay="0"/>
+                                  </p:stCondLst>
+                                  <p:childTnLst>
+                                    <p:set>
+                                      <p:cBhvr>
+                                        <p:cTn id="6" dur="1" fill="hold">
+                                          <p:stCondLst>
+                                            <p:cond delay="0"/>
+                                          </p:stCondLst>
+                                        </p:cTn>
+                                        <p:tgtEl>
+                                          <p:spTgt spid="2"/>
+                                        </p:tgtEl>
+                                        <p:attrNameLst>
+                                          <p:attrName>style.visibility</p:attrName>
+                                        </p:attrNameLst>
+                                      </p:cBhvr>
+                                      <p:to>
+                                        <p:strVal val="visible"/>
+                                      </p:to>
+                                    </p:set>
+                                  </p:childTnLst>
+                                </p:cTn>
+                              </p:par>
+                            </p:childTnLst>
+                          </p:cTn>
+                        </p:par>
+                      </p:childTnLst>
+                    </p:cTn>
+                  </p:par>
+                  <p:par>
+                    <p:cTn id="7" fill="hold">
+                      <p:stCondLst>
+                        <p:cond delay="indefinite"/>
+                      </p:stCondLst>
+                      <p:childTnLst>
+                        <p:par>
+                          <p:cTn id="8" fill="hold">
+                            <p:stCondLst>
+                              <p:cond delay="0"/>
+                            </p:stCondLst>
+                            <p:childTnLst>
+                              <p:par>
+                                <p:cTn id="9" presetID="1" presetClass="entr" presetSubtype="0" fill="hold" nodeType="clickEffect">
+                                  <p:stCondLst>
+                                    <p:cond delay="0"/>
+                                  </p:stCondLst>
+                                  <p:childTnLst>
+                                    <p:set>
+                                      <p:cBhvr>
+                                        <p:cTn id="10" dur="1" fill="hold">
+                                          <p:stCondLst>
+                                            <p:cond delay="0"/>
+                                          </p:stCondLst>
+                                        </p:cTn>
+                                        <p:tgtEl>
+                                          <p:spTgt spid="6"/>
+                                        </p:tgtEl>
+                                        <p:attrNameLst>
+                                          <p:attrName>style.visibility</p:attrName>
+                                        </p:attrNameLst>
+                                      </p:cBhvr>
+                                      <p:to>
+                                        <p:strVal val="visible"/>
+                                      </p:to>
+                                    </p:set>
+                                  </p:childTnLst>
+                                </p:cTn>
+                              </p:par>
+                            </p:childTnLst>
+                          </p:cTn>
+                        </p:par>
+                      </p:childTnLst>
+                    </p:cTn>
+                  </p:par>
+                  <p:par>
+                    <p:cTn id="11" fill="hold">
+                      <p:stCondLst>
+                        <p:cond delay="indefinite"/>
+                      </p:stCondLst>
+                      <p:childTnLst>
+                        <p:par>
+                          <p:cTn id="12" fill="hold">
+                            <p:stCondLst>
+                              <p:cond delay="0"/>
+                            </p:stCondLst>
+                            <p:childTnLst>
+                              <p:par>
+                                <p:cTn id="13" presetID="1" presetClass="entr" presetSubtype="0" fill="hold" nodeType="clickEffect">
+                                  <p:stCondLst>
+                                    <p:cond delay="0"/>
+                                  </p:stCondLst>
+                                  <p:childTnLst>
+                                    <p:set>
+                                      <p:cBhvr>
+                                        <p:cTn id="14" dur="1" fill="hold">
+                                          <p:stCondLst>
+                                            <p:cond delay="0"/>
+                                          </p:stCondLst>
+                                        </p:cTn>
+                                        <p:tgtEl>
+                                          <p:spTgt spid="7"/>
+                                        </p:tgtEl>
+                                        <p:attrNameLst>
+                                          <p:attrName>style.visibility</p:attrName>
+                                        </p:attrNameLst>
+                                      </p:cBhvr>
+                                      <p:to>
+                                        <p:strVal val="visible"/>
+                                      </p:to>
+                                    </p:set>
+                                  </p:childTnLst>
+                                </p:cTn>
+                              </p:par>
+                            </p:childTnLst>
+                          </p:cTn>
+                        </p:par>
+                      </p:childTnLst>
+                    </p:cTn>
+                  </p:par>
+                  <p:par>
+                    <p:cTn id="15" fill="hold">
+                      <p:stCondLst>
+                        <p:cond delay="indefinite"/>
+                      </p:stCondLst>
+                      <p:childTnLst>
+                        <p:par>
+                          <p:cTn id="16" fill="hold">
+                            <p:stCondLst>
+                              <p:cond delay="0"/>
+                            </p:stCondLst>
+                            <p:childTnLst>
+                              <p:par>
+                                <p:cTn id="17" presetID="1" presetClass="entr" presetSubtype="0" fill="hold" nodeType="clickEffect">
+                                  <p:stCondLst>
+                                    <p:cond delay="0"/>
+                                  </p:stCondLst>
+                                  <p:childTnLst>
+                                    <p:set>
+                                      <p:cBhvr>
+                                        <p:cTn id="18" dur="1" fill="hold">
+                                          <p:stCondLst>
+                                            <p:cond delay="0"/>
+                                          </p:stCondLst>
+                                        </p:cTn>
+                                        <p:tgtEl>
+                                          <p:spTgt spid="8"/>
+                                        </p:tgtEl>
+                                        <p:attrNameLst>
+                                          <p:attrName>style.visibility</p:attrName>
+                                        </p:attrNameLst>
+                                      </p:cBhvr>
+                                      <p:to>
+                                        <p:strVal val="visible"/>
+                                      </p:to>
+                                    </p:set>
+                                  </p:childTnLst>
+                                </p:cTn>
+                              </p:par>
+                            </p:childTnLst>
+                          </p:cTn>
+                        </p:par>
+                      </p:childTnLst>
+                    </p:cTn>
+                  </p:par>
+                  <p:par>
+                    <p:cTn id="19" fill="hold">
+                      <p:stCondLst>
+                        <p:cond delay="indefinite"/>
+                      </p:stCondLst>
+                      <p:childTnLst>
+                        <p:par>
+                          <p:cTn id="20" fill="hold">
+                            <p:stCondLst>
+                              <p:cond delay="0"/>
+                            </p:stCondLst>
+                            <p:childTnLst>
+                              <p:par>
+                                <p:cTn id="21" presetID="1" presetClass="entr" presetSubtype="0" fill="hold" nodeType="clickEffect">
+                                  <p:stCondLst>
+                                    <p:cond delay="0"/>
+                                  </p:stCondLst>
+                                  <p:childTnLst>
+                                    <p:set>
+                                      <p:cBhvr>
+                                        <p:cTn id="22" dur="1" fill="hold">
+                                          <p:stCondLst>
+                                            <p:cond delay="0"/>
+                                          </p:stCondLst>
+                                        </p:cTn>
+                                        <p:tgtEl>
+                                          <p:spTgt spid="9"/>
+                                        </p:tgtEl>
+                                        <p:attrNameLst>
+                                          <p:attrName>style.visibility</p:attrName>
+                                        </p:attrNameLst>
+                                      </p:cBhvr>
+                                      <p:to>
+                                        <p:strVal val="visible"/>
+                                      </p:to>
+                                    </p:set>
+                                  </p:childTnLst>
+                                </p:cTn>
+                              </p:par>
+                            </p:childTnLst>
+                          </p:cTn>
+                        </p:par>
+                      </p:childTnLst>
+                    </p:cTn>
+                  </p:par>
+                  <p:par>
+                    <p:cTn id="23" fill="hold">
+                      <p:stCondLst>
+                        <p:cond delay="indefinite"/>
+                      </p:stCondLst>
+                      <p:childTnLst>
+                        <p:par>
+                          <p:cTn id="24" fill="hold">
+                            <p:stCondLst>
+                              <p:cond delay="0"/>
+                            </p:stCondLst>
+                            <p:childTnLst>
+                              <p:par>
+                                <p:cTn id="25" presetID="1" presetClass="entr" presetSubtype="0" fill="hold" nodeType="clickEffect">
+                                  <p:stCondLst>
+                                    <p:cond delay="0"/>
+                                  </p:stCondLst>
+                                  <p:childTnLst>
+                                    <p:set>
+                                      <p:cBhvr>
+                                        <p:cTn id="26" dur="1" fill="hold">
+                                          <p:stCondLst>
+                                            <p:cond delay="0"/>
+                                          </p:stCondLst>
+                                        </p:cTn>
+                                        <p:tgtEl>
+                                          <p:spTgt spid="10"/>
+                                        </p:tgtEl>
+                                        <p:attrNameLst>
+                                          <p:attrName>style.visibility</p:attrName>
+                                        </p:attrNameLst>
+                                      </p:cBhvr>
+                                      <p:to>
+                                        <p:strVal val="visible"/>
+                                      </p:to>
+                                    </p:set>
+                                  </p:childTnLst>
+                                </p:cTn>
+                              </p:par>
+                            </p:childTnLst>
+                          </p:cTn>
+                        </p:par>
+                      </p:childTnLst>
+                    </p:cTn>
+                  </p:par>
+                </p:childTnLst>
+              </p:cTn>
               <p:prevCondLst>
                 <p:cond evt="onPrev" delay="0">
                   <p:tgtEl>
@@ -27159,444 +27456,6 @@
 <file path=ppt/slides/slide30.xml><?xml version="1.0" encoding="utf-8"?>
 <p:sld xmlns:a="http://schemas.openxmlformats.org/drawingml/2006/main" xmlns:r="http://schemas.openxmlformats.org/officeDocument/2006/relationships" xmlns:p="http://schemas.openxmlformats.org/presentationml/2006/main">
   <p:cSld>
-    <p:spTree>
-      <p:nvGrpSpPr>
-        <p:cNvPr id="1" name=""/>
-        <p:cNvGrpSpPr/>
-        <p:nvPr/>
-      </p:nvGrpSpPr>
-      <p:grpSpPr>
-        <a:xfrm>
-          <a:off x="0" y="0"/>
-          <a:ext cx="0" cy="0"/>
-          <a:chOff x="0" y="0"/>
-          <a:chExt cx="0" cy="0"/>
-        </a:xfrm>
-      </p:grpSpPr>
-      <p:sp>
-        <p:nvSpPr>
-          <p:cNvPr id="476" name="CustomShape 1"/>
-          <p:cNvSpPr/>
-          <p:nvPr/>
-        </p:nvSpPr>
-        <p:spPr>
-          <a:xfrm>
-            <a:off x="838080" y="365040"/>
-            <a:ext cx="10507320" cy="630360"/>
-          </a:xfrm>
-          <a:prstGeom prst="rect">
-            <a:avLst/>
-          </a:prstGeom>
-          <a:noFill/>
-          <a:ln>
-            <a:noFill/>
-          </a:ln>
-        </p:spPr>
-        <p:style>
-          <a:lnRef idx="0">
-            <a:scrgbClr r="0" g="0" b="0"/>
-          </a:lnRef>
-          <a:fillRef idx="0">
-            <a:scrgbClr r="0" g="0" b="0"/>
-          </a:fillRef>
-          <a:effectRef idx="0">
-            <a:scrgbClr r="0" g="0" b="0"/>
-          </a:effectRef>
-          <a:fontRef idx="minor"/>
-        </p:style>
-        <p:txBody>
-          <a:bodyPr lIns="90000" tIns="45000" rIns="90000" bIns="45000" anchor="ctr">
-            <a:normAutofit/>
-          </a:bodyPr>
-          <a:lstStyle/>
-          <a:p>
-            <a:pPr>
-              <a:lnSpc>
-                <a:spcPct val="90000"/>
-              </a:lnSpc>
-            </a:pPr>
-            <a:r>
-              <a:rPr lang="fr-FR" sz="3200" b="0" strike="noStrike" spc="-1">
-                <a:solidFill>
-                  <a:srgbClr val="000000"/>
-                </a:solidFill>
-                <a:latin typeface="Ubuntu"/>
-                <a:ea typeface="DejaVu Sans"/>
-              </a:rPr>
-              <a:t>Thanos = « Prometheus at scale » ?</a:t>
-            </a:r>
-            <a:endParaRPr lang="fr-FR" sz="3200" b="0" strike="noStrike" spc="-1">
-              <a:latin typeface="Arial"/>
-            </a:endParaRPr>
-          </a:p>
-        </p:txBody>
-      </p:sp>
-      <p:sp>
-        <p:nvSpPr>
-          <p:cNvPr id="477" name="CustomShape 2"/>
-          <p:cNvSpPr/>
-          <p:nvPr/>
-        </p:nvSpPr>
-        <p:spPr>
-          <a:xfrm>
-            <a:off x="838080" y="1310760"/>
-            <a:ext cx="10507320" cy="4964760"/>
-          </a:xfrm>
-          <a:prstGeom prst="rect">
-            <a:avLst/>
-          </a:prstGeom>
-          <a:noFill/>
-          <a:ln>
-            <a:noFill/>
-          </a:ln>
-        </p:spPr>
-        <p:style>
-          <a:lnRef idx="0">
-            <a:scrgbClr r="0" g="0" b="0"/>
-          </a:lnRef>
-          <a:fillRef idx="0">
-            <a:scrgbClr r="0" g="0" b="0"/>
-          </a:fillRef>
-          <a:effectRef idx="0">
-            <a:scrgbClr r="0" g="0" b="0"/>
-          </a:effectRef>
-          <a:fontRef idx="minor"/>
-        </p:style>
-        <p:txBody>
-          <a:bodyPr lIns="90000" tIns="45000" rIns="90000" bIns="45000">
-            <a:normAutofit/>
-          </a:bodyPr>
-          <a:lstStyle/>
-          <a:p>
-            <a:pPr>
-              <a:lnSpc>
-                <a:spcPct val="150000"/>
-              </a:lnSpc>
-              <a:spcBef>
-                <a:spcPts val="1001"/>
-              </a:spcBef>
-            </a:pPr>
-            <a:r>
-              <a:rPr lang="fr-FR" sz="2400" b="0" strike="noStrike" spc="-1" dirty="0">
-                <a:solidFill>
-                  <a:srgbClr val="000000"/>
-                </a:solidFill>
-                <a:latin typeface="Ubuntu"/>
-                <a:ea typeface="DejaVu Sans"/>
-              </a:rPr>
-              <a:t>100 % compatible avec </a:t>
-            </a:r>
-            <a:r>
-              <a:rPr lang="fr-FR" sz="2400" b="0" strike="noStrike" spc="-1" dirty="0" err="1">
-                <a:solidFill>
-                  <a:srgbClr val="000000"/>
-                </a:solidFill>
-                <a:latin typeface="Ubuntu"/>
-                <a:ea typeface="DejaVu Sans"/>
-              </a:rPr>
-              <a:t>Prometheus</a:t>
-            </a:r>
-            <a:r>
-              <a:rPr lang="fr-FR" sz="2400" b="0" strike="noStrike" spc="-1" dirty="0">
-                <a:solidFill>
-                  <a:srgbClr val="000000"/>
-                </a:solidFill>
-                <a:latin typeface="Ubuntu"/>
-                <a:ea typeface="DejaVu Sans"/>
-              </a:rPr>
-              <a:t> + écosystème</a:t>
-            </a:r>
-            <a:endParaRPr lang="fr-FR" sz="2400" b="0" strike="noStrike" spc="-1" dirty="0">
-              <a:latin typeface="Arial"/>
-            </a:endParaRPr>
-          </a:p>
-          <a:p>
-            <a:pPr>
-              <a:lnSpc>
-                <a:spcPct val="150000"/>
-              </a:lnSpc>
-              <a:spcBef>
-                <a:spcPts val="1001"/>
-              </a:spcBef>
-            </a:pPr>
-            <a:r>
-              <a:rPr lang="fr-FR" sz="2400" b="0" strike="noStrike" spc="-1" dirty="0">
-                <a:solidFill>
-                  <a:srgbClr val="000000"/>
-                </a:solidFill>
-                <a:latin typeface="Ubuntu"/>
-                <a:ea typeface="DejaVu Sans"/>
-              </a:rPr>
-              <a:t>Rétention « infinie » (externalisation S3)</a:t>
-            </a:r>
-            <a:endParaRPr lang="fr-FR" sz="2400" b="0" strike="noStrike" spc="-1" dirty="0">
-              <a:latin typeface="Arial"/>
-            </a:endParaRPr>
-          </a:p>
-          <a:p>
-            <a:pPr>
-              <a:lnSpc>
-                <a:spcPct val="150000"/>
-              </a:lnSpc>
-              <a:spcBef>
-                <a:spcPts val="1001"/>
-              </a:spcBef>
-            </a:pPr>
-            <a:r>
-              <a:rPr lang="fr-FR" sz="2400" b="0" strike="noStrike" spc="-1" dirty="0">
-                <a:solidFill>
-                  <a:srgbClr val="000000"/>
-                </a:solidFill>
-                <a:latin typeface="Ubuntu"/>
-                <a:ea typeface="DejaVu Sans"/>
-              </a:rPr>
-              <a:t>Corrélation de plusieurs </a:t>
-            </a:r>
-            <a:r>
-              <a:rPr lang="fr-FR" sz="2400" b="0" strike="noStrike" spc="-1" dirty="0" err="1">
-                <a:solidFill>
-                  <a:srgbClr val="000000"/>
-                </a:solidFill>
-                <a:latin typeface="Ubuntu"/>
-                <a:ea typeface="DejaVu Sans"/>
-              </a:rPr>
-              <a:t>Prometheus</a:t>
-            </a:r>
-            <a:endParaRPr lang="fr-FR" sz="2400" b="0" strike="noStrike" spc="-1" dirty="0">
-              <a:latin typeface="Arial"/>
-            </a:endParaRPr>
-          </a:p>
-          <a:p>
-            <a:pPr marL="648000" lvl="2" indent="-215640">
-              <a:lnSpc>
-                <a:spcPct val="150000"/>
-              </a:lnSpc>
-              <a:spcBef>
-                <a:spcPts val="1001"/>
-              </a:spcBef>
-              <a:buClr>
-                <a:srgbClr val="000000"/>
-              </a:buClr>
-              <a:buSzPct val="45000"/>
-              <a:buFont typeface="Wingdings" charset="2"/>
-              <a:buChar char=""/>
-            </a:pPr>
-            <a:r>
-              <a:rPr lang="fr-FR" sz="2400" b="0" strike="noStrike" spc="-1" dirty="0">
-                <a:solidFill>
-                  <a:srgbClr val="000000"/>
-                </a:solidFill>
-                <a:latin typeface="Ubuntu"/>
-                <a:ea typeface="DejaVu Sans"/>
-              </a:rPr>
-              <a:t>Gestion centralisées de plusieurs DC</a:t>
-            </a:r>
-            <a:endParaRPr lang="fr-FR" sz="2400" b="0" strike="noStrike" spc="-1" dirty="0">
-              <a:latin typeface="Arial"/>
-            </a:endParaRPr>
-          </a:p>
-          <a:p>
-            <a:pPr marL="648000" lvl="2" indent="-215640">
-              <a:lnSpc>
-                <a:spcPct val="150000"/>
-              </a:lnSpc>
-              <a:spcBef>
-                <a:spcPts val="1001"/>
-              </a:spcBef>
-              <a:buClr>
-                <a:srgbClr val="000000"/>
-              </a:buClr>
-              <a:buSzPct val="45000"/>
-              <a:buFont typeface="Wingdings" charset="2"/>
-              <a:buChar char=""/>
-            </a:pPr>
-            <a:r>
-              <a:rPr lang="fr-FR" sz="2400" b="0" strike="noStrike" spc="-1" dirty="0">
-                <a:solidFill>
-                  <a:srgbClr val="000000"/>
-                </a:solidFill>
-                <a:latin typeface="Ubuntu"/>
-                <a:ea typeface="DejaVu Sans"/>
-              </a:rPr>
-              <a:t>Gestion des </a:t>
-            </a:r>
-            <a:r>
-              <a:rPr lang="fr-FR" sz="2400" b="0" strike="noStrike" spc="-1" dirty="0" err="1" smtClean="0">
-                <a:solidFill>
-                  <a:srgbClr val="000000"/>
-                </a:solidFill>
-                <a:latin typeface="Ubuntu"/>
-                <a:ea typeface="DejaVu Sans"/>
-              </a:rPr>
-              <a:t>replicas</a:t>
-            </a:r>
-            <a:endParaRPr lang="fr-FR" sz="2400" b="0" strike="noStrike" spc="-1" dirty="0">
-              <a:latin typeface="Arial"/>
-            </a:endParaRPr>
-          </a:p>
-        </p:txBody>
-      </p:sp>
-      <p:pic>
-        <p:nvPicPr>
-          <p:cNvPr id="478" name="Image 477"/>
-          <p:cNvPicPr/>
-          <p:nvPr/>
-        </p:nvPicPr>
-        <p:blipFill>
-          <a:blip r:embed="rId3"/>
-          <a:stretch/>
-        </p:blipFill>
-        <p:spPr>
-          <a:xfrm>
-            <a:off x="9864000" y="1152000"/>
-            <a:ext cx="2159640" cy="2159640"/>
-          </a:xfrm>
-          <a:prstGeom prst="rect">
-            <a:avLst/>
-          </a:prstGeom>
-          <a:ln>
-            <a:noFill/>
-          </a:ln>
-        </p:spPr>
-      </p:pic>
-      <p:pic>
-        <p:nvPicPr>
-          <p:cNvPr id="2" name="Image 1"/>
-          <p:cNvPicPr>
-            <a:picLocks noChangeAspect="1"/>
-          </p:cNvPicPr>
-          <p:nvPr/>
-        </p:nvPicPr>
-        <p:blipFill>
-          <a:blip r:embed="rId4" cstate="print">
-            <a:extLst>
-              <a:ext uri="{28A0092B-C50C-407E-A947-70E740481C1C}">
-                <a14:useLocalDpi xmlns:a14="http://schemas.microsoft.com/office/drawing/2010/main" val="0"/>
-              </a:ext>
-            </a:extLst>
-          </a:blip>
-          <a:stretch>
-            <a:fillRect/>
-          </a:stretch>
-        </p:blipFill>
-        <p:spPr>
-          <a:xfrm>
-            <a:off x="8043359" y="1152000"/>
-            <a:ext cx="845126" cy="845126"/>
-          </a:xfrm>
-          <a:prstGeom prst="rect">
-            <a:avLst/>
-          </a:prstGeom>
-        </p:spPr>
-      </p:pic>
-      <p:pic>
-        <p:nvPicPr>
-          <p:cNvPr id="6" name="Image 5"/>
-          <p:cNvPicPr>
-            <a:picLocks noChangeAspect="1"/>
-          </p:cNvPicPr>
-          <p:nvPr/>
-        </p:nvPicPr>
-        <p:blipFill>
-          <a:blip r:embed="rId4" cstate="print">
-            <a:extLst>
-              <a:ext uri="{28A0092B-C50C-407E-A947-70E740481C1C}">
-                <a14:useLocalDpi xmlns:a14="http://schemas.microsoft.com/office/drawing/2010/main" val="0"/>
-              </a:ext>
-            </a:extLst>
-          </a:blip>
-          <a:stretch>
-            <a:fillRect/>
-          </a:stretch>
-        </p:blipFill>
-        <p:spPr>
-          <a:xfrm>
-            <a:off x="6668911" y="1809257"/>
-            <a:ext cx="845126" cy="845126"/>
-          </a:xfrm>
-          <a:prstGeom prst="rect">
-            <a:avLst/>
-          </a:prstGeom>
-        </p:spPr>
-      </p:pic>
-      <p:pic>
-        <p:nvPicPr>
-          <p:cNvPr id="7" name="Image 6"/>
-          <p:cNvPicPr>
-            <a:picLocks noChangeAspect="1"/>
-          </p:cNvPicPr>
-          <p:nvPr/>
-        </p:nvPicPr>
-        <p:blipFill>
-          <a:blip r:embed="rId4" cstate="print">
-            <a:extLst>
-              <a:ext uri="{28A0092B-C50C-407E-A947-70E740481C1C}">
-                <a14:useLocalDpi xmlns:a14="http://schemas.microsoft.com/office/drawing/2010/main" val="0"/>
-              </a:ext>
-            </a:extLst>
-          </a:blip>
-          <a:stretch>
-            <a:fillRect/>
-          </a:stretch>
-        </p:blipFill>
-        <p:spPr>
-          <a:xfrm>
-            <a:off x="6862875" y="3152880"/>
-            <a:ext cx="845126" cy="845126"/>
-          </a:xfrm>
-          <a:prstGeom prst="rect">
-            <a:avLst/>
-          </a:prstGeom>
-        </p:spPr>
-      </p:pic>
-      <p:pic>
-        <p:nvPicPr>
-          <p:cNvPr id="8" name="Image 7"/>
-          <p:cNvPicPr>
-            <a:picLocks noChangeAspect="1"/>
-          </p:cNvPicPr>
-          <p:nvPr/>
-        </p:nvPicPr>
-        <p:blipFill>
-          <a:blip r:embed="rId4" cstate="print">
-            <a:extLst>
-              <a:ext uri="{28A0092B-C50C-407E-A947-70E740481C1C}">
-                <a14:useLocalDpi xmlns:a14="http://schemas.microsoft.com/office/drawing/2010/main" val="0"/>
-              </a:ext>
-            </a:extLst>
-          </a:blip>
-          <a:stretch>
-            <a:fillRect/>
-          </a:stretch>
-        </p:blipFill>
-        <p:spPr>
-          <a:xfrm>
-            <a:off x="6867748" y="3793140"/>
-            <a:ext cx="845126" cy="845126"/>
-          </a:xfrm>
-          <a:prstGeom prst="rect">
-            <a:avLst/>
-          </a:prstGeom>
-        </p:spPr>
-      </p:pic>
-    </p:spTree>
-  </p:cSld>
-  <p:clrMapOvr>
-    <a:masterClrMapping/>
-  </p:clrMapOvr>
-  <p:timing>
-    <p:tnLst>
-      <p:par>
-        <p:cTn id="1" dur="indefinite" restart="never" nodeType="tmRoot"/>
-      </p:par>
-    </p:tnLst>
-  </p:timing>
-</p:sld>
-</file>
-
-<file path=ppt/slides/slide31.xml><?xml version="1.0" encoding="utf-8"?>
-<p:sld xmlns:a="http://schemas.openxmlformats.org/drawingml/2006/main" xmlns:r="http://schemas.openxmlformats.org/officeDocument/2006/relationships" xmlns:p="http://schemas.openxmlformats.org/presentationml/2006/main">
-  <p:cSld>
     <p:bg>
       <p:bgPr>
         <a:solidFill>
@@ -27704,6 +27563,631 @@
             <a:endParaRPr lang="fr-FR" sz="5400" b="0" strike="noStrike" spc="-1">
               <a:latin typeface="Arial"/>
             </a:endParaRPr>
+          </a:p>
+        </p:txBody>
+      </p:sp>
+    </p:spTree>
+  </p:cSld>
+  <p:clrMapOvr>
+    <a:masterClrMapping/>
+  </p:clrMapOvr>
+  <p:timing>
+    <p:tnLst>
+      <p:par>
+        <p:cTn id="1" dur="indefinite" restart="never" nodeType="tmRoot">
+          <p:childTnLst>
+            <p:seq>
+              <p:cTn id="2" dur="indefinite" nodeType="mainSeq"/>
+              <p:prevCondLst>
+                <p:cond evt="onPrev" delay="0">
+                  <p:tgtEl>
+                    <p:sldTgt/>
+                  </p:tgtEl>
+                </p:cond>
+              </p:prevCondLst>
+              <p:nextCondLst>
+                <p:cond evt="onNext" delay="0">
+                  <p:tgtEl>
+                    <p:sldTgt/>
+                  </p:tgtEl>
+                </p:cond>
+              </p:nextCondLst>
+            </p:seq>
+          </p:childTnLst>
+        </p:cTn>
+      </p:par>
+    </p:tnLst>
+  </p:timing>
+</p:sld>
+</file>
+
+<file path=ppt/slides/slide31.xml><?xml version="1.0" encoding="utf-8"?>
+<p:sld xmlns:a="http://schemas.openxmlformats.org/drawingml/2006/main" xmlns:r="http://schemas.openxmlformats.org/officeDocument/2006/relationships" xmlns:p="http://schemas.openxmlformats.org/presentationml/2006/main">
+  <p:cSld>
+    <p:spTree>
+      <p:nvGrpSpPr>
+        <p:cNvPr id="1" name=""/>
+        <p:cNvGrpSpPr/>
+        <p:nvPr/>
+      </p:nvGrpSpPr>
+      <p:grpSpPr>
+        <a:xfrm>
+          <a:off x="0" y="0"/>
+          <a:ext cx="0" cy="0"/>
+          <a:chOff x="0" y="0"/>
+          <a:chExt cx="0" cy="0"/>
+        </a:xfrm>
+      </p:grpSpPr>
+      <p:sp>
+        <p:nvSpPr>
+          <p:cNvPr id="486" name="CustomShape 1"/>
+          <p:cNvSpPr/>
+          <p:nvPr/>
+        </p:nvSpPr>
+        <p:spPr>
+          <a:xfrm>
+            <a:off x="838080" y="365040"/>
+            <a:ext cx="10507320" cy="630360"/>
+          </a:xfrm>
+          <a:prstGeom prst="rect">
+            <a:avLst/>
+          </a:prstGeom>
+          <a:noFill/>
+          <a:ln>
+            <a:noFill/>
+          </a:ln>
+        </p:spPr>
+        <p:style>
+          <a:lnRef idx="0">
+            <a:scrgbClr r="0" g="0" b="0"/>
+          </a:lnRef>
+          <a:fillRef idx="0">
+            <a:scrgbClr r="0" g="0" b="0"/>
+          </a:fillRef>
+          <a:effectRef idx="0">
+            <a:scrgbClr r="0" g="0" b="0"/>
+          </a:effectRef>
+          <a:fontRef idx="minor"/>
+        </p:style>
+        <p:txBody>
+          <a:bodyPr lIns="90000" tIns="45000" rIns="90000" bIns="45000" anchor="ctr">
+            <a:normAutofit lnSpcReduction="10000"/>
+          </a:bodyPr>
+          <a:lstStyle/>
+          <a:p>
+            <a:pPr>
+              <a:lnSpc>
+                <a:spcPct val="90000"/>
+              </a:lnSpc>
+            </a:pPr>
+            <a:r>
+              <a:rPr lang="fr-FR" sz="4400" b="0" strike="noStrike" spc="-1" dirty="0">
+                <a:latin typeface="Ubuntu"/>
+                <a:ea typeface="DejaVu Sans"/>
+              </a:rPr>
+              <a:t>On aurait pu en parler</a:t>
+            </a:r>
+            <a:endParaRPr lang="fr-FR" sz="4400" b="0" strike="noStrike" spc="-1" dirty="0">
+              <a:latin typeface="Ubuntu"/>
+            </a:endParaRPr>
+          </a:p>
+        </p:txBody>
+      </p:sp>
+      <p:sp>
+        <p:nvSpPr>
+          <p:cNvPr id="487" name="CustomShape 2"/>
+          <p:cNvSpPr/>
+          <p:nvPr/>
+        </p:nvSpPr>
+        <p:spPr>
+          <a:xfrm>
+            <a:off x="838080" y="1310760"/>
+            <a:ext cx="10507320" cy="4964760"/>
+          </a:xfrm>
+          <a:prstGeom prst="rect">
+            <a:avLst/>
+          </a:prstGeom>
+          <a:noFill/>
+          <a:ln>
+            <a:noFill/>
+          </a:ln>
+        </p:spPr>
+        <p:style>
+          <a:lnRef idx="0">
+            <a:scrgbClr r="0" g="0" b="0"/>
+          </a:lnRef>
+          <a:fillRef idx="0">
+            <a:scrgbClr r="0" g="0" b="0"/>
+          </a:fillRef>
+          <a:effectRef idx="0">
+            <a:scrgbClr r="0" g="0" b="0"/>
+          </a:effectRef>
+          <a:fontRef idx="minor"/>
+        </p:style>
+        <p:txBody>
+          <a:bodyPr lIns="90000" tIns="45000" rIns="90000" bIns="45000">
+            <a:normAutofit/>
+          </a:bodyPr>
+          <a:lstStyle/>
+          <a:p>
+            <a:pPr marL="457200" indent="-457200">
+              <a:lnSpc>
+                <a:spcPct val="90000"/>
+              </a:lnSpc>
+              <a:spcBef>
+                <a:spcPts val="1001"/>
+              </a:spcBef>
+              <a:buFont typeface="Arial" panose="020B0604020202020204" pitchFamily="34" charset="0"/>
+              <a:buChar char="•"/>
+            </a:pPr>
+            <a:r>
+              <a:rPr lang="fr-FR" sz="2800" spc="-1" dirty="0" smtClean="0">
+                <a:solidFill>
+                  <a:srgbClr val="000000"/>
+                </a:solidFill>
+                <a:latin typeface="Calibri"/>
+                <a:ea typeface="DejaVu Sans"/>
+              </a:rPr>
+              <a:t>Global </a:t>
+            </a:r>
+            <a:r>
+              <a:rPr lang="fr-FR" sz="2800" spc="-1" dirty="0" err="1" smtClean="0">
+                <a:solidFill>
+                  <a:srgbClr val="000000"/>
+                </a:solidFill>
+                <a:latin typeface="Calibri"/>
+                <a:ea typeface="DejaVu Sans"/>
+              </a:rPr>
+              <a:t>compactor</a:t>
+            </a:r>
+            <a:endParaRPr lang="fr-FR" sz="2800" spc="-1" dirty="0" smtClean="0">
+              <a:solidFill>
+                <a:srgbClr val="000000"/>
+              </a:solidFill>
+              <a:latin typeface="Calibri"/>
+              <a:ea typeface="DejaVu Sans"/>
+            </a:endParaRPr>
+          </a:p>
+          <a:p>
+            <a:pPr marL="457200" indent="-457200">
+              <a:lnSpc>
+                <a:spcPct val="90000"/>
+              </a:lnSpc>
+              <a:spcBef>
+                <a:spcPts val="1001"/>
+              </a:spcBef>
+              <a:buFont typeface="Arial" panose="020B0604020202020204" pitchFamily="34" charset="0"/>
+              <a:buChar char="•"/>
+            </a:pPr>
+            <a:endParaRPr lang="fr-FR" sz="2800" spc="-1" dirty="0">
+              <a:solidFill>
+                <a:srgbClr val="000000"/>
+              </a:solidFill>
+              <a:latin typeface="Calibri"/>
+              <a:ea typeface="DejaVu Sans"/>
+            </a:endParaRPr>
+          </a:p>
+          <a:p>
+            <a:pPr marL="457200" indent="-457200">
+              <a:lnSpc>
+                <a:spcPct val="90000"/>
+              </a:lnSpc>
+              <a:spcBef>
+                <a:spcPts val="1001"/>
+              </a:spcBef>
+              <a:buFont typeface="Arial" panose="020B0604020202020204" pitchFamily="34" charset="0"/>
+              <a:buChar char="•"/>
+            </a:pPr>
+            <a:r>
+              <a:rPr lang="fr-FR" sz="2800" b="0" strike="noStrike" spc="-1" dirty="0" err="1" smtClean="0">
+                <a:solidFill>
+                  <a:srgbClr val="000000"/>
+                </a:solidFill>
+                <a:latin typeface="Calibri"/>
+                <a:ea typeface="DejaVu Sans"/>
+              </a:rPr>
+              <a:t>Downsampling</a:t>
+            </a:r>
+            <a:endParaRPr lang="fr-FR" sz="2800" b="0" strike="noStrike" spc="-1" dirty="0" smtClean="0">
+              <a:solidFill>
+                <a:srgbClr val="000000"/>
+              </a:solidFill>
+              <a:latin typeface="Calibri"/>
+              <a:ea typeface="DejaVu Sans"/>
+            </a:endParaRPr>
+          </a:p>
+          <a:p>
+            <a:pPr marL="457200" indent="-457200">
+              <a:lnSpc>
+                <a:spcPct val="90000"/>
+              </a:lnSpc>
+              <a:spcBef>
+                <a:spcPts val="1001"/>
+              </a:spcBef>
+              <a:buFont typeface="Arial" panose="020B0604020202020204" pitchFamily="34" charset="0"/>
+              <a:buChar char="•"/>
+            </a:pPr>
+            <a:endParaRPr lang="fr-FR" sz="2800" b="0" strike="noStrike" spc="-1" dirty="0" smtClean="0">
+              <a:solidFill>
+                <a:srgbClr val="000000"/>
+              </a:solidFill>
+              <a:latin typeface="Calibri"/>
+              <a:ea typeface="DejaVu Sans"/>
+            </a:endParaRPr>
+          </a:p>
+          <a:p>
+            <a:pPr marL="457200" indent="-457200">
+              <a:lnSpc>
+                <a:spcPct val="90000"/>
+              </a:lnSpc>
+              <a:spcBef>
+                <a:spcPts val="1001"/>
+              </a:spcBef>
+              <a:buFont typeface="Arial" panose="020B0604020202020204" pitchFamily="34" charset="0"/>
+              <a:buChar char="•"/>
+            </a:pPr>
+            <a:r>
+              <a:rPr lang="fr-FR" sz="2800" b="0" strike="noStrike" spc="-1" dirty="0" err="1" smtClean="0">
+                <a:solidFill>
+                  <a:srgbClr val="000000"/>
+                </a:solidFill>
+                <a:latin typeface="Calibri"/>
+                <a:ea typeface="DejaVu Sans"/>
+              </a:rPr>
+              <a:t>Thanos</a:t>
+            </a:r>
+            <a:r>
+              <a:rPr lang="fr-FR" sz="2800" b="0" strike="noStrike" spc="-1" dirty="0" smtClean="0">
+                <a:solidFill>
+                  <a:srgbClr val="000000"/>
+                </a:solidFill>
+                <a:latin typeface="Calibri"/>
+                <a:ea typeface="DejaVu Sans"/>
+              </a:rPr>
+              <a:t> </a:t>
+            </a:r>
+            <a:r>
+              <a:rPr lang="fr-FR" sz="2800" b="0" strike="noStrike" spc="-1" dirty="0" err="1" smtClean="0">
+                <a:solidFill>
+                  <a:srgbClr val="000000"/>
+                </a:solidFill>
+                <a:latin typeface="Calibri"/>
+                <a:ea typeface="DejaVu Sans"/>
+              </a:rPr>
+              <a:t>Ruler</a:t>
+            </a:r>
+            <a:r>
+              <a:rPr lang="fr-FR" sz="2800" b="0" strike="noStrike" spc="-1" dirty="0" smtClean="0">
+                <a:solidFill>
+                  <a:srgbClr val="000000"/>
+                </a:solidFill>
+                <a:latin typeface="Calibri"/>
+                <a:ea typeface="DejaVu Sans"/>
+              </a:rPr>
+              <a:t> (</a:t>
+            </a:r>
+            <a:r>
+              <a:rPr lang="fr-FR" sz="2800" b="0" strike="noStrike" spc="-1" dirty="0" err="1" smtClean="0">
+                <a:solidFill>
+                  <a:srgbClr val="000000"/>
+                </a:solidFill>
+                <a:latin typeface="Calibri"/>
+                <a:ea typeface="DejaVu Sans"/>
+              </a:rPr>
+              <a:t>alerting</a:t>
+            </a:r>
+            <a:r>
+              <a:rPr lang="fr-FR" sz="2800" b="0" strike="noStrike" spc="-1" dirty="0" smtClean="0">
+                <a:solidFill>
+                  <a:srgbClr val="000000"/>
+                </a:solidFill>
+                <a:latin typeface="Calibri"/>
+                <a:ea typeface="DejaVu Sans"/>
+              </a:rPr>
+              <a:t> centralisé multi sources</a:t>
+            </a:r>
+            <a:r>
+              <a:rPr lang="fr-FR" sz="2800" b="0" strike="noStrike" spc="-1" dirty="0" smtClean="0">
+                <a:solidFill>
+                  <a:srgbClr val="000000"/>
+                </a:solidFill>
+                <a:latin typeface="Calibri"/>
+                <a:ea typeface="DejaVu Sans"/>
+              </a:rPr>
+              <a:t>)</a:t>
+            </a:r>
+          </a:p>
+          <a:p>
+            <a:pPr marL="457200" indent="-457200">
+              <a:lnSpc>
+                <a:spcPct val="90000"/>
+              </a:lnSpc>
+              <a:spcBef>
+                <a:spcPts val="1001"/>
+              </a:spcBef>
+              <a:buFont typeface="Arial" panose="020B0604020202020204" pitchFamily="34" charset="0"/>
+              <a:buChar char="•"/>
+            </a:pPr>
+            <a:endParaRPr lang="fr-FR" sz="2800" b="0" strike="noStrike" spc="-1" dirty="0" smtClean="0">
+              <a:solidFill>
+                <a:srgbClr val="000000"/>
+              </a:solidFill>
+              <a:latin typeface="Calibri"/>
+              <a:ea typeface="DejaVu Sans"/>
+            </a:endParaRPr>
+          </a:p>
+          <a:p>
+            <a:pPr marL="457200" indent="-457200">
+              <a:lnSpc>
+                <a:spcPct val="90000"/>
+              </a:lnSpc>
+              <a:spcBef>
+                <a:spcPts val="1001"/>
+              </a:spcBef>
+              <a:buFont typeface="Arial" panose="020B0604020202020204" pitchFamily="34" charset="0"/>
+              <a:buChar char="•"/>
+            </a:pPr>
+            <a:r>
+              <a:rPr lang="fr-FR" sz="2800" b="0" strike="noStrike" spc="-1" dirty="0" smtClean="0">
+                <a:solidFill>
+                  <a:srgbClr val="000000"/>
+                </a:solidFill>
+                <a:latin typeface="Calibri"/>
+                <a:ea typeface="DejaVu Sans"/>
+              </a:rPr>
+              <a:t>Mettez </a:t>
+            </a:r>
+            <a:r>
+              <a:rPr lang="fr-FR" sz="2800" b="0" strike="noStrike" spc="-1" dirty="0">
+                <a:solidFill>
+                  <a:srgbClr val="000000"/>
+                </a:solidFill>
+                <a:latin typeface="Calibri"/>
+                <a:ea typeface="DejaVu Sans"/>
+              </a:rPr>
+              <a:t>à jour </a:t>
+            </a:r>
+            <a:r>
+              <a:rPr lang="fr-FR" sz="2800" b="0" strike="noStrike" spc="-1" dirty="0" err="1" smtClean="0">
+                <a:solidFill>
+                  <a:srgbClr val="000000"/>
+                </a:solidFill>
+                <a:latin typeface="Calibri"/>
+                <a:ea typeface="DejaVu Sans"/>
+              </a:rPr>
+              <a:t>Prometheus</a:t>
+            </a:r>
+            <a:r>
+              <a:rPr lang="fr-FR" sz="2800" b="0" strike="noStrike" spc="-1" dirty="0" smtClean="0">
+                <a:solidFill>
+                  <a:srgbClr val="000000"/>
+                </a:solidFill>
+                <a:latin typeface="Calibri"/>
+                <a:ea typeface="DejaVu Sans"/>
+              </a:rPr>
+              <a:t> en </a:t>
+            </a:r>
+            <a:r>
+              <a:rPr lang="fr-FR" sz="2800" dirty="0" smtClean="0"/>
+              <a:t>2.13.0 (et </a:t>
+            </a:r>
+            <a:r>
+              <a:rPr lang="fr-FR" sz="2800" dirty="0" err="1" smtClean="0"/>
+              <a:t>Thanos</a:t>
+            </a:r>
+            <a:r>
+              <a:rPr lang="fr-FR" sz="2800" dirty="0" smtClean="0"/>
+              <a:t> en 0.8.1)</a:t>
+            </a:r>
+            <a:endParaRPr lang="fr-FR" sz="2800" spc="-1" dirty="0">
+              <a:solidFill>
+                <a:srgbClr val="000000"/>
+              </a:solidFill>
+              <a:latin typeface="Calibri"/>
+              <a:ea typeface="DejaVu Sans"/>
+            </a:endParaRPr>
+          </a:p>
+          <a:p>
+            <a:pPr marL="914400" lvl="1" indent="-457200">
+              <a:lnSpc>
+                <a:spcPct val="90000"/>
+              </a:lnSpc>
+              <a:spcBef>
+                <a:spcPts val="1001"/>
+              </a:spcBef>
+              <a:buFont typeface="Arial" panose="020B0604020202020204" pitchFamily="34" charset="0"/>
+              <a:buChar char="•"/>
+            </a:pPr>
+            <a:r>
+              <a:rPr lang="fr-FR" sz="2800" spc="-1" dirty="0" smtClean="0">
+                <a:solidFill>
+                  <a:srgbClr val="000000"/>
+                </a:solidFill>
+                <a:latin typeface="Calibri"/>
+                <a:ea typeface="DejaVu Sans"/>
+              </a:rPr>
+              <a:t>apporte </a:t>
+            </a:r>
+            <a:r>
+              <a:rPr lang="fr-FR" sz="2800" spc="-1" dirty="0" smtClean="0">
+                <a:solidFill>
+                  <a:srgbClr val="000000"/>
+                </a:solidFill>
+                <a:latin typeface="Calibri"/>
+                <a:ea typeface="DejaVu Sans"/>
+              </a:rPr>
+              <a:t>de grandes </a:t>
+            </a:r>
+            <a:r>
+              <a:rPr lang="fr-FR" sz="2800" spc="-1" dirty="0" smtClean="0">
+                <a:solidFill>
+                  <a:srgbClr val="000000"/>
+                </a:solidFill>
+                <a:latin typeface="Calibri"/>
+                <a:ea typeface="DejaVu Sans"/>
+              </a:rPr>
+              <a:t>améliorations CPU/RAM/latence pour </a:t>
+            </a:r>
+            <a:r>
+              <a:rPr lang="fr-FR" sz="2800" spc="-1" dirty="0" err="1" smtClean="0">
+                <a:solidFill>
+                  <a:srgbClr val="000000"/>
+                </a:solidFill>
+                <a:latin typeface="Calibri"/>
+                <a:ea typeface="DejaVu Sans"/>
+              </a:rPr>
+              <a:t>Prometheus</a:t>
+            </a:r>
+            <a:r>
+              <a:rPr lang="fr-FR" sz="2800" spc="-1" dirty="0" smtClean="0">
+                <a:solidFill>
+                  <a:srgbClr val="000000"/>
+                </a:solidFill>
+                <a:latin typeface="Calibri"/>
+                <a:ea typeface="DejaVu Sans"/>
+              </a:rPr>
+              <a:t> </a:t>
+            </a:r>
+            <a:r>
+              <a:rPr lang="fr-FR" sz="2800" b="1" spc="-1" dirty="0" smtClean="0">
+                <a:solidFill>
+                  <a:srgbClr val="000000"/>
+                </a:solidFill>
+                <a:latin typeface="Calibri"/>
+                <a:ea typeface="DejaVu Sans"/>
+              </a:rPr>
+              <a:t>et</a:t>
+            </a:r>
+            <a:r>
+              <a:rPr lang="fr-FR" sz="2800" spc="-1" dirty="0" smtClean="0">
+                <a:solidFill>
+                  <a:srgbClr val="000000"/>
+                </a:solidFill>
+                <a:latin typeface="Calibri"/>
+                <a:ea typeface="DejaVu Sans"/>
+              </a:rPr>
+              <a:t> </a:t>
+            </a:r>
+            <a:r>
+              <a:rPr lang="fr-FR" sz="2800" b="0" strike="noStrike" spc="-1" dirty="0" err="1" smtClean="0">
+                <a:solidFill>
+                  <a:srgbClr val="000000"/>
+                </a:solidFill>
+                <a:latin typeface="Calibri"/>
+                <a:ea typeface="DejaVu Sans"/>
+              </a:rPr>
+              <a:t>Thanos</a:t>
+            </a:r>
+            <a:endParaRPr lang="fr-FR" sz="2800" b="0" strike="noStrike" spc="-1" dirty="0" smtClean="0">
+              <a:solidFill>
+                <a:srgbClr val="000000"/>
+              </a:solidFill>
+              <a:latin typeface="Calibri"/>
+              <a:ea typeface="DejaVu Sans"/>
+            </a:endParaRPr>
+          </a:p>
+          <a:p>
+            <a:pPr marL="914400" lvl="1" indent="-457200">
+              <a:lnSpc>
+                <a:spcPct val="90000"/>
+              </a:lnSpc>
+              <a:spcBef>
+                <a:spcPts val="1001"/>
+              </a:spcBef>
+              <a:buFont typeface="Arial" panose="020B0604020202020204" pitchFamily="34" charset="0"/>
+              <a:buChar char="•"/>
+            </a:pPr>
+            <a:endParaRPr lang="fr-FR" sz="2800" b="0" strike="noStrike" spc="-1" dirty="0">
+              <a:latin typeface="Arial"/>
+            </a:endParaRPr>
+          </a:p>
+        </p:txBody>
+      </p:sp>
+      <p:sp>
+        <p:nvSpPr>
+          <p:cNvPr id="488" name="CustomShape 3"/>
+          <p:cNvSpPr/>
+          <p:nvPr/>
+        </p:nvSpPr>
+        <p:spPr>
+          <a:xfrm>
+            <a:off x="4116960" y="3337560"/>
+            <a:ext cx="4042080" cy="232200"/>
+          </a:xfrm>
+          <a:prstGeom prst="rect">
+            <a:avLst/>
+          </a:prstGeom>
+          <a:noFill/>
+          <a:ln>
+            <a:noFill/>
+          </a:ln>
+        </p:spPr>
+        <p:style>
+          <a:lnRef idx="0">
+            <a:scrgbClr r="0" g="0" b="0"/>
+          </a:lnRef>
+          <a:fillRef idx="0">
+            <a:scrgbClr r="0" g="0" b="0"/>
+          </a:fillRef>
+          <a:effectRef idx="0">
+            <a:scrgbClr r="0" g="0" b="0"/>
+          </a:effectRef>
+          <a:fontRef idx="minor"/>
+        </p:style>
+        <p:txBody>
+          <a:bodyPr lIns="90000" tIns="45000" rIns="90000" bIns="45000"/>
+          <a:lstStyle/>
+          <a:p>
+            <a:pPr>
+              <a:lnSpc>
+                <a:spcPct val="100000"/>
+              </a:lnSpc>
+            </a:pPr>
+            <a:endParaRPr lang="fr-FR" sz="1000" b="0" strike="noStrike" spc="-1" dirty="0">
+              <a:latin typeface="Arial"/>
+            </a:endParaRPr>
+          </a:p>
+        </p:txBody>
+      </p:sp>
+      <p:sp>
+        <p:nvSpPr>
+          <p:cNvPr id="2" name="Rectangle 1"/>
+          <p:cNvSpPr/>
+          <p:nvPr/>
+        </p:nvSpPr>
+        <p:spPr>
+          <a:xfrm>
+            <a:off x="-680346" y="6166148"/>
+            <a:ext cx="12025746" cy="424732"/>
+          </a:xfrm>
+          <a:prstGeom prst="rect">
+            <a:avLst/>
+          </a:prstGeom>
+        </p:spPr>
+        <p:txBody>
+          <a:bodyPr wrap="square">
+            <a:spAutoFit/>
+          </a:bodyPr>
+          <a:lstStyle/>
+          <a:p>
+            <a:pPr lvl="2">
+              <a:lnSpc>
+                <a:spcPct val="90000"/>
+              </a:lnSpc>
+              <a:spcBef>
+                <a:spcPts val="1001"/>
+              </a:spcBef>
+            </a:pPr>
+            <a:r>
+              <a:rPr lang="fr-FR" sz="2400" u="sng" spc="-1" dirty="0">
+                <a:solidFill>
+                  <a:srgbClr val="0000FF"/>
+                </a:solidFill>
+                <a:hlinkClick r:id="rId3"/>
+              </a:rPr>
+              <a:t>https://prometheus.io/blog/2019/10/10/remote-read-meets-streaming/</a:t>
+            </a:r>
+            <a:endParaRPr lang="fr-FR" sz="2400" spc="-1" dirty="0"/>
           </a:p>
         </p:txBody>
       </p:sp>
@@ -27745,6 +28229,14 @@
 <file path=ppt/slides/slide32.xml><?xml version="1.0" encoding="utf-8"?>
 <p:sld xmlns:a="http://schemas.openxmlformats.org/drawingml/2006/main" xmlns:r="http://schemas.openxmlformats.org/officeDocument/2006/relationships" xmlns:p="http://schemas.openxmlformats.org/presentationml/2006/main">
   <p:cSld>
+    <p:bg>
+      <p:bgPr>
+        <a:solidFill>
+          <a:srgbClr val="EEEEEE"/>
+        </a:solidFill>
+        <a:effectLst/>
+      </p:bgPr>
+    </p:bg>
     <p:spTree>
       <p:nvGrpSpPr>
         <p:cNvPr id="1" name=""/>
@@ -27761,14 +28253,14 @@
       </p:grpSpPr>
       <p:sp>
         <p:nvSpPr>
-          <p:cNvPr id="486" name="CustomShape 1"/>
+          <p:cNvPr id="489" name="CustomShape 1"/>
           <p:cNvSpPr/>
           <p:nvPr/>
         </p:nvSpPr>
         <p:spPr>
           <a:xfrm>
-            <a:off x="838080" y="365040"/>
-            <a:ext cx="10507320" cy="630360"/>
+            <a:off x="1523880" y="3602160"/>
+            <a:ext cx="9135360" cy="1646280"/>
           </a:xfrm>
           <a:prstGeom prst="rect">
             <a:avLst/>
@@ -27790,40 +28282,17 @@
           </a:effectRef>
           <a:fontRef idx="minor"/>
         </p:style>
-        <p:txBody>
-          <a:bodyPr lIns="90000" tIns="45000" rIns="90000" bIns="45000" anchor="ctr">
-            <a:normAutofit lnSpcReduction="10000"/>
-          </a:bodyPr>
-          <a:lstStyle/>
-          <a:p>
-            <a:pPr>
-              <a:lnSpc>
-                <a:spcPct val="90000"/>
-              </a:lnSpc>
-            </a:pPr>
-            <a:r>
-              <a:rPr lang="fr-FR" sz="4400" b="0" strike="noStrike" spc="-1" dirty="0">
-                <a:latin typeface="Ubuntu"/>
-                <a:ea typeface="DejaVu Sans"/>
-              </a:rPr>
-              <a:t>On aurait pu en parler</a:t>
-            </a:r>
-            <a:endParaRPr lang="fr-FR" sz="4400" b="0" strike="noStrike" spc="-1" dirty="0">
-              <a:latin typeface="Ubuntu"/>
-            </a:endParaRPr>
-          </a:p>
-        </p:txBody>
-      </p:sp>
-      <p:sp>
-        <p:nvSpPr>
-          <p:cNvPr id="487" name="CustomShape 2"/>
+      </p:sp>
+      <p:sp>
+        <p:nvSpPr>
+          <p:cNvPr id="490" name="CustomShape 2"/>
           <p:cNvSpPr/>
           <p:nvPr/>
         </p:nvSpPr>
         <p:spPr>
           <a:xfrm>
-            <a:off x="838080" y="1310760"/>
-            <a:ext cx="10507320" cy="4964760"/>
+            <a:off x="609480" y="273600"/>
+            <a:ext cx="10967760" cy="1139040"/>
           </a:xfrm>
           <a:prstGeom prst="rect">
             <a:avLst/>
@@ -27845,291 +28314,30 @@
           </a:effectRef>
           <a:fontRef idx="minor"/>
         </p:style>
-        <p:txBody>
-          <a:bodyPr lIns="90000" tIns="45000" rIns="90000" bIns="45000">
-            <a:normAutofit/>
-          </a:bodyPr>
-          <a:lstStyle/>
-          <a:p>
-            <a:pPr marL="457200" indent="-457200">
-              <a:lnSpc>
-                <a:spcPct val="90000"/>
-              </a:lnSpc>
-              <a:spcBef>
-                <a:spcPts val="1001"/>
-              </a:spcBef>
-              <a:buFont typeface="Arial" panose="020B0604020202020204" pitchFamily="34" charset="0"/>
-              <a:buChar char="•"/>
-            </a:pPr>
-            <a:r>
-              <a:rPr lang="fr-FR" sz="2800" b="0" strike="noStrike" spc="-1" dirty="0" smtClean="0">
-                <a:solidFill>
-                  <a:srgbClr val="000000"/>
-                </a:solidFill>
-                <a:latin typeface="Calibri"/>
-                <a:ea typeface="DejaVu Sans"/>
-              </a:rPr>
-              <a:t>Compaction++ &amp; </a:t>
-            </a:r>
-            <a:r>
-              <a:rPr lang="fr-FR" sz="2800" b="0" strike="noStrike" spc="-1" dirty="0" err="1" smtClean="0">
-                <a:solidFill>
-                  <a:srgbClr val="000000"/>
-                </a:solidFill>
-                <a:latin typeface="Calibri"/>
-                <a:ea typeface="DejaVu Sans"/>
-              </a:rPr>
-              <a:t>Downsampling</a:t>
-            </a:r>
-            <a:endParaRPr lang="fr-FR" sz="2800" b="0" strike="noStrike" spc="-1" dirty="0">
-              <a:latin typeface="Arial"/>
-            </a:endParaRPr>
-          </a:p>
-          <a:p>
-            <a:pPr marL="457200" indent="-457200">
-              <a:lnSpc>
-                <a:spcPct val="90000"/>
-              </a:lnSpc>
-              <a:spcBef>
-                <a:spcPts val="1001"/>
-              </a:spcBef>
-              <a:buFont typeface="Arial" panose="020B0604020202020204" pitchFamily="34" charset="0"/>
-              <a:buChar char="•"/>
-            </a:pPr>
-            <a:r>
-              <a:rPr lang="fr-FR" sz="2800" b="0" strike="noStrike" spc="-1" dirty="0" err="1" smtClean="0">
-                <a:solidFill>
-                  <a:srgbClr val="000000"/>
-                </a:solidFill>
-                <a:latin typeface="Calibri"/>
-                <a:ea typeface="DejaVu Sans"/>
-              </a:rPr>
-              <a:t>Thanos</a:t>
-            </a:r>
-            <a:r>
-              <a:rPr lang="fr-FR" sz="2800" b="0" strike="noStrike" spc="-1" dirty="0" smtClean="0">
-                <a:solidFill>
-                  <a:srgbClr val="000000"/>
-                </a:solidFill>
-                <a:latin typeface="Calibri"/>
-                <a:ea typeface="DejaVu Sans"/>
-              </a:rPr>
-              <a:t> </a:t>
-            </a:r>
-            <a:r>
-              <a:rPr lang="fr-FR" sz="2800" b="0" strike="noStrike" spc="-1" dirty="0" err="1" smtClean="0">
-                <a:solidFill>
-                  <a:srgbClr val="000000"/>
-                </a:solidFill>
-                <a:latin typeface="Calibri"/>
-                <a:ea typeface="DejaVu Sans"/>
-              </a:rPr>
-              <a:t>Ruler</a:t>
-            </a:r>
-            <a:r>
-              <a:rPr lang="fr-FR" sz="2800" b="0" strike="noStrike" spc="-1" dirty="0" smtClean="0">
-                <a:solidFill>
-                  <a:srgbClr val="000000"/>
-                </a:solidFill>
-                <a:latin typeface="Calibri"/>
-                <a:ea typeface="DejaVu Sans"/>
-              </a:rPr>
-              <a:t> (</a:t>
-            </a:r>
-            <a:r>
-              <a:rPr lang="fr-FR" sz="2800" b="0" strike="noStrike" spc="-1" dirty="0" err="1" smtClean="0">
-                <a:solidFill>
-                  <a:srgbClr val="000000"/>
-                </a:solidFill>
-                <a:latin typeface="Calibri"/>
-                <a:ea typeface="DejaVu Sans"/>
-              </a:rPr>
-              <a:t>alerting</a:t>
-            </a:r>
-            <a:r>
-              <a:rPr lang="fr-FR" sz="2800" b="0" strike="noStrike" spc="-1" dirty="0" smtClean="0">
-                <a:solidFill>
-                  <a:srgbClr val="000000"/>
-                </a:solidFill>
-                <a:latin typeface="Calibri"/>
-                <a:ea typeface="DejaVu Sans"/>
-              </a:rPr>
-              <a:t> centralisé multi sources)</a:t>
-            </a:r>
-            <a:endParaRPr lang="fr-FR" sz="2800" b="0" strike="noStrike" spc="-1" dirty="0">
-              <a:latin typeface="Arial"/>
-            </a:endParaRPr>
-          </a:p>
-          <a:p>
-            <a:pPr marL="457200" indent="-457200">
-              <a:lnSpc>
-                <a:spcPct val="90000"/>
-              </a:lnSpc>
-              <a:spcBef>
-                <a:spcPts val="1001"/>
-              </a:spcBef>
-              <a:buFont typeface="Arial" panose="020B0604020202020204" pitchFamily="34" charset="0"/>
-              <a:buChar char="•"/>
-            </a:pPr>
-            <a:r>
-              <a:rPr lang="fr-FR" sz="2800" b="0" strike="noStrike" spc="-1" dirty="0">
-                <a:solidFill>
-                  <a:srgbClr val="000000"/>
-                </a:solidFill>
-                <a:latin typeface="Calibri"/>
-                <a:ea typeface="DejaVu Sans"/>
-              </a:rPr>
-              <a:t>Mettez à jour </a:t>
-            </a:r>
-            <a:r>
-              <a:rPr lang="fr-FR" sz="2800" b="0" strike="noStrike" spc="-1" dirty="0" err="1" smtClean="0">
-                <a:solidFill>
-                  <a:srgbClr val="000000"/>
-                </a:solidFill>
-                <a:latin typeface="Calibri"/>
-                <a:ea typeface="DejaVu Sans"/>
-              </a:rPr>
-              <a:t>Prometheus</a:t>
-            </a:r>
-            <a:endParaRPr lang="fr-FR" sz="2800" spc="-1" dirty="0">
-              <a:solidFill>
-                <a:srgbClr val="000000"/>
-              </a:solidFill>
-              <a:latin typeface="Calibri"/>
-              <a:ea typeface="DejaVu Sans"/>
-            </a:endParaRPr>
-          </a:p>
-          <a:p>
-            <a:pPr marL="914400" lvl="1" indent="-457200">
-              <a:lnSpc>
-                <a:spcPct val="90000"/>
-              </a:lnSpc>
-              <a:spcBef>
-                <a:spcPts val="1001"/>
-              </a:spcBef>
-              <a:buFont typeface="Arial" panose="020B0604020202020204" pitchFamily="34" charset="0"/>
-              <a:buChar char="•"/>
-            </a:pPr>
-            <a:r>
-              <a:rPr lang="fr-FR" sz="2800" spc="-1" dirty="0" smtClean="0">
-                <a:solidFill>
-                  <a:srgbClr val="000000"/>
-                </a:solidFill>
-                <a:latin typeface="Calibri"/>
-                <a:ea typeface="DejaVu Sans"/>
-              </a:rPr>
-              <a:t>la dernière version apporte de grandes amélioration pour </a:t>
-            </a:r>
-            <a:r>
-              <a:rPr lang="fr-FR" sz="2800" b="0" strike="noStrike" spc="-1" dirty="0" err="1" smtClean="0">
-                <a:solidFill>
-                  <a:srgbClr val="000000"/>
-                </a:solidFill>
-                <a:latin typeface="Calibri"/>
-                <a:ea typeface="DejaVu Sans"/>
-              </a:rPr>
-              <a:t>Thanos</a:t>
-            </a:r>
-            <a:endParaRPr lang="fr-FR" sz="2800" b="0" strike="noStrike" spc="-1" dirty="0" smtClean="0">
-              <a:solidFill>
-                <a:srgbClr val="000000"/>
-              </a:solidFill>
-              <a:latin typeface="Calibri"/>
-              <a:ea typeface="DejaVu Sans"/>
-            </a:endParaRPr>
-          </a:p>
-          <a:p>
-            <a:pPr lvl="2">
-              <a:lnSpc>
-                <a:spcPct val="90000"/>
-              </a:lnSpc>
-              <a:spcBef>
-                <a:spcPts val="1001"/>
-              </a:spcBef>
-            </a:pPr>
-            <a:r>
-              <a:rPr lang="fr-FR" sz="2400" u="sng" spc="-1" dirty="0" smtClean="0">
-                <a:solidFill>
-                  <a:srgbClr val="0000FF"/>
-                </a:solidFill>
-                <a:hlinkClick r:id="rId3"/>
-              </a:rPr>
-              <a:t>https</a:t>
-            </a:r>
-            <a:r>
-              <a:rPr lang="fr-FR" sz="2400" u="sng" spc="-1" dirty="0">
-                <a:solidFill>
-                  <a:srgbClr val="0000FF"/>
-                </a:solidFill>
-                <a:hlinkClick r:id="rId3"/>
-              </a:rPr>
-              <a:t>://prometheus.io/blog/2019/10/10/remote-read-meets-streaming/</a:t>
-            </a:r>
-            <a:endParaRPr lang="fr-FR" sz="2400" spc="-1" dirty="0"/>
-          </a:p>
-          <a:p>
-            <a:pPr marL="914400" lvl="1" indent="-457200">
-              <a:lnSpc>
-                <a:spcPct val="90000"/>
-              </a:lnSpc>
-              <a:spcBef>
-                <a:spcPts val="1001"/>
-              </a:spcBef>
-              <a:buFont typeface="Arial" panose="020B0604020202020204" pitchFamily="34" charset="0"/>
-              <a:buChar char="•"/>
-            </a:pPr>
-            <a:endParaRPr lang="fr-FR" sz="2800" b="0" strike="noStrike" spc="-1" dirty="0">
-              <a:latin typeface="Arial"/>
-            </a:endParaRPr>
-          </a:p>
-        </p:txBody>
-      </p:sp>
-      <p:sp>
-        <p:nvSpPr>
-          <p:cNvPr id="488" name="CustomShape 3"/>
-          <p:cNvSpPr/>
+      </p:sp>
+      <p:pic>
+        <p:nvPicPr>
+          <p:cNvPr id="491" name="Image 490"/>
+          <p:cNvPicPr/>
           <p:nvPr/>
-        </p:nvSpPr>
-        <p:spPr>
-          <a:xfrm>
-            <a:off x="4116960" y="3337560"/>
-            <a:ext cx="4042080" cy="232200"/>
-          </a:xfrm>
-          <a:prstGeom prst="rect">
-            <a:avLst/>
-          </a:prstGeom>
-          <a:noFill/>
+        </p:nvPicPr>
+        <p:blipFill>
+          <a:blip r:embed="rId2"/>
+          <a:stretch/>
+        </p:blipFill>
+        <p:spPr>
+          <a:xfrm>
+            <a:off x="2883600" y="1621800"/>
+            <a:ext cx="6420960" cy="3609720"/>
+          </a:xfrm>
+          <a:prstGeom prst="rect">
+            <a:avLst/>
+          </a:prstGeom>
           <a:ln>
             <a:noFill/>
           </a:ln>
         </p:spPr>
-        <p:style>
-          <a:lnRef idx="0">
-            <a:scrgbClr r="0" g="0" b="0"/>
-          </a:lnRef>
-          <a:fillRef idx="0">
-            <a:scrgbClr r="0" g="0" b="0"/>
-          </a:fillRef>
-          <a:effectRef idx="0">
-            <a:scrgbClr r="0" g="0" b="0"/>
-          </a:effectRef>
-          <a:fontRef idx="minor"/>
-        </p:style>
-        <p:txBody>
-          <a:bodyPr lIns="90000" tIns="45000" rIns="90000" bIns="45000"/>
-          <a:lstStyle/>
-          <a:p>
-            <a:pPr>
-              <a:lnSpc>
-                <a:spcPct val="100000"/>
-              </a:lnSpc>
-            </a:pPr>
-            <a:endParaRPr lang="fr-FR" sz="1000" b="0" strike="noStrike" spc="-1" dirty="0">
-              <a:latin typeface="Arial"/>
-            </a:endParaRPr>
-          </a:p>
-        </p:txBody>
-      </p:sp>
+      </p:pic>
     </p:spTree>
   </p:cSld>
   <p:clrMapOvr>
@@ -28168,153 +28376,6 @@
 <file path=ppt/slides/slide33.xml><?xml version="1.0" encoding="utf-8"?>
 <p:sld xmlns:a="http://schemas.openxmlformats.org/drawingml/2006/main" xmlns:r="http://schemas.openxmlformats.org/officeDocument/2006/relationships" xmlns:p="http://schemas.openxmlformats.org/presentationml/2006/main">
   <p:cSld>
-    <p:bg>
-      <p:bgPr>
-        <a:solidFill>
-          <a:srgbClr val="EEEEEE"/>
-        </a:solidFill>
-        <a:effectLst/>
-      </p:bgPr>
-    </p:bg>
-    <p:spTree>
-      <p:nvGrpSpPr>
-        <p:cNvPr id="1" name=""/>
-        <p:cNvGrpSpPr/>
-        <p:nvPr/>
-      </p:nvGrpSpPr>
-      <p:grpSpPr>
-        <a:xfrm>
-          <a:off x="0" y="0"/>
-          <a:ext cx="0" cy="0"/>
-          <a:chOff x="0" y="0"/>
-          <a:chExt cx="0" cy="0"/>
-        </a:xfrm>
-      </p:grpSpPr>
-      <p:sp>
-        <p:nvSpPr>
-          <p:cNvPr id="489" name="CustomShape 1"/>
-          <p:cNvSpPr/>
-          <p:nvPr/>
-        </p:nvSpPr>
-        <p:spPr>
-          <a:xfrm>
-            <a:off x="1523880" y="3602160"/>
-            <a:ext cx="9135360" cy="1646280"/>
-          </a:xfrm>
-          <a:prstGeom prst="rect">
-            <a:avLst/>
-          </a:prstGeom>
-          <a:noFill/>
-          <a:ln>
-            <a:noFill/>
-          </a:ln>
-        </p:spPr>
-        <p:style>
-          <a:lnRef idx="0">
-            <a:scrgbClr r="0" g="0" b="0"/>
-          </a:lnRef>
-          <a:fillRef idx="0">
-            <a:scrgbClr r="0" g="0" b="0"/>
-          </a:fillRef>
-          <a:effectRef idx="0">
-            <a:scrgbClr r="0" g="0" b="0"/>
-          </a:effectRef>
-          <a:fontRef idx="minor"/>
-        </p:style>
-      </p:sp>
-      <p:sp>
-        <p:nvSpPr>
-          <p:cNvPr id="490" name="CustomShape 2"/>
-          <p:cNvSpPr/>
-          <p:nvPr/>
-        </p:nvSpPr>
-        <p:spPr>
-          <a:xfrm>
-            <a:off x="609480" y="273600"/>
-            <a:ext cx="10967760" cy="1139040"/>
-          </a:xfrm>
-          <a:prstGeom prst="rect">
-            <a:avLst/>
-          </a:prstGeom>
-          <a:noFill/>
-          <a:ln>
-            <a:noFill/>
-          </a:ln>
-        </p:spPr>
-        <p:style>
-          <a:lnRef idx="0">
-            <a:scrgbClr r="0" g="0" b="0"/>
-          </a:lnRef>
-          <a:fillRef idx="0">
-            <a:scrgbClr r="0" g="0" b="0"/>
-          </a:fillRef>
-          <a:effectRef idx="0">
-            <a:scrgbClr r="0" g="0" b="0"/>
-          </a:effectRef>
-          <a:fontRef idx="minor"/>
-        </p:style>
-      </p:sp>
-      <p:pic>
-        <p:nvPicPr>
-          <p:cNvPr id="491" name="Image 490"/>
-          <p:cNvPicPr/>
-          <p:nvPr/>
-        </p:nvPicPr>
-        <p:blipFill>
-          <a:blip r:embed="rId2"/>
-          <a:stretch/>
-        </p:blipFill>
-        <p:spPr>
-          <a:xfrm>
-            <a:off x="2883600" y="1621800"/>
-            <a:ext cx="6420960" cy="3609720"/>
-          </a:xfrm>
-          <a:prstGeom prst="rect">
-            <a:avLst/>
-          </a:prstGeom>
-          <a:ln>
-            <a:noFill/>
-          </a:ln>
-        </p:spPr>
-      </p:pic>
-    </p:spTree>
-  </p:cSld>
-  <p:clrMapOvr>
-    <a:masterClrMapping/>
-  </p:clrMapOvr>
-  <p:timing>
-    <p:tnLst>
-      <p:par>
-        <p:cTn id="1" dur="indefinite" restart="never" nodeType="tmRoot">
-          <p:childTnLst>
-            <p:seq>
-              <p:cTn id="2" dur="indefinite" nodeType="mainSeq"/>
-              <p:prevCondLst>
-                <p:cond evt="onPrev" delay="0">
-                  <p:tgtEl>
-                    <p:sldTgt/>
-                  </p:tgtEl>
-                </p:cond>
-              </p:prevCondLst>
-              <p:nextCondLst>
-                <p:cond evt="onNext" delay="0">
-                  <p:tgtEl>
-                    <p:sldTgt/>
-                  </p:tgtEl>
-                </p:cond>
-              </p:nextCondLst>
-            </p:seq>
-          </p:childTnLst>
-        </p:cTn>
-      </p:par>
-    </p:tnLst>
-  </p:timing>
-</p:sld>
-</file>
-
-<file path=ppt/slides/slide34.xml><?xml version="1.0" encoding="utf-8"?>
-<p:sld xmlns:a="http://schemas.openxmlformats.org/drawingml/2006/main" xmlns:r="http://schemas.openxmlformats.org/officeDocument/2006/relationships" xmlns:p="http://schemas.openxmlformats.org/presentationml/2006/main">
-  <p:cSld>
     <p:spTree>
       <p:nvGrpSpPr>
         <p:cNvPr id="1" name=""/>
@@ -28413,333 +28474,6 @@
   <p:clrMapOvr>
     <a:masterClrMapping/>
   </p:clrMapOvr>
-  <p:timing>
-    <p:tnLst>
-      <p:par>
-        <p:cTn id="1" dur="indefinite" restart="never" nodeType="tmRoot">
-          <p:childTnLst>
-            <p:seq>
-              <p:cTn id="2" dur="indefinite" nodeType="mainSeq"/>
-              <p:prevCondLst>
-                <p:cond evt="onPrev" delay="0">
-                  <p:tgtEl>
-                    <p:sldTgt/>
-                  </p:tgtEl>
-                </p:cond>
-              </p:prevCondLst>
-              <p:nextCondLst>
-                <p:cond evt="onNext" delay="0">
-                  <p:tgtEl>
-                    <p:sldTgt/>
-                  </p:tgtEl>
-                </p:cond>
-              </p:nextCondLst>
-            </p:seq>
-          </p:childTnLst>
-        </p:cTn>
-      </p:par>
-    </p:tnLst>
-  </p:timing>
-</p:sld>
-</file>
-
-<file path=ppt/slides/slide35.xml><?xml version="1.0" encoding="utf-8"?>
-<p:sld xmlns:a="http://schemas.openxmlformats.org/drawingml/2006/main" xmlns:r="http://schemas.openxmlformats.org/officeDocument/2006/relationships" xmlns:p="http://schemas.openxmlformats.org/presentationml/2006/main" show="0">
-  <p:cSld>
-    <p:spTree>
-      <p:nvGrpSpPr>
-        <p:cNvPr id="1" name=""/>
-        <p:cNvGrpSpPr/>
-        <p:nvPr/>
-      </p:nvGrpSpPr>
-      <p:grpSpPr>
-        <a:xfrm>
-          <a:off x="0" y="0"/>
-          <a:ext cx="0" cy="0"/>
-          <a:chOff x="0" y="0"/>
-          <a:chExt cx="0" cy="0"/>
-        </a:xfrm>
-      </p:grpSpPr>
-      <p:sp>
-        <p:nvSpPr>
-          <p:cNvPr id="486" name="CustomShape 1"/>
-          <p:cNvSpPr/>
-          <p:nvPr/>
-        </p:nvSpPr>
-        <p:spPr>
-          <a:xfrm>
-            <a:off x="838080" y="365040"/>
-            <a:ext cx="10507320" cy="630360"/>
-          </a:xfrm>
-          <a:prstGeom prst="rect">
-            <a:avLst/>
-          </a:prstGeom>
-          <a:noFill/>
-          <a:ln>
-            <a:noFill/>
-          </a:ln>
-        </p:spPr>
-        <p:style>
-          <a:lnRef idx="0">
-            <a:scrgbClr r="0" g="0" b="0"/>
-          </a:lnRef>
-          <a:fillRef idx="0">
-            <a:scrgbClr r="0" g="0" b="0"/>
-          </a:fillRef>
-          <a:effectRef idx="0">
-            <a:scrgbClr r="0" g="0" b="0"/>
-          </a:effectRef>
-          <a:fontRef idx="minor"/>
-        </p:style>
-        <p:txBody>
-          <a:bodyPr lIns="90000" tIns="45000" rIns="90000" bIns="45000" anchor="ctr">
-            <a:normAutofit lnSpcReduction="10000"/>
-          </a:bodyPr>
-          <a:lstStyle/>
-          <a:p>
-            <a:pPr>
-              <a:lnSpc>
-                <a:spcPct val="90000"/>
-              </a:lnSpc>
-            </a:pPr>
-            <a:r>
-              <a:rPr lang="fr-FR" sz="4400" b="0" strike="noStrike" spc="-1" dirty="0" err="1" smtClean="0">
-                <a:solidFill>
-                  <a:srgbClr val="CE181E"/>
-                </a:solidFill>
-                <a:latin typeface="Ubuntu"/>
-                <a:ea typeface="DejaVu Sans"/>
-              </a:rPr>
-              <a:t>Thanos</a:t>
-            </a:r>
-            <a:r>
-              <a:rPr lang="fr-FR" sz="4400" b="0" strike="noStrike" spc="-1" dirty="0" smtClean="0">
-                <a:solidFill>
-                  <a:srgbClr val="CE181E"/>
-                </a:solidFill>
-                <a:latin typeface="Ubuntu"/>
-                <a:ea typeface="DejaVu Sans"/>
-              </a:rPr>
-              <a:t> vs Cortex</a:t>
-            </a:r>
-            <a:endParaRPr lang="fr-FR" sz="4400" b="0" strike="noStrike" spc="-1" dirty="0">
-              <a:latin typeface="Ubuntu"/>
-            </a:endParaRPr>
-          </a:p>
-        </p:txBody>
-      </p:sp>
-      <p:sp>
-        <p:nvSpPr>
-          <p:cNvPr id="487" name="CustomShape 2"/>
-          <p:cNvSpPr/>
-          <p:nvPr/>
-        </p:nvSpPr>
-        <p:spPr>
-          <a:xfrm>
-            <a:off x="838080" y="1310760"/>
-            <a:ext cx="10507320" cy="4964760"/>
-          </a:xfrm>
-          <a:prstGeom prst="rect">
-            <a:avLst/>
-          </a:prstGeom>
-          <a:noFill/>
-          <a:ln>
-            <a:noFill/>
-          </a:ln>
-        </p:spPr>
-        <p:style>
-          <a:lnRef idx="0">
-            <a:scrgbClr r="0" g="0" b="0"/>
-          </a:lnRef>
-          <a:fillRef idx="0">
-            <a:scrgbClr r="0" g="0" b="0"/>
-          </a:fillRef>
-          <a:effectRef idx="0">
-            <a:scrgbClr r="0" g="0" b="0"/>
-          </a:effectRef>
-          <a:fontRef idx="minor"/>
-        </p:style>
-        <p:txBody>
-          <a:bodyPr lIns="90000" tIns="45000" rIns="90000" bIns="45000">
-            <a:normAutofit/>
-          </a:bodyPr>
-          <a:lstStyle/>
-          <a:p>
-            <a:pPr>
-              <a:lnSpc>
-                <a:spcPct val="90000"/>
-              </a:lnSpc>
-              <a:spcBef>
-                <a:spcPts val="1001"/>
-              </a:spcBef>
-            </a:pPr>
-            <a:r>
-              <a:rPr lang="fr-FR" sz="2800" b="0" strike="noStrike" spc="-1" dirty="0" err="1">
-                <a:solidFill>
-                  <a:srgbClr val="000000"/>
-                </a:solidFill>
-                <a:latin typeface="Calibri"/>
-                <a:ea typeface="DejaVu Sans"/>
-              </a:rPr>
-              <a:t>Downsampling</a:t>
-            </a:r>
-            <a:endParaRPr lang="fr-FR" sz="2800" b="0" strike="noStrike" spc="-1" dirty="0">
-              <a:latin typeface="Arial"/>
-            </a:endParaRPr>
-          </a:p>
-          <a:p>
-            <a:pPr>
-              <a:lnSpc>
-                <a:spcPct val="90000"/>
-              </a:lnSpc>
-              <a:spcBef>
-                <a:spcPts val="1001"/>
-              </a:spcBef>
-            </a:pPr>
-            <a:r>
-              <a:rPr lang="fr-FR" sz="2800" b="0" strike="noStrike" spc="-1" dirty="0" err="1">
-                <a:solidFill>
-                  <a:srgbClr val="000000"/>
-                </a:solidFill>
-                <a:latin typeface="Calibri"/>
-                <a:ea typeface="DejaVu Sans"/>
-              </a:rPr>
-              <a:t>Ruler</a:t>
-            </a:r>
-            <a:endParaRPr lang="fr-FR" sz="2800" b="0" strike="noStrike" spc="-1" dirty="0">
-              <a:latin typeface="Arial"/>
-            </a:endParaRPr>
-          </a:p>
-          <a:p>
-            <a:pPr>
-              <a:lnSpc>
-                <a:spcPct val="90000"/>
-              </a:lnSpc>
-              <a:spcBef>
-                <a:spcPts val="1001"/>
-              </a:spcBef>
-            </a:pPr>
-            <a:r>
-              <a:rPr lang="fr-FR" sz="2800" b="0" strike="noStrike" spc="-1" dirty="0">
-                <a:solidFill>
-                  <a:srgbClr val="000000"/>
-                </a:solidFill>
-                <a:latin typeface="Calibri"/>
-                <a:ea typeface="DejaVu Sans"/>
-              </a:rPr>
-              <a:t>Mettez à jour </a:t>
-            </a:r>
-            <a:r>
-              <a:rPr lang="fr-FR" sz="2800" b="0" strike="noStrike" spc="-1" dirty="0" err="1">
-                <a:solidFill>
-                  <a:srgbClr val="000000"/>
-                </a:solidFill>
-                <a:latin typeface="Calibri"/>
-                <a:ea typeface="DejaVu Sans"/>
-              </a:rPr>
-              <a:t>Prometheus</a:t>
-            </a:r>
-            <a:r>
-              <a:rPr lang="fr-FR" sz="2800" b="0" strike="noStrike" spc="-1" dirty="0">
-                <a:solidFill>
-                  <a:srgbClr val="000000"/>
-                </a:solidFill>
-                <a:latin typeface="Calibri"/>
-                <a:ea typeface="DejaVu Sans"/>
-              </a:rPr>
-              <a:t> &amp; </a:t>
-            </a:r>
-            <a:r>
-              <a:rPr lang="fr-FR" sz="2800" b="0" strike="noStrike" spc="-1" dirty="0" err="1">
-                <a:solidFill>
-                  <a:srgbClr val="000000"/>
-                </a:solidFill>
-                <a:latin typeface="Calibri"/>
-                <a:ea typeface="DejaVu Sans"/>
-              </a:rPr>
-              <a:t>Thanos</a:t>
-            </a:r>
-            <a:endParaRPr lang="fr-FR" sz="2800" b="0" strike="noStrike" spc="-1" dirty="0">
-              <a:latin typeface="Arial"/>
-            </a:endParaRPr>
-          </a:p>
-        </p:txBody>
-      </p:sp>
-      <p:sp>
-        <p:nvSpPr>
-          <p:cNvPr id="488" name="CustomShape 3"/>
-          <p:cNvSpPr/>
-          <p:nvPr/>
-        </p:nvSpPr>
-        <p:spPr>
-          <a:xfrm>
-            <a:off x="4116960" y="3337560"/>
-            <a:ext cx="4042080" cy="232200"/>
-          </a:xfrm>
-          <a:prstGeom prst="rect">
-            <a:avLst/>
-          </a:prstGeom>
-          <a:noFill/>
-          <a:ln>
-            <a:noFill/>
-          </a:ln>
-        </p:spPr>
-        <p:style>
-          <a:lnRef idx="0">
-            <a:scrgbClr r="0" g="0" b="0"/>
-          </a:lnRef>
-          <a:fillRef idx="0">
-            <a:scrgbClr r="0" g="0" b="0"/>
-          </a:fillRef>
-          <a:effectRef idx="0">
-            <a:scrgbClr r="0" g="0" b="0"/>
-          </a:effectRef>
-          <a:fontRef idx="minor"/>
-        </p:style>
-        <p:txBody>
-          <a:bodyPr lIns="90000" tIns="45000" rIns="90000" bIns="45000"/>
-          <a:lstStyle/>
-          <a:p>
-            <a:pPr>
-              <a:lnSpc>
-                <a:spcPct val="100000"/>
-              </a:lnSpc>
-            </a:pPr>
-            <a:r>
-              <a:rPr lang="fr-FR" sz="1000" b="0" u="sng" strike="noStrike" spc="-1">
-                <a:solidFill>
-                  <a:srgbClr val="0000FF"/>
-                </a:solidFill>
-                <a:uFillTx/>
-                <a:latin typeface="Arial"/>
-                <a:hlinkClick r:id="rId3"/>
-              </a:rPr>
-              <a:t>https://prometheus.io/blog/2019/10/10/remote-read-meets-streaming/</a:t>
-            </a:r>
-            <a:endParaRPr lang="fr-FR" sz="1000" b="0" strike="noStrike" spc="-1">
-              <a:latin typeface="Arial"/>
-            </a:endParaRPr>
-          </a:p>
-        </p:txBody>
-      </p:sp>
-    </p:spTree>
-    <p:extLst>
-      <p:ext uri="{BB962C8B-B14F-4D97-AF65-F5344CB8AC3E}">
-        <p14:creationId xmlns:p14="http://schemas.microsoft.com/office/powerpoint/2010/main" val="3782258902"/>
-      </p:ext>
-    </p:extLst>
-  </p:cSld>
-  <p:clrMapOvr>
-    <a:masterClrMapping/>
-  </p:clrMapOvr>
-  <mc:AlternateContent xmlns:mc="http://schemas.openxmlformats.org/markup-compatibility/2006">
-    <mc:Choice xmlns:p14="http://schemas.microsoft.com/office/powerpoint/2010/main" Requires="p14">
-      <p:transition spd="slow" p14:dur="2000"/>
-    </mc:Choice>
-    <mc:Fallback>
-      <p:transition spd="slow"/>
-    </mc:Fallback>
-  </mc:AlternateContent>
   <p:timing>
     <p:tnLst>
       <p:par>
@@ -29569,7 +29303,9 @@
           </a:prstGeom>
           <a:noFill/>
           <a:ln>
-            <a:noFill/>
+            <a:solidFill>
+              <a:srgbClr val="0070C0"/>
+            </a:solidFill>
           </a:ln>
         </p:spPr>
         <p:style>
@@ -29710,7 +29446,7 @@
             <a:r>
               <a:rPr lang="fr-FR" sz="2400" b="1" strike="noStrike" spc="-1" dirty="0">
                 <a:solidFill>
-                  <a:srgbClr val="000000"/>
+                  <a:schemeClr val="accent1"/>
                 </a:solidFill>
                 <a:latin typeface="Ubuntu"/>
                 <a:ea typeface="DejaVu Sans"/>
@@ -29720,7 +29456,7 @@
             <a:r>
               <a:rPr lang="fr-FR" sz="2400" b="1" strike="noStrike" spc="-1" dirty="0" err="1">
                 <a:solidFill>
-                  <a:srgbClr val="000000"/>
+                  <a:schemeClr val="accent1"/>
                 </a:solidFill>
                 <a:latin typeface="Ubuntu"/>
                 <a:ea typeface="DejaVu Sans"/>
@@ -29730,7 +29466,7 @@
             <a:r>
               <a:rPr lang="fr-FR" sz="2400" b="1" strike="noStrike" spc="-1" dirty="0">
                 <a:solidFill>
-                  <a:srgbClr val="000000"/>
+                  <a:schemeClr val="accent1"/>
                 </a:solidFill>
                 <a:latin typeface="Ubuntu"/>
                 <a:ea typeface="DejaVu Sans"/>
@@ -29738,53 +29474,21 @@
               <a:t> #Cloud #K8s #</a:t>
             </a:r>
             <a:r>
-              <a:rPr lang="fr-FR" sz="2400" b="1" strike="noStrike" spc="-1" dirty="0" err="1">
+              <a:rPr lang="fr-FR" sz="2400" b="1" strike="noStrike" spc="-1" dirty="0" err="1" smtClean="0">
                 <a:solidFill>
-                  <a:srgbClr val="000000"/>
+                  <a:schemeClr val="accent1"/>
                 </a:solidFill>
                 <a:latin typeface="Ubuntu"/>
                 <a:ea typeface="DejaVu Sans"/>
               </a:rPr>
               <a:t>InfraAsCode</a:t>
             </a:r>
-            <a:endParaRPr lang="fr-FR" sz="2400" b="0" strike="noStrike" spc="-1" dirty="0">
-              <a:latin typeface="Arial"/>
-            </a:endParaRPr>
-          </a:p>
-          <a:p>
-            <a:pPr>
-              <a:lnSpc>
-                <a:spcPct val="150000"/>
-              </a:lnSpc>
-              <a:spcBef>
-                <a:spcPts val="1001"/>
-              </a:spcBef>
-            </a:pPr>
-            <a:endParaRPr lang="fr-FR" sz="2400" b="0" strike="noStrike" spc="-1" dirty="0">
-              <a:latin typeface="Arial"/>
-            </a:endParaRPr>
-          </a:p>
-          <a:p>
-            <a:pPr>
-              <a:lnSpc>
-                <a:spcPct val="150000"/>
-              </a:lnSpc>
-              <a:spcBef>
-                <a:spcPts val="1001"/>
-              </a:spcBef>
-            </a:pPr>
-            <a:r>
-              <a:rPr lang="fr-FR" sz="2800" b="0" strike="noStrike" spc="-1" dirty="0">
-                <a:solidFill>
-                  <a:srgbClr val="000000"/>
-                </a:solidFill>
-                <a:latin typeface="Ubuntu"/>
-                <a:ea typeface="DejaVu Sans"/>
-              </a:rPr>
-              <a:t>Et plein d’autres encore !!</a:t>
-            </a:r>
-            <a:endParaRPr lang="fr-FR" sz="2800" b="0" strike="noStrike" spc="-1" dirty="0">
-              <a:latin typeface="Arial"/>
+            <a:endParaRPr lang="fr-FR" sz="2400" b="1" strike="noStrike" spc="-1" dirty="0" smtClean="0">
+              <a:solidFill>
+                <a:schemeClr val="accent1"/>
+              </a:solidFill>
+              <a:latin typeface="Ubuntu"/>
+              <a:ea typeface="DejaVu Sans"/>
             </a:endParaRPr>
           </a:p>
           <a:p>
@@ -29803,28 +29507,81 @@
               <a:buChar char=""/>
             </a:pPr>
             <a:r>
-              <a:rPr lang="fr-FR" sz="2600" b="0" strike="noStrike" spc="-1" dirty="0">
+              <a:rPr lang="fr-FR" sz="2400" spc="-1" dirty="0" smtClean="0">
+                <a:solidFill>
+                  <a:srgbClr val="000000"/>
+                </a:solidFill>
+                <a:latin typeface="Ubuntu"/>
+              </a:rPr>
+              <a:t>Viens m’en parler après le talk</a:t>
+            </a:r>
+            <a:endParaRPr lang="fr-FR" sz="2400" strike="noStrike" spc="-1" dirty="0">
+              <a:latin typeface="Arial"/>
+            </a:endParaRPr>
+          </a:p>
+          <a:p>
+            <a:pPr>
+              <a:lnSpc>
+                <a:spcPct val="150000"/>
+              </a:lnSpc>
+              <a:spcBef>
+                <a:spcPts val="1001"/>
+              </a:spcBef>
+            </a:pPr>
+            <a:endParaRPr lang="fr-FR" sz="2400" b="0" strike="noStrike" spc="-1" dirty="0">
+              <a:latin typeface="Arial"/>
+            </a:endParaRPr>
+          </a:p>
+          <a:p>
+            <a:pPr>
+              <a:lnSpc>
+                <a:spcPct val="150000"/>
+              </a:lnSpc>
+              <a:spcBef>
+                <a:spcPts val="1001"/>
+              </a:spcBef>
+            </a:pPr>
+            <a:r>
+              <a:rPr lang="fr-FR" sz="2800" b="0" strike="noStrike" spc="-1" dirty="0">
                 <a:solidFill>
                   <a:srgbClr val="000000"/>
                 </a:solidFill>
                 <a:latin typeface="Ubuntu"/>
                 <a:ea typeface="DejaVu Sans"/>
               </a:rPr>
-              <a:t>GOTO </a:t>
-            </a:r>
-            <a:r>
-              <a:rPr lang="fr-FR" sz="2600" b="0" u="sng" strike="noStrike" spc="-1" dirty="0">
+              <a:t>Et plein d’autres encore !!</a:t>
+            </a:r>
+            <a:endParaRPr lang="fr-FR" sz="2800" b="0" strike="noStrike" spc="-1" dirty="0">
+              <a:latin typeface="Arial"/>
+            </a:endParaRPr>
+          </a:p>
+          <a:p>
+            <a:pPr marL="432000" lvl="1" indent="-210600">
+              <a:lnSpc>
+                <a:spcPct val="150000"/>
+              </a:lnSpc>
+              <a:spcBef>
+                <a:spcPts val="1001"/>
+              </a:spcBef>
+              <a:buClr>
+                <a:srgbClr val="000000"/>
+              </a:buClr>
+              <a:buSzPct val="45000"/>
+              <a:buFont typeface="Wingdings" charset="2"/>
+              <a:buChar char=""/>
+            </a:pPr>
+            <a:r>
+              <a:rPr lang="fr-FR" sz="2600" b="0" strike="noStrike" spc="-1" dirty="0" smtClean="0">
                 <a:solidFill>
-                  <a:srgbClr val="0066B3"/>
+                  <a:srgbClr val="000000"/>
                 </a:solidFill>
-                <a:uFillTx/>
                 <a:latin typeface="Ubuntu"/>
                 <a:ea typeface="DejaVu Sans"/>
               </a:rPr>
-              <a:t>www.</a:t>
-            </a:r>
-            <a:r>
-              <a:rPr lang="fr-FR" sz="2600" b="0" u="sng" strike="noStrike" spc="-1" dirty="0">
+              <a:t>GOTO </a:t>
+            </a:r>
+            <a:r>
+              <a:rPr lang="fr-FR" sz="2600" b="0" u="sng" strike="noStrike" spc="-1" dirty="0" smtClean="0">
                 <a:solidFill>
                   <a:srgbClr val="0000FF"/>
                 </a:solidFill>
@@ -29833,7 +29590,7 @@
                 <a:ea typeface="DejaVu Sans"/>
                 <a:hlinkClick r:id="rId3"/>
               </a:rPr>
-              <a:t>lectra.com/fr/carrieres</a:t>
+              <a:t>www.lectra.com/fr/carrieres</a:t>
             </a:r>
             <a:endParaRPr lang="fr-FR" sz="2600" b="0" strike="noStrike" spc="-1" dirty="0">
               <a:latin typeface="Arial"/>
@@ -30036,16 +29793,55 @@
               </a:lnSpc>
             </a:pPr>
             <a:r>
-              <a:rPr lang="fr-FR" sz="5400" b="0" strike="noStrike" spc="-1">
+              <a:rPr lang="fr-FR" sz="5400" b="0" strike="noStrike" spc="-1" dirty="0" err="1">
                 <a:solidFill>
                   <a:srgbClr val="000000"/>
                 </a:solidFill>
                 <a:latin typeface="Arial"/>
                 <a:ea typeface="DejaVu Sans"/>
               </a:rPr>
-              <a:t>Previously in Prometheus</a:t>
-            </a:r>
-            <a:endParaRPr lang="fr-FR" sz="5400" b="0" strike="noStrike" spc="-1">
+              <a:t>Previously</a:t>
+            </a:r>
+            <a:r>
+              <a:rPr lang="fr-FR" sz="5400" b="0" strike="noStrike" spc="-1" dirty="0">
+                <a:solidFill>
+                  <a:srgbClr val="000000"/>
+                </a:solidFill>
+                <a:latin typeface="Arial"/>
+                <a:ea typeface="DejaVu Sans"/>
+              </a:rPr>
+              <a:t> in </a:t>
+            </a:r>
+            <a:r>
+              <a:rPr lang="fr-FR" sz="5400" b="0" strike="noStrike" spc="-1" dirty="0" smtClean="0">
+                <a:solidFill>
+                  <a:srgbClr val="000000"/>
+                </a:solidFill>
+                <a:latin typeface="Arial"/>
+                <a:ea typeface="DejaVu Sans"/>
+              </a:rPr>
+              <a:t/>
+            </a:r>
+            <a:br>
+              <a:rPr lang="fr-FR" sz="5400" b="0" strike="noStrike" spc="-1" dirty="0" smtClean="0">
+                <a:solidFill>
+                  <a:srgbClr val="000000"/>
+                </a:solidFill>
+                <a:latin typeface="Arial"/>
+                <a:ea typeface="DejaVu Sans"/>
+              </a:rPr>
+            </a:br>
+            <a:r>
+              <a:rPr lang="fr-FR" sz="5400" b="0" strike="noStrike" spc="-1" dirty="0" err="1" smtClean="0">
+                <a:solidFill>
+                  <a:srgbClr val="000000"/>
+                </a:solidFill>
+                <a:latin typeface="Arial"/>
+                <a:ea typeface="DejaVu Sans"/>
+              </a:rPr>
+              <a:t>Prometheus</a:t>
+            </a:r>
+            <a:endParaRPr lang="fr-FR" sz="5400" b="0" strike="noStrike" spc="-1" dirty="0">
               <a:latin typeface="Arial"/>
             </a:endParaRPr>
           </a:p>
@@ -30063,8 +29859,8 @@
         </p:blipFill>
         <p:spPr>
           <a:xfrm>
-            <a:off x="9832320" y="3960000"/>
-            <a:ext cx="2046600" cy="2760840"/>
+            <a:off x="8783515" y="2971800"/>
+            <a:ext cx="3095405" cy="3749040"/>
           </a:xfrm>
           <a:prstGeom prst="rect">
             <a:avLst/>
@@ -30630,7 +30426,7 @@
         <p:spPr>
           <a:xfrm>
             <a:off x="4702320" y="2485440"/>
-            <a:ext cx="2929680" cy="3346560"/>
+            <a:ext cx="2929680" cy="4178596"/>
           </a:xfrm>
           <a:prstGeom prst="rect">
             <a:avLst/>
@@ -31220,7 +31016,7 @@
         </p:blipFill>
         <p:spPr>
           <a:xfrm>
-            <a:off x="5076000" y="1368000"/>
+            <a:off x="5008909" y="1368000"/>
             <a:ext cx="1008000" cy="905400"/>
           </a:xfrm>
           <a:prstGeom prst="rect">
@@ -31239,7 +31035,7 @@
         </p:nvSpPr>
         <p:spPr>
           <a:xfrm flipV="1">
-            <a:off x="5580000" y="2273400"/>
+            <a:off x="5512909" y="2273400"/>
             <a:ext cx="0" cy="534600"/>
           </a:xfrm>
           <a:prstGeom prst="line">
@@ -31707,6 +31503,130 @@
               <a:schemeClr val="tx1"/>
             </a:solidFill>
             <a:tailEnd type="triangle"/>
+          </a:ln>
+        </p:spPr>
+        <p:style>
+          <a:lnRef idx="1">
+            <a:schemeClr val="accent1"/>
+          </a:lnRef>
+          <a:fillRef idx="0">
+            <a:schemeClr val="accent1"/>
+          </a:fillRef>
+          <a:effectRef idx="0">
+            <a:schemeClr val="accent1"/>
+          </a:effectRef>
+          <a:fontRef idx="minor">
+            <a:schemeClr val="tx1"/>
+          </a:fontRef>
+        </p:style>
+      </p:cxnSp>
+      <p:sp>
+        <p:nvSpPr>
+          <p:cNvPr id="32" name="CustomShape 4"/>
+          <p:cNvSpPr/>
+          <p:nvPr/>
+        </p:nvSpPr>
+        <p:spPr>
+          <a:xfrm>
+            <a:off x="4968000" y="5938560"/>
+            <a:ext cx="1152000" cy="648000"/>
+          </a:xfrm>
+          <a:prstGeom prst="rect">
+            <a:avLst/>
+          </a:prstGeom>
+          <a:solidFill>
+            <a:srgbClr val="729FCF"/>
+          </a:solidFill>
+          <a:ln>
+            <a:solidFill>
+              <a:srgbClr val="000000"/>
+            </a:solidFill>
+          </a:ln>
+        </p:spPr>
+        <p:style>
+          <a:lnRef idx="0">
+            <a:scrgbClr r="0" g="0" b="0"/>
+          </a:lnRef>
+          <a:fillRef idx="0">
+            <a:scrgbClr r="0" g="0" b="0"/>
+          </a:fillRef>
+          <a:effectRef idx="0">
+            <a:scrgbClr r="0" g="0" b="0"/>
+          </a:effectRef>
+          <a:fontRef idx="minor"/>
+        </p:style>
+        <p:txBody>
+          <a:bodyPr wrap="none" lIns="90000" tIns="45000" rIns="90000" bIns="45000" anchor="ctr"/>
+          <a:lstStyle/>
+          <a:p>
+            <a:pPr algn="ctr"/>
+            <a:r>
+              <a:rPr lang="fr-FR" sz="1800" b="0" strike="noStrike" spc="-1" dirty="0" smtClean="0">
+                <a:latin typeface="Arial"/>
+              </a:rPr>
+              <a:t>Compact</a:t>
+            </a:r>
+            <a:endParaRPr lang="fr-FR" sz="1800" b="0" strike="noStrike" spc="-1" dirty="0">
+              <a:latin typeface="Arial"/>
+            </a:endParaRPr>
+          </a:p>
+        </p:txBody>
+      </p:sp>
+      <p:sp>
+        <p:nvSpPr>
+          <p:cNvPr id="38" name="Line 10"/>
+          <p:cNvSpPr/>
+          <p:nvPr/>
+        </p:nvSpPr>
+        <p:spPr>
+          <a:xfrm flipH="1" flipV="1">
+            <a:off x="6704400" y="5687999"/>
+            <a:ext cx="1200" cy="576275"/>
+          </a:xfrm>
+          <a:prstGeom prst="line">
+            <a:avLst/>
+          </a:prstGeom>
+          <a:ln w="38100">
+            <a:solidFill>
+              <a:srgbClr val="000000"/>
+            </a:solidFill>
+            <a:tailEnd type="triangle" w="med" len="med"/>
+          </a:ln>
+        </p:spPr>
+        <p:style>
+          <a:lnRef idx="0">
+            <a:scrgbClr r="0" g="0" b="0"/>
+          </a:lnRef>
+          <a:fillRef idx="0">
+            <a:scrgbClr r="0" g="0" b="0"/>
+          </a:fillRef>
+          <a:effectRef idx="0">
+            <a:scrgbClr r="0" g="0" b="0"/>
+          </a:effectRef>
+          <a:fontRef idx="minor"/>
+        </p:style>
+      </p:sp>
+      <p:cxnSp>
+        <p:nvCxnSpPr>
+          <p:cNvPr id="11" name="Connecteur droit 10"/>
+          <p:cNvCxnSpPr>
+            <a:stCxn id="38" idx="0"/>
+            <a:endCxn id="32" idx="3"/>
+          </p:cNvCxnSpPr>
+          <p:nvPr/>
+        </p:nvCxnSpPr>
+        <p:spPr>
+          <a:xfrm flipH="1" flipV="1">
+            <a:off x="6120000" y="6262560"/>
+            <a:ext cx="585600" cy="1714"/>
+          </a:xfrm>
+          <a:prstGeom prst="line">
+            <a:avLst/>
+          </a:prstGeom>
+          <a:ln w="38100">
+            <a:solidFill>
+              <a:schemeClr val="tx1"/>
+            </a:solidFill>
           </a:ln>
         </p:spPr>
         <p:style>

--- a/binaries/CNCF_meetup6_Thanos.pptx
+++ b/binaries/CNCF_meetup6_Thanos.pptx
@@ -27884,17 +27884,7 @@
                 <a:latin typeface="Calibri"/>
                 <a:ea typeface="DejaVu Sans"/>
               </a:rPr>
-              <a:t> centralisé multi sources</a:t>
-            </a:r>
-            <a:r>
-              <a:rPr lang="fr-FR" sz="2800" b="0" strike="noStrike" spc="-1" dirty="0" smtClean="0">
-                <a:solidFill>
-                  <a:srgbClr val="000000"/>
-                </a:solidFill>
-                <a:latin typeface="Calibri"/>
-                <a:ea typeface="DejaVu Sans"/>
-              </a:rPr>
-              <a:t>)</a:t>
+              <a:t> centralisé multi sources)</a:t>
             </a:r>
           </a:p>
           <a:p>
@@ -28006,27 +27996,7 @@
                 <a:latin typeface="Calibri"/>
                 <a:ea typeface="DejaVu Sans"/>
               </a:rPr>
-              <a:t>apporte </a:t>
-            </a:r>
-            <a:r>
-              <a:rPr lang="fr-FR" sz="2800" spc="-1" dirty="0" smtClean="0">
-                <a:solidFill>
-                  <a:srgbClr val="000000"/>
-                </a:solidFill>
-                <a:latin typeface="Calibri"/>
-                <a:ea typeface="DejaVu Sans"/>
-              </a:rPr>
-              <a:t>de grandes </a:t>
-            </a:r>
-            <a:r>
-              <a:rPr lang="fr-FR" sz="2800" spc="-1" dirty="0" smtClean="0">
-                <a:solidFill>
-                  <a:srgbClr val="000000"/>
-                </a:solidFill>
-                <a:latin typeface="Calibri"/>
-                <a:ea typeface="DejaVu Sans"/>
-              </a:rPr>
-              <a:t>améliorations CPU/RAM/latence pour </a:t>
+              <a:t>apporte de grandes améliorations CPU/RAM/latence pour </a:t>
             </a:r>
             <a:r>
               <a:rPr lang="fr-FR" sz="2800" spc="-1" dirty="0" err="1" smtClean="0">
@@ -29303,9 +29273,7 @@
           </a:prstGeom>
           <a:noFill/>
           <a:ln>
-            <a:solidFill>
-              <a:srgbClr val="0070C0"/>
-            </a:solidFill>
+            <a:noFill/>
           </a:ln>
         </p:spPr>
         <p:style>
